--- a/translations/en-us/intermediate/ColorFollowerSensor.pptx
+++ b/translations/en-us/intermediate/ColorFollowerSensor.pptx
@@ -1,29 +1,27 @@
 
 <file path=ppt/presentation.xml><?xml version="1.0" encoding="utf-8"?>
-<p:presentation xmlns:a="http://schemas.openxmlformats.org/drawingml/2006/main" xmlns:r="http://schemas.openxmlformats.org/officeDocument/2006/relationships" xmlns:p="http://schemas.openxmlformats.org/presentationml/2006/main" saveSubsetFonts="1" autoCompressPictures="0">
+<p:presentation xmlns:a="http://schemas.openxmlformats.org/drawingml/2006/main" xmlns:r="http://schemas.openxmlformats.org/officeDocument/2006/relationships" xmlns:p="http://schemas.openxmlformats.org/presentationml/2006/main" showSpecialPlsOnTitleSld="0" saveSubsetFonts="1" autoCompressPictures="0">
   <p:sldMasterIdLst>
     <p:sldMasterId id="2147483714" r:id="rId1"/>
   </p:sldMasterIdLst>
   <p:notesMasterIdLst>
-    <p:notesMasterId r:id="rId15"/>
+    <p:notesMasterId r:id="rId13"/>
   </p:notesMasterIdLst>
   <p:handoutMasterIdLst>
-    <p:handoutMasterId r:id="rId16"/>
+    <p:handoutMasterId r:id="rId14"/>
   </p:handoutMasterIdLst>
   <p:sldIdLst>
     <p:sldId id="381" r:id="rId2"/>
     <p:sldId id="383" r:id="rId3"/>
-    <p:sldId id="371" r:id="rId4"/>
-    <p:sldId id="386" r:id="rId5"/>
-    <p:sldId id="385" r:id="rId6"/>
-    <p:sldId id="373" r:id="rId7"/>
-    <p:sldId id="374" r:id="rId8"/>
-    <p:sldId id="375" r:id="rId9"/>
-    <p:sldId id="376" r:id="rId10"/>
-    <p:sldId id="377" r:id="rId11"/>
-    <p:sldId id="378" r:id="rId12"/>
-    <p:sldId id="384" r:id="rId13"/>
-    <p:sldId id="382" r:id="rId14"/>
+    <p:sldId id="386" r:id="rId4"/>
+    <p:sldId id="385" r:id="rId5"/>
+    <p:sldId id="373" r:id="rId6"/>
+    <p:sldId id="375" r:id="rId7"/>
+    <p:sldId id="387" r:id="rId8"/>
+    <p:sldId id="378" r:id="rId9"/>
+    <p:sldId id="377" r:id="rId10"/>
+    <p:sldId id="384" r:id="rId11"/>
+    <p:sldId id="382" r:id="rId12"/>
   </p:sldIdLst>
   <p:sldSz cx="9144000" cy="6858000" type="screen4x3"/>
   <p:notesSz cx="6858000" cy="9144000"/>
@@ -124,7 +122,7 @@
   </p:defaultTextStyle>
   <p:extLst>
     <p:ext uri="{EFAFB233-063F-42B5-8137-9DF3F51BA10A}">
-      <p15:sldGuideLst xmlns="" xmlns:p15="http://schemas.microsoft.com/office/powerpoint/2012/main">
+      <p15:sldGuideLst xmlns:p15="http://schemas.microsoft.com/office/powerpoint/2012/main">
         <p15:guide id="1" orient="horz" pos="2160">
           <p15:clr>
             <a:srgbClr val="A4A3A4"/>
@@ -223,7 +221,7 @@
           <a:p>
             <a:fld id="{E00FA3B4-5499-9244-86B5-B0871A9DDD84}" type="datetimeFigureOut">
               <a:rPr lang="en-US" smtClean="0"/>
-              <a:t>4/5/15</a:t>
+              <a:t>11/6/2015</a:t>
             </a:fld>
             <a:endParaRPr lang="en-US"/>
           </a:p>
@@ -389,7 +387,7 @@
           <a:p>
             <a:fld id="{FD3EFF1E-85A1-6640-AFB9-C38833E80A84}" type="datetimeFigureOut">
               <a:rPr lang="en-US" smtClean="0"/>
-              <a:t>4/5/15</a:t>
+              <a:t>11/6/2015</a:t>
             </a:fld>
             <a:endParaRPr lang="en-US"/>
           </a:p>
@@ -807,7 +805,7 @@
           <a:p>
             <a:fld id="{13967457-1E83-1040-AFF7-8D09C473DBD5}" type="slidenum">
               <a:rPr lang="en-US" smtClean="0"/>
-              <a:t>13</a:t>
+              <a:t>11</a:t>
             </a:fld>
             <a:endParaRPr lang="en-US"/>
           </a:p>
@@ -1017,9 +1015,9 @@
           <a:bodyPr/>
           <a:lstStyle/>
           <a:p>
-            <a:fld id="{F05182DC-15A2-FA4F-875C-8830FA8A8C0C}" type="datetime1">
-              <a:rPr lang="en-US" smtClean="0"/>
-              <a:t>4/5/15</a:t>
+            <a:fld id="{0F9B4AF0-F6EE-480D-A570-56CAD7FEF418}" type="datetime1">
+              <a:rPr lang="en-US" smtClean="0"/>
+              <a:t>11/6/2015</a:t>
             </a:fld>
             <a:endParaRPr lang="en-US"/>
           </a:p>
@@ -1042,7 +1040,7 @@
           <a:p>
             <a:r>
               <a:rPr lang="en-US" smtClean="0"/>
-              <a:t>© 2014, Droids Robotics, v. 2.0, Last edit 4/5/2015</a:t>
+              <a:t>© 2014, Droids Robotics, v. 2.0, Last edit 11/5/2015</a:t>
             </a:r>
             <a:endParaRPr lang="en-US"/>
           </a:p>
@@ -1316,9 +1314,9 @@
           <a:bodyPr/>
           <a:lstStyle/>
           <a:p>
-            <a:fld id="{EFBFC56D-EBDC-ED45-BC22-A8E85B2769E4}" type="datetime1">
-              <a:rPr lang="en-US" smtClean="0"/>
-              <a:t>4/5/15</a:t>
+            <a:fld id="{A5339708-B4E8-4DA6-B5AB-D1D3E887206B}" type="datetime1">
+              <a:rPr lang="en-US" smtClean="0"/>
+              <a:t>11/6/2015</a:t>
             </a:fld>
             <a:endParaRPr lang="en-US"/>
           </a:p>
@@ -1341,7 +1339,7 @@
           <a:p>
             <a:r>
               <a:rPr lang="en-US" smtClean="0"/>
-              <a:t>© 2014, Droids Robotics, v. 2.0, Last edit 4/5/2015</a:t>
+              <a:t>© 2014, Droids Robotics, v. 2.0, Last edit 11/5/2015</a:t>
             </a:r>
             <a:endParaRPr lang="en-US"/>
           </a:p>
@@ -1503,9 +1501,9 @@
           <a:bodyPr/>
           <a:lstStyle/>
           <a:p>
-            <a:fld id="{D58A4055-249A-F248-BF10-EAE229187C9C}" type="datetime1">
-              <a:rPr lang="en-US" smtClean="0"/>
-              <a:t>4/5/15</a:t>
+            <a:fld id="{7A190A2B-611C-40E7-B0D8-427099FE71E6}" type="datetime1">
+              <a:rPr lang="en-US" smtClean="0"/>
+              <a:t>11/6/2015</a:t>
             </a:fld>
             <a:endParaRPr lang="en-US"/>
           </a:p>
@@ -1528,7 +1526,7 @@
           <a:p>
             <a:r>
               <a:rPr lang="en-US" smtClean="0"/>
-              <a:t>© 2014, Droids Robotics, v. 2.0, Last edit 4/5/2015</a:t>
+              <a:t>© 2014, Droids Robotics, v. 2.0, Last edit 11/5/2015</a:t>
             </a:r>
             <a:endParaRPr lang="en-US"/>
           </a:p>
@@ -1690,9 +1688,9 @@
           <a:bodyPr/>
           <a:lstStyle/>
           <a:p>
-            <a:fld id="{A0F3919B-B066-FD4A-85E4-BB412ABF8D36}" type="datetime1">
-              <a:rPr lang="en-US" smtClean="0"/>
-              <a:t>4/5/15</a:t>
+            <a:fld id="{049AF688-46BC-4ECF-BEB1-34FE2FC8F70E}" type="datetime1">
+              <a:rPr lang="en-US" smtClean="0"/>
+              <a:t>11/6/2015</a:t>
             </a:fld>
             <a:endParaRPr lang="en-US"/>
           </a:p>
@@ -1715,7 +1713,7 @@
           <a:p>
             <a:r>
               <a:rPr lang="en-US" smtClean="0"/>
-              <a:t>© 2014, Droids Robotics, v. 2.0, Last edit 4/5/2015</a:t>
+              <a:t>© 2014, Droids Robotics, v. 2.0, Last edit 11/5/2015</a:t>
             </a:r>
             <a:endParaRPr lang="en-US"/>
           </a:p>
@@ -1951,9 +1949,9 @@
           <a:bodyPr/>
           <a:lstStyle/>
           <a:p>
-            <a:fld id="{2092DA3F-7338-DC4F-98B2-D80DA4CAD151}" type="datetime1">
-              <a:rPr lang="en-US" smtClean="0"/>
-              <a:t>4/5/15</a:t>
+            <a:fld id="{1485C9B7-1AC2-4C0C-917D-381F53EF94D4}" type="datetime1">
+              <a:rPr lang="en-US" smtClean="0"/>
+              <a:t>11/6/2015</a:t>
             </a:fld>
             <a:endParaRPr lang="en-US"/>
           </a:p>
@@ -2007,7 +2005,7 @@
           <a:p>
             <a:r>
               <a:rPr lang="en-US" smtClean="0"/>
-              <a:t>© 2014, Droids Robotics, v. 2.0, Last edit 4/5/2015</a:t>
+              <a:t>© 2014, Droids Robotics, v. 2.0, Last edit 11/5/2015</a:t>
             </a:r>
             <a:endParaRPr lang="en-US"/>
           </a:p>
@@ -2251,9 +2249,9 @@
           <a:bodyPr/>
           <a:lstStyle/>
           <a:p>
-            <a:fld id="{90469A3B-219A-D04C-A7F1-ABAF2D7CD99B}" type="datetime1">
-              <a:rPr lang="en-US" smtClean="0"/>
-              <a:t>4/5/15</a:t>
+            <a:fld id="{ED13EE12-2D20-433B-A19C-024E79AFE22B}" type="datetime1">
+              <a:rPr lang="en-US" smtClean="0"/>
+              <a:t>11/6/2015</a:t>
             </a:fld>
             <a:endParaRPr lang="en-US"/>
           </a:p>
@@ -2276,7 +2274,7 @@
           <a:p>
             <a:r>
               <a:rPr lang="en-US" smtClean="0"/>
-              <a:t>© 2014, Droids Robotics, v. 2.0, Last edit 4/5/2015</a:t>
+              <a:t>© 2014, Droids Robotics, v. 2.0, Last edit 11/5/2015</a:t>
             </a:r>
             <a:endParaRPr lang="en-US"/>
           </a:p>
@@ -2702,9 +2700,9 @@
           <a:bodyPr/>
           <a:lstStyle/>
           <a:p>
-            <a:fld id="{0BA861F9-11E5-8A49-8283-6FCF9D58D31E}" type="datetime1">
-              <a:rPr lang="en-US" smtClean="0"/>
-              <a:t>4/5/15</a:t>
+            <a:fld id="{1A3A4445-6919-4DD8-866B-040B845D0E2D}" type="datetime1">
+              <a:rPr lang="en-US" smtClean="0"/>
+              <a:t>11/6/2015</a:t>
             </a:fld>
             <a:endParaRPr lang="en-US"/>
           </a:p>
@@ -2727,7 +2725,7 @@
           <a:p>
             <a:r>
               <a:rPr lang="en-US" smtClean="0"/>
-              <a:t>© 2014, Droids Robotics, v. 2.0, Last edit 4/5/2015</a:t>
+              <a:t>© 2014, Droids Robotics, v. 2.0, Last edit 11/5/2015</a:t>
             </a:r>
             <a:endParaRPr lang="en-US"/>
           </a:p>
@@ -2827,9 +2825,9 @@
           <a:bodyPr/>
           <a:lstStyle/>
           <a:p>
-            <a:fld id="{4D75F36D-5EB0-774B-BDE4-9E0B74951EDB}" type="datetime1">
-              <a:rPr lang="en-US" smtClean="0"/>
-              <a:t>4/5/15</a:t>
+            <a:fld id="{D7930BB6-03E8-4073-85D8-130C007766DA}" type="datetime1">
+              <a:rPr lang="en-US" smtClean="0"/>
+              <a:t>11/6/2015</a:t>
             </a:fld>
             <a:endParaRPr lang="en-US"/>
           </a:p>
@@ -2852,7 +2850,7 @@
           <a:p>
             <a:r>
               <a:rPr lang="en-US" smtClean="0"/>
-              <a:t>© 2014, Droids Robotics, v. 2.0, Last edit 4/5/2015</a:t>
+              <a:t>© 2014, Droids Robotics, v. 2.0, Last edit 11/5/2015</a:t>
             </a:r>
             <a:endParaRPr lang="en-US"/>
           </a:p>
@@ -2929,9 +2927,9 @@
           <a:bodyPr/>
           <a:lstStyle/>
           <a:p>
-            <a:fld id="{D6537E44-74B5-FB42-B8DC-85C0828E50A8}" type="datetime1">
-              <a:rPr lang="en-US" smtClean="0"/>
-              <a:t>4/5/15</a:t>
+            <a:fld id="{4E9DFF83-F5B6-4BA3-971E-3CD89DA5EE8A}" type="datetime1">
+              <a:rPr lang="en-US" smtClean="0"/>
+              <a:t>11/6/2015</a:t>
             </a:fld>
             <a:endParaRPr lang="en-US"/>
           </a:p>
@@ -2954,7 +2952,7 @@
           <a:p>
             <a:r>
               <a:rPr lang="en-US" smtClean="0"/>
-              <a:t>© 2014, Droids Robotics, v. 2.0, Last edit 4/5/2015</a:t>
+              <a:t>© 2014, Droids Robotics, v. 2.0, Last edit 11/5/2015</a:t>
             </a:r>
             <a:endParaRPr lang="en-US"/>
           </a:p>
@@ -3183,9 +3181,9 @@
           <a:bodyPr/>
           <a:lstStyle/>
           <a:p>
-            <a:fld id="{FDC8A1DD-2FE3-1547-8272-F698037E5823}" type="datetime1">
-              <a:rPr lang="en-US" smtClean="0"/>
-              <a:t>4/5/15</a:t>
+            <a:fld id="{FE4CAF63-347F-4A06-A7F0-3DB8DE7FBFED}" type="datetime1">
+              <a:rPr lang="en-US" smtClean="0"/>
+              <a:t>11/6/2015</a:t>
             </a:fld>
             <a:endParaRPr lang="en-US"/>
           </a:p>
@@ -3208,7 +3206,7 @@
           <a:p>
             <a:r>
               <a:rPr lang="en-US" smtClean="0"/>
-              <a:t>© 2014, Droids Robotics, v. 2.0, Last edit 4/5/2015</a:t>
+              <a:t>© 2014, Droids Robotics, v. 2.0, Last edit 11/5/2015</a:t>
             </a:r>
             <a:endParaRPr lang="en-US"/>
           </a:p>
@@ -3489,9 +3487,9 @@
           <a:bodyPr/>
           <a:lstStyle/>
           <a:p>
-            <a:fld id="{2115E572-BA45-0A48-8663-356611082CC9}" type="datetime1">
-              <a:rPr lang="en-US" smtClean="0"/>
-              <a:t>4/5/15</a:t>
+            <a:fld id="{A4498247-2C29-457E-A82E-D4488127F08B}" type="datetime1">
+              <a:rPr lang="en-US" smtClean="0"/>
+              <a:t>11/6/2015</a:t>
             </a:fld>
             <a:endParaRPr lang="en-US"/>
           </a:p>
@@ -3514,7 +3512,7 @@
           <a:p>
             <a:r>
               <a:rPr lang="en-US" smtClean="0"/>
-              <a:t>© 2014, Droids Robotics, v. 2.0, Last edit 4/5/2015</a:t>
+              <a:t>© 2014, Droids Robotics, v. 2.0, Last edit 11/5/2015</a:t>
             </a:r>
             <a:endParaRPr lang="en-US"/>
           </a:p>
@@ -3795,9 +3793,9 @@
             </a:lvl1pPr>
           </a:lstStyle>
           <a:p>
-            <a:fld id="{59FCF4DC-8D5A-D44C-BA25-098618E5E19A}" type="datetime1">
-              <a:rPr lang="en-US" smtClean="0"/>
-              <a:t>4/5/15</a:t>
+            <a:fld id="{90D93269-5744-4782-A370-30EF315B623C}" type="datetime1">
+              <a:rPr lang="en-US" smtClean="0"/>
+              <a:t>11/6/2015</a:t>
             </a:fld>
             <a:endParaRPr lang="en-US"/>
           </a:p>
@@ -3836,7 +3834,7 @@
           <a:p>
             <a:r>
               <a:rPr lang="en-US" smtClean="0"/>
-              <a:t>© 2014, Droids Robotics, v. 2.0, Last edit 4/5/2015</a:t>
+              <a:t>© 2014, Droids Robotics, v. 2.0, Last edit 11/5/2015</a:t>
             </a:r>
             <a:endParaRPr lang="en-US"/>
           </a:p>
@@ -4357,8 +4355,8 @@
         </p:nvSpPr>
         <p:spPr>
           <a:xfrm>
-            <a:off x="1487501" y="5949643"/>
-            <a:ext cx="4750545" cy="523220"/>
+            <a:off x="1487501" y="6054573"/>
+            <a:ext cx="4750545" cy="461665"/>
           </a:xfrm>
           <a:prstGeom prst="rect">
             <a:avLst/>
@@ -4372,42 +4370,12 @@
           <a:lstStyle/>
           <a:p>
             <a:r>
-              <a:rPr lang="en-US" sz="2800" dirty="0" smtClean="0"/>
+              <a:rPr lang="en-US" sz="2400" dirty="0" smtClean="0"/>
               <a:t>By: Droids Robotics</a:t>
             </a:r>
           </a:p>
         </p:txBody>
       </p:sp>
-      <p:pic>
-        <p:nvPicPr>
-          <p:cNvPr id="3" name="Picture 2" descr="Droidslogo2.png"/>
-          <p:cNvPicPr>
-            <a:picLocks noChangeAspect="1"/>
-          </p:cNvPicPr>
-          <p:nvPr/>
-        </p:nvPicPr>
-        <p:blipFill>
-          <a:blip r:embed="rId3">
-            <a:extLst>
-              <a:ext uri="{28A0092B-C50C-407E-A947-70E740481C1C}">
-                <a14:useLocalDpi xmlns:a14="http://schemas.microsoft.com/office/drawing/2010/main" val="0"/>
-              </a:ext>
-            </a:extLst>
-          </a:blip>
-          <a:stretch>
-            <a:fillRect/>
-          </a:stretch>
-        </p:blipFill>
-        <p:spPr>
-          <a:xfrm>
-            <a:off x="402306" y="5456830"/>
-            <a:ext cx="1085195" cy="1085195"/>
-          </a:xfrm>
-          <a:prstGeom prst="rect">
-            <a:avLst/>
-          </a:prstGeom>
-        </p:spPr>
-      </p:pic>
       <p:sp>
         <p:nvSpPr>
           <p:cNvPr id="4" name="TextBox 3"/>
@@ -4468,7 +4436,7 @@
           <p:nvPr/>
         </p:nvPicPr>
         <p:blipFill>
-          <a:blip r:embed="rId4">
+          <a:blip r:embed="rId3">
             <a:extLst>
               <a:ext uri="{28A0092B-C50C-407E-A947-70E740481C1C}">
                 <a14:useLocalDpi xmlns:a14="http://schemas.microsoft.com/office/drawing/2010/main" val="0"/>
@@ -4491,7 +4459,7 @@
           <a:noFill/>
           <a:extLst>
             <a:ext uri="{909E8E84-426E-40dd-AFC4-6F175D3DCCD1}">
-              <a14:hiddenFill xmlns:a14="http://schemas.microsoft.com/office/drawing/2010/main">
+              <a14:hiddenFill xmlns="" xmlns:a14="http://schemas.microsoft.com/office/drawing/2010/main">
                 <a:solidFill>
                   <a:srgbClr val="FFFFFF"/>
                 </a:solidFill>
@@ -4500,29 +4468,36 @@
           </a:extLst>
         </p:spPr>
       </p:pic>
-      <p:sp>
-        <p:nvSpPr>
-          <p:cNvPr id="5" name="Footer Placeholder 4"/>
-          <p:cNvSpPr>
-            <a:spLocks noGrp="1"/>
-          </p:cNvSpPr>
-          <p:nvPr>
-            <p:ph type="ftr" sz="quarter" idx="11"/>
-          </p:nvPr>
-        </p:nvSpPr>
-        <p:spPr/>
-        <p:txBody>
-          <a:bodyPr/>
-          <a:lstStyle/>
-          <a:p>
-            <a:r>
-              <a:rPr lang="en-US" smtClean="0"/>
-              <a:t>© 2014, Droids Robotics, v. 2.0, Last edit 4/5/2015</a:t>
-            </a:r>
-            <a:endParaRPr lang="en-US"/>
-          </a:p>
-        </p:txBody>
-      </p:sp>
+      <p:pic>
+        <p:nvPicPr>
+          <p:cNvPr id="8" name="Picture 7"/>
+          <p:cNvPicPr>
+            <a:picLocks noChangeAspect="1"/>
+          </p:cNvPicPr>
+          <p:nvPr/>
+        </p:nvPicPr>
+        <p:blipFill>
+          <a:blip r:embed="rId4">
+            <a:extLst>
+              <a:ext uri="{28A0092B-C50C-407E-A947-70E740481C1C}">
+                <a14:useLocalDpi xmlns:a14="http://schemas.microsoft.com/office/drawing/2010/main" val="0"/>
+              </a:ext>
+            </a:extLst>
+          </a:blip>
+          <a:stretch>
+            <a:fillRect/>
+          </a:stretch>
+        </p:blipFill>
+        <p:spPr>
+          <a:xfrm>
+            <a:off x="170301" y="5212742"/>
+            <a:ext cx="1317200" cy="1260121"/>
+          </a:xfrm>
+          <a:prstGeom prst="rect">
+            <a:avLst/>
+          </a:prstGeom>
+        </p:spPr>
+      </p:pic>
     </p:spTree>
     <p:extLst>
       <p:ext uri="{BB962C8B-B14F-4D97-AF65-F5344CB8AC3E}">
@@ -4536,7 +4511,7 @@
   <p:timing>
     <p:tnLst>
       <p:par>
-        <p:cTn xmlns:p14="http://schemas.microsoft.com/office/powerpoint/2010/main" id="1" dur="indefinite" restart="never" nodeType="tmRoot"/>
+        <p:cTn id="1" dur="indefinite" restart="never" nodeType="tmRoot"/>
       </p:par>
     </p:tnLst>
   </p:timing>
@@ -4577,7 +4552,7 @@
           <a:p>
             <a:r>
               <a:rPr lang="en-US" dirty="0" smtClean="0"/>
-              <a:t>STEP 4: THE MYBLOCK</a:t>
+              <a:t>Next steps</a:t>
             </a:r>
             <a:endParaRPr lang="en-US" dirty="0"/>
           </a:p>
@@ -4585,61 +4560,98 @@
       </p:sp>
       <p:sp>
         <p:nvSpPr>
-          <p:cNvPr id="4" name="Footer Placeholder 3"/>
-          <p:cNvSpPr>
-            <a:spLocks noGrp="1"/>
-          </p:cNvSpPr>
-          <p:nvPr>
-            <p:ph type="ftr" sz="quarter" idx="11"/>
-          </p:nvPr>
-        </p:nvSpPr>
-        <p:spPr/>
-        <p:txBody>
-          <a:bodyPr/>
-          <a:lstStyle/>
-          <a:p>
-            <a:r>
-              <a:rPr lang="en-US" smtClean="0"/>
-              <a:t>© 2014, Droids Robotics, v. 2.0, Last edit 4/5/2015</a:t>
-            </a:r>
-            <a:endParaRPr lang="en-US"/>
-          </a:p>
-        </p:txBody>
-      </p:sp>
-      <p:pic>
-        <p:nvPicPr>
-          <p:cNvPr id="5" name="Picture 4" descr="Screen Shot 2014-10-16 at 12.40.37 PM.png"/>
-          <p:cNvPicPr>
-            <a:picLocks noChangeAspect="1"/>
-          </p:cNvPicPr>
-          <p:nvPr/>
-        </p:nvPicPr>
-        <p:blipFill>
-          <a:blip r:embed="rId2">
-            <a:extLst>
-              <a:ext uri="{28A0092B-C50C-407E-A947-70E740481C1C}">
-                <a14:useLocalDpi xmlns:a14="http://schemas.microsoft.com/office/drawing/2010/main" val="0"/>
-              </a:ext>
-            </a:extLst>
-          </a:blip>
-          <a:stretch>
-            <a:fillRect/>
-          </a:stretch>
-        </p:blipFill>
+          <p:cNvPr id="3" name="Content Placeholder 2"/>
+          <p:cNvSpPr>
+            <a:spLocks noGrp="1"/>
+          </p:cNvSpPr>
+          <p:nvPr>
+            <p:ph idx="1"/>
+          </p:nvPr>
+        </p:nvSpPr>
         <p:spPr>
           <a:xfrm>
-            <a:off x="1104459" y="990733"/>
-            <a:ext cx="6516308" cy="5502142"/>
-          </a:xfrm>
-          <a:prstGeom prst="rect">
-            <a:avLst/>
-          </a:prstGeom>
-        </p:spPr>
-      </p:pic>
+            <a:off x="457200" y="1752600"/>
+            <a:ext cx="8245474" cy="4373563"/>
+          </a:xfrm>
+        </p:spPr>
+        <p:txBody>
+          <a:bodyPr/>
+          <a:lstStyle/>
+          <a:p>
+            <a:pPr marL="233363" indent="-233363">
+              <a:buFont typeface="Arial"/>
+              <a:buChar char="•"/>
+            </a:pPr>
+            <a:r>
+              <a:rPr lang="en-US" b="0" dirty="0" smtClean="0"/>
+              <a:t>We </a:t>
+            </a:r>
+            <a:r>
+              <a:rPr lang="en-US" b="0" dirty="0"/>
+              <a:t>use a simple line follower in this lesson. You can combine these techniques with any line follower. </a:t>
+            </a:r>
+          </a:p>
+          <a:p>
+            <a:pPr marL="233363" indent="-233363">
+              <a:buFont typeface="Arial"/>
+              <a:buChar char="•"/>
+            </a:pPr>
+            <a:r>
+              <a:rPr lang="en-US" b="0" dirty="0" smtClean="0"/>
+              <a:t>Learn how </a:t>
+            </a:r>
+            <a:r>
+              <a:rPr lang="en-US" b="0" dirty="0"/>
+              <a:t>to create a proportional line follower for light or a smooth line follower for color </a:t>
+            </a:r>
+            <a:r>
+              <a:rPr lang="en-US" b="0" dirty="0">
+                <a:sym typeface="Wingdings"/>
+              </a:rPr>
+              <a:t> </a:t>
+            </a:r>
+            <a:r>
+              <a:rPr lang="en-US" b="0" dirty="0"/>
+              <a:t>check out our </a:t>
+            </a:r>
+            <a:r>
+              <a:rPr lang="en-US" b="0" dirty="0" smtClean="0"/>
+              <a:t>Advanced: Proportional Line Follower lesson.</a:t>
+            </a:r>
+            <a:endParaRPr lang="en-US" b="0" dirty="0"/>
+          </a:p>
+          <a:p>
+            <a:endParaRPr lang="en-US" dirty="0"/>
+          </a:p>
+        </p:txBody>
+      </p:sp>
+      <p:sp>
+        <p:nvSpPr>
+          <p:cNvPr id="4" name="Footer Placeholder 3"/>
+          <p:cNvSpPr>
+            <a:spLocks noGrp="1"/>
+          </p:cNvSpPr>
+          <p:nvPr>
+            <p:ph type="ftr" sz="quarter" idx="11"/>
+          </p:nvPr>
+        </p:nvSpPr>
+        <p:spPr/>
+        <p:txBody>
+          <a:bodyPr/>
+          <a:lstStyle/>
+          <a:p>
+            <a:r>
+              <a:rPr lang="en-US" smtClean="0"/>
+              <a:t>© 2014, Droids Robotics, v. 2.0, Last edit 11/5/2015</a:t>
+            </a:r>
+            <a:endParaRPr lang="en-US"/>
+          </a:p>
+        </p:txBody>
+      </p:sp>
     </p:spTree>
     <p:extLst>
       <p:ext uri="{BB962C8B-B14F-4D97-AF65-F5344CB8AC3E}">
-        <p14:creationId xmlns:p14="http://schemas.microsoft.com/office/powerpoint/2010/main" val="3424578755"/>
+        <p14:creationId xmlns:p14="http://schemas.microsoft.com/office/powerpoint/2010/main" val="4094186617"/>
       </p:ext>
     </p:extLst>
   </p:cSld>
@@ -4649,7 +4661,7 @@
   <p:timing>
     <p:tnLst>
       <p:par>
-        <p:cTn xmlns:p14="http://schemas.microsoft.com/office/powerpoint/2010/main" id="1" dur="indefinite" restart="never" nodeType="tmRoot"/>
+        <p:cTn id="1" dur="indefinite" restart="never" nodeType="tmRoot"/>
       </p:par>
     </p:tnLst>
   </p:timing>
@@ -4689,262 +4701,6 @@
           <a:lstStyle/>
           <a:p>
             <a:r>
-              <a:rPr lang="en-US" dirty="0" smtClean="0"/>
-              <a:t>INSIDE THE MY BLOCK</a:t>
-            </a:r>
-            <a:endParaRPr lang="en-US" dirty="0"/>
-          </a:p>
-        </p:txBody>
-      </p:sp>
-      <p:sp>
-        <p:nvSpPr>
-          <p:cNvPr id="4" name="Footer Placeholder 3"/>
-          <p:cNvSpPr>
-            <a:spLocks noGrp="1"/>
-          </p:cNvSpPr>
-          <p:nvPr>
-            <p:ph type="ftr" sz="quarter" idx="11"/>
-          </p:nvPr>
-        </p:nvSpPr>
-        <p:spPr/>
-        <p:txBody>
-          <a:bodyPr/>
-          <a:lstStyle/>
-          <a:p>
-            <a:r>
-              <a:rPr lang="en-US" smtClean="0"/>
-              <a:t>© 2014, Droids Robotics, v. 2.0, Last edit 4/5/2015</a:t>
-            </a:r>
-            <a:endParaRPr lang="en-US"/>
-          </a:p>
-        </p:txBody>
-      </p:sp>
-      <p:pic>
-        <p:nvPicPr>
-          <p:cNvPr id="5" name="Picture 4" descr="Screen Shot 2014-10-16 at 12.41.12 PM.png"/>
-          <p:cNvPicPr>
-            <a:picLocks noChangeAspect="1"/>
-          </p:cNvPicPr>
-          <p:nvPr/>
-        </p:nvPicPr>
-        <p:blipFill>
-          <a:blip r:embed="rId2">
-            <a:extLst>
-              <a:ext uri="{28A0092B-C50C-407E-A947-70E740481C1C}">
-                <a14:useLocalDpi xmlns:a14="http://schemas.microsoft.com/office/drawing/2010/main" val="0"/>
-              </a:ext>
-            </a:extLst>
-          </a:blip>
-          <a:stretch>
-            <a:fillRect/>
-          </a:stretch>
-        </p:blipFill>
-        <p:spPr>
-          <a:xfrm>
-            <a:off x="257712" y="1524318"/>
-            <a:ext cx="8485927" cy="3951956"/>
-          </a:xfrm>
-          <a:prstGeom prst="rect">
-            <a:avLst/>
-          </a:prstGeom>
-        </p:spPr>
-      </p:pic>
-    </p:spTree>
-    <p:extLst>
-      <p:ext uri="{BB962C8B-B14F-4D97-AF65-F5344CB8AC3E}">
-        <p14:creationId xmlns:p14="http://schemas.microsoft.com/office/powerpoint/2010/main" val="3298112974"/>
-      </p:ext>
-    </p:extLst>
-  </p:cSld>
-  <p:clrMapOvr>
-    <a:masterClrMapping/>
-  </p:clrMapOvr>
-</p:sld>
-</file>
-
-<file path=ppt/slides/slide12.xml><?xml version="1.0" encoding="utf-8"?>
-<p:sld xmlns:a="http://schemas.openxmlformats.org/drawingml/2006/main" xmlns:r="http://schemas.openxmlformats.org/officeDocument/2006/relationships" xmlns:p="http://schemas.openxmlformats.org/presentationml/2006/main">
-  <p:cSld>
-    <p:spTree>
-      <p:nvGrpSpPr>
-        <p:cNvPr id="1" name=""/>
-        <p:cNvGrpSpPr/>
-        <p:nvPr/>
-      </p:nvGrpSpPr>
-      <p:grpSpPr>
-        <a:xfrm>
-          <a:off x="0" y="0"/>
-          <a:ext cx="0" cy="0"/>
-          <a:chOff x="0" y="0"/>
-          <a:chExt cx="0" cy="0"/>
-        </a:xfrm>
-      </p:grpSpPr>
-      <p:sp>
-        <p:nvSpPr>
-          <p:cNvPr id="2" name="Title 1"/>
-          <p:cNvSpPr>
-            <a:spLocks noGrp="1"/>
-          </p:cNvSpPr>
-          <p:nvPr>
-            <p:ph type="title"/>
-          </p:nvPr>
-        </p:nvSpPr>
-        <p:spPr/>
-        <p:txBody>
-          <a:bodyPr/>
-          <a:lstStyle/>
-          <a:p>
-            <a:r>
-              <a:rPr lang="en-US" dirty="0" smtClean="0"/>
-              <a:t>Next steps</a:t>
-            </a:r>
-            <a:endParaRPr lang="en-US" dirty="0"/>
-          </a:p>
-        </p:txBody>
-      </p:sp>
-      <p:sp>
-        <p:nvSpPr>
-          <p:cNvPr id="3" name="Content Placeholder 2"/>
-          <p:cNvSpPr>
-            <a:spLocks noGrp="1"/>
-          </p:cNvSpPr>
-          <p:nvPr>
-            <p:ph idx="1"/>
-          </p:nvPr>
-        </p:nvSpPr>
-        <p:spPr>
-          <a:xfrm>
-            <a:off x="457200" y="1752600"/>
-            <a:ext cx="8245474" cy="4373563"/>
-          </a:xfrm>
-        </p:spPr>
-        <p:txBody>
-          <a:bodyPr/>
-          <a:lstStyle/>
-          <a:p>
-            <a:pPr marL="233363" indent="-233363">
-              <a:buFont typeface="Arial"/>
-              <a:buChar char="•"/>
-            </a:pPr>
-            <a:r>
-              <a:rPr lang="en-US" b="0" dirty="0" smtClean="0"/>
-              <a:t>We </a:t>
-            </a:r>
-            <a:r>
-              <a:rPr lang="en-US" b="0" dirty="0"/>
-              <a:t>use a simple line follower in this lesson. You can combine these techniques with any line follower. </a:t>
-            </a:r>
-          </a:p>
-          <a:p>
-            <a:pPr marL="233363" indent="-233363">
-              <a:buFont typeface="Arial"/>
-              <a:buChar char="•"/>
-            </a:pPr>
-            <a:r>
-              <a:rPr lang="en-US" b="0" dirty="0" smtClean="0"/>
-              <a:t>Learn how </a:t>
-            </a:r>
-            <a:r>
-              <a:rPr lang="en-US" b="0" dirty="0"/>
-              <a:t>to create a proportional line follower for light or a smooth line follower for color </a:t>
-            </a:r>
-            <a:r>
-              <a:rPr lang="en-US" b="0" dirty="0">
-                <a:sym typeface="Wingdings"/>
-              </a:rPr>
-              <a:t> </a:t>
-            </a:r>
-            <a:r>
-              <a:rPr lang="en-US" b="0" dirty="0"/>
-              <a:t>check out our </a:t>
-            </a:r>
-            <a:r>
-              <a:rPr lang="en-US" b="0" dirty="0" smtClean="0"/>
-              <a:t>Advanced: Proportional Line Follower lesson.</a:t>
-            </a:r>
-            <a:endParaRPr lang="en-US" b="0" dirty="0"/>
-          </a:p>
-          <a:p>
-            <a:endParaRPr lang="en-US" dirty="0"/>
-          </a:p>
-        </p:txBody>
-      </p:sp>
-      <p:sp>
-        <p:nvSpPr>
-          <p:cNvPr id="4" name="Footer Placeholder 3"/>
-          <p:cNvSpPr>
-            <a:spLocks noGrp="1"/>
-          </p:cNvSpPr>
-          <p:nvPr>
-            <p:ph type="ftr" sz="quarter" idx="11"/>
-          </p:nvPr>
-        </p:nvSpPr>
-        <p:spPr/>
-        <p:txBody>
-          <a:bodyPr/>
-          <a:lstStyle/>
-          <a:p>
-            <a:r>
-              <a:rPr lang="en-US" smtClean="0"/>
-              <a:t>© 2014, Droids Robotics, v. 2.0, Last edit 4/5/2015</a:t>
-            </a:r>
-            <a:endParaRPr lang="en-US"/>
-          </a:p>
-        </p:txBody>
-      </p:sp>
-    </p:spTree>
-    <p:extLst>
-      <p:ext uri="{BB962C8B-B14F-4D97-AF65-F5344CB8AC3E}">
-        <p14:creationId xmlns:p14="http://schemas.microsoft.com/office/powerpoint/2010/main" val="4094186617"/>
-      </p:ext>
-    </p:extLst>
-  </p:cSld>
-  <p:clrMapOvr>
-    <a:masterClrMapping/>
-  </p:clrMapOvr>
-  <p:timing>
-    <p:tnLst>
-      <p:par>
-        <p:cTn xmlns:p14="http://schemas.microsoft.com/office/powerpoint/2010/main" id="1" dur="indefinite" restart="never" nodeType="tmRoot"/>
-      </p:par>
-    </p:tnLst>
-  </p:timing>
-</p:sld>
-</file>
-
-<file path=ppt/slides/slide13.xml><?xml version="1.0" encoding="utf-8"?>
-<p:sld xmlns:a="http://schemas.openxmlformats.org/drawingml/2006/main" xmlns:r="http://schemas.openxmlformats.org/officeDocument/2006/relationships" xmlns:p="http://schemas.openxmlformats.org/presentationml/2006/main">
-  <p:cSld>
-    <p:spTree>
-      <p:nvGrpSpPr>
-        <p:cNvPr id="1" name=""/>
-        <p:cNvGrpSpPr/>
-        <p:nvPr/>
-      </p:nvGrpSpPr>
-      <p:grpSpPr>
-        <a:xfrm>
-          <a:off x="0" y="0"/>
-          <a:ext cx="0" cy="0"/>
-          <a:chOff x="0" y="0"/>
-          <a:chExt cx="0" cy="0"/>
-        </a:xfrm>
-      </p:grpSpPr>
-      <p:sp>
-        <p:nvSpPr>
-          <p:cNvPr id="2" name="Title 1"/>
-          <p:cNvSpPr>
-            <a:spLocks noGrp="1"/>
-          </p:cNvSpPr>
-          <p:nvPr>
-            <p:ph type="title"/>
-          </p:nvPr>
-        </p:nvSpPr>
-        <p:spPr/>
-        <p:txBody>
-          <a:bodyPr/>
-          <a:lstStyle/>
-          <a:p>
-            <a:r>
               <a:rPr lang="en-US" smtClean="0"/>
               <a:t>CREDITS</a:t>
             </a:r>
@@ -5017,7 +4773,7 @@
           <a:p>
             <a:r>
               <a:rPr lang="en-US" smtClean="0"/>
-              <a:t>© 2014, Droids Robotics, v. 2.0, Last edit 4/5/2015</a:t>
+              <a:t>© 2014, Droids Robotics, v. 2.0, Last edit 11/5/2015</a:t>
             </a:r>
             <a:endParaRPr lang="en-US" dirty="0"/>
           </a:p>
@@ -5048,7 +4804,7 @@
           <a:effectLst/>
           <a:extLst>
             <a:ext uri="{91240B29-F687-4f45-9708-019B960494DF}">
-              <a14:hiddenLine xmlns:a14="http://schemas.microsoft.com/office/drawing/2010/main" w="9525">
+              <a14:hiddenLine xmlns="" xmlns:a14="http://schemas.microsoft.com/office/drawing/2010/main" w="9525">
                 <a:solidFill>
                   <a:schemeClr val="tx1"/>
                 </a:solidFill>
@@ -5058,7 +4814,7 @@
               </a14:hiddenLine>
             </a:ext>
             <a:ext uri="{AF507438-7753-43e0-B8FC-AC1667EBCBE1}">
-              <a14:hiddenEffects xmlns:a14="http://schemas.microsoft.com/office/drawing/2010/main">
+              <a14:hiddenEffects xmlns="" xmlns:a14="http://schemas.microsoft.com/office/drawing/2010/main">
                 <a:effectLst>
                   <a:outerShdw dist="35921" dir="2700000" algn="ctr" rotWithShape="0">
                     <a:schemeClr val="bg2"/>
@@ -5411,7 +5167,7 @@
           <a:noFill/>
           <a:extLst>
             <a:ext uri="{909E8E84-426E-40dd-AFC4-6F175D3DCCD1}">
-              <a14:hiddenFill xmlns:a14="http://schemas.microsoft.com/office/drawing/2010/main">
+              <a14:hiddenFill xmlns="" xmlns:a14="http://schemas.microsoft.com/office/drawing/2010/main">
                 <a:solidFill>
                   <a:srgbClr val="FFFFFF"/>
                 </a:solidFill>
@@ -5433,7 +5189,7 @@
   <p:timing>
     <p:tnLst>
       <p:par>
-        <p:cTn xmlns:p14="http://schemas.microsoft.com/office/powerpoint/2010/main" id="1" dur="indefinite" restart="never" nodeType="tmRoot"/>
+        <p:cTn id="1" dur="indefinite" restart="never" nodeType="tmRoot"/>
       </p:par>
     </p:tnLst>
   </p:timing>
@@ -5492,7 +5248,9 @@
         </p:nvSpPr>
         <p:spPr/>
         <p:txBody>
-          <a:bodyPr/>
+          <a:bodyPr>
+            <a:normAutofit/>
+          </a:bodyPr>
           <a:lstStyle/>
           <a:p>
             <a:pPr marL="457200" indent="-457200">
@@ -5520,8 +5278,37 @@
               <a:rPr lang="en-US" dirty="0" smtClean="0"/>
               <a:t>Practice making useful My Blocks</a:t>
             </a:r>
+          </a:p>
+          <a:p>
+            <a:pPr marL="457200" indent="-457200">
+              <a:buAutoNum type="arabicParenR"/>
+            </a:pPr>
             <a:endParaRPr lang="en-US" dirty="0"/>
           </a:p>
+          <a:p>
+            <a:pPr marL="457200" indent="-457200">
+              <a:buAutoNum type="arabicParenR"/>
+            </a:pPr>
+            <a:endParaRPr lang="en-US" dirty="0" smtClean="0"/>
+          </a:p>
+          <a:p>
+            <a:r>
+              <a:rPr lang="en-US" dirty="0" smtClean="0"/>
+              <a:t>Prerequisites: My Blocks with Inputs &amp; Outputs, Data Wires</a:t>
+            </a:r>
+          </a:p>
+          <a:p>
+            <a:endParaRPr lang="en-US" dirty="0"/>
+          </a:p>
+          <a:p>
+            <a:r>
+              <a:rPr lang="en-US" sz="1400" b="0" i="1" dirty="0"/>
+              <a:t>The code uses Blue Comment Blocks.  Make sure you are running the most recent version of the EV3 Software. EV3Lessons has Quick Guides to help you.</a:t>
+            </a:r>
+          </a:p>
+          <a:p>
+            <a:endParaRPr lang="en-US" dirty="0"/>
+          </a:p>
         </p:txBody>
       </p:sp>
       <p:sp>
@@ -5541,7 +5328,7 @@
           <a:p>
             <a:r>
               <a:rPr lang="en-US" smtClean="0"/>
-              <a:t>© 2014, Droids Robotics, v. 2.0, Last edit 4/5/2015</a:t>
+              <a:t>© 2014, Droids Robotics, v. 2.0, Last edit 11/5/2015</a:t>
             </a:r>
             <a:endParaRPr lang="en-US"/>
           </a:p>
@@ -5560,7 +5347,7 @@
   <p:timing>
     <p:tnLst>
       <p:par>
-        <p:cTn xmlns:p14="http://schemas.microsoft.com/office/powerpoint/2010/main" id="1" dur="indefinite" restart="never" nodeType="tmRoot"/>
+        <p:cTn id="1" dur="indefinite" restart="never" nodeType="tmRoot"/>
       </p:par>
     </p:tnLst>
   </p:timing>
@@ -5586,446 +5373,140 @@
       </p:grpSpPr>
       <p:sp>
         <p:nvSpPr>
-          <p:cNvPr id="22" name="Rectangle 21"/>
-          <p:cNvSpPr/>
-          <p:nvPr/>
+          <p:cNvPr id="2" name="Title 1"/>
+          <p:cNvSpPr>
+            <a:spLocks noGrp="1"/>
+          </p:cNvSpPr>
+          <p:nvPr>
+            <p:ph type="title"/>
+          </p:nvPr>
+        </p:nvSpPr>
+        <p:spPr/>
+        <p:txBody>
+          <a:bodyPr/>
+          <a:lstStyle/>
+          <a:p>
+            <a:r>
+              <a:rPr lang="en-US" dirty="0" smtClean="0"/>
+              <a:t>TIPS TO SUCCEED</a:t>
+            </a:r>
+            <a:endParaRPr lang="en-US" dirty="0"/>
+          </a:p>
+        </p:txBody>
+      </p:sp>
+      <p:sp>
+        <p:nvSpPr>
+          <p:cNvPr id="3" name="Content Placeholder 2"/>
+          <p:cNvSpPr>
+            <a:spLocks noGrp="1"/>
+          </p:cNvSpPr>
+          <p:nvPr>
+            <p:ph idx="1"/>
+          </p:nvPr>
         </p:nvSpPr>
         <p:spPr>
           <a:xfrm>
-            <a:off x="5863547" y="1638087"/>
-            <a:ext cx="2649207" cy="4320745"/>
-          </a:xfrm>
-          <a:prstGeom prst="rect">
-            <a:avLst/>
-          </a:prstGeom>
-          <a:solidFill>
-            <a:schemeClr val="bg1"/>
-          </a:solidFill>
-        </p:spPr>
-        <p:style>
-          <a:lnRef idx="1">
-            <a:schemeClr val="accent1"/>
-          </a:lnRef>
-          <a:fillRef idx="3">
-            <a:schemeClr val="accent1"/>
-          </a:fillRef>
-          <a:effectRef idx="2">
-            <a:schemeClr val="accent1"/>
-          </a:effectRef>
-          <a:fontRef idx="minor">
-            <a:schemeClr val="lt1"/>
-          </a:fontRef>
-        </p:style>
-        <p:txBody>
-          <a:bodyPr rtlCol="0" anchor="ctr"/>
-          <a:lstStyle/>
-          <a:p>
-            <a:pPr algn="ctr"/>
+            <a:off x="457199" y="1237272"/>
+            <a:ext cx="8245474" cy="4744211"/>
+          </a:xfrm>
+        </p:spPr>
+        <p:txBody>
+          <a:bodyPr>
+            <a:noAutofit/>
+          </a:bodyPr>
+          <a:lstStyle/>
+          <a:p>
+            <a:pPr marL="457200" indent="-457200">
+              <a:buAutoNum type="arabicParenR"/>
+            </a:pPr>
+            <a:r>
+              <a:rPr lang="en-US" b="0" dirty="0" smtClean="0"/>
+              <a:t>You will need to know how to make a Simple Color Line Follower program and how to make a My Block with inputs</a:t>
+            </a:r>
+          </a:p>
+          <a:p>
+            <a:pPr marL="457200" indent="-457200">
+              <a:buAutoNum type="arabicParenR"/>
+            </a:pPr>
+            <a:r>
+              <a:rPr lang="en-US" b="0" dirty="0" smtClean="0"/>
+              <a:t>Since you will </a:t>
+            </a:r>
+            <a:r>
+              <a:rPr lang="en-US" b="0" dirty="0"/>
+              <a:t>use your EV3 Color Sensor in Color Mode, </a:t>
+            </a:r>
+            <a:r>
+              <a:rPr lang="en-US" b="0" dirty="0" smtClean="0"/>
+              <a:t>you </a:t>
+            </a:r>
+            <a:r>
+              <a:rPr lang="en-US" b="0" dirty="0"/>
+              <a:t>will not have to Calibrate your color sensor for this </a:t>
+            </a:r>
+            <a:r>
+              <a:rPr lang="en-US" b="0" dirty="0" smtClean="0"/>
+              <a:t>lesson</a:t>
+            </a:r>
+          </a:p>
+          <a:p>
+            <a:pPr marL="457200" indent="-457200">
+              <a:buAutoNum type="arabicParenR"/>
+            </a:pPr>
+            <a:r>
+              <a:rPr lang="en-US" b="0" dirty="0" smtClean="0"/>
+              <a:t>Check which ports you have your color sensor connected to the EV3 and adjust the code as needed</a:t>
+            </a:r>
+            <a:endParaRPr lang="en-US" b="0" dirty="0"/>
+          </a:p>
+          <a:p>
+            <a:pPr marL="457200" indent="-457200">
+              <a:buAutoNum type="arabicParenR"/>
+            </a:pPr>
+            <a:r>
+              <a:rPr lang="en-US" b="0" dirty="0" smtClean="0"/>
+              <a:t>You may have to adjust the speed or direction to work for your robot.  Make sure that the the color sensor is in front of the wheels in the direction of travel.</a:t>
+            </a:r>
+            <a:endParaRPr lang="en-US" b="0" dirty="0"/>
+          </a:p>
+          <a:p>
+            <a:pPr marL="457200" indent="-457200">
+              <a:buAutoNum type="arabicParenR"/>
+            </a:pPr>
+            <a:r>
+              <a:rPr lang="en-US" b="0" dirty="0" smtClean="0"/>
+              <a:t>Make sure you place the robot on the side of the line that you are following.  The most common mistake is placing the robot on the wrong side of the line to begin with.</a:t>
+            </a:r>
+          </a:p>
+        </p:txBody>
+      </p:sp>
+      <p:sp>
+        <p:nvSpPr>
+          <p:cNvPr id="4" name="Footer Placeholder 3"/>
+          <p:cNvSpPr>
+            <a:spLocks noGrp="1"/>
+          </p:cNvSpPr>
+          <p:nvPr>
+            <p:ph type="ftr" sz="quarter" idx="11"/>
+          </p:nvPr>
+        </p:nvSpPr>
+        <p:spPr/>
+        <p:txBody>
+          <a:bodyPr/>
+          <a:lstStyle/>
+          <a:p>
+            <a:r>
+              <a:rPr lang="en-US" smtClean="0"/>
+              <a:t>© 2014, Droids Robotics, v. 2.0, Last edit 11/5/2015</a:t>
+            </a:r>
             <a:endParaRPr lang="en-US"/>
           </a:p>
         </p:txBody>
       </p:sp>
-      <p:sp>
-        <p:nvSpPr>
-          <p:cNvPr id="2" name="Title 1"/>
-          <p:cNvSpPr>
-            <a:spLocks noGrp="1"/>
-          </p:cNvSpPr>
-          <p:nvPr>
-            <p:ph type="title"/>
-          </p:nvPr>
-        </p:nvSpPr>
-        <p:spPr/>
-        <p:txBody>
-          <a:bodyPr/>
-          <a:lstStyle/>
-          <a:p>
-            <a:r>
-              <a:rPr lang="en-US" dirty="0" err="1" smtClean="0"/>
-              <a:t>CoLOR</a:t>
-            </a:r>
-            <a:r>
-              <a:rPr lang="en-US" dirty="0" smtClean="0"/>
-              <a:t> LINE FOLLOWER THAT ENDS ON A BLACK LINE</a:t>
-            </a:r>
-            <a:endParaRPr lang="en-US" dirty="0"/>
-          </a:p>
-        </p:txBody>
-      </p:sp>
-      <p:sp>
-        <p:nvSpPr>
-          <p:cNvPr id="3" name="Content Placeholder 2"/>
-          <p:cNvSpPr>
-            <a:spLocks noGrp="1"/>
-          </p:cNvSpPr>
-          <p:nvPr>
-            <p:ph idx="1"/>
-          </p:nvPr>
-        </p:nvSpPr>
-        <p:spPr>
-          <a:xfrm>
-            <a:off x="457200" y="1565294"/>
-            <a:ext cx="5074008" cy="4524111"/>
-          </a:xfrm>
-        </p:spPr>
-        <p:txBody>
-          <a:bodyPr>
-            <a:normAutofit/>
-          </a:bodyPr>
-          <a:lstStyle/>
-          <a:p>
-            <a:pPr marL="342900" indent="-342900">
-              <a:buFont typeface="Arial"/>
-              <a:buChar char="•"/>
-            </a:pPr>
-            <a:r>
-              <a:rPr lang="en-US" b="0" dirty="0" smtClean="0"/>
-              <a:t>You may want to follow one line until the robot sees another line </a:t>
-            </a:r>
-            <a:endParaRPr lang="en-US" b="0" dirty="0"/>
-          </a:p>
-          <a:p>
-            <a:pPr marL="342900" indent="-342900">
-              <a:buFont typeface="Arial"/>
-              <a:buChar char="•"/>
-            </a:pPr>
-            <a:r>
-              <a:rPr lang="en-US" b="0" dirty="0"/>
-              <a:t>In First Lego </a:t>
-            </a:r>
-            <a:r>
-              <a:rPr lang="en-US" b="0" dirty="0" smtClean="0"/>
-              <a:t>League, a common application is to line follow until a “T” junction.</a:t>
-            </a:r>
-            <a:endParaRPr lang="en-US" b="0" dirty="0"/>
-          </a:p>
-          <a:p>
-            <a:pPr marL="342900" indent="-342900">
-              <a:buFont typeface="Arial"/>
-              <a:buChar char="•"/>
-            </a:pPr>
-            <a:r>
-              <a:rPr lang="en-US" b="0" dirty="0"/>
-              <a:t>Follow along in the EV3 Code</a:t>
-            </a:r>
-          </a:p>
-          <a:p>
-            <a:pPr marL="342900" indent="-342900">
-              <a:buFont typeface="Arial"/>
-              <a:buChar char="•"/>
-            </a:pPr>
-            <a:r>
-              <a:rPr lang="en-US" b="0" dirty="0"/>
-              <a:t>Start at Step 1.  By Step 2 you will have your code.  Proceed to Steps 3 and 4 to make this code into a My Block with Inputs.</a:t>
-            </a:r>
-          </a:p>
-          <a:p>
-            <a:pPr marL="342900" indent="-342900">
-              <a:buFont typeface="Arial"/>
-              <a:buChar char="•"/>
-            </a:pPr>
-            <a:endParaRPr lang="en-US" b="0" dirty="0" smtClean="0"/>
-          </a:p>
-        </p:txBody>
-      </p:sp>
-      <p:sp>
-        <p:nvSpPr>
-          <p:cNvPr id="4" name="Footer Placeholder 3"/>
-          <p:cNvSpPr>
-            <a:spLocks noGrp="1"/>
-          </p:cNvSpPr>
-          <p:nvPr>
-            <p:ph type="ftr" sz="quarter" idx="11"/>
-          </p:nvPr>
-        </p:nvSpPr>
-        <p:spPr/>
-        <p:txBody>
-          <a:bodyPr/>
-          <a:lstStyle/>
-          <a:p>
-            <a:r>
-              <a:rPr lang="en-US" smtClean="0"/>
-              <a:t>© 2014, Droids Robotics, v. 2.0, Last edit 4/5/2015</a:t>
-            </a:r>
-            <a:endParaRPr lang="en-US"/>
-          </a:p>
-        </p:txBody>
-      </p:sp>
-      <p:cxnSp>
-        <p:nvCxnSpPr>
-          <p:cNvPr id="12" name="Straight Connector 11"/>
-          <p:cNvCxnSpPr/>
-          <p:nvPr/>
-        </p:nvCxnSpPr>
-        <p:spPr>
-          <a:xfrm flipV="1">
-            <a:off x="7198351" y="2182454"/>
-            <a:ext cx="0" cy="3538976"/>
-          </a:xfrm>
-          <a:prstGeom prst="line">
-            <a:avLst/>
-          </a:prstGeom>
-          <a:ln w="76200" cmpd="sng">
-            <a:solidFill>
-              <a:srgbClr val="FF0000"/>
-            </a:solidFill>
-          </a:ln>
-        </p:spPr>
-        <p:style>
-          <a:lnRef idx="2">
-            <a:schemeClr val="accent1"/>
-          </a:lnRef>
-          <a:fillRef idx="0">
-            <a:schemeClr val="accent1"/>
-          </a:fillRef>
-          <a:effectRef idx="1">
-            <a:schemeClr val="accent1"/>
-          </a:effectRef>
-          <a:fontRef idx="minor">
-            <a:schemeClr val="tx1"/>
-          </a:fontRef>
-        </p:style>
-      </p:cxnSp>
-      <p:cxnSp>
-        <p:nvCxnSpPr>
-          <p:cNvPr id="13" name="Straight Connector 12"/>
-          <p:cNvCxnSpPr/>
-          <p:nvPr/>
-        </p:nvCxnSpPr>
-        <p:spPr>
-          <a:xfrm flipH="1">
-            <a:off x="6527863" y="2182454"/>
-            <a:ext cx="1340976" cy="0"/>
-          </a:xfrm>
-          <a:prstGeom prst="line">
-            <a:avLst/>
-          </a:prstGeom>
-          <a:ln w="76200" cmpd="sng">
-            <a:solidFill>
-              <a:schemeClr val="tx1"/>
-            </a:solidFill>
-          </a:ln>
-        </p:spPr>
-        <p:style>
-          <a:lnRef idx="2">
-            <a:schemeClr val="accent1"/>
-          </a:lnRef>
-          <a:fillRef idx="0">
-            <a:schemeClr val="accent1"/>
-          </a:fillRef>
-          <a:effectRef idx="1">
-            <a:schemeClr val="accent1"/>
-          </a:effectRef>
-          <a:fontRef idx="minor">
-            <a:schemeClr val="tx1"/>
-          </a:fontRef>
-        </p:style>
-      </p:cxnSp>
-      <p:grpSp>
-        <p:nvGrpSpPr>
-          <p:cNvPr id="16" name="Group 15"/>
-          <p:cNvGrpSpPr/>
-          <p:nvPr/>
-        </p:nvGrpSpPr>
-        <p:grpSpPr>
-          <a:xfrm>
-            <a:off x="6868071" y="4857621"/>
-            <a:ext cx="660559" cy="790597"/>
-            <a:chOff x="6310708" y="2223671"/>
-            <a:chExt cx="809489" cy="898563"/>
-          </a:xfrm>
-        </p:grpSpPr>
-        <p:sp>
-          <p:nvSpPr>
-            <p:cNvPr id="17" name="Rounded Rectangle 16"/>
-            <p:cNvSpPr/>
-            <p:nvPr/>
-          </p:nvSpPr>
-          <p:spPr>
-            <a:xfrm>
-              <a:off x="6451830" y="2223671"/>
-              <a:ext cx="519438" cy="898563"/>
-            </a:xfrm>
-            <a:prstGeom prst="roundRect">
-              <a:avLst/>
-            </a:prstGeom>
-            <a:solidFill>
-              <a:schemeClr val="accent5">
-                <a:lumMod val="60000"/>
-                <a:lumOff val="40000"/>
-              </a:schemeClr>
-            </a:solidFill>
-            <a:ln>
-              <a:solidFill>
-                <a:srgbClr val="000000"/>
-              </a:solidFill>
-            </a:ln>
-            <a:effectLst/>
-          </p:spPr>
-          <p:style>
-            <a:lnRef idx="1">
-              <a:schemeClr val="accent1"/>
-            </a:lnRef>
-            <a:fillRef idx="3">
-              <a:schemeClr val="accent1"/>
-            </a:fillRef>
-            <a:effectRef idx="2">
-              <a:schemeClr val="accent1"/>
-            </a:effectRef>
-            <a:fontRef idx="minor">
-              <a:schemeClr val="lt1"/>
-            </a:fontRef>
-          </p:style>
-          <p:txBody>
-            <a:bodyPr rtlCol="0" anchor="ctr"/>
-            <a:lstStyle/>
-            <a:p>
-              <a:pPr algn="ctr"/>
-              <a:endParaRPr lang="en-US"/>
-            </a:p>
-          </p:txBody>
-        </p:sp>
-        <p:sp>
-          <p:nvSpPr>
-            <p:cNvPr id="18" name="Rounded Rectangle 17"/>
-            <p:cNvSpPr/>
-            <p:nvPr/>
-          </p:nvSpPr>
-          <p:spPr>
-            <a:xfrm>
-              <a:off x="6979076" y="2525434"/>
-              <a:ext cx="141121" cy="295036"/>
-            </a:xfrm>
-            <a:prstGeom prst="roundRect">
-              <a:avLst/>
-            </a:prstGeom>
-            <a:ln>
-              <a:solidFill>
-                <a:srgbClr val="000000"/>
-              </a:solidFill>
-            </a:ln>
-            <a:effectLst/>
-          </p:spPr>
-          <p:style>
-            <a:lnRef idx="1">
-              <a:schemeClr val="accent6"/>
-            </a:lnRef>
-            <a:fillRef idx="3">
-              <a:schemeClr val="accent6"/>
-            </a:fillRef>
-            <a:effectRef idx="2">
-              <a:schemeClr val="accent6"/>
-            </a:effectRef>
-            <a:fontRef idx="minor">
-              <a:schemeClr val="lt1"/>
-            </a:fontRef>
-          </p:style>
-          <p:txBody>
-            <a:bodyPr rtlCol="0" anchor="ctr"/>
-            <a:lstStyle/>
-            <a:p>
-              <a:pPr algn="ctr"/>
-              <a:endParaRPr lang="en-US">
-                <a:effectLst/>
-              </a:endParaRPr>
-            </a:p>
-          </p:txBody>
-        </p:sp>
-        <p:sp>
-          <p:nvSpPr>
-            <p:cNvPr id="19" name="Rounded Rectangle 18"/>
-            <p:cNvSpPr/>
-            <p:nvPr/>
-          </p:nvSpPr>
-          <p:spPr>
-            <a:xfrm>
-              <a:off x="6310708" y="2525434"/>
-              <a:ext cx="141121" cy="295036"/>
-            </a:xfrm>
-            <a:prstGeom prst="roundRect">
-              <a:avLst/>
-            </a:prstGeom>
-            <a:ln>
-              <a:solidFill>
-                <a:srgbClr val="000000"/>
-              </a:solidFill>
-            </a:ln>
-            <a:effectLst/>
-          </p:spPr>
-          <p:style>
-            <a:lnRef idx="1">
-              <a:schemeClr val="accent6"/>
-            </a:lnRef>
-            <a:fillRef idx="3">
-              <a:schemeClr val="accent6"/>
-            </a:fillRef>
-            <a:effectRef idx="2">
-              <a:schemeClr val="accent6"/>
-            </a:effectRef>
-            <a:fontRef idx="minor">
-              <a:schemeClr val="lt1"/>
-            </a:fontRef>
-          </p:style>
-          <p:txBody>
-            <a:bodyPr rtlCol="0" anchor="ctr"/>
-            <a:lstStyle/>
-            <a:p>
-              <a:pPr algn="ctr"/>
-              <a:endParaRPr lang="en-US">
-                <a:effectLst/>
-              </a:endParaRPr>
-            </a:p>
-          </p:txBody>
-        </p:sp>
-        <p:sp>
-          <p:nvSpPr>
-            <p:cNvPr id="20" name="Oval 19"/>
-            <p:cNvSpPr>
-              <a:spLocks noChangeAspect="1"/>
-            </p:cNvSpPr>
-            <p:nvPr/>
-          </p:nvSpPr>
-          <p:spPr>
-            <a:xfrm>
-              <a:off x="6621904" y="2247641"/>
-              <a:ext cx="179290" cy="166284"/>
-            </a:xfrm>
-            <a:prstGeom prst="ellipse">
-              <a:avLst/>
-            </a:prstGeom>
-            <a:solidFill>
-              <a:srgbClr val="FF0000"/>
-            </a:solidFill>
-            <a:effectLst/>
-          </p:spPr>
-          <p:style>
-            <a:lnRef idx="1">
-              <a:schemeClr val="accent1"/>
-            </a:lnRef>
-            <a:fillRef idx="3">
-              <a:schemeClr val="accent1"/>
-            </a:fillRef>
-            <a:effectRef idx="2">
-              <a:schemeClr val="accent1"/>
-            </a:effectRef>
-            <a:fontRef idx="minor">
-              <a:schemeClr val="lt1"/>
-            </a:fontRef>
-          </p:style>
-          <p:txBody>
-            <a:bodyPr rtlCol="0" anchor="ctr"/>
-            <a:lstStyle/>
-            <a:p>
-              <a:pPr algn="ctr"/>
-              <a:endParaRPr lang="en-US"/>
-            </a:p>
-          </p:txBody>
-        </p:sp>
-      </p:grpSp>
     </p:spTree>
     <p:extLst>
       <p:ext uri="{BB962C8B-B14F-4D97-AF65-F5344CB8AC3E}">
-        <p14:creationId xmlns:p14="http://schemas.microsoft.com/office/powerpoint/2010/main" val="160189046"/>
+        <p14:creationId xmlns:p14="http://schemas.microsoft.com/office/powerpoint/2010/main" val="3656466268"/>
       </p:ext>
     </p:extLst>
   </p:cSld>
@@ -6035,70 +5516,7 @@
   <p:timing>
     <p:tnLst>
       <p:par>
-        <p:cTn xmlns:p14="http://schemas.microsoft.com/office/powerpoint/2010/main" id="1" dur="indefinite" restart="never" nodeType="tmRoot">
-          <p:childTnLst>
-            <p:seq concurrent="1" nextAc="seek">
-              <p:cTn id="2" dur="indefinite" nodeType="mainSeq">
-                <p:childTnLst>
-                  <p:par>
-                    <p:cTn id="3" fill="hold">
-                      <p:stCondLst>
-                        <p:cond delay="indefinite"/>
-                      </p:stCondLst>
-                      <p:childTnLst>
-                        <p:par>
-                          <p:cTn id="4" fill="hold">
-                            <p:stCondLst>
-                              <p:cond delay="0"/>
-                            </p:stCondLst>
-                            <p:childTnLst>
-                              <p:par>
-                                <p:cTn id="5" presetID="42" presetClass="path" presetSubtype="0" accel="50000" decel="50000" fill="hold" nodeType="clickEffect">
-                                  <p:stCondLst>
-                                    <p:cond delay="0"/>
-                                  </p:stCondLst>
-                                  <p:childTnLst>
-                                    <p:animMotion origin="layout" path="M -3.01579E-6 2.99676E-6 L -0.00139 -0.41223 " pathEditMode="relative" rAng="0" ptsTypes="AA">
-                                      <p:cBhvr>
-                                        <p:cTn id="6" dur="2000" fill="hold"/>
-                                        <p:tgtEl>
-                                          <p:spTgt spid="16"/>
-                                        </p:tgtEl>
-                                        <p:attrNameLst>
-                                          <p:attrName>ppt_x</p:attrName>
-                                          <p:attrName>ppt_y</p:attrName>
-                                        </p:attrNameLst>
-                                      </p:cBhvr>
-                                      <p:rCtr x="-69" y="-20611"/>
-                                    </p:animMotion>
-                                  </p:childTnLst>
-                                </p:cTn>
-                              </p:par>
-                            </p:childTnLst>
-                          </p:cTn>
-                        </p:par>
-                      </p:childTnLst>
-                    </p:cTn>
-                  </p:par>
-                </p:childTnLst>
-              </p:cTn>
-              <p:prevCondLst>
-                <p:cond evt="onPrev" delay="0">
-                  <p:tgtEl>
-                    <p:sldTgt/>
-                  </p:tgtEl>
-                </p:cond>
-              </p:prevCondLst>
-              <p:nextCondLst>
-                <p:cond evt="onNext" delay="0">
-                  <p:tgtEl>
-                    <p:sldTgt/>
-                  </p:tgtEl>
-                </p:cond>
-              </p:nextCondLst>
-            </p:seq>
-          </p:childTnLst>
-        </p:cTn>
+        <p:cTn id="1" dur="indefinite" restart="never" nodeType="tmRoot"/>
       </p:par>
     </p:tnLst>
   </p:timing>
@@ -6139,7 +5557,7 @@
           <a:p>
             <a:r>
               <a:rPr lang="en-US" dirty="0" smtClean="0"/>
-              <a:t>TIPS TO SUCCEED</a:t>
+              <a:t>Color Follower until color in 3 easy steps</a:t>
             </a:r>
             <a:endParaRPr lang="en-US" dirty="0"/>
           </a:p>
@@ -6157,220 +5575,14 @@
         </p:nvSpPr>
         <p:spPr>
           <a:xfrm>
-            <a:off x="457199" y="1237272"/>
-            <a:ext cx="8245474" cy="4744211"/>
+            <a:off x="4776446" y="1562533"/>
+            <a:ext cx="3751624" cy="4373563"/>
           </a:xfrm>
         </p:spPr>
         <p:txBody>
           <a:bodyPr>
-            <a:noAutofit/>
+            <a:normAutofit/>
           </a:bodyPr>
-          <a:lstStyle/>
-          <a:p>
-            <a:pPr marL="457200" indent="-457200">
-              <a:buAutoNum type="arabicParenR"/>
-            </a:pPr>
-            <a:r>
-              <a:rPr lang="en-US" b="0" dirty="0" smtClean="0"/>
-              <a:t>You will need to know how to make a Simple Color Line Follower </a:t>
-            </a:r>
-            <a:r>
-              <a:rPr lang="en-US" b="0" dirty="0" smtClean="0"/>
-              <a:t>program and how to make a My Block with </a:t>
-            </a:r>
-            <a:r>
-              <a:rPr lang="en-US" b="0" dirty="0" smtClean="0"/>
-              <a:t>inputs</a:t>
-            </a:r>
-          </a:p>
-          <a:p>
-            <a:pPr marL="457200" indent="-457200">
-              <a:buAutoNum type="arabicParenR"/>
-            </a:pPr>
-            <a:r>
-              <a:rPr lang="en-US" b="0" dirty="0" smtClean="0"/>
-              <a:t>Since you will </a:t>
-            </a:r>
-            <a:r>
-              <a:rPr lang="en-US" b="0" dirty="0"/>
-              <a:t>use your EV3 Color Sensor in Color Mode, </a:t>
-            </a:r>
-            <a:r>
-              <a:rPr lang="en-US" b="0" dirty="0" smtClean="0"/>
-              <a:t>you </a:t>
-            </a:r>
-            <a:r>
-              <a:rPr lang="en-US" b="0" dirty="0"/>
-              <a:t>will not have to Calibrate your color sensor for this </a:t>
-            </a:r>
-            <a:r>
-              <a:rPr lang="en-US" b="0" dirty="0" smtClean="0"/>
-              <a:t>lesson</a:t>
-            </a:r>
-            <a:endParaRPr lang="en-US" b="0" dirty="0" smtClean="0"/>
-          </a:p>
-          <a:p>
-            <a:pPr marL="457200" indent="-457200">
-              <a:buAutoNum type="arabicParenR"/>
-            </a:pPr>
-            <a:r>
-              <a:rPr lang="en-US" b="0" dirty="0" smtClean="0"/>
-              <a:t>Check </a:t>
-            </a:r>
-            <a:r>
-              <a:rPr lang="en-US" b="0" dirty="0" smtClean="0"/>
-              <a:t>which ports you have your color sensor connected to and adjust the code as needed</a:t>
-            </a:r>
-            <a:endParaRPr lang="en-US" b="0" dirty="0"/>
-          </a:p>
-          <a:p>
-            <a:pPr marL="457200" indent="-457200">
-              <a:buAutoNum type="arabicParenR"/>
-            </a:pPr>
-            <a:r>
-              <a:rPr lang="en-US" b="0" dirty="0" smtClean="0"/>
-              <a:t>You may have to adjust the speed or direction to work for your robot.  </a:t>
-            </a:r>
-            <a:r>
-              <a:rPr lang="en-US" b="0" dirty="0" smtClean="0"/>
-              <a:t>Make sure that the </a:t>
-            </a:r>
-            <a:r>
-              <a:rPr lang="en-US" b="0" dirty="0" smtClean="0"/>
-              <a:t>the color sensor is in front of the wheels in the direction of travel.</a:t>
-            </a:r>
-            <a:endParaRPr lang="en-US" b="0" dirty="0"/>
-          </a:p>
-          <a:p>
-            <a:pPr marL="457200" indent="-457200">
-              <a:buAutoNum type="arabicParenR"/>
-            </a:pPr>
-            <a:r>
-              <a:rPr lang="en-US" b="0" dirty="0" smtClean="0"/>
-              <a:t>Make sure you place the robot on the side of the line that you are following.  The most common mistake is placing the robot on the wrong side of the line to begin with</a:t>
-            </a:r>
-            <a:r>
-              <a:rPr lang="en-US" b="0" dirty="0" smtClean="0"/>
-              <a:t>.</a:t>
-            </a:r>
-          </a:p>
-          <a:p>
-            <a:pPr marL="457200" indent="-457200">
-              <a:buAutoNum type="arabicParenR"/>
-            </a:pPr>
-            <a:r>
-              <a:rPr lang="en-US" b="0" dirty="0"/>
-              <a:t>Follow along in the companion EV3 File.  Always start at Stage </a:t>
-            </a:r>
-            <a:r>
-              <a:rPr lang="en-US" b="0" dirty="0" smtClean="0"/>
-              <a:t>1</a:t>
-            </a:r>
-            <a:endParaRPr lang="en-US" b="0" dirty="0"/>
-          </a:p>
-        </p:txBody>
-      </p:sp>
-      <p:sp>
-        <p:nvSpPr>
-          <p:cNvPr id="4" name="Footer Placeholder 3"/>
-          <p:cNvSpPr>
-            <a:spLocks noGrp="1"/>
-          </p:cNvSpPr>
-          <p:nvPr>
-            <p:ph type="ftr" sz="quarter" idx="11"/>
-          </p:nvPr>
-        </p:nvSpPr>
-        <p:spPr/>
-        <p:txBody>
-          <a:bodyPr/>
-          <a:lstStyle/>
-          <a:p>
-            <a:r>
-              <a:rPr lang="en-US" smtClean="0"/>
-              <a:t>© 2014, Droids Robotics, v. 2.0, Last edit 4/5/2015</a:t>
-            </a:r>
-            <a:endParaRPr lang="en-US"/>
-          </a:p>
-        </p:txBody>
-      </p:sp>
-    </p:spTree>
-    <p:extLst>
-      <p:ext uri="{BB962C8B-B14F-4D97-AF65-F5344CB8AC3E}">
-        <p14:creationId xmlns:p14="http://schemas.microsoft.com/office/powerpoint/2010/main" val="3656466268"/>
-      </p:ext>
-    </p:extLst>
-  </p:cSld>
-  <p:clrMapOvr>
-    <a:masterClrMapping/>
-  </p:clrMapOvr>
-  <p:timing>
-    <p:tnLst>
-      <p:par>
-        <p:cTn xmlns:p14="http://schemas.microsoft.com/office/powerpoint/2010/main" id="1" dur="indefinite" restart="never" nodeType="tmRoot"/>
-      </p:par>
-    </p:tnLst>
-  </p:timing>
-</p:sld>
-</file>
-
-<file path=ppt/slides/slide5.xml><?xml version="1.0" encoding="utf-8"?>
-<p:sld xmlns:a="http://schemas.openxmlformats.org/drawingml/2006/main" xmlns:r="http://schemas.openxmlformats.org/officeDocument/2006/relationships" xmlns:p="http://schemas.openxmlformats.org/presentationml/2006/main">
-  <p:cSld>
-    <p:spTree>
-      <p:nvGrpSpPr>
-        <p:cNvPr id="1" name=""/>
-        <p:cNvGrpSpPr/>
-        <p:nvPr/>
-      </p:nvGrpSpPr>
-      <p:grpSpPr>
-        <a:xfrm>
-          <a:off x="0" y="0"/>
-          <a:ext cx="0" cy="0"/>
-          <a:chOff x="0" y="0"/>
-          <a:chExt cx="0" cy="0"/>
-        </a:xfrm>
-      </p:grpSpPr>
-      <p:sp>
-        <p:nvSpPr>
-          <p:cNvPr id="2" name="Title 1"/>
-          <p:cNvSpPr>
-            <a:spLocks noGrp="1"/>
-          </p:cNvSpPr>
-          <p:nvPr>
-            <p:ph type="title"/>
-          </p:nvPr>
-        </p:nvSpPr>
-        <p:spPr/>
-        <p:txBody>
-          <a:bodyPr/>
-          <a:lstStyle/>
-          <a:p>
-            <a:r>
-              <a:rPr lang="en-US" dirty="0" smtClean="0"/>
-              <a:t>Challenge With TIPS</a:t>
-            </a:r>
-            <a:endParaRPr lang="en-US" dirty="0"/>
-          </a:p>
-        </p:txBody>
-      </p:sp>
-      <p:sp>
-        <p:nvSpPr>
-          <p:cNvPr id="3" name="Content Placeholder 2"/>
-          <p:cNvSpPr>
-            <a:spLocks noGrp="1"/>
-          </p:cNvSpPr>
-          <p:nvPr>
-            <p:ph idx="1"/>
-          </p:nvPr>
-        </p:nvSpPr>
-        <p:spPr>
-          <a:xfrm>
-            <a:off x="457200" y="1752600"/>
-            <a:ext cx="6262476" cy="4373563"/>
-          </a:xfrm>
-        </p:spPr>
-        <p:txBody>
-          <a:bodyPr/>
           <a:lstStyle/>
           <a:p>
             <a:r>
@@ -6379,85 +5591,31 @@
                   <a:srgbClr val="FF0000"/>
                 </a:solidFill>
               </a:rPr>
-              <a:t>Challenge: Create a line follower My Block that stops when it sees black and takes 3 inputs (color to follow, color to stop at, and power)</a:t>
-            </a:r>
-          </a:p>
-          <a:p>
+              <a:t>Challenge: Create a line follower My Block that stops when it sees black</a:t>
+            </a:r>
+          </a:p>
+        </p:txBody>
+      </p:sp>
+      <p:sp>
+        <p:nvSpPr>
+          <p:cNvPr id="4" name="Footer Placeholder 3"/>
+          <p:cNvSpPr>
+            <a:spLocks noGrp="1"/>
+          </p:cNvSpPr>
+          <p:nvPr>
+            <p:ph type="ftr" sz="quarter" idx="11"/>
+          </p:nvPr>
+        </p:nvSpPr>
+        <p:spPr/>
+        <p:txBody>
+          <a:bodyPr/>
+          <a:lstStyle/>
+          <a:p>
+            <a:r>
+              <a:rPr lang="en-US" smtClean="0"/>
+              <a:t>© 2014, Droids Robotics, v. 2.0, Last edit 11/5/2015</a:t>
+            </a:r>
             <a:endParaRPr lang="en-US" dirty="0"/>
-          </a:p>
-          <a:p>
-            <a:pPr marL="457200" indent="-457200">
-              <a:buAutoNum type="arabicParenR"/>
-            </a:pPr>
-            <a:r>
-              <a:rPr lang="en-US" b="0" dirty="0" smtClean="0"/>
-              <a:t>Start with a simple line follower</a:t>
-            </a:r>
-          </a:p>
-          <a:p>
-            <a:pPr marL="457200" indent="-457200">
-              <a:buAutoNum type="arabicParenR"/>
-            </a:pPr>
-            <a:r>
-              <a:rPr lang="en-US" b="0" dirty="0" smtClean="0"/>
-              <a:t>Change the loop exit condition to “until black”</a:t>
-            </a:r>
-          </a:p>
-          <a:p>
-            <a:pPr marL="457200" indent="-457200">
-              <a:buAutoNum type="arabicParenR"/>
-            </a:pPr>
-            <a:r>
-              <a:rPr lang="en-US" b="0" dirty="0" smtClean="0"/>
-              <a:t>Set up inputs using constants (color to follow, color to stop at, power)</a:t>
-            </a:r>
-          </a:p>
-          <a:p>
-            <a:pPr marL="457200" indent="-457200">
-              <a:buAutoNum type="arabicParenR"/>
-            </a:pPr>
-            <a:r>
-              <a:rPr lang="en-US" b="0" dirty="0" smtClean="0"/>
-              <a:t>Use data wires to connect these constants to the right block</a:t>
-            </a:r>
-          </a:p>
-          <a:p>
-            <a:pPr marL="457200" indent="-457200">
-              <a:buAutoNum type="arabicParenR"/>
-            </a:pPr>
-            <a:r>
-              <a:rPr lang="en-US" b="0" dirty="0" smtClean="0"/>
-              <a:t>Make this line follower into a My Block</a:t>
-            </a:r>
-          </a:p>
-          <a:p>
-            <a:pPr marL="457200" indent="-457200">
-              <a:buAutoNum type="arabicParenR"/>
-            </a:pPr>
-            <a:endParaRPr lang="en-US" dirty="0" smtClean="0"/>
-          </a:p>
-        </p:txBody>
-      </p:sp>
-      <p:sp>
-        <p:nvSpPr>
-          <p:cNvPr id="4" name="Footer Placeholder 3"/>
-          <p:cNvSpPr>
-            <a:spLocks noGrp="1"/>
-          </p:cNvSpPr>
-          <p:nvPr>
-            <p:ph type="ftr" sz="quarter" idx="11"/>
-          </p:nvPr>
-        </p:nvSpPr>
-        <p:spPr/>
-        <p:txBody>
-          <a:bodyPr/>
-          <a:lstStyle/>
-          <a:p>
-            <a:r>
-              <a:rPr lang="en-US" smtClean="0"/>
-              <a:t>© 2014, Droids Robotics, v. 2.0, Last edit 4/5/2015</a:t>
-            </a:r>
-            <a:endParaRPr lang="en-US"/>
           </a:p>
         </p:txBody>
       </p:sp>
@@ -6469,8 +5627,8 @@
         </p:nvSpPr>
         <p:spPr>
           <a:xfrm>
-            <a:off x="6830647" y="1638087"/>
-            <a:ext cx="1701496" cy="4320745"/>
+            <a:off x="5948304" y="2938071"/>
+            <a:ext cx="1701496" cy="3583384"/>
           </a:xfrm>
           <a:prstGeom prst="rect">
             <a:avLst/>
@@ -6510,8 +5668,8 @@
         </p:nvCxnSpPr>
         <p:spPr>
           <a:xfrm flipV="1">
-            <a:off x="7649800" y="2182454"/>
-            <a:ext cx="0" cy="3538976"/>
+            <a:off x="6767457" y="3312826"/>
+            <a:ext cx="0" cy="2840752"/>
           </a:xfrm>
           <a:prstGeom prst="line">
             <a:avLst/>
@@ -6545,7 +5703,7 @@
         </p:nvCxnSpPr>
         <p:spPr>
           <a:xfrm flipH="1">
-            <a:off x="6979312" y="2182454"/>
+            <a:off x="6166935" y="3312826"/>
             <a:ext cx="1340976" cy="0"/>
           </a:xfrm>
           <a:prstGeom prst="line">
@@ -6580,7 +5738,7 @@
         </p:nvGrpSpPr>
         <p:grpSpPr>
           <a:xfrm>
-            <a:off x="7319520" y="4857621"/>
+            <a:off x="6437177" y="5289769"/>
             <a:ext cx="660559" cy="790597"/>
             <a:chOff x="6310708" y="2223671"/>
             <a:chExt cx="809489" cy="898563"/>
@@ -6773,6 +5931,252 @@
           </p:txBody>
         </p:sp>
       </p:grpSp>
+      <p:sp>
+        <p:nvSpPr>
+          <p:cNvPr id="13" name="Content Placeholder 2"/>
+          <p:cNvSpPr txBox="1">
+            <a:spLocks/>
+          </p:cNvSpPr>
+          <p:nvPr/>
+        </p:nvSpPr>
+        <p:spPr>
+          <a:xfrm>
+            <a:off x="470106" y="1599783"/>
+            <a:ext cx="4306339" cy="4373563"/>
+          </a:xfrm>
+          <a:prstGeom prst="rect">
+            <a:avLst/>
+          </a:prstGeom>
+        </p:spPr>
+        <p:txBody>
+          <a:bodyPr vert="horz" lIns="91440" tIns="45720" rIns="91440" bIns="45720" rtlCol="0">
+            <a:normAutofit/>
+          </a:bodyPr>
+          <a:lstStyle>
+            <a:lvl1pPr marL="0" indent="0" algn="l" defTabSz="914400" rtl="0" eaLnBrk="1" latinLnBrk="0" hangingPunct="1">
+              <a:spcBef>
+                <a:spcPct val="20000"/>
+              </a:spcBef>
+              <a:spcAft>
+                <a:spcPts val="600"/>
+              </a:spcAft>
+              <a:buFont typeface="Arial" pitchFamily="34" charset="0"/>
+              <a:buNone/>
+              <a:defRPr sz="2000" b="1" kern="1200">
+                <a:solidFill>
+                  <a:schemeClr val="tx1"/>
+                </a:solidFill>
+                <a:latin typeface="+mn-lt"/>
+                <a:ea typeface="+mn-ea"/>
+                <a:cs typeface="+mn-cs"/>
+              </a:defRPr>
+            </a:lvl1pPr>
+            <a:lvl2pPr marL="457200" indent="-182880" algn="l" defTabSz="914400" rtl="0" eaLnBrk="1" latinLnBrk="0" hangingPunct="1">
+              <a:spcBef>
+                <a:spcPct val="20000"/>
+              </a:spcBef>
+              <a:buClr>
+                <a:schemeClr val="tx2"/>
+              </a:buClr>
+              <a:buFont typeface="Arial" pitchFamily="34" charset="0"/>
+              <a:buChar char="•"/>
+              <a:defRPr sz="2000" kern="1200">
+                <a:solidFill>
+                  <a:schemeClr val="tx1"/>
+                </a:solidFill>
+                <a:latin typeface="+mn-lt"/>
+                <a:ea typeface="+mn-ea"/>
+                <a:cs typeface="+mn-cs"/>
+              </a:defRPr>
+            </a:lvl2pPr>
+            <a:lvl3pPr marL="1143000" indent="-228600" algn="l" defTabSz="914400" rtl="0" eaLnBrk="1" latinLnBrk="0" hangingPunct="1">
+              <a:spcBef>
+                <a:spcPct val="20000"/>
+              </a:spcBef>
+              <a:buClr>
+                <a:schemeClr val="tx2"/>
+              </a:buClr>
+              <a:buFont typeface="Arial" pitchFamily="34" charset="0"/>
+              <a:buChar char="•"/>
+              <a:defRPr sz="1800" kern="1200">
+                <a:solidFill>
+                  <a:schemeClr val="tx1"/>
+                </a:solidFill>
+                <a:latin typeface="+mn-lt"/>
+                <a:ea typeface="+mn-ea"/>
+                <a:cs typeface="+mn-cs"/>
+              </a:defRPr>
+            </a:lvl3pPr>
+            <a:lvl4pPr marL="1600200" indent="-228600" algn="l" defTabSz="914400" rtl="0" eaLnBrk="1" latinLnBrk="0" hangingPunct="1">
+              <a:spcBef>
+                <a:spcPct val="20000"/>
+              </a:spcBef>
+              <a:buClr>
+                <a:schemeClr val="tx2"/>
+              </a:buClr>
+              <a:buFont typeface="Arial" pitchFamily="34" charset="0"/>
+              <a:buChar char="•"/>
+              <a:defRPr sz="1800" kern="1200">
+                <a:solidFill>
+                  <a:schemeClr val="tx1"/>
+                </a:solidFill>
+                <a:latin typeface="+mn-lt"/>
+                <a:ea typeface="+mn-ea"/>
+                <a:cs typeface="+mn-cs"/>
+              </a:defRPr>
+            </a:lvl4pPr>
+            <a:lvl5pPr marL="2057400" indent="-228600" algn="l" defTabSz="914400" rtl="0" eaLnBrk="1" latinLnBrk="0" hangingPunct="1">
+              <a:spcBef>
+                <a:spcPct val="20000"/>
+              </a:spcBef>
+              <a:buClr>
+                <a:schemeClr val="tx2"/>
+              </a:buClr>
+              <a:buFont typeface="Arial" pitchFamily="34" charset="0"/>
+              <a:buChar char="•"/>
+              <a:defRPr sz="1800" kern="1200" baseline="0">
+                <a:solidFill>
+                  <a:schemeClr val="tx1"/>
+                </a:solidFill>
+                <a:latin typeface="+mn-lt"/>
+                <a:ea typeface="+mn-ea"/>
+                <a:cs typeface="+mn-cs"/>
+              </a:defRPr>
+            </a:lvl5pPr>
+            <a:lvl6pPr marL="2514600" indent="-228600" algn="l" defTabSz="914400" rtl="0" eaLnBrk="1" latinLnBrk="0" hangingPunct="1">
+              <a:spcBef>
+                <a:spcPct val="20000"/>
+              </a:spcBef>
+              <a:buClr>
+                <a:schemeClr val="tx2"/>
+              </a:buClr>
+              <a:buFont typeface="Arial" pitchFamily="34" charset="0"/>
+              <a:buChar char="•"/>
+              <a:defRPr sz="1600" kern="1200">
+                <a:solidFill>
+                  <a:schemeClr val="tx1"/>
+                </a:solidFill>
+                <a:latin typeface="+mn-lt"/>
+                <a:ea typeface="+mn-ea"/>
+                <a:cs typeface="+mn-cs"/>
+              </a:defRPr>
+            </a:lvl6pPr>
+            <a:lvl7pPr marL="2971800" indent="-228600" algn="l" defTabSz="914400" rtl="0" eaLnBrk="1" latinLnBrk="0" hangingPunct="1">
+              <a:spcBef>
+                <a:spcPct val="20000"/>
+              </a:spcBef>
+              <a:buClr>
+                <a:schemeClr val="tx2"/>
+              </a:buClr>
+              <a:buFont typeface="Arial" pitchFamily="34" charset="0"/>
+              <a:buChar char="•"/>
+              <a:defRPr sz="1600" kern="1200">
+                <a:solidFill>
+                  <a:schemeClr val="tx1"/>
+                </a:solidFill>
+                <a:latin typeface="+mn-lt"/>
+                <a:ea typeface="+mn-ea"/>
+                <a:cs typeface="+mn-cs"/>
+              </a:defRPr>
+            </a:lvl7pPr>
+            <a:lvl8pPr marL="3429000" indent="-228600" algn="l" defTabSz="914400" rtl="0" eaLnBrk="1" latinLnBrk="0" hangingPunct="1">
+              <a:spcBef>
+                <a:spcPct val="20000"/>
+              </a:spcBef>
+              <a:buClr>
+                <a:schemeClr val="tx2"/>
+              </a:buClr>
+              <a:buFont typeface="Arial" pitchFamily="34" charset="0"/>
+              <a:buChar char="•"/>
+              <a:defRPr sz="1600" kern="1200">
+                <a:solidFill>
+                  <a:schemeClr val="tx1"/>
+                </a:solidFill>
+                <a:latin typeface="+mn-lt"/>
+                <a:ea typeface="+mn-ea"/>
+                <a:cs typeface="+mn-cs"/>
+              </a:defRPr>
+            </a:lvl8pPr>
+            <a:lvl9pPr marL="3886200" indent="-228600" algn="l" defTabSz="914400" rtl="0" eaLnBrk="1" latinLnBrk="0" hangingPunct="1">
+              <a:spcBef>
+                <a:spcPct val="20000"/>
+              </a:spcBef>
+              <a:buClr>
+                <a:schemeClr val="tx2"/>
+              </a:buClr>
+              <a:buFont typeface="Arial" pitchFamily="34" charset="0"/>
+              <a:buChar char="•"/>
+              <a:defRPr sz="1600" kern="1200">
+                <a:solidFill>
+                  <a:schemeClr val="tx1"/>
+                </a:solidFill>
+                <a:latin typeface="+mn-lt"/>
+                <a:ea typeface="+mn-ea"/>
+                <a:cs typeface="+mn-cs"/>
+              </a:defRPr>
+            </a:lvl9pPr>
+          </a:lstStyle>
+          <a:p>
+            <a:r>
+              <a:rPr lang="en-US" dirty="0" smtClean="0"/>
+              <a:t>STEP 1:</a:t>
+            </a:r>
+          </a:p>
+          <a:p>
+            <a:pPr lvl="1"/>
+            <a:r>
+              <a:rPr lang="en-US" b="0" dirty="0" smtClean="0"/>
+              <a:t>Create a simple line follower</a:t>
+            </a:r>
+          </a:p>
+          <a:p>
+            <a:r>
+              <a:rPr lang="en-US" dirty="0" smtClean="0"/>
+              <a:t>STEP 2:</a:t>
+            </a:r>
+          </a:p>
+          <a:p>
+            <a:pPr lvl="1"/>
+            <a:r>
+              <a:rPr lang="en-US" b="0" dirty="0" smtClean="0"/>
+              <a:t>Change the loop exit condition to “until black”</a:t>
+            </a:r>
+          </a:p>
+          <a:p>
+            <a:r>
+              <a:rPr lang="en-US" dirty="0" smtClean="0"/>
+              <a:t>STEP 3:</a:t>
+            </a:r>
+          </a:p>
+          <a:p>
+            <a:pPr lvl="1"/>
+            <a:r>
+              <a:rPr lang="en-US" dirty="0" smtClean="0"/>
+              <a:t>A. </a:t>
+            </a:r>
+            <a:r>
+              <a:rPr lang="en-US" b="0" dirty="0" smtClean="0"/>
+              <a:t>Make a My </a:t>
+            </a:r>
+            <a:r>
+              <a:rPr lang="en-US" b="0" dirty="0"/>
+              <a:t>B</a:t>
+            </a:r>
+            <a:r>
+              <a:rPr lang="en-US" b="0" dirty="0" smtClean="0"/>
+              <a:t>lock with 3 inputs: Power, Color to line follow on, and Color to stop at</a:t>
+            </a:r>
+            <a:endParaRPr lang="en-US" dirty="0"/>
+          </a:p>
+          <a:p>
+            <a:pPr lvl="1"/>
+            <a:r>
+              <a:rPr lang="en-US" b="0" dirty="0" smtClean="0"/>
+              <a:t>B. Wire the My Block</a:t>
+            </a:r>
+          </a:p>
+        </p:txBody>
+      </p:sp>
     </p:spTree>
     <p:extLst>
       <p:ext uri="{BB962C8B-B14F-4D97-AF65-F5344CB8AC3E}">
@@ -6786,7 +6190,7 @@
   <p:timing>
     <p:tnLst>
       <p:par>
-        <p:cTn xmlns:p14="http://schemas.microsoft.com/office/powerpoint/2010/main" id="1" dur="indefinite" restart="never" nodeType="tmRoot">
+        <p:cTn id="1" dur="indefinite" restart="never" nodeType="tmRoot">
           <p:childTnLst>
             <p:seq concurrent="1" nextAc="seek">
               <p:cTn id="2" dur="indefinite" nodeType="mainSeq">
@@ -6856,7 +6260,7 @@
 </p:sld>
 </file>
 
-<file path=ppt/slides/slide6.xml><?xml version="1.0" encoding="utf-8"?>
+<file path=ppt/slides/slide5.xml><?xml version="1.0" encoding="utf-8"?>
 <p:sld xmlns:a="http://schemas.openxmlformats.org/drawingml/2006/main" xmlns:r="http://schemas.openxmlformats.org/officeDocument/2006/relationships" xmlns:p="http://schemas.openxmlformats.org/presentationml/2006/main">
   <p:cSld>
     <p:spTree>
@@ -6913,7 +6317,7 @@
           <a:p>
             <a:r>
               <a:rPr lang="en-US" smtClean="0"/>
-              <a:t>© 2014, Droids Robotics, v. 2.0, Last edit 4/5/2015</a:t>
+              <a:t>© 2014, Droids Robotics, v. 2.0, Last edit 11/5/2015</a:t>
             </a:r>
             <a:endParaRPr lang="en-US"/>
           </a:p>
@@ -6962,7 +6366,166 @@
   <p:timing>
     <p:tnLst>
       <p:par>
-        <p:cTn xmlns:p14="http://schemas.microsoft.com/office/powerpoint/2010/main" id="1" dur="indefinite" restart="never" nodeType="tmRoot"/>
+        <p:cTn id="1" dur="indefinite" restart="never" nodeType="tmRoot"/>
+      </p:par>
+    </p:tnLst>
+  </p:timing>
+</p:sld>
+</file>
+
+<file path=ppt/slides/slide6.xml><?xml version="1.0" encoding="utf-8"?>
+<p:sld xmlns:a="http://schemas.openxmlformats.org/drawingml/2006/main" xmlns:r="http://schemas.openxmlformats.org/officeDocument/2006/relationships" xmlns:p="http://schemas.openxmlformats.org/presentationml/2006/main">
+  <p:cSld>
+    <p:spTree>
+      <p:nvGrpSpPr>
+        <p:cNvPr id="1" name=""/>
+        <p:cNvGrpSpPr/>
+        <p:nvPr/>
+      </p:nvGrpSpPr>
+      <p:grpSpPr>
+        <a:xfrm>
+          <a:off x="0" y="0"/>
+          <a:ext cx="0" cy="0"/>
+          <a:chOff x="0" y="0"/>
+          <a:chExt cx="0" cy="0"/>
+        </a:xfrm>
+      </p:grpSpPr>
+      <p:sp>
+        <p:nvSpPr>
+          <p:cNvPr id="2" name="Title 1"/>
+          <p:cNvSpPr>
+            <a:spLocks noGrp="1"/>
+          </p:cNvSpPr>
+          <p:nvPr>
+            <p:ph type="title"/>
+          </p:nvPr>
+        </p:nvSpPr>
+        <p:spPr/>
+        <p:txBody>
+          <a:bodyPr/>
+          <a:lstStyle/>
+          <a:p>
+            <a:r>
+              <a:rPr lang="en-US" dirty="0" smtClean="0"/>
+              <a:t>STEP 2: CHANGE LOOP EXIT CONDITION</a:t>
+            </a:r>
+            <a:endParaRPr lang="en-US" dirty="0"/>
+          </a:p>
+        </p:txBody>
+      </p:sp>
+      <p:sp>
+        <p:nvSpPr>
+          <p:cNvPr id="4" name="Footer Placeholder 3"/>
+          <p:cNvSpPr>
+            <a:spLocks noGrp="1"/>
+          </p:cNvSpPr>
+          <p:nvPr>
+            <p:ph type="ftr" sz="quarter" idx="11"/>
+          </p:nvPr>
+        </p:nvSpPr>
+        <p:spPr/>
+        <p:txBody>
+          <a:bodyPr/>
+          <a:lstStyle/>
+          <a:p>
+            <a:r>
+              <a:rPr lang="en-US" smtClean="0"/>
+              <a:t>© 2014, Droids Robotics, v. 2.0, Last edit 11/5/2015</a:t>
+            </a:r>
+            <a:endParaRPr lang="en-US"/>
+          </a:p>
+        </p:txBody>
+      </p:sp>
+      <p:pic>
+        <p:nvPicPr>
+          <p:cNvPr id="3" name="Picture 2" descr="Screen Shot 2014-10-16 at 12.38.31 PM.png"/>
+          <p:cNvPicPr>
+            <a:picLocks noChangeAspect="1"/>
+          </p:cNvPicPr>
+          <p:nvPr/>
+        </p:nvPicPr>
+        <p:blipFill>
+          <a:blip r:embed="rId2">
+            <a:extLst>
+              <a:ext uri="{28A0092B-C50C-407E-A947-70E740481C1C}">
+                <a14:useLocalDpi xmlns:a14="http://schemas.microsoft.com/office/drawing/2010/main" val="0"/>
+              </a:ext>
+            </a:extLst>
+          </a:blip>
+          <a:stretch>
+            <a:fillRect/>
+          </a:stretch>
+        </p:blipFill>
+        <p:spPr>
+          <a:xfrm>
+            <a:off x="229854" y="1524318"/>
+            <a:ext cx="8357073" cy="4617722"/>
+          </a:xfrm>
+          <a:prstGeom prst="rect">
+            <a:avLst/>
+          </a:prstGeom>
+        </p:spPr>
+      </p:pic>
+      <p:sp>
+        <p:nvSpPr>
+          <p:cNvPr id="5" name="Rounded Rectangle 4"/>
+          <p:cNvSpPr/>
+          <p:nvPr/>
+        </p:nvSpPr>
+        <p:spPr>
+          <a:xfrm>
+            <a:off x="7582364" y="4034256"/>
+            <a:ext cx="1027710" cy="869429"/>
+          </a:xfrm>
+          <a:prstGeom prst="roundRect">
+            <a:avLst/>
+          </a:prstGeom>
+          <a:noFill/>
+          <a:ln w="57150">
+            <a:solidFill>
+              <a:srgbClr val="FF0000"/>
+            </a:solidFill>
+          </a:ln>
+        </p:spPr>
+        <p:style>
+          <a:lnRef idx="2">
+            <a:schemeClr val="accent1">
+              <a:shade val="50000"/>
+            </a:schemeClr>
+          </a:lnRef>
+          <a:fillRef idx="1">
+            <a:schemeClr val="accent1"/>
+          </a:fillRef>
+          <a:effectRef idx="0">
+            <a:schemeClr val="accent1"/>
+          </a:effectRef>
+          <a:fontRef idx="minor">
+            <a:schemeClr val="lt1"/>
+          </a:fontRef>
+        </p:style>
+        <p:txBody>
+          <a:bodyPr rtlCol="0" anchor="ctr"/>
+          <a:lstStyle/>
+          <a:p>
+            <a:pPr algn="ctr"/>
+            <a:endParaRPr lang="en-US"/>
+          </a:p>
+        </p:txBody>
+      </p:sp>
+    </p:spTree>
+    <p:extLst>
+      <p:ext uri="{BB962C8B-B14F-4D97-AF65-F5344CB8AC3E}">
+        <p14:creationId xmlns:p14="http://schemas.microsoft.com/office/powerpoint/2010/main" val="2950443927"/>
+      </p:ext>
+    </p:extLst>
+  </p:cSld>
+  <p:clrMapOvr>
+    <a:masterClrMapping/>
+  </p:clrMapOvr>
+  <p:timing>
+    <p:tnLst>
+      <p:par>
+        <p:cTn id="1" dur="indefinite" restart="never" nodeType="tmRoot"/>
       </p:par>
     </p:tnLst>
   </p:timing>
@@ -6986,61 +6549,15 @@
           <a:chExt cx="0" cy="0"/>
         </a:xfrm>
       </p:grpSpPr>
-      <p:sp>
-        <p:nvSpPr>
-          <p:cNvPr id="2" name="Title 1"/>
-          <p:cNvSpPr>
-            <a:spLocks noGrp="1"/>
-          </p:cNvSpPr>
-          <p:nvPr>
-            <p:ph type="title"/>
-          </p:nvPr>
-        </p:nvSpPr>
-        <p:spPr/>
-        <p:txBody>
-          <a:bodyPr/>
-          <a:lstStyle/>
-          <a:p>
-            <a:r>
-              <a:rPr lang="en-US" dirty="0" smtClean="0"/>
-              <a:t>STEP 1: MAKE A SIMPLE LINE FOLLOWER</a:t>
-            </a:r>
-            <a:endParaRPr lang="en-US" dirty="0"/>
-          </a:p>
-        </p:txBody>
-      </p:sp>
-      <p:sp>
-        <p:nvSpPr>
-          <p:cNvPr id="4" name="Footer Placeholder 3"/>
-          <p:cNvSpPr>
-            <a:spLocks noGrp="1"/>
-          </p:cNvSpPr>
-          <p:nvPr>
-            <p:ph type="ftr" sz="quarter" idx="11"/>
-          </p:nvPr>
-        </p:nvSpPr>
-        <p:spPr/>
-        <p:txBody>
-          <a:bodyPr/>
-          <a:lstStyle/>
-          <a:p>
-            <a:r>
-              <a:rPr lang="en-US" smtClean="0"/>
-              <a:t>© 2014, Droids Robotics, v. 2.0, Last edit 4/5/2015</a:t>
-            </a:r>
-            <a:endParaRPr lang="en-US"/>
-          </a:p>
-        </p:txBody>
-      </p:sp>
       <p:pic>
         <p:nvPicPr>
-          <p:cNvPr id="5" name="Picture 4" descr="Screen Shot 2014-10-16 at 12.37.32 PM.png"/>
+          <p:cNvPr id="10" name="Picture 9" descr="Screen Shot 2014-10-16 at 12.38.31 PM.png"/>
           <p:cNvPicPr>
             <a:picLocks noChangeAspect="1"/>
           </p:cNvPicPr>
           <p:nvPr/>
         </p:nvPicPr>
-        <p:blipFill>
+        <p:blipFill rotWithShape="1">
           <a:blip r:embed="rId2">
             <a:extLst>
               <a:ext uri="{28A0092B-C50C-407E-A947-70E740481C1C}">
@@ -7048,14 +6565,13 @@
               </a:ext>
             </a:extLst>
           </a:blip>
-          <a:stretch>
-            <a:fillRect/>
-          </a:stretch>
+          <a:srcRect t="29549"/>
+          <a:stretch/>
         </p:blipFill>
         <p:spPr>
           <a:xfrm>
-            <a:off x="0" y="1480450"/>
-            <a:ext cx="8626236" cy="5012425"/>
+            <a:off x="3742965" y="1149617"/>
+            <a:ext cx="5064022" cy="1971315"/>
           </a:xfrm>
           <a:prstGeom prst="rect">
             <a:avLst/>
@@ -7064,22 +6580,70 @@
       </p:pic>
       <p:sp>
         <p:nvSpPr>
-          <p:cNvPr id="6" name="Oval 5"/>
+          <p:cNvPr id="2" name="Title 1"/>
+          <p:cNvSpPr>
+            <a:spLocks noGrp="1"/>
+          </p:cNvSpPr>
+          <p:nvPr>
+            <p:ph type="title"/>
+          </p:nvPr>
+        </p:nvSpPr>
+        <p:spPr/>
+        <p:txBody>
+          <a:bodyPr>
+            <a:normAutofit/>
+          </a:bodyPr>
+          <a:lstStyle/>
+          <a:p>
+            <a:r>
+              <a:rPr lang="en-US" dirty="0" smtClean="0"/>
+              <a:t>Step 3a: Create a My Block</a:t>
+            </a:r>
+            <a:endParaRPr lang="en-US" dirty="0"/>
+          </a:p>
+        </p:txBody>
+      </p:sp>
+      <p:sp>
+        <p:nvSpPr>
+          <p:cNvPr id="4" name="Footer Placeholder 3"/>
+          <p:cNvSpPr>
+            <a:spLocks noGrp="1"/>
+          </p:cNvSpPr>
+          <p:nvPr>
+            <p:ph type="ftr" sz="quarter" idx="11"/>
+          </p:nvPr>
+        </p:nvSpPr>
+        <p:spPr/>
+        <p:txBody>
+          <a:bodyPr/>
+          <a:lstStyle/>
+          <a:p>
+            <a:r>
+              <a:rPr lang="en-US" smtClean="0"/>
+              <a:t>© 2014, Droids Robotics, v. 2.0, Last edit 11/5/2015</a:t>
+            </a:r>
+            <a:endParaRPr lang="en-US"/>
+          </a:p>
+        </p:txBody>
+      </p:sp>
+      <p:sp>
+        <p:nvSpPr>
+          <p:cNvPr id="9" name="Rectangle 8"/>
           <p:cNvSpPr/>
           <p:nvPr/>
         </p:nvSpPr>
         <p:spPr>
           <a:xfrm>
-            <a:off x="7455099" y="4141027"/>
-            <a:ext cx="1171138" cy="1085867"/>
-          </a:xfrm>
-          <a:prstGeom prst="ellipse">
+            <a:off x="3935393" y="982254"/>
+            <a:ext cx="4846572" cy="2138678"/>
+          </a:xfrm>
+          <a:prstGeom prst="rect">
             <a:avLst/>
           </a:prstGeom>
           <a:noFill/>
-          <a:ln w="57150" cmpd="sng">
+          <a:ln w="76200">
             <a:solidFill>
-              <a:srgbClr val="0000FF"/>
+              <a:srgbClr val="00B0F0"/>
             </a:solidFill>
           </a:ln>
         </p:spPr>
@@ -7102,14 +6666,215 @@
           <a:lstStyle/>
           <a:p>
             <a:pPr algn="ctr"/>
-            <a:endParaRPr lang="en-US"/>
+            <a:endParaRPr lang="en-US" b="1" dirty="0">
+              <a:solidFill>
+                <a:srgbClr val="00B0F0"/>
+              </a:solidFill>
+            </a:endParaRPr>
+          </a:p>
+        </p:txBody>
+      </p:sp>
+      <p:sp>
+        <p:nvSpPr>
+          <p:cNvPr id="11" name="TextBox 10"/>
+          <p:cNvSpPr txBox="1"/>
+          <p:nvPr/>
+        </p:nvSpPr>
+        <p:spPr>
+          <a:xfrm>
+            <a:off x="254896" y="982255"/>
+            <a:ext cx="3589135" cy="5262979"/>
+          </a:xfrm>
+          <a:prstGeom prst="rect">
+            <a:avLst/>
+          </a:prstGeom>
+          <a:noFill/>
+        </p:spPr>
+        <p:txBody>
+          <a:bodyPr wrap="square" rtlCol="0">
+            <a:spAutoFit/>
+          </a:bodyPr>
+          <a:lstStyle/>
+          <a:p>
+            <a:pPr marL="342900" indent="-342900">
+              <a:buFont typeface="+mj-lt"/>
+              <a:buAutoNum type="alphaUcPeriod"/>
+            </a:pPr>
+            <a:r>
+              <a:rPr lang="en-US" sz="2400" dirty="0" smtClean="0">
+                <a:solidFill>
+                  <a:srgbClr val="00B0F0"/>
+                </a:solidFill>
+              </a:rPr>
+              <a:t>Highlight all the blocks then go to My Block Builder</a:t>
+            </a:r>
+          </a:p>
+          <a:p>
+            <a:pPr marL="342900" indent="-342900">
+              <a:buFont typeface="+mj-lt"/>
+              <a:buAutoNum type="alphaUcPeriod"/>
+            </a:pPr>
+            <a:endParaRPr lang="en-US" sz="2400" dirty="0" smtClean="0">
+              <a:solidFill>
+                <a:srgbClr val="00B050"/>
+              </a:solidFill>
+            </a:endParaRPr>
+          </a:p>
+          <a:p>
+            <a:pPr marL="342900" indent="-342900">
+              <a:buFont typeface="+mj-lt"/>
+              <a:buAutoNum type="alphaUcPeriod"/>
+            </a:pPr>
+            <a:r>
+              <a:rPr lang="en-US" sz="2400" dirty="0" smtClean="0">
+                <a:solidFill>
+                  <a:srgbClr val="FF0000"/>
+                </a:solidFill>
+              </a:rPr>
+              <a:t>Add 3 inputs: one for power and one for color, and one for degrees</a:t>
+            </a:r>
+            <a:r>
+              <a:rPr lang="en-US" sz="2400" dirty="0" smtClean="0">
+                <a:solidFill>
+                  <a:srgbClr val="00B050"/>
+                </a:solidFill>
+              </a:rPr>
+              <a:t> </a:t>
+            </a:r>
+          </a:p>
+          <a:p>
+            <a:pPr marL="342900" indent="-342900">
+              <a:buFont typeface="+mj-lt"/>
+              <a:buAutoNum type="alphaUcPeriod"/>
+            </a:pPr>
+            <a:endParaRPr lang="en-US" sz="2400" dirty="0" smtClean="0">
+              <a:solidFill>
+                <a:srgbClr val="00B050"/>
+              </a:solidFill>
+            </a:endParaRPr>
+          </a:p>
+          <a:p>
+            <a:pPr marL="342900" indent="-342900">
+              <a:buFont typeface="Arial" panose="020B0604020202020204" pitchFamily="34" charset="0"/>
+              <a:buChar char="•"/>
+            </a:pPr>
+            <a:r>
+              <a:rPr lang="en-US" sz="2400" dirty="0"/>
+              <a:t>Refer to the My Blocks with Inputs &amp; Outputs lesson if you need help setting up the My Block</a:t>
+            </a:r>
+            <a:endParaRPr lang="en-US" sz="2400" dirty="0">
+              <a:solidFill>
+                <a:srgbClr val="00B050"/>
+              </a:solidFill>
+            </a:endParaRPr>
+          </a:p>
+        </p:txBody>
+      </p:sp>
+      <p:sp>
+        <p:nvSpPr>
+          <p:cNvPr id="13" name="TextBox 12"/>
+          <p:cNvSpPr txBox="1"/>
+          <p:nvPr/>
+        </p:nvSpPr>
+        <p:spPr>
+          <a:xfrm>
+            <a:off x="4052657" y="4245161"/>
+            <a:ext cx="426128" cy="523220"/>
+          </a:xfrm>
+          <a:prstGeom prst="rect">
+            <a:avLst/>
+          </a:prstGeom>
+          <a:noFill/>
+        </p:spPr>
+        <p:txBody>
+          <a:bodyPr wrap="square" rtlCol="0">
+            <a:spAutoFit/>
+          </a:bodyPr>
+          <a:lstStyle/>
+          <a:p>
+            <a:r>
+              <a:rPr lang="en-US" sz="2800" b="1" dirty="0" smtClean="0">
+                <a:solidFill>
+                  <a:srgbClr val="FF0000"/>
+                </a:solidFill>
+              </a:rPr>
+              <a:t>B</a:t>
+            </a:r>
+            <a:endParaRPr lang="en-US" sz="2800" b="1" dirty="0">
+              <a:solidFill>
+                <a:srgbClr val="FF0000"/>
+              </a:solidFill>
+            </a:endParaRPr>
+          </a:p>
+        </p:txBody>
+      </p:sp>
+      <p:pic>
+        <p:nvPicPr>
+          <p:cNvPr id="7" name="Picture 6" descr="Screen Clipping"/>
+          <p:cNvPicPr>
+            <a:picLocks noChangeAspect="1"/>
+          </p:cNvPicPr>
+          <p:nvPr/>
+        </p:nvPicPr>
+        <p:blipFill>
+          <a:blip r:embed="rId3">
+            <a:extLst>
+              <a:ext uri="{28A0092B-C50C-407E-A947-70E740481C1C}">
+                <a14:useLocalDpi xmlns:a14="http://schemas.microsoft.com/office/drawing/2010/main" val="0"/>
+              </a:ext>
+            </a:extLst>
+          </a:blip>
+          <a:stretch>
+            <a:fillRect/>
+          </a:stretch>
+        </p:blipFill>
+        <p:spPr>
+          <a:xfrm>
+            <a:off x="4533847" y="3288295"/>
+            <a:ext cx="3871921" cy="3529506"/>
+          </a:xfrm>
+          <a:prstGeom prst="rect">
+            <a:avLst/>
+          </a:prstGeom>
+        </p:spPr>
+      </p:pic>
+      <p:sp>
+        <p:nvSpPr>
+          <p:cNvPr id="12" name="TextBox 11"/>
+          <p:cNvSpPr txBox="1"/>
+          <p:nvPr/>
+        </p:nvSpPr>
+        <p:spPr>
+          <a:xfrm>
+            <a:off x="4265721" y="1291568"/>
+            <a:ext cx="426128" cy="523220"/>
+          </a:xfrm>
+          <a:prstGeom prst="rect">
+            <a:avLst/>
+          </a:prstGeom>
+          <a:noFill/>
+        </p:spPr>
+        <p:txBody>
+          <a:bodyPr wrap="square" rtlCol="0">
+            <a:spAutoFit/>
+          </a:bodyPr>
+          <a:lstStyle/>
+          <a:p>
+            <a:r>
+              <a:rPr lang="en-US" sz="2800" b="1" dirty="0">
+                <a:solidFill>
+                  <a:srgbClr val="00B0F0"/>
+                </a:solidFill>
+              </a:rPr>
+              <a:t>A</a:t>
+            </a:r>
           </a:p>
         </p:txBody>
       </p:sp>
     </p:spTree>
     <p:extLst>
       <p:ext uri="{BB962C8B-B14F-4D97-AF65-F5344CB8AC3E}">
-        <p14:creationId xmlns:p14="http://schemas.microsoft.com/office/powerpoint/2010/main" val="624929567"/>
+        <p14:creationId xmlns:p14="http://schemas.microsoft.com/office/powerpoint/2010/main" val="55443606"/>
       </p:ext>
     </p:extLst>
   </p:cSld>
@@ -7119,7 +6884,7 @@
   <p:timing>
     <p:tnLst>
       <p:par>
-        <p:cTn xmlns:p14="http://schemas.microsoft.com/office/powerpoint/2010/main" id="1" dur="indefinite" restart="never" nodeType="tmRoot"/>
+        <p:cTn id="1" dur="indefinite" restart="never" nodeType="tmRoot"/>
       </p:par>
     </p:tnLst>
   </p:timing>
@@ -7160,7 +6925,7 @@
           <a:p>
             <a:r>
               <a:rPr lang="en-US" dirty="0" smtClean="0"/>
-              <a:t>STEP 2: STOPS ON BLACK</a:t>
+              <a:t>STEP 3B: WIRE THE MY BLOCK</a:t>
             </a:r>
             <a:endParaRPr lang="en-US" dirty="0"/>
           </a:p>
@@ -7183,7 +6948,7 @@
           <a:p>
             <a:r>
               <a:rPr lang="en-US" smtClean="0"/>
-              <a:t>© 2014, Droids Robotics, v. 2.0, Last edit 4/5/2015</a:t>
+              <a:t>© 2014, Droids Robotics, v. 2.0, Last edit 11/5/2015</a:t>
             </a:r>
             <a:endParaRPr lang="en-US"/>
           </a:p>
@@ -7191,7 +6956,7 @@
       </p:sp>
       <p:pic>
         <p:nvPicPr>
-          <p:cNvPr id="3" name="Picture 2" descr="Screen Shot 2014-10-16 at 12.38.31 PM.png"/>
+          <p:cNvPr id="5" name="Picture 4" descr="Screen Shot 2014-10-16 at 12.41.12 PM.png"/>
           <p:cNvPicPr>
             <a:picLocks noChangeAspect="1"/>
           </p:cNvPicPr>
@@ -7211,8 +6976,8 @@
         </p:blipFill>
         <p:spPr>
           <a:xfrm>
-            <a:off x="345601" y="1276584"/>
-            <a:ext cx="8357073" cy="4617722"/>
+            <a:off x="257712" y="1524318"/>
+            <a:ext cx="8485927" cy="3951956"/>
           </a:xfrm>
           <a:prstGeom prst="rect">
             <a:avLst/>
@@ -7221,65 +6986,207 @@
       </p:pic>
       <p:sp>
         <p:nvSpPr>
-          <p:cNvPr id="6" name="Oval 5"/>
-          <p:cNvSpPr/>
+          <p:cNvPr id="6" name="TextBox 5"/>
+          <p:cNvSpPr txBox="1"/>
           <p:nvPr/>
         </p:nvSpPr>
         <p:spPr>
           <a:xfrm>
-            <a:off x="7531536" y="3736127"/>
-            <a:ext cx="1171138" cy="1085867"/>
-          </a:xfrm>
-          <a:prstGeom prst="ellipse">
+            <a:off x="680719" y="5346992"/>
+            <a:ext cx="7908195" cy="923330"/>
+          </a:xfrm>
+          <a:prstGeom prst="rect">
             <a:avLst/>
           </a:prstGeom>
           <a:noFill/>
-          <a:ln w="57150" cmpd="sng">
-            <a:solidFill>
-              <a:srgbClr val="0000FF"/>
-            </a:solidFill>
-          </a:ln>
-        </p:spPr>
-        <p:style>
-          <a:lnRef idx="1">
-            <a:schemeClr val="accent1"/>
-          </a:lnRef>
-          <a:fillRef idx="3">
-            <a:schemeClr val="accent1"/>
-          </a:fillRef>
-          <a:effectRef idx="2">
-            <a:schemeClr val="accent1"/>
-          </a:effectRef>
-          <a:fontRef idx="minor">
-            <a:schemeClr val="lt1"/>
-          </a:fontRef>
-        </p:style>
-        <p:txBody>
-          <a:bodyPr rtlCol="0" anchor="ctr"/>
-          <a:lstStyle/>
-          <a:p>
-            <a:pPr algn="ctr"/>
-            <a:endParaRPr lang="en-US"/>
+        </p:spPr>
+        <p:txBody>
+          <a:bodyPr wrap="square" rtlCol="0">
+            <a:spAutoFit/>
+          </a:bodyPr>
+          <a:lstStyle/>
+          <a:p>
+            <a:pPr marL="285750" indent="-285750">
+              <a:buFont typeface="Arial" panose="020B0604020202020204" pitchFamily="34" charset="0"/>
+              <a:buChar char="•"/>
+            </a:pPr>
+            <a:r>
+              <a:rPr lang="en-US" dirty="0" smtClean="0">
+                <a:solidFill>
+                  <a:srgbClr val="7030A0"/>
+                </a:solidFill>
+              </a:rPr>
+              <a:t>The color to stop at goes into loop exit condition</a:t>
+            </a:r>
+          </a:p>
+          <a:p>
+            <a:pPr marL="285750" indent="-285750">
+              <a:buFont typeface="Arial" panose="020B0604020202020204" pitchFamily="34" charset="0"/>
+              <a:buChar char="•"/>
+            </a:pPr>
+            <a:r>
+              <a:rPr lang="en-US" dirty="0" smtClean="0">
+                <a:solidFill>
+                  <a:srgbClr val="7030A0"/>
+                </a:solidFill>
+              </a:rPr>
+              <a:t>The power input goes into power input on the steering block</a:t>
+            </a:r>
+          </a:p>
+          <a:p>
+            <a:pPr marL="285750" indent="-285750">
+              <a:buFont typeface="Arial" panose="020B0604020202020204" pitchFamily="34" charset="0"/>
+              <a:buChar char="•"/>
+            </a:pPr>
+            <a:r>
+              <a:rPr lang="en-US" dirty="0" smtClean="0">
+                <a:solidFill>
+                  <a:srgbClr val="7030A0"/>
+                </a:solidFill>
+              </a:rPr>
+              <a:t>The color input goes into color input for the switch</a:t>
+            </a:r>
+            <a:endParaRPr lang="en-US" dirty="0">
+              <a:solidFill>
+                <a:srgbClr val="7030A0"/>
+              </a:solidFill>
+            </a:endParaRPr>
+          </a:p>
+        </p:txBody>
+      </p:sp>
+      <p:sp>
+        <p:nvSpPr>
+          <p:cNvPr id="7" name="TextBox 6"/>
+          <p:cNvSpPr txBox="1"/>
+          <p:nvPr/>
+        </p:nvSpPr>
+        <p:spPr>
+          <a:xfrm>
+            <a:off x="78954" y="5325941"/>
+            <a:ext cx="426128" cy="523220"/>
+          </a:xfrm>
+          <a:prstGeom prst="rect">
+            <a:avLst/>
+          </a:prstGeom>
+          <a:noFill/>
+        </p:spPr>
+        <p:txBody>
+          <a:bodyPr wrap="square" rtlCol="0">
+            <a:spAutoFit/>
+          </a:bodyPr>
+          <a:lstStyle/>
+          <a:p>
+            <a:r>
+              <a:rPr lang="en-US" sz="2800" b="1" dirty="0">
+                <a:solidFill>
+                  <a:srgbClr val="7030A0"/>
+                </a:solidFill>
+              </a:rPr>
+              <a:t>C</a:t>
+            </a:r>
+          </a:p>
+        </p:txBody>
+      </p:sp>
+      <p:sp>
+        <p:nvSpPr>
+          <p:cNvPr id="8" name="TextBox 7"/>
+          <p:cNvSpPr txBox="1"/>
+          <p:nvPr/>
+        </p:nvSpPr>
+        <p:spPr>
+          <a:xfrm>
+            <a:off x="1393203" y="4632720"/>
+            <a:ext cx="1535526" cy="261610"/>
+          </a:xfrm>
+          <a:prstGeom prst="rect">
+            <a:avLst/>
+          </a:prstGeom>
+          <a:noFill/>
+        </p:spPr>
+        <p:txBody>
+          <a:bodyPr wrap="square" rtlCol="0">
+            <a:spAutoFit/>
+          </a:bodyPr>
+          <a:lstStyle/>
+          <a:p>
+            <a:r>
+              <a:rPr lang="en-US" sz="1100" dirty="0" smtClean="0"/>
+              <a:t>Color to line follow</a:t>
+            </a:r>
+            <a:endParaRPr lang="en-US" sz="1100" dirty="0"/>
+          </a:p>
+        </p:txBody>
+      </p:sp>
+      <p:sp>
+        <p:nvSpPr>
+          <p:cNvPr id="9" name="TextBox 8"/>
+          <p:cNvSpPr txBox="1"/>
+          <p:nvPr/>
+        </p:nvSpPr>
+        <p:spPr>
+          <a:xfrm>
+            <a:off x="4500675" y="5063042"/>
+            <a:ext cx="652464" cy="261610"/>
+          </a:xfrm>
+          <a:prstGeom prst="rect">
+            <a:avLst/>
+          </a:prstGeom>
+          <a:noFill/>
+        </p:spPr>
+        <p:txBody>
+          <a:bodyPr wrap="square" rtlCol="0">
+            <a:spAutoFit/>
+          </a:bodyPr>
+          <a:lstStyle/>
+          <a:p>
+            <a:r>
+              <a:rPr lang="en-US" sz="1100" dirty="0" smtClean="0"/>
+              <a:t>Power</a:t>
+            </a:r>
+            <a:endParaRPr lang="en-US" sz="1100" dirty="0"/>
+          </a:p>
+        </p:txBody>
+      </p:sp>
+      <p:sp>
+        <p:nvSpPr>
+          <p:cNvPr id="10" name="TextBox 9"/>
+          <p:cNvSpPr txBox="1"/>
+          <p:nvPr/>
+        </p:nvSpPr>
+        <p:spPr>
+          <a:xfrm>
+            <a:off x="6986955" y="4572291"/>
+            <a:ext cx="1553016" cy="261610"/>
+          </a:xfrm>
+          <a:prstGeom prst="rect">
+            <a:avLst/>
+          </a:prstGeom>
+          <a:noFill/>
+        </p:spPr>
+        <p:txBody>
+          <a:bodyPr wrap="square" rtlCol="0">
+            <a:spAutoFit/>
+          </a:bodyPr>
+          <a:lstStyle/>
+          <a:p>
+            <a:r>
+              <a:rPr lang="en-US" sz="1100" dirty="0" smtClean="0"/>
+              <a:t>Color to stop at</a:t>
+            </a:r>
+            <a:endParaRPr lang="en-US" sz="1100" dirty="0"/>
           </a:p>
         </p:txBody>
       </p:sp>
     </p:spTree>
     <p:extLst>
       <p:ext uri="{BB962C8B-B14F-4D97-AF65-F5344CB8AC3E}">
-        <p14:creationId xmlns:p14="http://schemas.microsoft.com/office/powerpoint/2010/main" val="2950443927"/>
+        <p14:creationId xmlns:p14="http://schemas.microsoft.com/office/powerpoint/2010/main" val="3298112974"/>
       </p:ext>
     </p:extLst>
   </p:cSld>
   <p:clrMapOvr>
     <a:masterClrMapping/>
   </p:clrMapOvr>
-  <p:timing>
-    <p:tnLst>
-      <p:par>
-        <p:cTn xmlns:p14="http://schemas.microsoft.com/office/powerpoint/2010/main" id="1" dur="indefinite" restart="never" nodeType="tmRoot"/>
-      </p:par>
-    </p:tnLst>
-  </p:timing>
 </p:sld>
 </file>
 
@@ -7317,7 +7224,7 @@
           <a:p>
             <a:r>
               <a:rPr lang="en-US" dirty="0" smtClean="0"/>
-              <a:t>STEP 3: ADDING INPUTS</a:t>
+              <a:t>STEP 3b: THE MYBLOCK</a:t>
             </a:r>
             <a:endParaRPr lang="en-US" dirty="0"/>
           </a:p>
@@ -7340,21 +7247,89 @@
           <a:p>
             <a:r>
               <a:rPr lang="en-US" smtClean="0"/>
-              <a:t>© 2014, Droids Robotics, v. 2.0, Last edit 4/5/2015</a:t>
+              <a:t>© 2014, Droids Robotics, v. 2.0, Last edit 11/5/2015</a:t>
             </a:r>
             <a:endParaRPr lang="en-US"/>
+          </a:p>
+        </p:txBody>
+      </p:sp>
+      <p:sp>
+        <p:nvSpPr>
+          <p:cNvPr id="6" name="Content Placeholder 2"/>
+          <p:cNvSpPr>
+            <a:spLocks noGrp="1"/>
+          </p:cNvSpPr>
+          <p:nvPr>
+            <p:ph idx="1"/>
+          </p:nvPr>
+        </p:nvSpPr>
+        <p:spPr>
+          <a:xfrm>
+            <a:off x="4579936" y="1321739"/>
+            <a:ext cx="3890831" cy="3669986"/>
+          </a:xfrm>
+        </p:spPr>
+        <p:txBody>
+          <a:bodyPr>
+            <a:noAutofit/>
+          </a:bodyPr>
+          <a:lstStyle/>
+          <a:p>
+            <a:pPr marL="342900" indent="-342900">
+              <a:buFont typeface="Arial" panose="020B0604020202020204" pitchFamily="34" charset="0"/>
+              <a:buChar char="•"/>
+            </a:pPr>
+            <a:r>
+              <a:rPr lang="en-US" sz="1800" b="0" dirty="0" smtClean="0"/>
+              <a:t>Now the My Block appears in the turquoise tab and the same My Block can be used again and again with new inputs (see left)</a:t>
+            </a:r>
+          </a:p>
+          <a:p>
+            <a:pPr marL="342900" indent="-342900">
+              <a:buFont typeface="Arial" panose="020B0604020202020204" pitchFamily="34" charset="0"/>
+              <a:buChar char="•"/>
+            </a:pPr>
+            <a:r>
+              <a:rPr lang="en-US" sz="1800" b="0" dirty="0" smtClean="0"/>
+              <a:t>The first block solves the challenge and follows a red line until it sees the robot sees black</a:t>
+            </a:r>
+          </a:p>
+          <a:p>
+            <a:pPr marL="342900" indent="-342900">
+              <a:buFont typeface="Arial" panose="020B0604020202020204" pitchFamily="34" charset="0"/>
+              <a:buChar char="•"/>
+            </a:pPr>
+            <a:r>
+              <a:rPr lang="en-US" sz="1800" b="0" dirty="0" smtClean="0"/>
+              <a:t>The second block in this code is to show that the same block can be used with different inputs</a:t>
+            </a:r>
+            <a:endParaRPr lang="en-US" sz="1800" b="0" dirty="0"/>
+          </a:p>
+          <a:p>
+            <a:pPr marL="346075" indent="-346075">
+              <a:buFont typeface="Arial"/>
+              <a:buChar char="•"/>
+            </a:pPr>
+            <a:r>
+              <a:rPr lang="en-US" sz="1800" b="0" dirty="0" smtClean="0"/>
+              <a:t>If you want to learn smoother line followers, proceed to the proportional control lesson in Advanced.</a:t>
+            </a:r>
+            <a:endParaRPr lang="en-US" sz="1800" b="0" dirty="0"/>
+          </a:p>
+          <a:p>
+            <a:endParaRPr lang="en-US" sz="1800" dirty="0"/>
           </a:p>
         </p:txBody>
       </p:sp>
       <p:pic>
         <p:nvPicPr>
-          <p:cNvPr id="3" name="Picture 2" descr="Screen Shot 2014-10-16 at 12.39.52 PM.png"/>
+          <p:cNvPr id="7" name="Picture 6" descr="Screen Clipping"/>
           <p:cNvPicPr>
             <a:picLocks noChangeAspect="1"/>
           </p:cNvPicPr>
           <p:nvPr/>
         </p:nvPicPr>
-        <p:blipFill>
+        <p:blipFill rotWithShape="1">
           <a:blip r:embed="rId2">
             <a:extLst>
               <a:ext uri="{28A0092B-C50C-407E-A947-70E740481C1C}">
@@ -7362,14 +7337,13 @@
               </a:ext>
             </a:extLst>
           </a:blip>
-          <a:stretch>
-            <a:fillRect/>
-          </a:stretch>
+          <a:srcRect t="36619"/>
+          <a:stretch/>
         </p:blipFill>
         <p:spPr>
           <a:xfrm>
-            <a:off x="179932" y="1760310"/>
-            <a:ext cx="8522742" cy="3746185"/>
+            <a:off x="208104" y="1850059"/>
+            <a:ext cx="4423881" cy="1686560"/>
           </a:xfrm>
           <a:prstGeom prst="rect">
             <a:avLst/>
@@ -7379,7 +7353,7 @@
     </p:spTree>
     <p:extLst>
       <p:ext uri="{BB962C8B-B14F-4D97-AF65-F5344CB8AC3E}">
-        <p14:creationId xmlns:p14="http://schemas.microsoft.com/office/powerpoint/2010/main" val="126274112"/>
+        <p14:creationId xmlns:p14="http://schemas.microsoft.com/office/powerpoint/2010/main" val="3424578755"/>
       </p:ext>
     </p:extLst>
   </p:cSld>
@@ -7389,7 +7363,7 @@
   <p:timing>
     <p:tnLst>
       <p:par>
-        <p:cTn xmlns:p14="http://schemas.microsoft.com/office/powerpoint/2010/main" id="1" dur="indefinite" restart="never" nodeType="tmRoot"/>
+        <p:cTn id="1" dur="indefinite" restart="never" nodeType="tmRoot"/>
       </p:par>
     </p:tnLst>
   </p:timing>

--- a/translations/en-us/intermediate/ColorFollowerSensor.pptx
+++ b/translations/en-us/intermediate/ColorFollowerSensor.pptx
@@ -1,6 +1,6 @@
 
 <file path=ppt/presentation.xml><?xml version="1.0" encoding="utf-8"?>
-<p:presentation xmlns:a="http://schemas.openxmlformats.org/drawingml/2006/main" xmlns:r="http://schemas.openxmlformats.org/officeDocument/2006/relationships" xmlns:p="http://schemas.openxmlformats.org/presentationml/2006/main" showSpecialPlsOnTitleSld="0" saveSubsetFonts="1" autoCompressPictures="0">
+<p:presentation xmlns:a="http://schemas.openxmlformats.org/drawingml/2006/main" xmlns:r="http://schemas.openxmlformats.org/officeDocument/2006/relationships" xmlns:p="http://schemas.openxmlformats.org/presentationml/2006/main" saveSubsetFonts="1" autoCompressPictures="0">
   <p:sldMasterIdLst>
     <p:sldMasterId id="2147483714" r:id="rId1"/>
   </p:sldMasterIdLst>
@@ -1015,7 +1015,7 @@
           <a:bodyPr/>
           <a:lstStyle/>
           <a:p>
-            <a:fld id="{0F9B4AF0-F6EE-480D-A570-56CAD7FEF418}" type="datetime1">
+            <a:fld id="{9773EC6A-F0A8-49CF-8F8F-6C43C2704E44}" type="datetime1">
               <a:rPr lang="en-US" smtClean="0"/>
               <a:t>11/6/2015</a:t>
             </a:fld>
@@ -1040,7 +1040,7 @@
           <a:p>
             <a:r>
               <a:rPr lang="en-US" smtClean="0"/>
-              <a:t>© 2014, Droids Robotics, v. 2.0, Last edit 11/5/2015</a:t>
+              <a:t>© 2015, EV3Lessons.com, Last edit 11/6/2015</a:t>
             </a:r>
             <a:endParaRPr lang="en-US"/>
           </a:p>
@@ -1314,7 +1314,7 @@
           <a:bodyPr/>
           <a:lstStyle/>
           <a:p>
-            <a:fld id="{A5339708-B4E8-4DA6-B5AB-D1D3E887206B}" type="datetime1">
+            <a:fld id="{AB519677-F37D-4E92-8F4D-960F9AE61C13}" type="datetime1">
               <a:rPr lang="en-US" smtClean="0"/>
               <a:t>11/6/2015</a:t>
             </a:fld>
@@ -1339,7 +1339,7 @@
           <a:p>
             <a:r>
               <a:rPr lang="en-US" smtClean="0"/>
-              <a:t>© 2014, Droids Robotics, v. 2.0, Last edit 11/5/2015</a:t>
+              <a:t>© 2015, EV3Lessons.com, Last edit 11/6/2015</a:t>
             </a:r>
             <a:endParaRPr lang="en-US"/>
           </a:p>
@@ -1501,7 +1501,7 @@
           <a:bodyPr/>
           <a:lstStyle/>
           <a:p>
-            <a:fld id="{7A190A2B-611C-40E7-B0D8-427099FE71E6}" type="datetime1">
+            <a:fld id="{3870A6DA-359A-4064-A79F-7CB54F1C7C7B}" type="datetime1">
               <a:rPr lang="en-US" smtClean="0"/>
               <a:t>11/6/2015</a:t>
             </a:fld>
@@ -1526,7 +1526,7 @@
           <a:p>
             <a:r>
               <a:rPr lang="en-US" smtClean="0"/>
-              <a:t>© 2014, Droids Robotics, v. 2.0, Last edit 11/5/2015</a:t>
+              <a:t>© 2015, EV3Lessons.com, Last edit 11/6/2015</a:t>
             </a:r>
             <a:endParaRPr lang="en-US"/>
           </a:p>
@@ -1688,7 +1688,7 @@
           <a:bodyPr/>
           <a:lstStyle/>
           <a:p>
-            <a:fld id="{049AF688-46BC-4ECF-BEB1-34FE2FC8F70E}" type="datetime1">
+            <a:fld id="{1E3D7450-6ADB-480F-ABA0-FB41D8C0A754}" type="datetime1">
               <a:rPr lang="en-US" smtClean="0"/>
               <a:t>11/6/2015</a:t>
             </a:fld>
@@ -1713,7 +1713,7 @@
           <a:p>
             <a:r>
               <a:rPr lang="en-US" smtClean="0"/>
-              <a:t>© 2014, Droids Robotics, v. 2.0, Last edit 11/5/2015</a:t>
+              <a:t>© 2015, EV3Lessons.com, Last edit 11/6/2015</a:t>
             </a:r>
             <a:endParaRPr lang="en-US"/>
           </a:p>
@@ -1949,7 +1949,7 @@
           <a:bodyPr/>
           <a:lstStyle/>
           <a:p>
-            <a:fld id="{1485C9B7-1AC2-4C0C-917D-381F53EF94D4}" type="datetime1">
+            <a:fld id="{6EE7EA24-0D7F-4965-9AB1-5FF6BFDA576C}" type="datetime1">
               <a:rPr lang="en-US" smtClean="0"/>
               <a:t>11/6/2015</a:t>
             </a:fld>
@@ -2005,7 +2005,7 @@
           <a:p>
             <a:r>
               <a:rPr lang="en-US" smtClean="0"/>
-              <a:t>© 2014, Droids Robotics, v. 2.0, Last edit 11/5/2015</a:t>
+              <a:t>© 2015, EV3Lessons.com, Last edit 11/6/2015</a:t>
             </a:r>
             <a:endParaRPr lang="en-US"/>
           </a:p>
@@ -2249,7 +2249,7 @@
           <a:bodyPr/>
           <a:lstStyle/>
           <a:p>
-            <a:fld id="{ED13EE12-2D20-433B-A19C-024E79AFE22B}" type="datetime1">
+            <a:fld id="{CA97CC05-66FD-4583-BCAA-6C12091D5A81}" type="datetime1">
               <a:rPr lang="en-US" smtClean="0"/>
               <a:t>11/6/2015</a:t>
             </a:fld>
@@ -2274,7 +2274,7 @@
           <a:p>
             <a:r>
               <a:rPr lang="en-US" smtClean="0"/>
-              <a:t>© 2014, Droids Robotics, v. 2.0, Last edit 11/5/2015</a:t>
+              <a:t>© 2015, EV3Lessons.com, Last edit 11/6/2015</a:t>
             </a:r>
             <a:endParaRPr lang="en-US"/>
           </a:p>
@@ -2700,7 +2700,7 @@
           <a:bodyPr/>
           <a:lstStyle/>
           <a:p>
-            <a:fld id="{1A3A4445-6919-4DD8-866B-040B845D0E2D}" type="datetime1">
+            <a:fld id="{9BF69702-6FCB-44FB-BD0C-5DAD1567C4A5}" type="datetime1">
               <a:rPr lang="en-US" smtClean="0"/>
               <a:t>11/6/2015</a:t>
             </a:fld>
@@ -2725,7 +2725,7 @@
           <a:p>
             <a:r>
               <a:rPr lang="en-US" smtClean="0"/>
-              <a:t>© 2014, Droids Robotics, v. 2.0, Last edit 11/5/2015</a:t>
+              <a:t>© 2015, EV3Lessons.com, Last edit 11/6/2015</a:t>
             </a:r>
             <a:endParaRPr lang="en-US"/>
           </a:p>
@@ -2825,7 +2825,7 @@
           <a:bodyPr/>
           <a:lstStyle/>
           <a:p>
-            <a:fld id="{D7930BB6-03E8-4073-85D8-130C007766DA}" type="datetime1">
+            <a:fld id="{652381F2-FDC8-4CB5-B9FE-88047A96C791}" type="datetime1">
               <a:rPr lang="en-US" smtClean="0"/>
               <a:t>11/6/2015</a:t>
             </a:fld>
@@ -2850,7 +2850,7 @@
           <a:p>
             <a:r>
               <a:rPr lang="en-US" smtClean="0"/>
-              <a:t>© 2014, Droids Robotics, v. 2.0, Last edit 11/5/2015</a:t>
+              <a:t>© 2015, EV3Lessons.com, Last edit 11/6/2015</a:t>
             </a:r>
             <a:endParaRPr lang="en-US"/>
           </a:p>
@@ -2927,7 +2927,7 @@
           <a:bodyPr/>
           <a:lstStyle/>
           <a:p>
-            <a:fld id="{4E9DFF83-F5B6-4BA3-971E-3CD89DA5EE8A}" type="datetime1">
+            <a:fld id="{2B9469F8-5874-45D1-B34E-CD8335B6D14B}" type="datetime1">
               <a:rPr lang="en-US" smtClean="0"/>
               <a:t>11/6/2015</a:t>
             </a:fld>
@@ -2952,7 +2952,7 @@
           <a:p>
             <a:r>
               <a:rPr lang="en-US" smtClean="0"/>
-              <a:t>© 2014, Droids Robotics, v. 2.0, Last edit 11/5/2015</a:t>
+              <a:t>© 2015, EV3Lessons.com, Last edit 11/6/2015</a:t>
             </a:r>
             <a:endParaRPr lang="en-US"/>
           </a:p>
@@ -3181,7 +3181,7 @@
           <a:bodyPr/>
           <a:lstStyle/>
           <a:p>
-            <a:fld id="{FE4CAF63-347F-4A06-A7F0-3DB8DE7FBFED}" type="datetime1">
+            <a:fld id="{5CCAA109-EE7D-4F1F-AEBB-00A14421F273}" type="datetime1">
               <a:rPr lang="en-US" smtClean="0"/>
               <a:t>11/6/2015</a:t>
             </a:fld>
@@ -3206,7 +3206,7 @@
           <a:p>
             <a:r>
               <a:rPr lang="en-US" smtClean="0"/>
-              <a:t>© 2014, Droids Robotics, v. 2.0, Last edit 11/5/2015</a:t>
+              <a:t>© 2015, EV3Lessons.com, Last edit 11/6/2015</a:t>
             </a:r>
             <a:endParaRPr lang="en-US"/>
           </a:p>
@@ -3487,7 +3487,7 @@
           <a:bodyPr/>
           <a:lstStyle/>
           <a:p>
-            <a:fld id="{A4498247-2C29-457E-A82E-D4488127F08B}" type="datetime1">
+            <a:fld id="{69A0E734-7FB6-4CF9-AF76-B1C91F4A4F9F}" type="datetime1">
               <a:rPr lang="en-US" smtClean="0"/>
               <a:t>11/6/2015</a:t>
             </a:fld>
@@ -3512,7 +3512,7 @@
           <a:p>
             <a:r>
               <a:rPr lang="en-US" smtClean="0"/>
-              <a:t>© 2014, Droids Robotics, v. 2.0, Last edit 11/5/2015</a:t>
+              <a:t>© 2015, EV3Lessons.com, Last edit 11/6/2015</a:t>
             </a:r>
             <a:endParaRPr lang="en-US"/>
           </a:p>
@@ -3793,7 +3793,7 @@
             </a:lvl1pPr>
           </a:lstStyle>
           <a:p>
-            <a:fld id="{90D93269-5744-4782-A370-30EF315B623C}" type="datetime1">
+            <a:fld id="{D3F94018-90F9-4CE1-8698-CCF785A2B026}" type="datetime1">
               <a:rPr lang="en-US" smtClean="0"/>
               <a:t>11/6/2015</a:t>
             </a:fld>
@@ -3834,7 +3834,7 @@
           <a:p>
             <a:r>
               <a:rPr lang="en-US" smtClean="0"/>
-              <a:t>© 2014, Droids Robotics, v. 2.0, Last edit 11/5/2015</a:t>
+              <a:t>© 2015, EV3Lessons.com, Last edit 11/6/2015</a:t>
             </a:r>
             <a:endParaRPr lang="en-US"/>
           </a:p>
@@ -4498,6 +4498,29 @@
           </a:prstGeom>
         </p:spPr>
       </p:pic>
+      <p:sp>
+        <p:nvSpPr>
+          <p:cNvPr id="3" name="Footer Placeholder 2"/>
+          <p:cNvSpPr>
+            <a:spLocks noGrp="1"/>
+          </p:cNvSpPr>
+          <p:nvPr>
+            <p:ph type="ftr" sz="quarter" idx="11"/>
+          </p:nvPr>
+        </p:nvSpPr>
+        <p:spPr/>
+        <p:txBody>
+          <a:bodyPr/>
+          <a:lstStyle/>
+          <a:p>
+            <a:r>
+              <a:rPr lang="en-US" smtClean="0"/>
+              <a:t>© 2015, EV3Lessons.com, Last edit 11/6/2015</a:t>
+            </a:r>
+            <a:endParaRPr lang="en-US"/>
+          </a:p>
+        </p:txBody>
+      </p:sp>
     </p:spTree>
     <p:extLst>
       <p:ext uri="{BB962C8B-B14F-4D97-AF65-F5344CB8AC3E}">
@@ -4642,7 +4665,7 @@
           <a:p>
             <a:r>
               <a:rPr lang="en-US" smtClean="0"/>
-              <a:t>© 2014, Droids Robotics, v. 2.0, Last edit 11/5/2015</a:t>
+              <a:t>© 2015, EV3Lessons.com, Last edit 11/6/2015</a:t>
             </a:r>
             <a:endParaRPr lang="en-US"/>
           </a:p>
@@ -4773,7 +4796,7 @@
           <a:p>
             <a:r>
               <a:rPr lang="en-US" smtClean="0"/>
-              <a:t>© 2014, Droids Robotics, v. 2.0, Last edit 11/5/2015</a:t>
+              <a:t>© 2015, EV3Lessons.com, Last edit 11/6/2015</a:t>
             </a:r>
             <a:endParaRPr lang="en-US" dirty="0"/>
           </a:p>
@@ -5328,7 +5351,7 @@
           <a:p>
             <a:r>
               <a:rPr lang="en-US" smtClean="0"/>
-              <a:t>© 2014, Droids Robotics, v. 2.0, Last edit 11/5/2015</a:t>
+              <a:t>© 2015, EV3Lessons.com, Last edit 11/6/2015</a:t>
             </a:r>
             <a:endParaRPr lang="en-US"/>
           </a:p>
@@ -5497,7 +5520,7 @@
           <a:p>
             <a:r>
               <a:rPr lang="en-US" smtClean="0"/>
-              <a:t>© 2014, Droids Robotics, v. 2.0, Last edit 11/5/2015</a:t>
+              <a:t>© 2015, EV3Lessons.com, Last edit 11/6/2015</a:t>
             </a:r>
             <a:endParaRPr lang="en-US"/>
           </a:p>
@@ -5613,7 +5636,7 @@
           <a:p>
             <a:r>
               <a:rPr lang="en-US" smtClean="0"/>
-              <a:t>© 2014, Droids Robotics, v. 2.0, Last edit 11/5/2015</a:t>
+              <a:t>© 2015, EV3Lessons.com, Last edit 11/6/2015</a:t>
             </a:r>
             <a:endParaRPr lang="en-US" dirty="0"/>
           </a:p>
@@ -6317,7 +6340,7 @@
           <a:p>
             <a:r>
               <a:rPr lang="en-US" smtClean="0"/>
-              <a:t>© 2014, Droids Robotics, v. 2.0, Last edit 11/5/2015</a:t>
+              <a:t>© 2015, EV3Lessons.com, Last edit 11/6/2015</a:t>
             </a:r>
             <a:endParaRPr lang="en-US"/>
           </a:p>
@@ -6430,7 +6453,7 @@
           <a:p>
             <a:r>
               <a:rPr lang="en-US" smtClean="0"/>
-              <a:t>© 2014, Droids Robotics, v. 2.0, Last edit 11/5/2015</a:t>
+              <a:t>© 2015, EV3Lessons.com, Last edit 11/6/2015</a:t>
             </a:r>
             <a:endParaRPr lang="en-US"/>
           </a:p>
@@ -6620,7 +6643,7 @@
           <a:p>
             <a:r>
               <a:rPr lang="en-US" smtClean="0"/>
-              <a:t>© 2014, Droids Robotics, v. 2.0, Last edit 11/5/2015</a:t>
+              <a:t>© 2015, EV3Lessons.com, Last edit 11/6/2015</a:t>
             </a:r>
             <a:endParaRPr lang="en-US"/>
           </a:p>
@@ -6948,7 +6971,7 @@
           <a:p>
             <a:r>
               <a:rPr lang="en-US" smtClean="0"/>
-              <a:t>© 2014, Droids Robotics, v. 2.0, Last edit 11/5/2015</a:t>
+              <a:t>© 2015, EV3Lessons.com, Last edit 11/6/2015</a:t>
             </a:r>
             <a:endParaRPr lang="en-US"/>
           </a:p>
@@ -7247,7 +7270,7 @@
           <a:p>
             <a:r>
               <a:rPr lang="en-US" smtClean="0"/>
-              <a:t>© 2014, Droids Robotics, v. 2.0, Last edit 11/5/2015</a:t>
+              <a:t>© 2015, EV3Lessons.com, Last edit 11/6/2015</a:t>
             </a:r>
             <a:endParaRPr lang="en-US"/>
           </a:p>

--- a/translations/en-us/intermediate/ColorFollowerSensor.pptx
+++ b/translations/en-us/intermediate/ColorFollowerSensor.pptx
@@ -2,7 +2,7 @@
 <file path=ppt/presentation.xml><?xml version="1.0" encoding="utf-8"?>
 <p:presentation xmlns:a="http://schemas.openxmlformats.org/drawingml/2006/main" xmlns:r="http://schemas.openxmlformats.org/officeDocument/2006/relationships" xmlns:p="http://schemas.openxmlformats.org/presentationml/2006/main" saveSubsetFonts="1" autoCompressPictures="0">
   <p:sldMasterIdLst>
-    <p:sldMasterId id="2147483714" r:id="rId1"/>
+    <p:sldMasterId id="2147483726" r:id="rId1"/>
   </p:sldMasterIdLst>
   <p:notesMasterIdLst>
     <p:notesMasterId r:id="rId13"/>
@@ -11,7 +11,7 @@
     <p:handoutMasterId r:id="rId14"/>
   </p:handoutMasterIdLst>
   <p:sldIdLst>
-    <p:sldId id="381" r:id="rId2"/>
+    <p:sldId id="388" r:id="rId2"/>
     <p:sldId id="383" r:id="rId3"/>
     <p:sldId id="386" r:id="rId4"/>
     <p:sldId id="385" r:id="rId5"/>
@@ -221,7 +221,7 @@
           <a:p>
             <a:fld id="{E00FA3B4-5499-9244-86B5-B0871A9DDD84}" type="datetimeFigureOut">
               <a:rPr lang="en-US" smtClean="0"/>
-              <a:t>11/6/2015</a:t>
+              <a:t>11/13/15</a:t>
             </a:fld>
             <a:endParaRPr lang="en-US"/>
           </a:p>
@@ -387,7 +387,7 @@
           <a:p>
             <a:fld id="{FD3EFF1E-85A1-6640-AFB9-C38833E80A84}" type="datetimeFigureOut">
               <a:rPr lang="en-US" smtClean="0"/>
-              <a:t>11/6/2015</a:t>
+              <a:t>11/13/15</a:t>
             </a:fld>
             <a:endParaRPr lang="en-US"/>
           </a:p>
@@ -721,90 +721,6 @@
           <a:p>
             <a:fld id="{13967457-1E83-1040-AFF7-8D09C473DBD5}" type="slidenum">
               <a:rPr lang="en-US" smtClean="0"/>
-              <a:t>1</a:t>
-            </a:fld>
-            <a:endParaRPr lang="en-US"/>
-          </a:p>
-        </p:txBody>
-      </p:sp>
-    </p:spTree>
-    <p:extLst>
-      <p:ext uri="{BB962C8B-B14F-4D97-AF65-F5344CB8AC3E}">
-        <p14:creationId xmlns:p14="http://schemas.microsoft.com/office/powerpoint/2010/main" val="2005992977"/>
-      </p:ext>
-    </p:extLst>
-  </p:cSld>
-  <p:clrMapOvr>
-    <a:masterClrMapping/>
-  </p:clrMapOvr>
-</p:notes>
-</file>
-
-<file path=ppt/notesSlides/notesSlide2.xml><?xml version="1.0" encoding="utf-8"?>
-<p:notes xmlns:a="http://schemas.openxmlformats.org/drawingml/2006/main" xmlns:r="http://schemas.openxmlformats.org/officeDocument/2006/relationships" xmlns:p="http://schemas.openxmlformats.org/presentationml/2006/main">
-  <p:cSld>
-    <p:spTree>
-      <p:nvGrpSpPr>
-        <p:cNvPr id="1" name=""/>
-        <p:cNvGrpSpPr/>
-        <p:nvPr/>
-      </p:nvGrpSpPr>
-      <p:grpSpPr>
-        <a:xfrm>
-          <a:off x="0" y="0"/>
-          <a:ext cx="0" cy="0"/>
-          <a:chOff x="0" y="0"/>
-          <a:chExt cx="0" cy="0"/>
-        </a:xfrm>
-      </p:grpSpPr>
-      <p:sp>
-        <p:nvSpPr>
-          <p:cNvPr id="2" name="Slide Image Placeholder 1"/>
-          <p:cNvSpPr>
-            <a:spLocks noGrp="1" noRot="1" noChangeAspect="1"/>
-          </p:cNvSpPr>
-          <p:nvPr>
-            <p:ph type="sldImg"/>
-          </p:nvPr>
-        </p:nvSpPr>
-        <p:spPr/>
-      </p:sp>
-      <p:sp>
-        <p:nvSpPr>
-          <p:cNvPr id="3" name="Notes Placeholder 2"/>
-          <p:cNvSpPr>
-            <a:spLocks noGrp="1"/>
-          </p:cNvSpPr>
-          <p:nvPr>
-            <p:ph type="body" idx="1"/>
-          </p:nvPr>
-        </p:nvSpPr>
-        <p:spPr/>
-        <p:txBody>
-          <a:bodyPr/>
-          <a:lstStyle/>
-          <a:p>
-            <a:endParaRPr lang="en-US"/>
-          </a:p>
-        </p:txBody>
-      </p:sp>
-      <p:sp>
-        <p:nvSpPr>
-          <p:cNvPr id="4" name="Slide Number Placeholder 3"/>
-          <p:cNvSpPr>
-            <a:spLocks noGrp="1"/>
-          </p:cNvSpPr>
-          <p:nvPr>
-            <p:ph type="sldNum" sz="quarter" idx="10"/>
-          </p:nvPr>
-        </p:nvSpPr>
-        <p:spPr/>
-        <p:txBody>
-          <a:bodyPr/>
-          <a:lstStyle/>
-          <a:p>
-            <a:fld id="{13967457-1E83-1040-AFF7-8D09C473DBD5}" type="slidenum">
-              <a:rPr lang="en-US" smtClean="0"/>
               <a:t>11</a:t>
             </a:fld>
             <a:endParaRPr lang="en-US"/>
@@ -843,264 +759,20 @@
       </p:grpSpPr>
       <p:sp>
         <p:nvSpPr>
-          <p:cNvPr id="2" name="Title 1"/>
-          <p:cNvSpPr>
-            <a:spLocks noGrp="1"/>
-          </p:cNvSpPr>
-          <p:nvPr>
-            <p:ph type="ctrTitle"/>
-          </p:nvPr>
+          <p:cNvPr id="7" name="Rectangle 6"/>
+          <p:cNvSpPr/>
+          <p:nvPr/>
         </p:nvSpPr>
         <p:spPr>
           <a:xfrm>
-            <a:off x="457200" y="228600"/>
-            <a:ext cx="7772400" cy="4571999"/>
-          </a:xfrm>
-        </p:spPr>
-        <p:txBody>
-          <a:bodyPr anchor="ctr">
-            <a:noAutofit/>
-          </a:bodyPr>
-          <a:lstStyle>
-            <a:lvl1pPr>
-              <a:lnSpc>
-                <a:spcPct val="100000"/>
-              </a:lnSpc>
-              <a:defRPr sz="8800" spc="-80" baseline="0">
-                <a:solidFill>
-                  <a:schemeClr val="tx1"/>
-                </a:solidFill>
-              </a:defRPr>
-            </a:lvl1pPr>
-          </a:lstStyle>
-          <a:p>
-            <a:r>
-              <a:rPr lang="en-US" smtClean="0"/>
-              <a:t>Click to edit Master title style</a:t>
-            </a:r>
-            <a:endParaRPr lang="en-US" dirty="0"/>
-          </a:p>
-        </p:txBody>
-      </p:sp>
-      <p:sp>
-        <p:nvSpPr>
-          <p:cNvPr id="3" name="Subtitle 2"/>
-          <p:cNvSpPr>
-            <a:spLocks noGrp="1"/>
-          </p:cNvSpPr>
-          <p:nvPr>
-            <p:ph type="subTitle" idx="1"/>
-          </p:nvPr>
-        </p:nvSpPr>
-        <p:spPr>
-          <a:xfrm>
-            <a:off x="457200" y="4800600"/>
-            <a:ext cx="6858000" cy="914400"/>
-          </a:xfrm>
-        </p:spPr>
-        <p:txBody>
-          <a:bodyPr/>
-          <a:lstStyle>
-            <a:lvl1pPr marL="0" indent="0" algn="l">
-              <a:buNone/>
-              <a:defRPr b="0" cap="all" spc="120" baseline="0">
-                <a:solidFill>
-                  <a:schemeClr val="tx2"/>
-                </a:solidFill>
-                <a:latin typeface="+mj-lt"/>
-              </a:defRPr>
-            </a:lvl1pPr>
-            <a:lvl2pPr marL="457200" indent="0" algn="ctr">
-              <a:buNone/>
-              <a:defRPr>
-                <a:solidFill>
-                  <a:schemeClr val="tx1">
-                    <a:tint val="75000"/>
-                  </a:schemeClr>
-                </a:solidFill>
-              </a:defRPr>
-            </a:lvl2pPr>
-            <a:lvl3pPr marL="914400" indent="0" algn="ctr">
-              <a:buNone/>
-              <a:defRPr>
-                <a:solidFill>
-                  <a:schemeClr val="tx1">
-                    <a:tint val="75000"/>
-                  </a:schemeClr>
-                </a:solidFill>
-              </a:defRPr>
-            </a:lvl3pPr>
-            <a:lvl4pPr marL="1371600" indent="0" algn="ctr">
-              <a:buNone/>
-              <a:defRPr>
-                <a:solidFill>
-                  <a:schemeClr val="tx1">
-                    <a:tint val="75000"/>
-                  </a:schemeClr>
-                </a:solidFill>
-              </a:defRPr>
-            </a:lvl4pPr>
-            <a:lvl5pPr marL="1828800" indent="0" algn="ctr">
-              <a:buNone/>
-              <a:defRPr>
-                <a:solidFill>
-                  <a:schemeClr val="tx1">
-                    <a:tint val="75000"/>
-                  </a:schemeClr>
-                </a:solidFill>
-              </a:defRPr>
-            </a:lvl5pPr>
-            <a:lvl6pPr marL="2286000" indent="0" algn="ctr">
-              <a:buNone/>
-              <a:defRPr>
-                <a:solidFill>
-                  <a:schemeClr val="tx1">
-                    <a:tint val="75000"/>
-                  </a:schemeClr>
-                </a:solidFill>
-              </a:defRPr>
-            </a:lvl6pPr>
-            <a:lvl7pPr marL="2743200" indent="0" algn="ctr">
-              <a:buNone/>
-              <a:defRPr>
-                <a:solidFill>
-                  <a:schemeClr val="tx1">
-                    <a:tint val="75000"/>
-                  </a:schemeClr>
-                </a:solidFill>
-              </a:defRPr>
-            </a:lvl7pPr>
-            <a:lvl8pPr marL="3200400" indent="0" algn="ctr">
-              <a:buNone/>
-              <a:defRPr>
-                <a:solidFill>
-                  <a:schemeClr val="tx1">
-                    <a:tint val="75000"/>
-                  </a:schemeClr>
-                </a:solidFill>
-              </a:defRPr>
-            </a:lvl8pPr>
-            <a:lvl9pPr marL="3657600" indent="0" algn="ctr">
-              <a:buNone/>
-              <a:defRPr>
-                <a:solidFill>
-                  <a:schemeClr val="tx1">
-                    <a:tint val="75000"/>
-                  </a:schemeClr>
-                </a:solidFill>
-              </a:defRPr>
-            </a:lvl9pPr>
-          </a:lstStyle>
-          <a:p>
-            <a:r>
-              <a:rPr lang="en-US" smtClean="0"/>
-              <a:t>Click to edit Master subtitle style</a:t>
-            </a:r>
-            <a:endParaRPr lang="en-US" dirty="0"/>
-          </a:p>
-        </p:txBody>
-      </p:sp>
-      <p:sp>
-        <p:nvSpPr>
-          <p:cNvPr id="4" name="Date Placeholder 3"/>
-          <p:cNvSpPr>
-            <a:spLocks noGrp="1"/>
-          </p:cNvSpPr>
-          <p:nvPr>
-            <p:ph type="dt" sz="half" idx="10"/>
-          </p:nvPr>
-        </p:nvSpPr>
-        <p:spPr/>
-        <p:txBody>
-          <a:bodyPr/>
-          <a:lstStyle/>
-          <a:p>
-            <a:fld id="{9773EC6A-F0A8-49CF-8F8F-6C43C2704E44}" type="datetime1">
-              <a:rPr lang="en-US" smtClean="0"/>
-              <a:t>11/6/2015</a:t>
-            </a:fld>
-            <a:endParaRPr lang="en-US"/>
-          </a:p>
-        </p:txBody>
-      </p:sp>
-      <p:sp>
-        <p:nvSpPr>
-          <p:cNvPr id="5" name="Footer Placeholder 4"/>
-          <p:cNvSpPr>
-            <a:spLocks noGrp="1"/>
-          </p:cNvSpPr>
-          <p:nvPr>
-            <p:ph type="ftr" sz="quarter" idx="11"/>
-          </p:nvPr>
-        </p:nvSpPr>
-        <p:spPr/>
-        <p:txBody>
-          <a:bodyPr/>
-          <a:lstStyle/>
-          <a:p>
-            <a:r>
-              <a:rPr lang="en-US" smtClean="0"/>
-              <a:t>© 2015, EV3Lessons.com, Last edit 11/6/2015</a:t>
-            </a:r>
-            <a:endParaRPr lang="en-US"/>
-          </a:p>
-        </p:txBody>
-      </p:sp>
-      <p:sp>
-        <p:nvSpPr>
-          <p:cNvPr id="11" name="Slide Number Placeholder 5"/>
-          <p:cNvSpPr>
-            <a:spLocks noGrp="1"/>
-          </p:cNvSpPr>
-          <p:nvPr>
-            <p:ph type="sldNum" sz="quarter" idx="4"/>
-          </p:nvPr>
-        </p:nvSpPr>
-        <p:spPr>
-          <a:xfrm>
-            <a:off x="8343263" y="6417660"/>
-            <a:ext cx="657861" cy="365125"/>
-          </a:xfrm>
-          <a:prstGeom prst="rect">
-            <a:avLst/>
-          </a:prstGeom>
-        </p:spPr>
-        <p:txBody>
-          <a:bodyPr vert="horz" lIns="91440" tIns="45720" rIns="91440" bIns="45720" rtlCol="0" anchor="ctr"/>
-          <a:lstStyle>
-            <a:lvl1pPr algn="l">
-              <a:defRPr sz="2400" b="1">
-                <a:solidFill>
-                  <a:schemeClr val="tx2"/>
-                </a:solidFill>
-              </a:defRPr>
-            </a:lvl1pPr>
-          </a:lstStyle>
-          <a:p>
-            <a:fld id="{4DBC7FC8-25FB-FC45-8177-2B991DA6778C}" type="slidenum">
-              <a:rPr lang="en-US" smtClean="0"/>
-              <a:t>‹#›</a:t>
-            </a:fld>
-            <a:endParaRPr lang="en-US"/>
-          </a:p>
-        </p:txBody>
-      </p:sp>
-      <p:sp>
-        <p:nvSpPr>
-          <p:cNvPr id="12" name="Rectangle 11"/>
-          <p:cNvSpPr/>
-          <p:nvPr userDrawn="1"/>
-        </p:nvSpPr>
-        <p:spPr>
-          <a:xfrm>
-            <a:off x="8996106" y="2895600"/>
-            <a:ext cx="147895" cy="3962400"/>
+            <a:off x="2382" y="6400800"/>
+            <a:ext cx="9141619" cy="457200"/>
           </a:xfrm>
           <a:prstGeom prst="rect">
             <a:avLst/>
           </a:prstGeom>
           <a:solidFill>
-            <a:srgbClr val="92D050"/>
+            <a:srgbClr val="0070C0"/>
           </a:solidFill>
           <a:ln>
             <a:noFill/>
@@ -1125,14 +797,278 @@
       </p:sp>
       <p:sp>
         <p:nvSpPr>
-          <p:cNvPr id="13" name="Rectangle 12"/>
+          <p:cNvPr id="2" name="Title 1"/>
+          <p:cNvSpPr>
+            <a:spLocks noGrp="1"/>
+          </p:cNvSpPr>
+          <p:nvPr>
+            <p:ph type="ctrTitle" hasCustomPrompt="1"/>
+          </p:nvPr>
+        </p:nvSpPr>
+        <p:spPr>
+          <a:xfrm>
+            <a:off x="373553" y="471740"/>
+            <a:ext cx="4857665" cy="2001435"/>
+          </a:xfrm>
+          <a:ln>
+            <a:noFill/>
+          </a:ln>
+        </p:spPr>
+        <p:txBody>
+          <a:bodyPr anchor="b">
+            <a:normAutofit/>
+          </a:bodyPr>
+          <a:lstStyle>
+            <a:lvl1pPr algn="l">
+              <a:lnSpc>
+                <a:spcPct val="85000"/>
+              </a:lnSpc>
+              <a:defRPr sz="5400" spc="-50" baseline="0">
+                <a:solidFill>
+                  <a:schemeClr val="tx1">
+                    <a:lumMod val="85000"/>
+                    <a:lumOff val="15000"/>
+                  </a:schemeClr>
+                </a:solidFill>
+              </a:defRPr>
+            </a:lvl1pPr>
+          </a:lstStyle>
+          <a:p>
+            <a:r>
+              <a:rPr lang="en-US" dirty="0" smtClean="0"/>
+              <a:t>INTERMEDIATE PROGRAMMING LESSON</a:t>
+            </a:r>
+            <a:endParaRPr lang="en-US" dirty="0"/>
+          </a:p>
+        </p:txBody>
+      </p:sp>
+      <p:sp>
+        <p:nvSpPr>
+          <p:cNvPr id="3" name="Subtitle 2"/>
+          <p:cNvSpPr>
+            <a:spLocks noGrp="1"/>
+          </p:cNvSpPr>
+          <p:nvPr>
+            <p:ph type="subTitle" idx="1"/>
+          </p:nvPr>
+        </p:nvSpPr>
+        <p:spPr>
+          <a:xfrm>
+            <a:off x="1548051" y="3452894"/>
+            <a:ext cx="6004883" cy="401411"/>
+          </a:xfrm>
+        </p:spPr>
+        <p:txBody>
+          <a:bodyPr lIns="91440" rIns="91440">
+            <a:normAutofit/>
+          </a:bodyPr>
+          <a:lstStyle>
+            <a:lvl1pPr marL="0" indent="0" algn="ctr">
+              <a:buNone/>
+              <a:defRPr sz="2400" cap="all" spc="200" baseline="0">
+                <a:solidFill>
+                  <a:schemeClr val="tx2"/>
+                </a:solidFill>
+                <a:latin typeface="+mj-lt"/>
+              </a:defRPr>
+            </a:lvl1pPr>
+            <a:lvl2pPr marL="457200" indent="0" algn="ctr">
+              <a:buNone/>
+              <a:defRPr sz="2400"/>
+            </a:lvl2pPr>
+            <a:lvl3pPr marL="914400" indent="0" algn="ctr">
+              <a:buNone/>
+              <a:defRPr sz="2400"/>
+            </a:lvl3pPr>
+            <a:lvl4pPr marL="1371600" indent="0" algn="ctr">
+              <a:buNone/>
+              <a:defRPr sz="2000"/>
+            </a:lvl4pPr>
+            <a:lvl5pPr marL="1828800" indent="0" algn="ctr">
+              <a:buNone/>
+              <a:defRPr sz="2000"/>
+            </a:lvl5pPr>
+            <a:lvl6pPr marL="2286000" indent="0" algn="ctr">
+              <a:buNone/>
+              <a:defRPr sz="2000"/>
+            </a:lvl6pPr>
+            <a:lvl7pPr marL="2743200" indent="0" algn="ctr">
+              <a:buNone/>
+              <a:defRPr sz="2000"/>
+            </a:lvl7pPr>
+            <a:lvl8pPr marL="3200400" indent="0" algn="ctr">
+              <a:buNone/>
+              <a:defRPr sz="2000"/>
+            </a:lvl8pPr>
+            <a:lvl9pPr marL="3657600" indent="0" algn="ctr">
+              <a:buNone/>
+              <a:defRPr sz="2000"/>
+            </a:lvl9pPr>
+          </a:lstStyle>
+          <a:p>
+            <a:r>
+              <a:rPr lang="en-US" dirty="0" smtClean="0"/>
+              <a:t>Click to edit Master subtitle style</a:t>
+            </a:r>
+            <a:endParaRPr lang="en-US" dirty="0"/>
+          </a:p>
+        </p:txBody>
+      </p:sp>
+      <p:sp>
+        <p:nvSpPr>
+          <p:cNvPr id="4" name="Date Placeholder 3"/>
+          <p:cNvSpPr>
+            <a:spLocks noGrp="1"/>
+          </p:cNvSpPr>
+          <p:nvPr>
+            <p:ph type="dt" sz="half" idx="10"/>
+          </p:nvPr>
+        </p:nvSpPr>
+        <p:spPr/>
+        <p:txBody>
+          <a:bodyPr/>
+          <a:lstStyle/>
+          <a:p>
+            <a:fld id="{6B13CFBD-0392-DF42-9C65-6D1DE0580181}" type="datetime1">
+              <a:rPr lang="en-US" smtClean="0"/>
+              <a:t>11/13/15</a:t>
+            </a:fld>
+            <a:endParaRPr lang="en-US"/>
+          </a:p>
+        </p:txBody>
+      </p:sp>
+      <p:sp>
+        <p:nvSpPr>
+          <p:cNvPr id="5" name="Footer Placeholder 4"/>
+          <p:cNvSpPr>
+            <a:spLocks noGrp="1"/>
+          </p:cNvSpPr>
+          <p:nvPr>
+            <p:ph type="ftr" sz="quarter" idx="11"/>
+          </p:nvPr>
+        </p:nvSpPr>
+        <p:spPr/>
+        <p:txBody>
+          <a:bodyPr/>
+          <a:lstStyle/>
+          <a:p>
+            <a:r>
+              <a:rPr lang="sk-SK" smtClean="0"/>
+              <a:t>© 2015 EV3Lessons.com, Last edit 11/13/2015</a:t>
+            </a:r>
+            <a:endParaRPr lang="en-US"/>
+          </a:p>
+        </p:txBody>
+      </p:sp>
+      <p:sp>
+        <p:nvSpPr>
+          <p:cNvPr id="6" name="Slide Number Placeholder 5"/>
+          <p:cNvSpPr>
+            <a:spLocks noGrp="1"/>
+          </p:cNvSpPr>
+          <p:nvPr>
+            <p:ph type="sldNum" sz="quarter" idx="12"/>
+          </p:nvPr>
+        </p:nvSpPr>
+        <p:spPr/>
+        <p:txBody>
+          <a:bodyPr/>
+          <a:lstStyle/>
+          <a:p>
+            <a:fld id="{7F5CE407-6216-4202-80E4-A30DC2F709B2}" type="slidenum">
+              <a:rPr lang="en-US" smtClean="0"/>
+              <a:t>‹#›</a:t>
+            </a:fld>
+            <a:endParaRPr lang="en-US"/>
+          </a:p>
+        </p:txBody>
+      </p:sp>
+      <p:cxnSp>
+        <p:nvCxnSpPr>
+          <p:cNvPr id="9" name="Straight Connector 8"/>
+          <p:cNvCxnSpPr/>
+          <p:nvPr/>
+        </p:nvCxnSpPr>
+        <p:spPr>
+          <a:xfrm>
+            <a:off x="905744" y="3854305"/>
+            <a:ext cx="7406640" cy="0"/>
+          </a:xfrm>
+          <a:prstGeom prst="line">
+            <a:avLst/>
+          </a:prstGeom>
+          <a:ln w="6350">
+            <a:solidFill>
+              <a:schemeClr val="tx1">
+                <a:lumMod val="50000"/>
+                <a:lumOff val="50000"/>
+              </a:schemeClr>
+            </a:solidFill>
+          </a:ln>
+        </p:spPr>
+        <p:style>
+          <a:lnRef idx="1">
+            <a:schemeClr val="accent1"/>
+          </a:lnRef>
+          <a:fillRef idx="0">
+            <a:schemeClr val="accent1"/>
+          </a:fillRef>
+          <a:effectRef idx="0">
+            <a:schemeClr val="accent1"/>
+          </a:effectRef>
+          <a:fontRef idx="minor">
+            <a:schemeClr val="tx1"/>
+          </a:fontRef>
+        </p:style>
+      </p:cxnSp>
+      <p:sp>
+        <p:nvSpPr>
+          <p:cNvPr id="10" name="Rectangle 9"/>
           <p:cNvSpPr/>
           <p:nvPr userDrawn="1"/>
         </p:nvSpPr>
         <p:spPr>
           <a:xfrm>
-            <a:off x="8959042" y="0"/>
-            <a:ext cx="184958" cy="2895600"/>
+            <a:off x="0" y="6334315"/>
+            <a:ext cx="4487333" cy="92382"/>
+          </a:xfrm>
+          <a:prstGeom prst="rect">
+            <a:avLst/>
+          </a:prstGeom>
+          <a:solidFill>
+            <a:srgbClr val="00B050"/>
+          </a:solidFill>
+          <a:ln>
+            <a:noFill/>
+          </a:ln>
+        </p:spPr>
+        <p:style>
+          <a:lnRef idx="2">
+            <a:schemeClr val="accent1">
+              <a:shade val="50000"/>
+            </a:schemeClr>
+          </a:lnRef>
+          <a:fillRef idx="1">
+            <a:schemeClr val="accent1"/>
+          </a:fillRef>
+          <a:effectRef idx="0">
+            <a:schemeClr val="accent1"/>
+          </a:effectRef>
+          <a:fontRef idx="minor">
+            <a:schemeClr val="lt1"/>
+          </a:fontRef>
+        </p:style>
+      </p:sp>
+      <p:sp>
+        <p:nvSpPr>
+          <p:cNvPr id="11" name="Rectangle 10"/>
+          <p:cNvSpPr/>
+          <p:nvPr userDrawn="1"/>
+        </p:nvSpPr>
+        <p:spPr>
+          <a:xfrm>
+            <a:off x="4487333" y="6334315"/>
+            <a:ext cx="4656667" cy="92382"/>
           </a:xfrm>
           <a:prstGeom prst="rect">
             <a:avLst/>
@@ -1163,43 +1099,115 @@
       </p:sp>
       <p:sp>
         <p:nvSpPr>
-          <p:cNvPr id="14" name="Rectangle 13"/>
-          <p:cNvSpPr/>
+          <p:cNvPr id="13" name="TextBox 12"/>
+          <p:cNvSpPr txBox="1"/>
           <p:nvPr userDrawn="1"/>
         </p:nvSpPr>
         <p:spPr>
           <a:xfrm>
-            <a:off x="8913670" y="-4618"/>
-            <a:ext cx="91440" cy="6862617"/>
+            <a:off x="1481621" y="5931894"/>
+            <a:ext cx="2391085" cy="369332"/>
           </a:xfrm>
           <a:prstGeom prst="rect">
             <a:avLst/>
           </a:prstGeom>
-          <a:solidFill>
-            <a:srgbClr val="0070C0"/>
-          </a:solidFill>
-          <a:ln>
-            <a:noFill/>
-          </a:ln>
+          <a:noFill/>
         </p:spPr>
-        <p:style>
-          <a:lnRef idx="2">
-            <a:schemeClr val="accent1">
-              <a:shade val="50000"/>
-            </a:schemeClr>
-          </a:lnRef>
-          <a:fillRef idx="1">
-            <a:schemeClr val="accent1"/>
-          </a:fillRef>
-          <a:effectRef idx="0">
-            <a:schemeClr val="accent1"/>
-          </a:effectRef>
-          <a:fontRef idx="minor">
-            <a:schemeClr val="lt1"/>
-          </a:fontRef>
-        </p:style>
-      </p:sp>
+        <p:txBody>
+          <a:bodyPr wrap="square" rtlCol="0">
+            <a:spAutoFit/>
+          </a:bodyPr>
+          <a:lstStyle/>
+          <a:p>
+            <a:r>
+              <a:rPr lang="en-US" dirty="0" smtClean="0"/>
+              <a:t>By </a:t>
+            </a:r>
+            <a:r>
+              <a:rPr lang="en-US" smtClean="0"/>
+              <a:t>Droids Robotics</a:t>
+            </a:r>
+            <a:endParaRPr lang="en-US"/>
+          </a:p>
+        </p:txBody>
+      </p:sp>
+      <p:pic>
+        <p:nvPicPr>
+          <p:cNvPr id="14" name="Picture 13"/>
+          <p:cNvPicPr>
+            <a:picLocks noChangeAspect="1"/>
+          </p:cNvPicPr>
+          <p:nvPr userDrawn="1"/>
+        </p:nvPicPr>
+        <p:blipFill>
+          <a:blip r:embed="rId2">
+            <a:extLst>
+              <a:ext uri="{28A0092B-C50C-407E-A947-70E740481C1C}">
+                <a14:useLocalDpi xmlns:a14="http://schemas.microsoft.com/office/drawing/2010/main" val="0"/>
+              </a:ext>
+            </a:extLst>
+          </a:blip>
+          <a:stretch>
+            <a:fillRect/>
+          </a:stretch>
+        </p:blipFill>
+        <p:spPr>
+          <a:xfrm>
+            <a:off x="164036" y="4938756"/>
+            <a:ext cx="1317585" cy="1260490"/>
+          </a:xfrm>
+          <a:prstGeom prst="rect">
+            <a:avLst/>
+          </a:prstGeom>
+        </p:spPr>
+      </p:pic>
+      <p:pic>
+        <p:nvPicPr>
+          <p:cNvPr id="15" name="Picture 14" descr="EV3Lessons.com"/>
+          <p:cNvPicPr>
+            <a:picLocks noChangeAspect="1" noChangeArrowheads="1"/>
+          </p:cNvPicPr>
+          <p:nvPr userDrawn="1"/>
+        </p:nvPicPr>
+        <p:blipFill>
+          <a:blip r:embed="rId3" cstate="email">
+            <a:extLst>
+              <a:ext uri="{28A0092B-C50C-407E-A947-70E740481C1C}">
+                <a14:useLocalDpi xmlns:a14="http://schemas.microsoft.com/office/drawing/2010/main" val="0"/>
+              </a:ext>
+            </a:extLst>
+          </a:blip>
+          <a:srcRect/>
+          <a:stretch>
+            <a:fillRect/>
+          </a:stretch>
+        </p:blipFill>
+        <p:spPr bwMode="auto">
+          <a:xfrm>
+            <a:off x="5422605" y="409394"/>
+            <a:ext cx="3487140" cy="1295224"/>
+          </a:xfrm>
+          <a:prstGeom prst="rect">
+            <a:avLst/>
+          </a:prstGeom>
+          <a:noFill/>
+          <a:extLst>
+            <a:ext uri="{909E8E84-426E-40dd-AFC4-6F175D3DCCD1}">
+              <a14:hiddenFill xmlns="" xmlns:a14="http://schemas.microsoft.com/office/drawing/2010/main">
+                <a:solidFill>
+                  <a:srgbClr val="FFFFFF"/>
+                </a:solidFill>
+              </a14:hiddenFill>
+            </a:ext>
+          </a:extLst>
+        </p:spPr>
+      </p:pic>
     </p:spTree>
+    <p:extLst>
+      <p:ext uri="{BB962C8B-B14F-4D97-AF65-F5344CB8AC3E}">
+        <p14:creationId xmlns:p14="http://schemas.microsoft.com/office/powerpoint/2010/main" val="1135527419"/>
+      </p:ext>
+    </p:extLst>
   </p:cSld>
   <p:clrMapOvr>
     <a:masterClrMapping/>
@@ -1243,7 +1251,7 @@
               <a:rPr lang="en-US" smtClean="0"/>
               <a:t>Click to edit Master title style</a:t>
             </a:r>
-            <a:endParaRPr lang="en-US"/>
+            <a:endParaRPr lang="en-US" dirty="0"/>
           </a:p>
         </p:txBody>
       </p:sp>
@@ -1259,7 +1267,7 @@
         </p:nvSpPr>
         <p:spPr/>
         <p:txBody>
-          <a:bodyPr vert="eaVert"/>
+          <a:bodyPr vert="eaVert" lIns="45720" tIns="0" rIns="45720" bIns="0"/>
           <a:lstStyle/>
           <a:p>
             <a:pPr lvl="0"/>
@@ -1295,7 +1303,7 @@
               <a:rPr lang="en-US" smtClean="0"/>
               <a:t>Fifth level</a:t>
             </a:r>
-            <a:endParaRPr lang="en-US"/>
+            <a:endParaRPr lang="en-US" dirty="0"/>
           </a:p>
         </p:txBody>
       </p:sp>
@@ -1314,9 +1322,9 @@
           <a:bodyPr/>
           <a:lstStyle/>
           <a:p>
-            <a:fld id="{AB519677-F37D-4E92-8F4D-960F9AE61C13}" type="datetime1">
-              <a:rPr lang="en-US" smtClean="0"/>
-              <a:t>11/6/2015</a:t>
+            <a:fld id="{BF0F175E-9EAC-E14B-B7AC-8C8F25EC1DAA}" type="datetime1">
+              <a:rPr lang="en-US" smtClean="0"/>
+              <a:t>11/13/15</a:t>
             </a:fld>
             <a:endParaRPr lang="en-US"/>
           </a:p>
@@ -1338,8 +1346,8 @@
           <a:lstStyle/>
           <a:p>
             <a:r>
-              <a:rPr lang="en-US" smtClean="0"/>
-              <a:t>© 2015, EV3Lessons.com, Last edit 11/6/2015</a:t>
+              <a:rPr lang="sk-SK" smtClean="0"/>
+              <a:t>© 2015 EV3Lessons.com, Last edit 11/13/2015</a:t>
             </a:r>
             <a:endParaRPr lang="en-US"/>
           </a:p>
@@ -1355,20 +1363,12 @@
             <p:ph type="sldNum" sz="quarter" idx="12"/>
           </p:nvPr>
         </p:nvSpPr>
-        <p:spPr>
-          <a:xfrm rot="16200000">
-            <a:off x="8227377" y="5885497"/>
-            <a:ext cx="1315721" cy="365125"/>
-          </a:xfrm>
-          <a:prstGeom prst="rect">
-            <a:avLst/>
-          </a:prstGeom>
-        </p:spPr>
+        <p:spPr/>
         <p:txBody>
           <a:bodyPr/>
           <a:lstStyle/>
           <a:p>
-            <a:fld id="{4DBC7FC8-25FB-FC45-8177-2B991DA6778C}" type="slidenum">
+            <a:fld id="{4382A7F7-08BF-4252-8141-63FB96055BBB}" type="slidenum">
               <a:rPr lang="en-US" smtClean="0"/>
               <a:t>‹#›</a:t>
             </a:fld>
@@ -1377,6 +1377,11 @@
         </p:txBody>
       </p:sp>
     </p:spTree>
+    <p:extLst>
+      <p:ext uri="{BB962C8B-B14F-4D97-AF65-F5344CB8AC3E}">
+        <p14:creationId xmlns:p14="http://schemas.microsoft.com/office/powerpoint/2010/main" val="1115243304"/>
+      </p:ext>
+    </p:extLst>
   </p:cSld>
   <p:clrMapOvr>
     <a:masterClrMapping/>
@@ -1385,7 +1390,7 @@
 </file>
 
 <file path=ppt/slideLayouts/slideLayout11.xml><?xml version="1.0" encoding="utf-8"?>
-<p:sldLayout xmlns:a="http://schemas.openxmlformats.org/drawingml/2006/main" xmlns:r="http://schemas.openxmlformats.org/officeDocument/2006/relationships" xmlns:p="http://schemas.openxmlformats.org/presentationml/2006/main" type="vertTitleAndTx" preserve="1">
+<p:sldLayout xmlns:a="http://schemas.openxmlformats.org/drawingml/2006/main" xmlns:r="http://schemas.openxmlformats.org/officeDocument/2006/relationships" xmlns:p="http://schemas.openxmlformats.org/presentationml/2006/main" showMasterSp="0" type="vertTitleAndTx" preserve="1">
   <p:cSld name="Vertical Title and Text">
     <p:spTree>
       <p:nvGrpSpPr>
@@ -1403,159 +1408,227 @@
       </p:grpSpPr>
       <p:sp>
         <p:nvSpPr>
-          <p:cNvPr id="2" name="Vertical Title 1"/>
-          <p:cNvSpPr>
-            <a:spLocks noGrp="1"/>
-          </p:cNvSpPr>
-          <p:nvPr>
-            <p:ph type="title" orient="vert"/>
-          </p:nvPr>
+          <p:cNvPr id="7" name="Rectangle 6"/>
+          <p:cNvSpPr/>
+          <p:nvPr/>
         </p:nvSpPr>
         <p:spPr>
           <a:xfrm>
-            <a:off x="6629400" y="274638"/>
-            <a:ext cx="2057400" cy="5851525"/>
-          </a:xfrm>
-        </p:spPr>
-        <p:txBody>
-          <a:bodyPr vert="eaVert"/>
-          <a:lstStyle/>
-          <a:p>
-            <a:r>
-              <a:rPr lang="en-US" smtClean="0"/>
-              <a:t>Click to edit Master title style</a:t>
-            </a:r>
-            <a:endParaRPr lang="en-US"/>
-          </a:p>
-        </p:txBody>
-      </p:sp>
-      <p:sp>
-        <p:nvSpPr>
-          <p:cNvPr id="3" name="Vertical Text Placeholder 2"/>
-          <p:cNvSpPr>
-            <a:spLocks noGrp="1"/>
-          </p:cNvSpPr>
-          <p:nvPr>
-            <p:ph type="body" orient="vert" idx="1"/>
-          </p:nvPr>
-        </p:nvSpPr>
-        <p:spPr>
-          <a:xfrm>
-            <a:off x="457200" y="274638"/>
-            <a:ext cx="6019800" cy="5851525"/>
-          </a:xfrm>
-        </p:spPr>
-        <p:txBody>
-          <a:bodyPr vert="eaVert"/>
-          <a:lstStyle/>
-          <a:p>
-            <a:pPr lvl="0"/>
-            <a:r>
-              <a:rPr lang="en-US" smtClean="0"/>
-              <a:t>Click to edit Master text styles</a:t>
-            </a:r>
-          </a:p>
-          <a:p>
-            <a:pPr lvl="1"/>
-            <a:r>
-              <a:rPr lang="en-US" smtClean="0"/>
-              <a:t>Second level</a:t>
-            </a:r>
-          </a:p>
-          <a:p>
-            <a:pPr lvl="2"/>
-            <a:r>
-              <a:rPr lang="en-US" smtClean="0"/>
-              <a:t>Third level</a:t>
-            </a:r>
-          </a:p>
-          <a:p>
-            <a:pPr lvl="3"/>
-            <a:r>
-              <a:rPr lang="en-US" smtClean="0"/>
-              <a:t>Fourth level</a:t>
-            </a:r>
-          </a:p>
-          <a:p>
-            <a:pPr lvl="4"/>
-            <a:r>
-              <a:rPr lang="en-US" smtClean="0"/>
-              <a:t>Fifth level</a:t>
-            </a:r>
-            <a:endParaRPr lang="en-US"/>
-          </a:p>
-        </p:txBody>
-      </p:sp>
-      <p:sp>
-        <p:nvSpPr>
-          <p:cNvPr id="4" name="Date Placeholder 3"/>
-          <p:cNvSpPr>
-            <a:spLocks noGrp="1"/>
-          </p:cNvSpPr>
-          <p:nvPr>
-            <p:ph type="dt" sz="half" idx="10"/>
-          </p:nvPr>
-        </p:nvSpPr>
-        <p:spPr/>
-        <p:txBody>
-          <a:bodyPr/>
-          <a:lstStyle/>
-          <a:p>
-            <a:fld id="{3870A6DA-359A-4064-A79F-7CB54F1C7C7B}" type="datetime1">
-              <a:rPr lang="en-US" smtClean="0"/>
-              <a:t>11/6/2015</a:t>
-            </a:fld>
-            <a:endParaRPr lang="en-US"/>
-          </a:p>
-        </p:txBody>
-      </p:sp>
-      <p:sp>
-        <p:nvSpPr>
-          <p:cNvPr id="5" name="Footer Placeholder 4"/>
-          <p:cNvSpPr>
-            <a:spLocks noGrp="1"/>
-          </p:cNvSpPr>
-          <p:nvPr>
-            <p:ph type="ftr" sz="quarter" idx="11"/>
-          </p:nvPr>
-        </p:nvSpPr>
-        <p:spPr/>
-        <p:txBody>
-          <a:bodyPr/>
-          <a:lstStyle/>
-          <a:p>
-            <a:r>
-              <a:rPr lang="en-US" smtClean="0"/>
-              <a:t>© 2015, EV3Lessons.com, Last edit 11/6/2015</a:t>
-            </a:r>
-            <a:endParaRPr lang="en-US"/>
-          </a:p>
-        </p:txBody>
-      </p:sp>
-      <p:sp>
-        <p:nvSpPr>
-          <p:cNvPr id="6" name="Slide Number Placeholder 5"/>
-          <p:cNvSpPr>
-            <a:spLocks noGrp="1"/>
-          </p:cNvSpPr>
-          <p:nvPr>
-            <p:ph type="sldNum" sz="quarter" idx="12"/>
-          </p:nvPr>
-        </p:nvSpPr>
-        <p:spPr>
-          <a:xfrm rot="16200000">
-            <a:off x="8227377" y="5885497"/>
-            <a:ext cx="1315721" cy="365125"/>
+            <a:off x="2382" y="6400800"/>
+            <a:ext cx="9141619" cy="457200"/>
           </a:xfrm>
           <a:prstGeom prst="rect">
             <a:avLst/>
           </a:prstGeom>
+          <a:solidFill>
+            <a:schemeClr val="accent2"/>
+          </a:solidFill>
+          <a:ln>
+            <a:noFill/>
+          </a:ln>
         </p:spPr>
+        <p:style>
+          <a:lnRef idx="2">
+            <a:schemeClr val="accent1">
+              <a:shade val="50000"/>
+            </a:schemeClr>
+          </a:lnRef>
+          <a:fillRef idx="1">
+            <a:schemeClr val="accent1"/>
+          </a:fillRef>
+          <a:effectRef idx="0">
+            <a:schemeClr val="accent1"/>
+          </a:effectRef>
+          <a:fontRef idx="minor">
+            <a:schemeClr val="lt1"/>
+          </a:fontRef>
+        </p:style>
+      </p:sp>
+      <p:sp>
+        <p:nvSpPr>
+          <p:cNvPr id="8" name="Rectangle 7"/>
+          <p:cNvSpPr/>
+          <p:nvPr/>
+        </p:nvSpPr>
+        <p:spPr>
+          <a:xfrm>
+            <a:off x="12" y="6334316"/>
+            <a:ext cx="9141619" cy="64008"/>
+          </a:xfrm>
+          <a:prstGeom prst="rect">
+            <a:avLst/>
+          </a:prstGeom>
+          <a:solidFill>
+            <a:schemeClr val="accent1"/>
+          </a:solidFill>
+          <a:ln>
+            <a:noFill/>
+          </a:ln>
+        </p:spPr>
+        <p:style>
+          <a:lnRef idx="2">
+            <a:schemeClr val="accent1">
+              <a:shade val="50000"/>
+            </a:schemeClr>
+          </a:lnRef>
+          <a:fillRef idx="1">
+            <a:schemeClr val="accent1"/>
+          </a:fillRef>
+          <a:effectRef idx="0">
+            <a:schemeClr val="accent1"/>
+          </a:effectRef>
+          <a:fontRef idx="minor">
+            <a:schemeClr val="lt1"/>
+          </a:fontRef>
+        </p:style>
+      </p:sp>
+      <p:sp>
+        <p:nvSpPr>
+          <p:cNvPr id="2" name="Vertical Title 1"/>
+          <p:cNvSpPr>
+            <a:spLocks noGrp="1"/>
+          </p:cNvSpPr>
+          <p:nvPr>
+            <p:ph type="title" orient="vert"/>
+          </p:nvPr>
+        </p:nvSpPr>
+        <p:spPr>
+          <a:xfrm>
+            <a:off x="6543675" y="414779"/>
+            <a:ext cx="1971675" cy="5757421"/>
+          </a:xfrm>
+        </p:spPr>
+        <p:txBody>
+          <a:bodyPr vert="eaVert"/>
+          <a:lstStyle/>
+          <a:p>
+            <a:r>
+              <a:rPr lang="en-US" smtClean="0"/>
+              <a:t>Click to edit Master title style</a:t>
+            </a:r>
+            <a:endParaRPr lang="en-US" dirty="0"/>
+          </a:p>
+        </p:txBody>
+      </p:sp>
+      <p:sp>
+        <p:nvSpPr>
+          <p:cNvPr id="3" name="Vertical Text Placeholder 2"/>
+          <p:cNvSpPr>
+            <a:spLocks noGrp="1"/>
+          </p:cNvSpPr>
+          <p:nvPr>
+            <p:ph type="body" orient="vert" idx="1"/>
+          </p:nvPr>
+        </p:nvSpPr>
+        <p:spPr>
+          <a:xfrm>
+            <a:off x="628650" y="414779"/>
+            <a:ext cx="5800725" cy="5757420"/>
+          </a:xfrm>
+        </p:spPr>
+        <p:txBody>
+          <a:bodyPr vert="eaVert" lIns="45720" tIns="0" rIns="45720" bIns="0"/>
+          <a:lstStyle/>
+          <a:p>
+            <a:pPr lvl="0"/>
+            <a:r>
+              <a:rPr lang="en-US" smtClean="0"/>
+              <a:t>Click to edit Master text styles</a:t>
+            </a:r>
+          </a:p>
+          <a:p>
+            <a:pPr lvl="1"/>
+            <a:r>
+              <a:rPr lang="en-US" smtClean="0"/>
+              <a:t>Second level</a:t>
+            </a:r>
+          </a:p>
+          <a:p>
+            <a:pPr lvl="2"/>
+            <a:r>
+              <a:rPr lang="en-US" smtClean="0"/>
+              <a:t>Third level</a:t>
+            </a:r>
+          </a:p>
+          <a:p>
+            <a:pPr lvl="3"/>
+            <a:r>
+              <a:rPr lang="en-US" smtClean="0"/>
+              <a:t>Fourth level</a:t>
+            </a:r>
+          </a:p>
+          <a:p>
+            <a:pPr lvl="4"/>
+            <a:r>
+              <a:rPr lang="en-US" smtClean="0"/>
+              <a:t>Fifth level</a:t>
+            </a:r>
+            <a:endParaRPr lang="en-US" dirty="0"/>
+          </a:p>
+        </p:txBody>
+      </p:sp>
+      <p:sp>
+        <p:nvSpPr>
+          <p:cNvPr id="4" name="Date Placeholder 3"/>
+          <p:cNvSpPr>
+            <a:spLocks noGrp="1"/>
+          </p:cNvSpPr>
+          <p:nvPr>
+            <p:ph type="dt" sz="half" idx="10"/>
+          </p:nvPr>
+        </p:nvSpPr>
+        <p:spPr/>
         <p:txBody>
           <a:bodyPr/>
           <a:lstStyle/>
           <a:p>
-            <a:fld id="{4DBC7FC8-25FB-FC45-8177-2B991DA6778C}" type="slidenum">
+            <a:fld id="{ABE2FCFC-C57A-2442-884C-F5C58B3A2465}" type="datetime1">
+              <a:rPr lang="en-US" smtClean="0"/>
+              <a:t>11/13/15</a:t>
+            </a:fld>
+            <a:endParaRPr lang="en-US"/>
+          </a:p>
+        </p:txBody>
+      </p:sp>
+      <p:sp>
+        <p:nvSpPr>
+          <p:cNvPr id="5" name="Footer Placeholder 4"/>
+          <p:cNvSpPr>
+            <a:spLocks noGrp="1"/>
+          </p:cNvSpPr>
+          <p:nvPr>
+            <p:ph type="ftr" sz="quarter" idx="11"/>
+          </p:nvPr>
+        </p:nvSpPr>
+        <p:spPr/>
+        <p:txBody>
+          <a:bodyPr/>
+          <a:lstStyle/>
+          <a:p>
+            <a:r>
+              <a:rPr lang="sk-SK" smtClean="0"/>
+              <a:t>© 2015 EV3Lessons.com, Last edit 11/13/2015</a:t>
+            </a:r>
+            <a:endParaRPr lang="en-US"/>
+          </a:p>
+        </p:txBody>
+      </p:sp>
+      <p:sp>
+        <p:nvSpPr>
+          <p:cNvPr id="6" name="Slide Number Placeholder 5"/>
+          <p:cNvSpPr>
+            <a:spLocks noGrp="1"/>
+          </p:cNvSpPr>
+          <p:nvPr>
+            <p:ph type="sldNum" sz="quarter" idx="12"/>
+          </p:nvPr>
+        </p:nvSpPr>
+        <p:spPr/>
+        <p:txBody>
+          <a:bodyPr/>
+          <a:lstStyle/>
+          <a:p>
+            <a:fld id="{4382A7F7-08BF-4252-8141-63FB96055BBB}" type="slidenum">
               <a:rPr lang="en-US" smtClean="0"/>
               <a:t>‹#›</a:t>
             </a:fld>
@@ -1564,6 +1637,11 @@
         </p:txBody>
       </p:sp>
     </p:spTree>
+    <p:extLst>
+      <p:ext uri="{BB962C8B-B14F-4D97-AF65-F5344CB8AC3E}">
+        <p14:creationId xmlns:p14="http://schemas.microsoft.com/office/powerpoint/2010/main" val="965587557"/>
+      </p:ext>
+    </p:extLst>
   </p:cSld>
   <p:clrMapOvr>
     <a:masterClrMapping/>
@@ -1598,12 +1676,7 @@
             <p:ph type="title"/>
           </p:nvPr>
         </p:nvSpPr>
-        <p:spPr>
-          <a:xfrm>
-            <a:off x="457199" y="152718"/>
-            <a:ext cx="8245475" cy="1371600"/>
-          </a:xfrm>
-        </p:spPr>
+        <p:spPr/>
         <p:txBody>
           <a:bodyPr/>
           <a:lstStyle/>
@@ -1612,7 +1685,7 @@
               <a:rPr lang="en-US" smtClean="0"/>
               <a:t>Click to edit Master title style</a:t>
             </a:r>
-            <a:endParaRPr lang="en-US"/>
+            <a:endParaRPr lang="en-US" dirty="0"/>
           </a:p>
         </p:txBody>
       </p:sp>
@@ -1626,12 +1699,7 @@
             <p:ph idx="1"/>
           </p:nvPr>
         </p:nvSpPr>
-        <p:spPr>
-          <a:xfrm>
-            <a:off x="457200" y="1752600"/>
-            <a:ext cx="8245474" cy="4373563"/>
-          </a:xfrm>
-        </p:spPr>
+        <p:spPr/>
         <p:txBody>
           <a:bodyPr/>
           <a:lstStyle/>
@@ -1688,9 +1756,9 @@
           <a:bodyPr/>
           <a:lstStyle/>
           <a:p>
-            <a:fld id="{1E3D7450-6ADB-480F-ABA0-FB41D8C0A754}" type="datetime1">
-              <a:rPr lang="en-US" smtClean="0"/>
-              <a:t>11/6/2015</a:t>
+            <a:fld id="{6964D4EB-A2A3-5D46-A2E3-B082D53C11C5}" type="datetime1">
+              <a:rPr lang="en-US" smtClean="0"/>
+              <a:t>11/13/15</a:t>
             </a:fld>
             <a:endParaRPr lang="en-US"/>
           </a:p>
@@ -1712,8 +1780,8 @@
           <a:lstStyle/>
           <a:p>
             <a:r>
-              <a:rPr lang="en-US" smtClean="0"/>
-              <a:t>© 2015, EV3Lessons.com, Last edit 11/6/2015</a:t>
+              <a:rPr lang="sk-SK" smtClean="0"/>
+              <a:t>© 2015 EV3Lessons.com, Last edit 11/13/2015</a:t>
             </a:r>
             <a:endParaRPr lang="en-US"/>
           </a:p>
@@ -1729,20 +1797,12 @@
             <p:ph type="sldNum" sz="quarter" idx="12"/>
           </p:nvPr>
         </p:nvSpPr>
-        <p:spPr>
-          <a:xfrm rot="16200000">
-            <a:off x="8227377" y="5885497"/>
-            <a:ext cx="1315721" cy="365125"/>
-          </a:xfrm>
-          <a:prstGeom prst="rect">
-            <a:avLst/>
-          </a:prstGeom>
-        </p:spPr>
+        <p:spPr/>
         <p:txBody>
           <a:bodyPr/>
           <a:lstStyle/>
           <a:p>
-            <a:fld id="{4DBC7FC8-25FB-FC45-8177-2B991DA6778C}" type="slidenum">
+            <a:fld id="{4382A7F7-08BF-4252-8141-63FB96055BBB}" type="slidenum">
               <a:rPr lang="en-US" smtClean="0"/>
               <a:t>‹#›</a:t>
             </a:fld>
@@ -1751,6 +1811,11 @@
         </p:txBody>
       </p:sp>
     </p:spTree>
+    <p:extLst>
+      <p:ext uri="{BB962C8B-B14F-4D97-AF65-F5344CB8AC3E}">
+        <p14:creationId xmlns:p14="http://schemas.microsoft.com/office/powerpoint/2010/main" val="152854376"/>
+      </p:ext>
+    </p:extLst>
   </p:cSld>
   <p:clrMapOvr>
     <a:masterClrMapping/>
@@ -1759,8 +1824,16 @@
 </file>
 
 <file path=ppt/slideLayouts/slideLayout3.xml><?xml version="1.0" encoding="utf-8"?>
-<p:sldLayout xmlns:a="http://schemas.openxmlformats.org/drawingml/2006/main" xmlns:r="http://schemas.openxmlformats.org/officeDocument/2006/relationships" xmlns:p="http://schemas.openxmlformats.org/presentationml/2006/main" type="secHead" preserve="1">
+<p:sldLayout xmlns:a="http://schemas.openxmlformats.org/drawingml/2006/main" xmlns:r="http://schemas.openxmlformats.org/officeDocument/2006/relationships" xmlns:p="http://schemas.openxmlformats.org/presentationml/2006/main" showMasterSp="0" type="secHead" preserve="1">
   <p:cSld name="Section Header">
+    <p:bg>
+      <p:bgPr>
+        <a:solidFill>
+          <a:schemeClr val="bg1"/>
+        </a:solidFill>
+        <a:effectLst/>
+      </p:bgPr>
+    </p:bg>
     <p:spTree>
       <p:nvGrpSpPr>
         <p:cNvPr id="1" name=""/>
@@ -1777,32 +1850,111 @@
       </p:grpSpPr>
       <p:sp>
         <p:nvSpPr>
-          <p:cNvPr id="2" name="Title 1"/>
-          <p:cNvSpPr>
-            <a:spLocks noGrp="1"/>
-          </p:cNvSpPr>
-          <p:nvPr>
-            <p:ph type="title"/>
-          </p:nvPr>
+          <p:cNvPr id="7" name="Rectangle 6"/>
+          <p:cNvSpPr/>
+          <p:nvPr/>
         </p:nvSpPr>
         <p:spPr>
           <a:xfrm>
-            <a:off x="457200" y="1447800"/>
-            <a:ext cx="7772400" cy="4321175"/>
+            <a:off x="2382" y="6400800"/>
+            <a:ext cx="9141619" cy="457200"/>
+          </a:xfrm>
+          <a:prstGeom prst="rect">
+            <a:avLst/>
+          </a:prstGeom>
+          <a:solidFill>
+            <a:schemeClr val="accent2"/>
+          </a:solidFill>
+          <a:ln>
+            <a:noFill/>
+          </a:ln>
+        </p:spPr>
+        <p:style>
+          <a:lnRef idx="2">
+            <a:schemeClr val="accent1">
+              <a:shade val="50000"/>
+            </a:schemeClr>
+          </a:lnRef>
+          <a:fillRef idx="1">
+            <a:schemeClr val="accent1"/>
+          </a:fillRef>
+          <a:effectRef idx="0">
+            <a:schemeClr val="accent1"/>
+          </a:effectRef>
+          <a:fontRef idx="minor">
+            <a:schemeClr val="lt1"/>
+          </a:fontRef>
+        </p:style>
+      </p:sp>
+      <p:sp>
+        <p:nvSpPr>
+          <p:cNvPr id="8" name="Rectangle 7"/>
+          <p:cNvSpPr/>
+          <p:nvPr/>
+        </p:nvSpPr>
+        <p:spPr>
+          <a:xfrm>
+            <a:off x="12" y="6334316"/>
+            <a:ext cx="9141619" cy="64008"/>
+          </a:xfrm>
+          <a:prstGeom prst="rect">
+            <a:avLst/>
+          </a:prstGeom>
+          <a:solidFill>
+            <a:schemeClr val="accent1"/>
+          </a:solidFill>
+          <a:ln>
+            <a:noFill/>
+          </a:ln>
+        </p:spPr>
+        <p:style>
+          <a:lnRef idx="2">
+            <a:schemeClr val="accent1">
+              <a:shade val="50000"/>
+            </a:schemeClr>
+          </a:lnRef>
+          <a:fillRef idx="1">
+            <a:schemeClr val="accent1"/>
+          </a:fillRef>
+          <a:effectRef idx="0">
+            <a:schemeClr val="accent1"/>
+          </a:effectRef>
+          <a:fontRef idx="minor">
+            <a:schemeClr val="lt1"/>
+          </a:fontRef>
+        </p:style>
+      </p:sp>
+      <p:sp>
+        <p:nvSpPr>
+          <p:cNvPr id="2" name="Title 1"/>
+          <p:cNvSpPr>
+            <a:spLocks noGrp="1"/>
+          </p:cNvSpPr>
+          <p:nvPr>
+            <p:ph type="title"/>
+          </p:nvPr>
+        </p:nvSpPr>
+        <p:spPr>
+          <a:xfrm>
+            <a:off x="822960" y="758952"/>
+            <a:ext cx="7543800" cy="3566160"/>
           </a:xfrm>
         </p:spPr>
         <p:txBody>
-          <a:bodyPr anchor="ctr">
-            <a:noAutofit/>
+          <a:bodyPr anchor="b" anchorCtr="0">
+            <a:normAutofit/>
           </a:bodyPr>
           <a:lstStyle>
-            <a:lvl1pPr algn="l">
+            <a:lvl1pPr>
               <a:lnSpc>
-                <a:spcPct val="100000"/>
+                <a:spcPct val="85000"/>
               </a:lnSpc>
-              <a:defRPr sz="8800" b="0" cap="all" spc="-80" baseline="0">
+              <a:defRPr sz="8000" b="0">
                 <a:solidFill>
-                  <a:schemeClr val="tx1"/>
+                  <a:schemeClr val="tx1">
+                    <a:lumMod val="85000"/>
+                    <a:lumOff val="15000"/>
+                  </a:schemeClr>
                 </a:solidFill>
               </a:defRPr>
             </a:lvl1pPr>
@@ -1828,16 +1980,18 @@
         </p:nvSpPr>
         <p:spPr>
           <a:xfrm>
-            <a:off x="457200" y="228601"/>
-            <a:ext cx="7772400" cy="1066800"/>
+            <a:off x="822960" y="4453128"/>
+            <a:ext cx="7543800" cy="1143000"/>
           </a:xfrm>
         </p:spPr>
         <p:txBody>
-          <a:bodyPr anchor="b"/>
+          <a:bodyPr lIns="91440" rIns="91440" anchor="t" anchorCtr="0">
+            <a:normAutofit/>
+          </a:bodyPr>
           <a:lstStyle>
             <a:lvl1pPr marL="0" indent="0">
               <a:buNone/>
-              <a:defRPr sz="2000" b="0" cap="all" spc="120" baseline="0">
+              <a:defRPr sz="2400" cap="all" spc="200" baseline="0">
                 <a:solidFill>
                   <a:schemeClr val="tx2"/>
                 </a:solidFill>
@@ -1936,7 +2090,7 @@
       </p:sp>
       <p:sp>
         <p:nvSpPr>
-          <p:cNvPr id="7" name="Date Placeholder 6"/>
+          <p:cNvPr id="4" name="Date Placeholder 3"/>
           <p:cNvSpPr>
             <a:spLocks noGrp="1"/>
           </p:cNvSpPr>
@@ -1949,9 +2103,9 @@
           <a:bodyPr/>
           <a:lstStyle/>
           <a:p>
-            <a:fld id="{6EE7EA24-0D7F-4965-9AB1-5FF6BFDA576C}" type="datetime1">
-              <a:rPr lang="en-US" smtClean="0"/>
-              <a:t>11/6/2015</a:t>
+            <a:fld id="{719062A6-538C-914A-A4D7-9D77EAAE33AB}" type="datetime1">
+              <a:rPr lang="en-US" smtClean="0"/>
+              <a:t>11/13/15</a:t>
             </a:fld>
             <a:endParaRPr lang="en-US"/>
           </a:p>
@@ -1959,28 +2113,43 @@
       </p:sp>
       <p:sp>
         <p:nvSpPr>
-          <p:cNvPr id="8" name="Slide Number Placeholder 7"/>
-          <p:cNvSpPr>
-            <a:spLocks noGrp="1"/>
-          </p:cNvSpPr>
-          <p:nvPr>
-            <p:ph type="sldNum" sz="quarter" idx="11"/>
-          </p:nvPr>
-        </p:nvSpPr>
-        <p:spPr>
-          <a:xfrm rot="16200000">
-            <a:off x="8227377" y="5885497"/>
-            <a:ext cx="1315721" cy="365125"/>
-          </a:xfrm>
-          <a:prstGeom prst="rect">
-            <a:avLst/>
-          </a:prstGeom>
-        </p:spPr>
+          <p:cNvPr id="5" name="Footer Placeholder 4"/>
+          <p:cNvSpPr>
+            <a:spLocks noGrp="1"/>
+          </p:cNvSpPr>
+          <p:nvPr>
+            <p:ph type="ftr" sz="quarter" idx="11"/>
+          </p:nvPr>
+        </p:nvSpPr>
+        <p:spPr/>
         <p:txBody>
           <a:bodyPr/>
           <a:lstStyle/>
           <a:p>
-            <a:fld id="{4DBC7FC8-25FB-FC45-8177-2B991DA6778C}" type="slidenum">
+            <a:r>
+              <a:rPr lang="sk-SK" smtClean="0"/>
+              <a:t>© 2015 EV3Lessons.com, Last edit 11/13/2015</a:t>
+            </a:r>
+            <a:endParaRPr lang="en-US"/>
+          </a:p>
+        </p:txBody>
+      </p:sp>
+      <p:sp>
+        <p:nvSpPr>
+          <p:cNvPr id="6" name="Slide Number Placeholder 5"/>
+          <p:cNvSpPr>
+            <a:spLocks noGrp="1"/>
+          </p:cNvSpPr>
+          <p:nvPr>
+            <p:ph type="sldNum" sz="quarter" idx="12"/>
+          </p:nvPr>
+        </p:nvSpPr>
+        <p:spPr/>
+        <p:txBody>
+          <a:bodyPr/>
+          <a:lstStyle/>
+          <a:p>
+            <a:fld id="{162F1D00-BD13-4404-86B0-79703945A0A7}" type="slidenum">
               <a:rPr lang="en-US" smtClean="0"/>
               <a:t>‹#›</a:t>
             </a:fld>
@@ -1988,30 +2157,50 @@
           </a:p>
         </p:txBody>
       </p:sp>
-      <p:sp>
-        <p:nvSpPr>
-          <p:cNvPr id="9" name="Footer Placeholder 8"/>
-          <p:cNvSpPr>
-            <a:spLocks noGrp="1"/>
-          </p:cNvSpPr>
-          <p:nvPr>
-            <p:ph type="ftr" sz="quarter" idx="12"/>
-          </p:nvPr>
-        </p:nvSpPr>
-        <p:spPr/>
-        <p:txBody>
-          <a:bodyPr/>
-          <a:lstStyle/>
-          <a:p>
-            <a:r>
-              <a:rPr lang="en-US" smtClean="0"/>
-              <a:t>© 2015, EV3Lessons.com, Last edit 11/6/2015</a:t>
-            </a:r>
-            <a:endParaRPr lang="en-US"/>
-          </a:p>
-        </p:txBody>
-      </p:sp>
+      <p:cxnSp>
+        <p:nvCxnSpPr>
+          <p:cNvPr id="9" name="Straight Connector 8"/>
+          <p:cNvCxnSpPr/>
+          <p:nvPr/>
+        </p:nvCxnSpPr>
+        <p:spPr>
+          <a:xfrm>
+            <a:off x="905744" y="4343400"/>
+            <a:ext cx="7406640" cy="0"/>
+          </a:xfrm>
+          <a:prstGeom prst="line">
+            <a:avLst/>
+          </a:prstGeom>
+          <a:ln w="6350">
+            <a:solidFill>
+              <a:schemeClr val="tx1">
+                <a:lumMod val="50000"/>
+                <a:lumOff val="50000"/>
+              </a:schemeClr>
+            </a:solidFill>
+          </a:ln>
+        </p:spPr>
+        <p:style>
+          <a:lnRef idx="1">
+            <a:schemeClr val="accent1"/>
+          </a:lnRef>
+          <a:fillRef idx="0">
+            <a:schemeClr val="accent1"/>
+          </a:fillRef>
+          <a:effectRef idx="0">
+            <a:schemeClr val="accent1"/>
+          </a:effectRef>
+          <a:fontRef idx="minor">
+            <a:schemeClr val="tx1"/>
+          </a:fontRef>
+        </p:style>
+      </p:cxnSp>
     </p:spTree>
+    <p:extLst>
+      <p:ext uri="{BB962C8B-B14F-4D97-AF65-F5344CB8AC3E}">
+        <p14:creationId xmlns:p14="http://schemas.microsoft.com/office/powerpoint/2010/main" val="1131818102"/>
+      </p:ext>
+    </p:extLst>
   </p:cSld>
   <p:clrMapOvr>
     <a:masterClrMapping/>
@@ -2038,7 +2227,7 @@
       </p:grpSpPr>
       <p:sp>
         <p:nvSpPr>
-          <p:cNvPr id="2" name="Title 1"/>
+          <p:cNvPr id="8" name="Title 7"/>
           <p:cNvSpPr>
             <a:spLocks noGrp="1"/>
           </p:cNvSpPr>
@@ -2048,8 +2237,8 @@
         </p:nvSpPr>
         <p:spPr>
           <a:xfrm>
-            <a:off x="457199" y="152718"/>
-            <a:ext cx="8245475" cy="1371600"/>
+            <a:off x="822960" y="286604"/>
+            <a:ext cx="7543800" cy="1450757"/>
           </a:xfrm>
         </p:spPr>
         <p:txBody>
@@ -2060,7 +2249,7 @@
               <a:rPr lang="en-US" smtClean="0"/>
               <a:t>Click to edit Master title style</a:t>
             </a:r>
-            <a:endParaRPr lang="en-US"/>
+            <a:endParaRPr lang="en-US" dirty="0"/>
           </a:p>
         </p:txBody>
       </p:sp>
@@ -2076,41 +2265,13 @@
         </p:nvSpPr>
         <p:spPr>
           <a:xfrm>
-            <a:off x="457200" y="1574800"/>
-            <a:ext cx="3877529" cy="4525963"/>
+            <a:off x="822960" y="1845734"/>
+            <a:ext cx="3703320" cy="4023360"/>
           </a:xfrm>
         </p:spPr>
         <p:txBody>
           <a:bodyPr/>
-          <a:lstStyle>
-            <a:lvl1pPr>
-              <a:defRPr sz="2800"/>
-            </a:lvl1pPr>
-            <a:lvl2pPr>
-              <a:defRPr sz="2400"/>
-            </a:lvl2pPr>
-            <a:lvl3pPr>
-              <a:defRPr sz="2000"/>
-            </a:lvl3pPr>
-            <a:lvl4pPr>
-              <a:defRPr sz="1800"/>
-            </a:lvl4pPr>
-            <a:lvl5pPr>
-              <a:defRPr sz="1800"/>
-            </a:lvl5pPr>
-            <a:lvl6pPr>
-              <a:defRPr sz="1800"/>
-            </a:lvl6pPr>
-            <a:lvl7pPr>
-              <a:defRPr sz="1800"/>
-            </a:lvl7pPr>
-            <a:lvl8pPr>
-              <a:defRPr sz="1800"/>
-            </a:lvl8pPr>
-            <a:lvl9pPr>
-              <a:defRPr sz="1800"/>
-            </a:lvl9pPr>
-          </a:lstStyle>
+          <a:lstStyle/>
           <a:p>
             <a:pPr lvl="0"/>
             <a:r>
@@ -2161,73 +2322,45 @@
         </p:nvSpPr>
         <p:spPr>
           <a:xfrm>
-            <a:off x="4886923" y="1574800"/>
-            <a:ext cx="3815751" cy="4525963"/>
+            <a:off x="4663440" y="1845736"/>
+            <a:ext cx="3703320" cy="4023359"/>
           </a:xfrm>
         </p:spPr>
         <p:txBody>
           <a:bodyPr/>
-          <a:lstStyle>
-            <a:lvl1pPr>
-              <a:defRPr sz="2800"/>
-            </a:lvl1pPr>
-            <a:lvl2pPr>
-              <a:defRPr sz="2400"/>
-            </a:lvl2pPr>
-            <a:lvl3pPr>
-              <a:defRPr sz="2000"/>
-            </a:lvl3pPr>
-            <a:lvl4pPr>
-              <a:defRPr sz="1800"/>
-            </a:lvl4pPr>
-            <a:lvl5pPr>
-              <a:defRPr sz="1800"/>
-            </a:lvl5pPr>
-            <a:lvl6pPr>
-              <a:defRPr sz="1800"/>
-            </a:lvl6pPr>
-            <a:lvl7pPr>
-              <a:defRPr sz="1800"/>
-            </a:lvl7pPr>
-            <a:lvl8pPr>
-              <a:defRPr sz="1800"/>
-            </a:lvl8pPr>
-            <a:lvl9pPr>
-              <a:defRPr sz="1800"/>
-            </a:lvl9pPr>
-          </a:lstStyle>
+          <a:lstStyle/>
           <a:p>
             <a:pPr lvl="0"/>
             <a:r>
-              <a:rPr lang="en-US" dirty="0" smtClean="0"/>
+              <a:rPr lang="en-US" smtClean="0"/>
               <a:t>Click to edit Master text styles</a:t>
             </a:r>
           </a:p>
           <a:p>
             <a:pPr lvl="1"/>
             <a:r>
-              <a:rPr lang="en-US" dirty="0" smtClean="0"/>
+              <a:rPr lang="en-US" smtClean="0"/>
               <a:t>Second level</a:t>
             </a:r>
           </a:p>
           <a:p>
             <a:pPr lvl="2"/>
             <a:r>
-              <a:rPr lang="en-US" dirty="0" smtClean="0"/>
+              <a:rPr lang="en-US" smtClean="0"/>
               <a:t>Third level</a:t>
             </a:r>
           </a:p>
           <a:p>
             <a:pPr lvl="3"/>
             <a:r>
-              <a:rPr lang="en-US" dirty="0" smtClean="0"/>
+              <a:rPr lang="en-US" smtClean="0"/>
               <a:t>Fourth level</a:t>
             </a:r>
           </a:p>
           <a:p>
             <a:pPr lvl="4"/>
             <a:r>
-              <a:rPr lang="en-US" dirty="0" smtClean="0"/>
+              <a:rPr lang="en-US" smtClean="0"/>
               <a:t>Fifth level</a:t>
             </a:r>
             <a:endParaRPr lang="en-US" dirty="0"/>
@@ -2249,9 +2382,9 @@
           <a:bodyPr/>
           <a:lstStyle/>
           <a:p>
-            <a:fld id="{CA97CC05-66FD-4583-BCAA-6C12091D5A81}" type="datetime1">
-              <a:rPr lang="en-US" smtClean="0"/>
-              <a:t>11/6/2015</a:t>
+            <a:fld id="{FBA86DE5-4727-3C44-A125-458AC819E1C1}" type="datetime1">
+              <a:rPr lang="en-US" smtClean="0"/>
+              <a:t>11/13/15</a:t>
             </a:fld>
             <a:endParaRPr lang="en-US"/>
           </a:p>
@@ -2272,11 +2405,7 @@
           <a:bodyPr/>
           <a:lstStyle/>
           <a:p>
-            <a:r>
-              <a:rPr lang="en-US" smtClean="0"/>
-              <a:t>© 2015, EV3Lessons.com, Last edit 11/6/2015</a:t>
-            </a:r>
-            <a:endParaRPr lang="en-US"/>
+            <a:endParaRPr lang="en-US" dirty="0"/>
           </a:p>
         </p:txBody>
       </p:sp>
@@ -2290,20 +2419,12 @@
             <p:ph type="sldNum" sz="quarter" idx="12"/>
           </p:nvPr>
         </p:nvSpPr>
-        <p:spPr>
-          <a:xfrm rot="16200000">
-            <a:off x="8227377" y="5885497"/>
-            <a:ext cx="1315721" cy="365125"/>
-          </a:xfrm>
-          <a:prstGeom prst="rect">
-            <a:avLst/>
-          </a:prstGeom>
-        </p:spPr>
+        <p:spPr/>
         <p:txBody>
           <a:bodyPr/>
           <a:lstStyle/>
           <a:p>
-            <a:fld id="{4DBC7FC8-25FB-FC45-8177-2B991DA6778C}" type="slidenum">
+            <a:fld id="{4382A7F7-08BF-4252-8141-63FB96055BBB}" type="slidenum">
               <a:rPr lang="en-US" smtClean="0"/>
               <a:t>‹#›</a:t>
             </a:fld>
@@ -2312,6 +2433,11 @@
         </p:txBody>
       </p:sp>
     </p:spTree>
+    <p:extLst>
+      <p:ext uri="{BB962C8B-B14F-4D97-AF65-F5344CB8AC3E}">
+        <p14:creationId xmlns:p14="http://schemas.microsoft.com/office/powerpoint/2010/main" val="1540769095"/>
+      </p:ext>
+    </p:extLst>
   </p:cSld>
   <p:clrMapOvr>
     <a:masterClrMapping/>
@@ -2338,59 +2464,59 @@
       </p:grpSpPr>
       <p:sp>
         <p:nvSpPr>
-          <p:cNvPr id="2" name="Title 1"/>
+          <p:cNvPr id="10" name="Title 9"/>
           <p:cNvSpPr>
             <a:spLocks noGrp="1"/>
           </p:cNvSpPr>
           <p:nvPr>
             <p:ph type="title"/>
-          </p:nvPr>
-        </p:nvSpPr>
-        <p:spPr/>
-        <p:txBody>
-          <a:bodyPr/>
-          <a:lstStyle>
-            <a:lvl1pPr>
-              <a:defRPr/>
-            </a:lvl1pPr>
-          </a:lstStyle>
-          <a:p>
-            <a:r>
-              <a:rPr lang="en-US" smtClean="0"/>
-              <a:t>Click to edit Master title style</a:t>
-            </a:r>
-            <a:endParaRPr lang="en-US"/>
-          </a:p>
-        </p:txBody>
-      </p:sp>
-      <p:sp>
-        <p:nvSpPr>
-          <p:cNvPr id="3" name="Text Placeholder 2"/>
-          <p:cNvSpPr>
-            <a:spLocks noGrp="1"/>
-          </p:cNvSpPr>
-          <p:nvPr>
-            <p:ph type="body" idx="1"/>
           </p:nvPr>
         </p:nvSpPr>
         <p:spPr>
           <a:xfrm>
-            <a:off x="1627632" y="1572768"/>
-            <a:ext cx="3291840" cy="639762"/>
+            <a:off x="822960" y="286604"/>
+            <a:ext cx="7543800" cy="1450757"/>
           </a:xfrm>
         </p:spPr>
         <p:txBody>
-          <a:bodyPr anchor="b">
-            <a:noAutofit/>
+          <a:bodyPr/>
+          <a:lstStyle/>
+          <a:p>
+            <a:r>
+              <a:rPr lang="en-US" smtClean="0"/>
+              <a:t>Click to edit Master title style</a:t>
+            </a:r>
+            <a:endParaRPr lang="en-US" dirty="0"/>
+          </a:p>
+        </p:txBody>
+      </p:sp>
+      <p:sp>
+        <p:nvSpPr>
+          <p:cNvPr id="3" name="Text Placeholder 2"/>
+          <p:cNvSpPr>
+            <a:spLocks noGrp="1"/>
+          </p:cNvSpPr>
+          <p:nvPr>
+            <p:ph type="body" idx="1"/>
+          </p:nvPr>
+        </p:nvSpPr>
+        <p:spPr>
+          <a:xfrm>
+            <a:off x="822960" y="1846052"/>
+            <a:ext cx="3703320" cy="736282"/>
+          </a:xfrm>
+        </p:spPr>
+        <p:txBody>
+          <a:bodyPr lIns="91440" rIns="91440" anchor="ctr">
+            <a:normAutofit/>
           </a:bodyPr>
           <a:lstStyle>
             <a:lvl1pPr marL="0" indent="0">
               <a:buNone/>
-              <a:defRPr sz="1800" b="0" cap="all" spc="100" baseline="0">
+              <a:defRPr sz="2000" b="0" cap="all" baseline="0">
                 <a:solidFill>
-                  <a:schemeClr val="tx1"/>
+                  <a:schemeClr val="tx2"/>
                 </a:solidFill>
-                <a:latin typeface="+mj-lt"/>
               </a:defRPr>
             </a:lvl1pPr>
             <a:lvl2pPr marL="457200" indent="0">
@@ -2447,41 +2573,13 @@
         </p:nvSpPr>
         <p:spPr>
           <a:xfrm>
-            <a:off x="1627632" y="2259366"/>
-            <a:ext cx="3291840" cy="3840480"/>
+            <a:off x="822960" y="2582334"/>
+            <a:ext cx="3703320" cy="3286760"/>
           </a:xfrm>
         </p:spPr>
         <p:txBody>
           <a:bodyPr/>
-          <a:lstStyle>
-            <a:lvl1pPr>
-              <a:defRPr sz="2400"/>
-            </a:lvl1pPr>
-            <a:lvl2pPr>
-              <a:defRPr sz="2000"/>
-            </a:lvl2pPr>
-            <a:lvl3pPr>
-              <a:defRPr sz="1800"/>
-            </a:lvl3pPr>
-            <a:lvl4pPr>
-              <a:defRPr sz="1600"/>
-            </a:lvl4pPr>
-            <a:lvl5pPr>
-              <a:defRPr sz="1600"/>
-            </a:lvl5pPr>
-            <a:lvl6pPr>
-              <a:defRPr sz="1600"/>
-            </a:lvl6pPr>
-            <a:lvl7pPr>
-              <a:defRPr sz="1600"/>
-            </a:lvl7pPr>
-            <a:lvl8pPr>
-              <a:defRPr sz="1600"/>
-            </a:lvl8pPr>
-            <a:lvl9pPr>
-              <a:defRPr sz="1600"/>
-            </a:lvl9pPr>
-          </a:lstStyle>
+          <a:lstStyle/>
           <a:p>
             <a:pPr lvl="0"/>
             <a:r>
@@ -2532,24 +2630,21 @@
         </p:nvSpPr>
         <p:spPr>
           <a:xfrm>
-            <a:off x="5093208" y="1572768"/>
-            <a:ext cx="3291840" cy="639762"/>
+            <a:off x="4663440" y="1846052"/>
+            <a:ext cx="3703320" cy="736282"/>
           </a:xfrm>
         </p:spPr>
         <p:txBody>
-          <a:bodyPr anchor="b">
-            <a:noAutofit/>
+          <a:bodyPr lIns="91440" rIns="91440" anchor="ctr">
+            <a:normAutofit/>
           </a:bodyPr>
           <a:lstStyle>
             <a:lvl1pPr marL="0" indent="0">
               <a:buNone/>
-              <a:defRPr lang="en-US" sz="1800" b="0" kern="1200" cap="all" spc="100" baseline="0" dirty="0" smtClean="0">
+              <a:defRPr sz="2000" b="0" cap="all" baseline="0">
                 <a:solidFill>
-                  <a:schemeClr val="tx1"/>
+                  <a:schemeClr val="tx2"/>
                 </a:solidFill>
-                <a:latin typeface="+mj-lt"/>
-                <a:ea typeface="+mn-ea"/>
-                <a:cs typeface="+mn-cs"/>
               </a:defRPr>
             </a:lvl1pPr>
             <a:lvl2pPr marL="457200" indent="0">
@@ -2586,13 +2681,7 @@
             </a:lvl9pPr>
           </a:lstStyle>
           <a:p>
-            <a:pPr marL="0" lvl="0" indent="0" algn="l" defTabSz="914400" rtl="0" eaLnBrk="1" latinLnBrk="0" hangingPunct="1">
-              <a:spcBef>
-                <a:spcPct val="20000"/>
-              </a:spcBef>
-              <a:buFont typeface="Arial" pitchFamily="34" charset="0"/>
-              <a:buNone/>
-            </a:pPr>
+            <a:pPr lvl="0"/>
             <a:r>
               <a:rPr lang="en-US" smtClean="0"/>
               <a:t>Click to edit Master text styles</a:t>
@@ -2612,41 +2701,13 @@
         </p:nvSpPr>
         <p:spPr>
           <a:xfrm>
-            <a:off x="5093208" y="2259366"/>
-            <a:ext cx="3291840" cy="3840480"/>
+            <a:off x="4663440" y="2582334"/>
+            <a:ext cx="3703320" cy="3286760"/>
           </a:xfrm>
         </p:spPr>
         <p:txBody>
           <a:bodyPr/>
-          <a:lstStyle>
-            <a:lvl1pPr>
-              <a:defRPr sz="2400"/>
-            </a:lvl1pPr>
-            <a:lvl2pPr>
-              <a:defRPr sz="2000"/>
-            </a:lvl2pPr>
-            <a:lvl3pPr>
-              <a:defRPr sz="1800"/>
-            </a:lvl3pPr>
-            <a:lvl4pPr>
-              <a:defRPr sz="1600"/>
-            </a:lvl4pPr>
-            <a:lvl5pPr>
-              <a:defRPr sz="1600"/>
-            </a:lvl5pPr>
-            <a:lvl6pPr>
-              <a:defRPr sz="1600"/>
-            </a:lvl6pPr>
-            <a:lvl7pPr>
-              <a:defRPr sz="1600"/>
-            </a:lvl7pPr>
-            <a:lvl8pPr>
-              <a:defRPr sz="1600"/>
-            </a:lvl8pPr>
-            <a:lvl9pPr>
-              <a:defRPr sz="1600"/>
-            </a:lvl9pPr>
-          </a:lstStyle>
+          <a:lstStyle/>
           <a:p>
             <a:pPr lvl="0"/>
             <a:r>
@@ -2700,9 +2761,9 @@
           <a:bodyPr/>
           <a:lstStyle/>
           <a:p>
-            <a:fld id="{9BF69702-6FCB-44FB-BD0C-5DAD1567C4A5}" type="datetime1">
-              <a:rPr lang="en-US" smtClean="0"/>
-              <a:t>11/6/2015</a:t>
+            <a:fld id="{18F252B0-687D-184F-B682-0021640A5D63}" type="datetime1">
+              <a:rPr lang="en-US" smtClean="0"/>
+              <a:t>11/13/15</a:t>
             </a:fld>
             <a:endParaRPr lang="en-US"/>
           </a:p>
@@ -2724,8 +2785,8 @@
           <a:lstStyle/>
           <a:p>
             <a:r>
-              <a:rPr lang="en-US" smtClean="0"/>
-              <a:t>© 2015, EV3Lessons.com, Last edit 11/6/2015</a:t>
+              <a:rPr lang="sk-SK" smtClean="0"/>
+              <a:t>© 2015 EV3Lessons.com, Last edit 11/13/2015</a:t>
             </a:r>
             <a:endParaRPr lang="en-US"/>
           </a:p>
@@ -2741,20 +2802,12 @@
             <p:ph type="sldNum" sz="quarter" idx="12"/>
           </p:nvPr>
         </p:nvSpPr>
-        <p:spPr>
-          <a:xfrm rot="16200000">
-            <a:off x="8227377" y="5885497"/>
-            <a:ext cx="1315721" cy="365125"/>
-          </a:xfrm>
-          <a:prstGeom prst="rect">
-            <a:avLst/>
-          </a:prstGeom>
-        </p:spPr>
+        <p:spPr/>
         <p:txBody>
           <a:bodyPr/>
           <a:lstStyle/>
           <a:p>
-            <a:fld id="{4DBC7FC8-25FB-FC45-8177-2B991DA6778C}" type="slidenum">
+            <a:fld id="{4382A7F7-08BF-4252-8141-63FB96055BBB}" type="slidenum">
               <a:rPr lang="en-US" smtClean="0"/>
               <a:t>‹#›</a:t>
             </a:fld>
@@ -2763,6 +2816,11 @@
         </p:txBody>
       </p:sp>
     </p:spTree>
+    <p:extLst>
+      <p:ext uri="{BB962C8B-B14F-4D97-AF65-F5344CB8AC3E}">
+        <p14:creationId xmlns:p14="http://schemas.microsoft.com/office/powerpoint/2010/main" val="1708641029"/>
+      </p:ext>
+    </p:extLst>
   </p:cSld>
   <p:clrMapOvr>
     <a:masterClrMapping/>
@@ -2806,7 +2864,7 @@
               <a:rPr lang="en-US" smtClean="0"/>
               <a:t>Click to edit Master title style</a:t>
             </a:r>
-            <a:endParaRPr lang="en-US"/>
+            <a:endParaRPr lang="en-US" dirty="0"/>
           </a:p>
         </p:txBody>
       </p:sp>
@@ -2825,9 +2883,9 @@
           <a:bodyPr/>
           <a:lstStyle/>
           <a:p>
-            <a:fld id="{652381F2-FDC8-4CB5-B9FE-88047A96C791}" type="datetime1">
-              <a:rPr lang="en-US" smtClean="0"/>
-              <a:t>11/6/2015</a:t>
+            <a:fld id="{3457AD7A-12C8-EA48-9011-B2F46261DD98}" type="datetime1">
+              <a:rPr lang="en-US" smtClean="0"/>
+              <a:t>11/13/15</a:t>
             </a:fld>
             <a:endParaRPr lang="en-US"/>
           </a:p>
@@ -2849,8 +2907,8 @@
           <a:lstStyle/>
           <a:p>
             <a:r>
-              <a:rPr lang="en-US" smtClean="0"/>
-              <a:t>© 2015, EV3Lessons.com, Last edit 11/6/2015</a:t>
+              <a:rPr lang="sk-SK" smtClean="0"/>
+              <a:t>© 2015 EV3Lessons.com, Last edit 11/13/2015</a:t>
             </a:r>
             <a:endParaRPr lang="en-US"/>
           </a:p>
@@ -2866,20 +2924,12 @@
             <p:ph type="sldNum" sz="quarter" idx="12"/>
           </p:nvPr>
         </p:nvSpPr>
-        <p:spPr>
-          <a:xfrm rot="16200000">
-            <a:off x="8227377" y="5885497"/>
-            <a:ext cx="1315721" cy="365125"/>
-          </a:xfrm>
-          <a:prstGeom prst="rect">
-            <a:avLst/>
-          </a:prstGeom>
-        </p:spPr>
+        <p:spPr/>
         <p:txBody>
           <a:bodyPr/>
           <a:lstStyle/>
           <a:p>
-            <a:fld id="{4DBC7FC8-25FB-FC45-8177-2B991DA6778C}" type="slidenum">
+            <a:fld id="{4382A7F7-08BF-4252-8141-63FB96055BBB}" type="slidenum">
               <a:rPr lang="en-US" smtClean="0"/>
               <a:t>‹#›</a:t>
             </a:fld>
@@ -2888,6 +2938,11 @@
         </p:txBody>
       </p:sp>
     </p:spTree>
+    <p:extLst>
+      <p:ext uri="{BB962C8B-B14F-4D97-AF65-F5344CB8AC3E}">
+        <p14:creationId xmlns:p14="http://schemas.microsoft.com/office/powerpoint/2010/main" val="1471721154"/>
+      </p:ext>
+    </p:extLst>
   </p:cSld>
   <p:clrMapOvr>
     <a:masterClrMapping/>
@@ -2896,7 +2951,7 @@
 </file>
 
 <file path=ppt/slideLayouts/slideLayout7.xml><?xml version="1.0" encoding="utf-8"?>
-<p:sldLayout xmlns:a="http://schemas.openxmlformats.org/drawingml/2006/main" xmlns:r="http://schemas.openxmlformats.org/officeDocument/2006/relationships" xmlns:p="http://schemas.openxmlformats.org/presentationml/2006/main" type="blank" preserve="1">
+<p:sldLayout xmlns:a="http://schemas.openxmlformats.org/drawingml/2006/main" xmlns:r="http://schemas.openxmlformats.org/officeDocument/2006/relationships" xmlns:p="http://schemas.openxmlformats.org/presentationml/2006/main" showMasterSp="0" type="blank" preserve="1">
   <p:cSld name="Blank">
     <p:spTree>
       <p:nvGrpSpPr>
@@ -2914,74 +2969,150 @@
       </p:grpSpPr>
       <p:sp>
         <p:nvSpPr>
-          <p:cNvPr id="2" name="Date Placeholder 1"/>
-          <p:cNvSpPr>
-            <a:spLocks noGrp="1"/>
-          </p:cNvSpPr>
-          <p:nvPr>
-            <p:ph type="dt" sz="half" idx="10"/>
-          </p:nvPr>
-        </p:nvSpPr>
-        <p:spPr/>
-        <p:txBody>
-          <a:bodyPr/>
-          <a:lstStyle/>
-          <a:p>
-            <a:fld id="{2B9469F8-5874-45D1-B34E-CD8335B6D14B}" type="datetime1">
-              <a:rPr lang="en-US" smtClean="0"/>
-              <a:t>11/6/2015</a:t>
-            </a:fld>
-            <a:endParaRPr lang="en-US"/>
-          </a:p>
-        </p:txBody>
-      </p:sp>
-      <p:sp>
-        <p:nvSpPr>
-          <p:cNvPr id="3" name="Footer Placeholder 2"/>
-          <p:cNvSpPr>
-            <a:spLocks noGrp="1"/>
-          </p:cNvSpPr>
-          <p:nvPr>
-            <p:ph type="ftr" sz="quarter" idx="11"/>
-          </p:nvPr>
-        </p:nvSpPr>
-        <p:spPr/>
-        <p:txBody>
-          <a:bodyPr/>
-          <a:lstStyle/>
-          <a:p>
-            <a:r>
-              <a:rPr lang="en-US" smtClean="0"/>
-              <a:t>© 2015, EV3Lessons.com, Last edit 11/6/2015</a:t>
-            </a:r>
-            <a:endParaRPr lang="en-US"/>
-          </a:p>
-        </p:txBody>
-      </p:sp>
-      <p:sp>
-        <p:nvSpPr>
-          <p:cNvPr id="4" name="Slide Number Placeholder 3"/>
-          <p:cNvSpPr>
-            <a:spLocks noGrp="1"/>
-          </p:cNvSpPr>
-          <p:nvPr>
-            <p:ph type="sldNum" sz="quarter" idx="12"/>
-          </p:nvPr>
+          <p:cNvPr id="5" name="Rectangle 4"/>
+          <p:cNvSpPr/>
+          <p:nvPr/>
         </p:nvSpPr>
         <p:spPr>
-          <a:xfrm rot="16200000">
-            <a:off x="8227377" y="5885497"/>
-            <a:ext cx="1315721" cy="365125"/>
+          <a:xfrm>
+            <a:off x="2382" y="6400800"/>
+            <a:ext cx="9141619" cy="457200"/>
           </a:xfrm>
           <a:prstGeom prst="rect">
             <a:avLst/>
           </a:prstGeom>
+          <a:solidFill>
+            <a:schemeClr val="accent2"/>
+          </a:solidFill>
+          <a:ln>
+            <a:noFill/>
+          </a:ln>
         </p:spPr>
+        <p:style>
+          <a:lnRef idx="2">
+            <a:schemeClr val="accent1">
+              <a:shade val="50000"/>
+            </a:schemeClr>
+          </a:lnRef>
+          <a:fillRef idx="1">
+            <a:schemeClr val="accent1"/>
+          </a:fillRef>
+          <a:effectRef idx="0">
+            <a:schemeClr val="accent1"/>
+          </a:effectRef>
+          <a:fontRef idx="minor">
+            <a:schemeClr val="lt1"/>
+          </a:fontRef>
+        </p:style>
+      </p:sp>
+      <p:sp>
+        <p:nvSpPr>
+          <p:cNvPr id="6" name="Rectangle 5"/>
+          <p:cNvSpPr/>
+          <p:nvPr/>
+        </p:nvSpPr>
+        <p:spPr>
+          <a:xfrm>
+            <a:off x="12" y="6334316"/>
+            <a:ext cx="9141619" cy="64008"/>
+          </a:xfrm>
+          <a:prstGeom prst="rect">
+            <a:avLst/>
+          </a:prstGeom>
+          <a:solidFill>
+            <a:schemeClr val="accent1"/>
+          </a:solidFill>
+          <a:ln>
+            <a:noFill/>
+          </a:ln>
+        </p:spPr>
+        <p:style>
+          <a:lnRef idx="2">
+            <a:schemeClr val="accent1">
+              <a:shade val="50000"/>
+            </a:schemeClr>
+          </a:lnRef>
+          <a:fillRef idx="1">
+            <a:schemeClr val="accent1"/>
+          </a:fillRef>
+          <a:effectRef idx="0">
+            <a:schemeClr val="accent1"/>
+          </a:effectRef>
+          <a:fontRef idx="minor">
+            <a:schemeClr val="lt1"/>
+          </a:fontRef>
+        </p:style>
+      </p:sp>
+      <p:sp>
+        <p:nvSpPr>
+          <p:cNvPr id="7" name="Date Placeholder 6"/>
+          <p:cNvSpPr>
+            <a:spLocks noGrp="1"/>
+          </p:cNvSpPr>
+          <p:nvPr>
+            <p:ph type="dt" sz="half" idx="10"/>
+          </p:nvPr>
+        </p:nvSpPr>
+        <p:spPr/>
         <p:txBody>
           <a:bodyPr/>
           <a:lstStyle/>
           <a:p>
-            <a:fld id="{4DBC7FC8-25FB-FC45-8177-2B991DA6778C}" type="slidenum">
+            <a:fld id="{77D3C5C7-2346-9A49-8660-921460E2744B}" type="datetime1">
+              <a:rPr lang="en-US" smtClean="0"/>
+              <a:t>11/13/15</a:t>
+            </a:fld>
+            <a:endParaRPr lang="en-US"/>
+          </a:p>
+        </p:txBody>
+      </p:sp>
+      <p:sp>
+        <p:nvSpPr>
+          <p:cNvPr id="8" name="Footer Placeholder 7"/>
+          <p:cNvSpPr>
+            <a:spLocks noGrp="1"/>
+          </p:cNvSpPr>
+          <p:nvPr>
+            <p:ph type="ftr" sz="quarter" idx="11"/>
+          </p:nvPr>
+        </p:nvSpPr>
+        <p:spPr/>
+        <p:txBody>
+          <a:bodyPr/>
+          <a:lstStyle>
+            <a:lvl1pPr>
+              <a:defRPr>
+                <a:solidFill>
+                  <a:srgbClr val="FFFFFF"/>
+                </a:solidFill>
+              </a:defRPr>
+            </a:lvl1pPr>
+          </a:lstStyle>
+          <a:p>
+            <a:r>
+              <a:rPr lang="sk-SK" smtClean="0"/>
+              <a:t>© 2015 EV3Lessons.com, Last edit 11/13/2015</a:t>
+            </a:r>
+            <a:endParaRPr lang="en-US"/>
+          </a:p>
+        </p:txBody>
+      </p:sp>
+      <p:sp>
+        <p:nvSpPr>
+          <p:cNvPr id="9" name="Slide Number Placeholder 8"/>
+          <p:cNvSpPr>
+            <a:spLocks noGrp="1"/>
+          </p:cNvSpPr>
+          <p:nvPr>
+            <p:ph type="sldNum" sz="quarter" idx="12"/>
+          </p:nvPr>
+        </p:nvSpPr>
+        <p:spPr/>
+        <p:txBody>
+          <a:bodyPr/>
+          <a:lstStyle/>
+          <a:p>
+            <a:fld id="{4382A7F7-08BF-4252-8141-63FB96055BBB}" type="slidenum">
               <a:rPr lang="en-US" smtClean="0"/>
               <a:t>‹#›</a:t>
             </a:fld>
@@ -2990,6 +3121,11 @@
         </p:txBody>
       </p:sp>
     </p:spTree>
+    <p:extLst>
+      <p:ext uri="{BB962C8B-B14F-4D97-AF65-F5344CB8AC3E}">
+        <p14:creationId xmlns:p14="http://schemas.microsoft.com/office/powerpoint/2010/main" val="774528931"/>
+      </p:ext>
+    </p:extLst>
   </p:cSld>
   <p:clrMapOvr>
     <a:masterClrMapping/>
@@ -2998,7 +3134,7 @@
 </file>
 
 <file path=ppt/slideLayouts/slideLayout8.xml><?xml version="1.0" encoding="utf-8"?>
-<p:sldLayout xmlns:a="http://schemas.openxmlformats.org/drawingml/2006/main" xmlns:r="http://schemas.openxmlformats.org/officeDocument/2006/relationships" xmlns:p="http://schemas.openxmlformats.org/presentationml/2006/main" type="objTx" preserve="1">
+<p:sldLayout xmlns:a="http://schemas.openxmlformats.org/drawingml/2006/main" xmlns:r="http://schemas.openxmlformats.org/officeDocument/2006/relationships" xmlns:p="http://schemas.openxmlformats.org/presentationml/2006/main" showMasterSp="0" type="objTx" preserve="1">
   <p:cSld name="Content with Caption">
     <p:spTree>
       <p:nvGrpSpPr>
@@ -3016,84 +3152,113 @@
       </p:grpSpPr>
       <p:sp>
         <p:nvSpPr>
-          <p:cNvPr id="3" name="Content Placeholder 2"/>
-          <p:cNvSpPr>
-            <a:spLocks noGrp="1"/>
-          </p:cNvSpPr>
-          <p:nvPr>
-            <p:ph idx="1"/>
-          </p:nvPr>
+          <p:cNvPr id="8" name="Rectangle 7"/>
+          <p:cNvSpPr/>
+          <p:nvPr/>
         </p:nvSpPr>
         <p:spPr>
           <a:xfrm>
-            <a:off x="3575050" y="1600200"/>
-            <a:ext cx="5111750" cy="4480560"/>
+            <a:off x="13" y="0"/>
+            <a:ext cx="3038093" cy="6858000"/>
+          </a:xfrm>
+          <a:prstGeom prst="rect">
+            <a:avLst/>
+          </a:prstGeom>
+          <a:solidFill>
+            <a:schemeClr val="accent2"/>
+          </a:solidFill>
+          <a:ln>
+            <a:noFill/>
+          </a:ln>
+        </p:spPr>
+        <p:style>
+          <a:lnRef idx="2">
+            <a:schemeClr val="accent1">
+              <a:shade val="50000"/>
+            </a:schemeClr>
+          </a:lnRef>
+          <a:fillRef idx="1">
+            <a:schemeClr val="accent1"/>
+          </a:fillRef>
+          <a:effectRef idx="0">
+            <a:schemeClr val="accent1"/>
+          </a:effectRef>
+          <a:fontRef idx="minor">
+            <a:schemeClr val="lt1"/>
+          </a:fontRef>
+        </p:style>
+      </p:sp>
+      <p:sp>
+        <p:nvSpPr>
+          <p:cNvPr id="9" name="Rectangle 8"/>
+          <p:cNvSpPr/>
+          <p:nvPr/>
+        </p:nvSpPr>
+        <p:spPr>
+          <a:xfrm>
+            <a:off x="3030053" y="0"/>
+            <a:ext cx="48006" cy="6858000"/>
+          </a:xfrm>
+          <a:prstGeom prst="rect">
+            <a:avLst/>
+          </a:prstGeom>
+          <a:solidFill>
+            <a:schemeClr val="accent1"/>
+          </a:solidFill>
+          <a:ln>
+            <a:noFill/>
+          </a:ln>
+        </p:spPr>
+        <p:style>
+          <a:lnRef idx="2">
+            <a:schemeClr val="accent1">
+              <a:shade val="50000"/>
+            </a:schemeClr>
+          </a:lnRef>
+          <a:fillRef idx="1">
+            <a:schemeClr val="accent1"/>
+          </a:fillRef>
+          <a:effectRef idx="0">
+            <a:schemeClr val="accent1"/>
+          </a:effectRef>
+          <a:fontRef idx="minor">
+            <a:schemeClr val="lt1"/>
+          </a:fontRef>
+        </p:style>
+      </p:sp>
+      <p:sp>
+        <p:nvSpPr>
+          <p:cNvPr id="2" name="Title 1"/>
+          <p:cNvSpPr>
+            <a:spLocks noGrp="1"/>
+          </p:cNvSpPr>
+          <p:nvPr>
+            <p:ph type="title"/>
+          </p:nvPr>
+        </p:nvSpPr>
+        <p:spPr>
+          <a:xfrm>
+            <a:off x="342900" y="594359"/>
+            <a:ext cx="2400300" cy="2286000"/>
           </a:xfrm>
         </p:spPr>
         <p:txBody>
-          <a:bodyPr/>
+          <a:bodyPr anchor="b">
+            <a:normAutofit/>
+          </a:bodyPr>
           <a:lstStyle>
             <a:lvl1pPr>
-              <a:defRPr sz="3200"/>
+              <a:defRPr sz="3600" b="0">
+                <a:solidFill>
+                  <a:srgbClr val="FFFFFF"/>
+                </a:solidFill>
+              </a:defRPr>
             </a:lvl1pPr>
-            <a:lvl2pPr>
-              <a:defRPr sz="2800"/>
-            </a:lvl2pPr>
-            <a:lvl3pPr>
-              <a:defRPr sz="2400"/>
-            </a:lvl3pPr>
-            <a:lvl4pPr>
-              <a:defRPr sz="2000"/>
-            </a:lvl4pPr>
-            <a:lvl5pPr>
-              <a:defRPr sz="2000"/>
-            </a:lvl5pPr>
-            <a:lvl6pPr>
-              <a:defRPr sz="2000"/>
-            </a:lvl6pPr>
-            <a:lvl7pPr>
-              <a:defRPr sz="2000"/>
-            </a:lvl7pPr>
-            <a:lvl8pPr>
-              <a:defRPr sz="2000"/>
-            </a:lvl8pPr>
-            <a:lvl9pPr>
-              <a:defRPr sz="2000"/>
-            </a:lvl9pPr>
           </a:lstStyle>
           <a:p>
-            <a:pPr lvl="0"/>
-            <a:r>
-              <a:rPr lang="en-US" smtClean="0"/>
-              <a:t>Click to edit Master text styles</a:t>
-            </a:r>
-          </a:p>
-          <a:p>
-            <a:pPr lvl="1"/>
-            <a:r>
-              <a:rPr lang="en-US" smtClean="0"/>
-              <a:t>Second level</a:t>
-            </a:r>
-          </a:p>
-          <a:p>
-            <a:pPr lvl="2"/>
-            <a:r>
-              <a:rPr lang="en-US" smtClean="0"/>
-              <a:t>Third level</a:t>
-            </a:r>
-          </a:p>
-          <a:p>
-            <a:pPr lvl="3"/>
-            <a:r>
-              <a:rPr lang="en-US" smtClean="0"/>
-              <a:t>Fourth level</a:t>
-            </a:r>
-          </a:p>
-          <a:p>
-            <a:pPr lvl="4"/>
-            <a:r>
-              <a:rPr lang="en-US" smtClean="0"/>
-              <a:t>Fifth level</a:t>
+            <a:r>
+              <a:rPr lang="en-US" smtClean="0"/>
+              <a:t>Click to edit Master title style</a:t>
             </a:r>
             <a:endParaRPr lang="en-US" dirty="0"/>
           </a:p>
@@ -3101,28 +3266,89 @@
       </p:sp>
       <p:sp>
         <p:nvSpPr>
-          <p:cNvPr id="4" name="Text Placeholder 3"/>
-          <p:cNvSpPr>
-            <a:spLocks noGrp="1"/>
-          </p:cNvSpPr>
-          <p:nvPr>
-            <p:ph type="body" sz="half" idx="2"/>
+          <p:cNvPr id="3" name="Content Placeholder 2"/>
+          <p:cNvSpPr>
+            <a:spLocks noGrp="1"/>
+          </p:cNvSpPr>
+          <p:nvPr>
+            <p:ph idx="1"/>
           </p:nvPr>
         </p:nvSpPr>
         <p:spPr>
           <a:xfrm>
-            <a:off x="457200" y="1600200"/>
-            <a:ext cx="3008313" cy="4480560"/>
+            <a:off x="3460237" y="731520"/>
+            <a:ext cx="5009393" cy="5257800"/>
           </a:xfrm>
         </p:spPr>
         <p:txBody>
-          <a:bodyPr>
+          <a:bodyPr/>
+          <a:lstStyle/>
+          <a:p>
+            <a:pPr lvl="0"/>
+            <a:r>
+              <a:rPr lang="en-US" smtClean="0"/>
+              <a:t>Click to edit Master text styles</a:t>
+            </a:r>
+          </a:p>
+          <a:p>
+            <a:pPr lvl="1"/>
+            <a:r>
+              <a:rPr lang="en-US" smtClean="0"/>
+              <a:t>Second level</a:t>
+            </a:r>
+          </a:p>
+          <a:p>
+            <a:pPr lvl="2"/>
+            <a:r>
+              <a:rPr lang="en-US" smtClean="0"/>
+              <a:t>Third level</a:t>
+            </a:r>
+          </a:p>
+          <a:p>
+            <a:pPr lvl="3"/>
+            <a:r>
+              <a:rPr lang="en-US" smtClean="0"/>
+              <a:t>Fourth level</a:t>
+            </a:r>
+          </a:p>
+          <a:p>
+            <a:pPr lvl="4"/>
+            <a:r>
+              <a:rPr lang="en-US" smtClean="0"/>
+              <a:t>Fifth level</a:t>
+            </a:r>
+            <a:endParaRPr lang="en-US" dirty="0"/>
+          </a:p>
+        </p:txBody>
+      </p:sp>
+      <p:sp>
+        <p:nvSpPr>
+          <p:cNvPr id="4" name="Text Placeholder 3"/>
+          <p:cNvSpPr>
+            <a:spLocks noGrp="1"/>
+          </p:cNvSpPr>
+          <p:nvPr>
+            <p:ph type="body" sz="half" idx="2"/>
+          </p:nvPr>
+        </p:nvSpPr>
+        <p:spPr>
+          <a:xfrm>
+            <a:off x="342900" y="2926080"/>
+            <a:ext cx="2400300" cy="3379124"/>
+          </a:xfrm>
+        </p:spPr>
+        <p:txBody>
+          <a:bodyPr lIns="91440" rIns="91440">
             <a:normAutofit/>
           </a:bodyPr>
           <a:lstStyle>
             <a:lvl1pPr marL="0" indent="0">
               <a:buNone/>
-              <a:defRPr sz="1600"/>
+              <a:defRPr sz="1500">
+                <a:solidFill>
+                  <a:srgbClr val="FFFFFF"/>
+                </a:solidFill>
+              </a:defRPr>
             </a:lvl1pPr>
             <a:lvl2pPr marL="457200" indent="0">
               <a:buNone/>
@@ -3176,14 +3402,23 @@
             <p:ph type="dt" sz="half" idx="10"/>
           </p:nvPr>
         </p:nvSpPr>
-        <p:spPr/>
+        <p:spPr>
+          <a:xfrm>
+            <a:off x="349134" y="6459786"/>
+            <a:ext cx="1963883" cy="365125"/>
+          </a:xfrm>
+        </p:spPr>
         <p:txBody>
           <a:bodyPr/>
-          <a:lstStyle/>
-          <a:p>
-            <a:fld id="{5CCAA109-EE7D-4F1F-AEBB-00A14421F273}" type="datetime1">
-              <a:rPr lang="en-US" smtClean="0"/>
-              <a:t>11/6/2015</a:t>
+          <a:lstStyle>
+            <a:lvl1pPr algn="l">
+              <a:defRPr/>
+            </a:lvl1pPr>
+          </a:lstStyle>
+          <a:p>
+            <a:fld id="{E5A27797-1683-ED47-A74A-6DEBEDA39DC8}" type="datetime1">
+              <a:rPr lang="en-US" smtClean="0"/>
+              <a:t>11/13/15</a:t>
             </a:fld>
             <a:endParaRPr lang="en-US"/>
           </a:p>
@@ -3199,43 +3434,56 @@
             <p:ph type="ftr" sz="quarter" idx="11"/>
           </p:nvPr>
         </p:nvSpPr>
+        <p:spPr>
+          <a:xfrm>
+            <a:off x="3600450" y="6459786"/>
+            <a:ext cx="3486150" cy="365125"/>
+          </a:xfrm>
+        </p:spPr>
+        <p:txBody>
+          <a:bodyPr/>
+          <a:lstStyle>
+            <a:lvl1pPr algn="l">
+              <a:defRPr>
+                <a:solidFill>
+                  <a:schemeClr val="tx2"/>
+                </a:solidFill>
+              </a:defRPr>
+            </a:lvl1pPr>
+          </a:lstStyle>
+          <a:p>
+            <a:r>
+              <a:rPr lang="sk-SK" smtClean="0"/>
+              <a:t>© 2015 EV3Lessons.com, Last edit 11/13/2015</a:t>
+            </a:r>
+            <a:endParaRPr lang="en-US"/>
+          </a:p>
+        </p:txBody>
+      </p:sp>
+      <p:sp>
+        <p:nvSpPr>
+          <p:cNvPr id="7" name="Slide Number Placeholder 6"/>
+          <p:cNvSpPr>
+            <a:spLocks noGrp="1"/>
+          </p:cNvSpPr>
+          <p:nvPr>
+            <p:ph type="sldNum" sz="quarter" idx="12"/>
+          </p:nvPr>
+        </p:nvSpPr>
         <p:spPr/>
         <p:txBody>
           <a:bodyPr/>
-          <a:lstStyle/>
-          <a:p>
-            <a:r>
-              <a:rPr lang="en-US" smtClean="0"/>
-              <a:t>© 2015, EV3Lessons.com, Last edit 11/6/2015</a:t>
-            </a:r>
-            <a:endParaRPr lang="en-US"/>
-          </a:p>
-        </p:txBody>
-      </p:sp>
-      <p:sp>
-        <p:nvSpPr>
-          <p:cNvPr id="7" name="Slide Number Placeholder 6"/>
-          <p:cNvSpPr>
-            <a:spLocks noGrp="1"/>
-          </p:cNvSpPr>
-          <p:nvPr>
-            <p:ph type="sldNum" sz="quarter" idx="12"/>
-          </p:nvPr>
-        </p:nvSpPr>
-        <p:spPr>
-          <a:xfrm rot="16200000">
-            <a:off x="8227377" y="5885497"/>
-            <a:ext cx="1315721" cy="365125"/>
-          </a:xfrm>
-          <a:prstGeom prst="rect">
-            <a:avLst/>
-          </a:prstGeom>
-        </p:spPr>
-        <p:txBody>
-          <a:bodyPr/>
-          <a:lstStyle/>
-          <a:p>
-            <a:fld id="{4DBC7FC8-25FB-FC45-8177-2B991DA6778C}" type="slidenum">
+          <a:lstStyle>
+            <a:lvl1pPr>
+              <a:defRPr>
+                <a:solidFill>
+                  <a:schemeClr val="tx2"/>
+                </a:solidFill>
+              </a:defRPr>
+            </a:lvl1pPr>
+          </a:lstStyle>
+          <a:p>
+            <a:fld id="{7F5CE407-6216-4202-80E4-A30DC2F709B2}" type="slidenum">
               <a:rPr lang="en-US" smtClean="0"/>
               <a:t>‹#›</a:t>
             </a:fld>
@@ -3243,30 +3491,12 @@
           </a:p>
         </p:txBody>
       </p:sp>
-      <p:sp>
-        <p:nvSpPr>
-          <p:cNvPr id="8" name="Title 7"/>
-          <p:cNvSpPr>
-            <a:spLocks noGrp="1"/>
-          </p:cNvSpPr>
-          <p:nvPr>
-            <p:ph type="title"/>
-          </p:nvPr>
-        </p:nvSpPr>
-        <p:spPr/>
-        <p:txBody>
-          <a:bodyPr/>
-          <a:lstStyle/>
-          <a:p>
-            <a:r>
-              <a:rPr lang="en-US" smtClean="0"/>
-              <a:t>Click to edit Master title style</a:t>
-            </a:r>
-            <a:endParaRPr lang="en-US"/>
-          </a:p>
-        </p:txBody>
-      </p:sp>
     </p:spTree>
+    <p:extLst>
+      <p:ext uri="{BB962C8B-B14F-4D97-AF65-F5344CB8AC3E}">
+        <p14:creationId xmlns:p14="http://schemas.microsoft.com/office/powerpoint/2010/main" val="937657985"/>
+      </p:ext>
+    </p:extLst>
   </p:cSld>
   <p:clrMapOvr>
     <a:masterClrMapping/>
@@ -3293,20 +3523,20 @@
       </p:grpSpPr>
       <p:sp>
         <p:nvSpPr>
-          <p:cNvPr id="9" name="Rectangle 8"/>
+          <p:cNvPr id="8" name="Rectangle 7"/>
           <p:cNvSpPr/>
           <p:nvPr/>
         </p:nvSpPr>
         <p:spPr>
           <a:xfrm>
-            <a:off x="9001124" y="4846320"/>
-            <a:ext cx="142876" cy="2011680"/>
+            <a:off x="0" y="4953000"/>
+            <a:ext cx="9141619" cy="1905000"/>
           </a:xfrm>
           <a:prstGeom prst="rect">
             <a:avLst/>
           </a:prstGeom>
           <a:solidFill>
-            <a:schemeClr val="tx2"/>
+            <a:schemeClr val="accent2"/>
           </a:solidFill>
           <a:ln>
             <a:noFill/>
@@ -3328,42 +3558,115 @@
             <a:schemeClr val="lt1"/>
           </a:fontRef>
         </p:style>
-        <p:txBody>
-          <a:bodyPr rtlCol="0" anchor="ctr"/>
-          <a:lstStyle/>
-          <a:p>
-            <a:pPr algn="ctr"/>
-            <a:endParaRPr lang="en-US"/>
-          </a:p>
-        </p:txBody>
-      </p:sp>
-      <p:sp>
-        <p:nvSpPr>
-          <p:cNvPr id="3" name="Picture Placeholder 2"/>
-          <p:cNvSpPr>
-            <a:spLocks noGrp="1"/>
-          </p:cNvSpPr>
-          <p:nvPr>
-            <p:ph type="pic" idx="1"/>
-          </p:nvPr>
+      </p:sp>
+      <p:sp>
+        <p:nvSpPr>
+          <p:cNvPr id="9" name="Rectangle 8"/>
+          <p:cNvSpPr/>
+          <p:nvPr/>
         </p:nvSpPr>
         <p:spPr>
           <a:xfrm>
-            <a:off x="-1" y="0"/>
-            <a:ext cx="9000877" cy="4846320"/>
+            <a:off x="12" y="4915076"/>
+            <a:ext cx="9141619" cy="64008"/>
           </a:xfrm>
+          <a:prstGeom prst="rect">
+            <a:avLst/>
+          </a:prstGeom>
           <a:solidFill>
-            <a:schemeClr val="bg1">
-              <a:lumMod val="75000"/>
+            <a:schemeClr val="accent1"/>
+          </a:solidFill>
+          <a:ln>
+            <a:noFill/>
+          </a:ln>
+        </p:spPr>
+        <p:style>
+          <a:lnRef idx="2">
+            <a:schemeClr val="accent1">
+              <a:shade val="50000"/>
             </a:schemeClr>
-          </a:solidFill>
+          </a:lnRef>
+          <a:fillRef idx="1">
+            <a:schemeClr val="accent1"/>
+          </a:fillRef>
+          <a:effectRef idx="0">
+            <a:schemeClr val="accent1"/>
+          </a:effectRef>
+          <a:fontRef idx="minor">
+            <a:schemeClr val="lt1"/>
+          </a:fontRef>
+        </p:style>
+      </p:sp>
+      <p:sp>
+        <p:nvSpPr>
+          <p:cNvPr id="2" name="Title 1"/>
+          <p:cNvSpPr>
+            <a:spLocks noGrp="1"/>
+          </p:cNvSpPr>
+          <p:nvPr>
+            <p:ph type="title"/>
+          </p:nvPr>
+        </p:nvSpPr>
+        <p:spPr>
+          <a:xfrm>
+            <a:off x="822960" y="5074920"/>
+            <a:ext cx="7589520" cy="822960"/>
+          </a:xfrm>
         </p:spPr>
         <p:txBody>
-          <a:bodyPr/>
+          <a:bodyPr tIns="0" bIns="0" anchor="b">
+            <a:noAutofit/>
+          </a:bodyPr>
+          <a:lstStyle>
+            <a:lvl1pPr>
+              <a:defRPr sz="3600" b="0">
+                <a:solidFill>
+                  <a:srgbClr val="FFFFFF"/>
+                </a:solidFill>
+              </a:defRPr>
+            </a:lvl1pPr>
+          </a:lstStyle>
+          <a:p>
+            <a:r>
+              <a:rPr lang="en-US" smtClean="0"/>
+              <a:t>Click to edit Master title style</a:t>
+            </a:r>
+            <a:endParaRPr lang="en-US" dirty="0"/>
+          </a:p>
+        </p:txBody>
+      </p:sp>
+      <p:sp>
+        <p:nvSpPr>
+          <p:cNvPr id="3" name="Picture Placeholder 2"/>
+          <p:cNvSpPr>
+            <a:spLocks noGrp="1" noChangeAspect="1"/>
+          </p:cNvSpPr>
+          <p:nvPr>
+            <p:ph type="pic" idx="1"/>
+          </p:nvPr>
+        </p:nvSpPr>
+        <p:spPr>
+          <a:xfrm>
+            <a:off x="12" y="0"/>
+            <a:ext cx="9143989" cy="4915076"/>
+          </a:xfrm>
+          <a:blipFill>
+            <a:blip r:embed="rId2"/>
+            <a:stretch>
+              <a:fillRect/>
+            </a:stretch>
+          </a:blipFill>
+        </p:spPr>
+        <p:txBody>
+          <a:bodyPr lIns="457200" tIns="457200" anchor="t"/>
           <a:lstStyle>
             <a:lvl1pPr marL="0" indent="0">
               <a:buNone/>
-              <a:defRPr sz="3200"/>
+              <a:defRPr sz="3200">
+                <a:solidFill>
+                  <a:schemeClr val="bg1"/>
+                </a:solidFill>
+              </a:defRPr>
             </a:lvl1pPr>
             <a:lvl2pPr marL="457200" indent="0">
               <a:buNone/>
@@ -3403,7 +3706,7 @@
               <a:rPr lang="en-US" smtClean="0"/>
               <a:t>Drag picture to placeholder or click icon to add</a:t>
             </a:r>
-            <a:endParaRPr lang="en-US"/>
+            <a:endParaRPr lang="en-US" dirty="0"/>
           </a:p>
         </p:txBody>
       </p:sp>
@@ -3419,16 +3722,28 @@
         </p:nvSpPr>
         <p:spPr>
           <a:xfrm>
-            <a:off x="457200" y="5715000"/>
-            <a:ext cx="8153400" cy="457200"/>
+            <a:off x="822959" y="5907024"/>
+            <a:ext cx="7589520" cy="594360"/>
           </a:xfrm>
         </p:spPr>
         <p:txBody>
-          <a:bodyPr/>
+          <a:bodyPr lIns="91440" tIns="0" rIns="91440" bIns="0">
+            <a:normAutofit/>
+          </a:bodyPr>
           <a:lstStyle>
             <a:lvl1pPr marL="0" indent="0">
+              <a:spcBef>
+                <a:spcPts val="0"/>
+              </a:spcBef>
+              <a:spcAft>
+                <a:spcPts val="600"/>
+              </a:spcAft>
               <a:buNone/>
-              <a:defRPr sz="1600"/>
+              <a:defRPr sz="1500">
+                <a:solidFill>
+                  <a:srgbClr val="FFFFFF"/>
+                </a:solidFill>
+              </a:defRPr>
             </a:lvl1pPr>
             <a:lvl2pPr marL="457200" indent="0">
               <a:buNone/>
@@ -3487,9 +3802,9 @@
           <a:bodyPr/>
           <a:lstStyle/>
           <a:p>
-            <a:fld id="{69A0E734-7FB6-4CF9-AF76-B1C91F4A4F9F}" type="datetime1">
-              <a:rPr lang="en-US" smtClean="0"/>
-              <a:t>11/6/2015</a:t>
+            <a:fld id="{9F9CFCDA-76FF-C942-8304-6FF0EF7EF019}" type="datetime1">
+              <a:rPr lang="en-US" smtClean="0"/>
+              <a:t>11/13/15</a:t>
             </a:fld>
             <a:endParaRPr lang="en-US"/>
           </a:p>
@@ -3511,8 +3826,8 @@
           <a:lstStyle/>
           <a:p>
             <a:r>
-              <a:rPr lang="en-US" smtClean="0"/>
-              <a:t>© 2015, EV3Lessons.com, Last edit 11/6/2015</a:t>
+              <a:rPr lang="sk-SK" smtClean="0"/>
+              <a:t>© 2015 EV3Lessons.com, Last edit 11/13/2015</a:t>
             </a:r>
             <a:endParaRPr lang="en-US"/>
           </a:p>
@@ -3528,28 +3843,12 @@
             <p:ph type="sldNum" sz="quarter" idx="12"/>
           </p:nvPr>
         </p:nvSpPr>
-        <p:spPr>
-          <a:xfrm rot="16200000">
-            <a:off x="8227377" y="5885497"/>
-            <a:ext cx="1315721" cy="365125"/>
-          </a:xfrm>
-          <a:prstGeom prst="rect">
-            <a:avLst/>
-          </a:prstGeom>
-        </p:spPr>
+        <p:spPr/>
         <p:txBody>
           <a:bodyPr/>
-          <a:lstStyle>
-            <a:lvl1pPr>
-              <a:defRPr>
-                <a:solidFill>
-                  <a:schemeClr val="tx1"/>
-                </a:solidFill>
-              </a:defRPr>
-            </a:lvl1pPr>
-          </a:lstStyle>
-          <a:p>
-            <a:fld id="{4DBC7FC8-25FB-FC45-8177-2B991DA6778C}" type="slidenum">
+          <a:lstStyle/>
+          <a:p>
+            <a:fld id="{4382A7F7-08BF-4252-8141-63FB96055BBB}" type="slidenum">
               <a:rPr lang="en-US" smtClean="0"/>
               <a:t>‹#›</a:t>
             </a:fld>
@@ -3557,56 +3856,97 @@
           </a:p>
         </p:txBody>
       </p:sp>
-      <p:sp>
-        <p:nvSpPr>
-          <p:cNvPr id="8" name="Title 7"/>
-          <p:cNvSpPr>
-            <a:spLocks noGrp="1"/>
-          </p:cNvSpPr>
-          <p:nvPr>
-            <p:ph type="title"/>
-          </p:nvPr>
+    </p:spTree>
+    <p:extLst>
+      <p:ext uri="{BB962C8B-B14F-4D97-AF65-F5344CB8AC3E}">
+        <p14:creationId xmlns:p14="http://schemas.microsoft.com/office/powerpoint/2010/main" val="819647586"/>
+      </p:ext>
+    </p:extLst>
+  </p:cSld>
+  <p:clrMapOvr>
+    <a:masterClrMapping/>
+  </p:clrMapOvr>
+</p:sldLayout>
+</file>
+
+<file path=ppt/slideMasters/slideMaster1.xml><?xml version="1.0" encoding="utf-8"?>
+<p:sldMaster xmlns:a="http://schemas.openxmlformats.org/drawingml/2006/main" xmlns:r="http://schemas.openxmlformats.org/officeDocument/2006/relationships" xmlns:p="http://schemas.openxmlformats.org/presentationml/2006/main" preserve="1">
+  <p:cSld>
+    <p:bg>
+      <p:bgRef idx="1001">
+        <a:schemeClr val="bg1"/>
+      </p:bgRef>
+    </p:bg>
+    <p:spTree>
+      <p:nvGrpSpPr>
+        <p:cNvPr id="1" name=""/>
+        <p:cNvGrpSpPr/>
+        <p:nvPr/>
+      </p:nvGrpSpPr>
+      <p:grpSpPr>
+        <a:xfrm>
+          <a:off x="0" y="0"/>
+          <a:ext cx="0" cy="0"/>
+          <a:chOff x="0" y="0"/>
+          <a:chExt cx="0" cy="0"/>
+        </a:xfrm>
+      </p:grpSpPr>
+      <p:sp>
+        <p:nvSpPr>
+          <p:cNvPr id="7" name="Rectangle 6"/>
+          <p:cNvSpPr/>
+          <p:nvPr/>
         </p:nvSpPr>
         <p:spPr>
           <a:xfrm>
-            <a:off x="457200" y="4953000"/>
-            <a:ext cx="8153400" cy="762000"/>
-          </a:xfrm>
-        </p:spPr>
-        <p:txBody>
-          <a:bodyPr anchor="t">
-            <a:normAutofit/>
-          </a:bodyPr>
-          <a:lstStyle>
-            <a:lvl1pPr>
-              <a:defRPr sz="3200"/>
-            </a:lvl1pPr>
-          </a:lstStyle>
-          <a:p>
-            <a:r>
-              <a:rPr lang="en-US" smtClean="0"/>
-              <a:t>Click to edit Master title style</a:t>
-            </a:r>
-            <a:endParaRPr lang="en-US" dirty="0"/>
-          </a:p>
-        </p:txBody>
-      </p:sp>
-      <p:sp>
-        <p:nvSpPr>
-          <p:cNvPr id="10" name="Rectangle 9"/>
-          <p:cNvSpPr/>
-          <p:nvPr/>
-        </p:nvSpPr>
-        <p:spPr>
-          <a:xfrm>
-            <a:off x="9001124" y="0"/>
-            <a:ext cx="142876" cy="4846320"/>
+            <a:off x="0" y="6400800"/>
+            <a:ext cx="9144001" cy="457200"/>
           </a:xfrm>
           <a:prstGeom prst="rect">
             <a:avLst/>
           </a:prstGeom>
           <a:solidFill>
-            <a:schemeClr val="tx1"/>
+            <a:srgbClr val="0070C0"/>
+          </a:solidFill>
+          <a:ln>
+            <a:solidFill>
+              <a:srgbClr val="0070C0"/>
+            </a:solidFill>
+          </a:ln>
+        </p:spPr>
+        <p:style>
+          <a:lnRef idx="2">
+            <a:schemeClr val="accent1">
+              <a:shade val="50000"/>
+            </a:schemeClr>
+          </a:lnRef>
+          <a:fillRef idx="1">
+            <a:schemeClr val="accent1"/>
+          </a:fillRef>
+          <a:effectRef idx="0">
+            <a:schemeClr val="accent1"/>
+          </a:effectRef>
+          <a:fontRef idx="minor">
+            <a:schemeClr val="lt1"/>
+          </a:fontRef>
+        </p:style>
+      </p:sp>
+      <p:sp>
+        <p:nvSpPr>
+          <p:cNvPr id="9" name="Rectangle 8"/>
+          <p:cNvSpPr/>
+          <p:nvPr/>
+        </p:nvSpPr>
+        <p:spPr>
+          <a:xfrm>
+            <a:off x="0" y="6334315"/>
+            <a:ext cx="4487333" cy="92382"/>
+          </a:xfrm>
+          <a:prstGeom prst="rect">
+            <a:avLst/>
+          </a:prstGeom>
+          <a:solidFill>
+            <a:srgbClr val="00B050"/>
           </a:solidFill>
           <a:ln>
             <a:noFill/>
@@ -3628,45 +3968,7 @@
             <a:schemeClr val="lt1"/>
           </a:fontRef>
         </p:style>
-        <p:txBody>
-          <a:bodyPr rtlCol="0" anchor="ctr"/>
-          <a:lstStyle/>
-          <a:p>
-            <a:pPr algn="ctr"/>
-            <a:endParaRPr lang="en-US"/>
-          </a:p>
-        </p:txBody>
-      </p:sp>
-    </p:spTree>
-  </p:cSld>
-  <p:clrMapOvr>
-    <a:masterClrMapping/>
-  </p:clrMapOvr>
-</p:sldLayout>
-</file>
-
-<file path=ppt/slideMasters/slideMaster1.xml><?xml version="1.0" encoding="utf-8"?>
-<p:sldMaster xmlns:a="http://schemas.openxmlformats.org/drawingml/2006/main" xmlns:r="http://schemas.openxmlformats.org/officeDocument/2006/relationships" xmlns:p="http://schemas.openxmlformats.org/presentationml/2006/main">
-  <p:cSld>
-    <p:bg>
-      <p:bgRef idx="1001">
-        <a:schemeClr val="bg1"/>
-      </p:bgRef>
-    </p:bg>
-    <p:spTree>
-      <p:nvGrpSpPr>
-        <p:cNvPr id="1" name=""/>
-        <p:cNvGrpSpPr/>
-        <p:nvPr/>
-      </p:nvGrpSpPr>
-      <p:grpSpPr>
-        <a:xfrm>
-          <a:off x="0" y="0"/>
-          <a:ext cx="0" cy="0"/>
-          <a:chOff x="0" y="0"/>
-          <a:chExt cx="0" cy="0"/>
-        </a:xfrm>
-      </p:grpSpPr>
+      </p:sp>
       <p:sp>
         <p:nvSpPr>
           <p:cNvPr id="2" name="Title Placeholder 1"/>
@@ -3679,21 +3981,21 @@
         </p:nvSpPr>
         <p:spPr>
           <a:xfrm>
-            <a:off x="457199" y="152718"/>
-            <a:ext cx="8245475" cy="1371600"/>
+            <a:off x="227874" y="287088"/>
+            <a:ext cx="8596812" cy="874055"/>
           </a:xfrm>
           <a:prstGeom prst="rect">
             <a:avLst/>
           </a:prstGeom>
         </p:spPr>
         <p:txBody>
-          <a:bodyPr vert="horz" lIns="91440" tIns="45720" rIns="91440" bIns="45720" rtlCol="0" anchor="t" anchorCtr="0">
+          <a:bodyPr vert="horz" lIns="91440" tIns="45720" rIns="91440" bIns="45720" rtlCol="0" anchor="b">
             <a:normAutofit/>
           </a:bodyPr>
           <a:lstStyle/>
           <a:p>
             <a:r>
-              <a:rPr lang="en-US" dirty="0" smtClean="0"/>
+              <a:rPr lang="en-US" smtClean="0"/>
               <a:t>Click to edit Master title style</a:t>
             </a:r>
             <a:endParaRPr lang="en-US" dirty="0"/>
@@ -3712,15 +4014,15 @@
         </p:nvSpPr>
         <p:spPr>
           <a:xfrm>
-            <a:off x="457200" y="1752600"/>
-            <a:ext cx="8245474" cy="4373563"/>
+            <a:off x="227874" y="1505616"/>
+            <a:ext cx="8596811" cy="4654528"/>
           </a:xfrm>
           <a:prstGeom prst="rect">
             <a:avLst/>
           </a:prstGeom>
         </p:spPr>
         <p:txBody>
-          <a:bodyPr vert="horz" lIns="91440" tIns="45720" rIns="91440" bIns="45720" rtlCol="0">
+          <a:bodyPr vert="horz" lIns="0" tIns="45720" rIns="0" bIns="45720" rtlCol="0">
             <a:normAutofit/>
           </a:bodyPr>
           <a:lstStyle/>
@@ -3774,30 +4076,30 @@
         </p:nvSpPr>
         <p:spPr>
           <a:xfrm>
-            <a:off x="457200" y="6172201"/>
-            <a:ext cx="3429000" cy="304800"/>
+            <a:off x="822961" y="6459786"/>
+            <a:ext cx="1854203" cy="365125"/>
           </a:xfrm>
           <a:prstGeom prst="rect">
             <a:avLst/>
           </a:prstGeom>
         </p:spPr>
         <p:txBody>
-          <a:bodyPr vert="horz" lIns="91440" tIns="45720" rIns="91440" bIns="0" rtlCol="0" anchor="b"/>
+          <a:bodyPr vert="horz" lIns="91440" tIns="45720" rIns="91440" bIns="45720" rtlCol="0" anchor="ctr"/>
           <a:lstStyle>
             <a:lvl1pPr algn="l">
-              <a:defRPr sz="1000">
+              <a:defRPr sz="900">
                 <a:solidFill>
-                  <a:schemeClr val="tx1"/>
+                  <a:srgbClr val="FFFFFF"/>
                 </a:solidFill>
               </a:defRPr>
             </a:lvl1pPr>
           </a:lstStyle>
           <a:p>
-            <a:fld id="{D3F94018-90F9-4CE1-8698-CCF785A2B026}" type="datetime1">
-              <a:rPr lang="en-US" smtClean="0"/>
-              <a:t>11/6/2015</a:t>
+            <a:fld id="{0604F77D-FCB8-A946-86A9-D14BD65D0D3D}" type="datetime1">
+              <a:rPr lang="en-US" smtClean="0"/>
+              <a:t>11/13/15</a:t>
             </a:fld>
-            <a:endParaRPr lang="en-US"/>
+            <a:endParaRPr lang="en-US" dirty="0"/>
           </a:p>
         </p:txBody>
       </p:sp>
@@ -3813,36 +4115,36 @@
         </p:nvSpPr>
         <p:spPr>
           <a:xfrm>
-            <a:off x="457199" y="6492875"/>
-            <a:ext cx="4943061" cy="283845"/>
+            <a:off x="2764639" y="6459786"/>
+            <a:ext cx="3617103" cy="365125"/>
           </a:xfrm>
           <a:prstGeom prst="rect">
             <a:avLst/>
           </a:prstGeom>
         </p:spPr>
         <p:txBody>
-          <a:bodyPr vert="horz" lIns="91440" tIns="45720" rIns="91440" bIns="45720" rtlCol="0" anchor="t"/>
+          <a:bodyPr vert="horz" lIns="91440" tIns="45720" rIns="91440" bIns="45720" rtlCol="0" anchor="ctr"/>
           <a:lstStyle>
-            <a:lvl1pPr algn="l">
-              <a:defRPr sz="1000">
+            <a:lvl1pPr algn="ctr">
+              <a:defRPr sz="900" cap="all" baseline="0">
                 <a:solidFill>
-                  <a:schemeClr val="tx1"/>
+                  <a:srgbClr val="FFFFFF"/>
                 </a:solidFill>
               </a:defRPr>
             </a:lvl1pPr>
           </a:lstStyle>
           <a:p>
             <a:r>
-              <a:rPr lang="en-US" smtClean="0"/>
-              <a:t>© 2015, EV3Lessons.com, Last edit 11/6/2015</a:t>
-            </a:r>
-            <a:endParaRPr lang="en-US"/>
-          </a:p>
-        </p:txBody>
-      </p:sp>
-      <p:sp>
-        <p:nvSpPr>
-          <p:cNvPr id="7" name="Slide Number Placeholder 5"/>
+              <a:rPr lang="sk-SK" smtClean="0"/>
+              <a:t>© 2015 EV3Lessons.com, Last edit 11/13/2015</a:t>
+            </a:r>
+            <a:endParaRPr lang="en-US" dirty="0"/>
+          </a:p>
+        </p:txBody>
+      </p:sp>
+      <p:sp>
+        <p:nvSpPr>
+          <p:cNvPr id="6" name="Slide Number Placeholder 5"/>
           <p:cNvSpPr>
             <a:spLocks noGrp="1"/>
           </p:cNvSpPr>
@@ -3852,8 +4154,8 @@
         </p:nvSpPr>
         <p:spPr>
           <a:xfrm>
-            <a:off x="8343263" y="6417660"/>
-            <a:ext cx="657861" cy="365125"/>
+            <a:off x="7425344" y="6459786"/>
+            <a:ext cx="984019" cy="365125"/>
           </a:xfrm>
           <a:prstGeom prst="rect">
             <a:avLst/>
@@ -3862,16 +4164,16 @@
         <p:txBody>
           <a:bodyPr vert="horz" lIns="91440" tIns="45720" rIns="91440" bIns="45720" rtlCol="0" anchor="ctr"/>
           <a:lstStyle>
-            <a:lvl1pPr algn="l">
-              <a:defRPr sz="2400" b="1">
+            <a:lvl1pPr algn="r">
+              <a:defRPr sz="1050">
                 <a:solidFill>
-                  <a:schemeClr val="tx2"/>
+                  <a:srgbClr val="FFFFFF"/>
                 </a:solidFill>
               </a:defRPr>
             </a:lvl1pPr>
           </a:lstStyle>
           <a:p>
-            <a:fld id="{4DBC7FC8-25FB-FC45-8177-2B991DA6778C}" type="slidenum">
+            <a:fld id="{4382A7F7-08BF-4252-8141-63FB96055BBB}" type="slidenum">
               <a:rPr lang="en-US" smtClean="0"/>
               <a:t>‹#›</a:t>
             </a:fld>
@@ -3879,54 +4181,54 @@
           </a:p>
         </p:txBody>
       </p:sp>
-      <p:sp>
-        <p:nvSpPr>
-          <p:cNvPr id="8" name="Rectangle 7"/>
-          <p:cNvSpPr/>
-          <p:nvPr userDrawn="1"/>
-        </p:nvSpPr>
+      <p:cxnSp>
+        <p:nvCxnSpPr>
+          <p:cNvPr id="10" name="Straight Connector 9"/>
+          <p:cNvCxnSpPr/>
+          <p:nvPr/>
+        </p:nvCxnSpPr>
         <p:spPr>
-          <a:xfrm>
-            <a:off x="8996106" y="2895600"/>
-            <a:ext cx="147895" cy="3962400"/>
+          <a:xfrm flipV="1">
+            <a:off x="227874" y="1335314"/>
+            <a:ext cx="8596811" cy="1"/>
           </a:xfrm>
-          <a:prstGeom prst="rect">
+          <a:prstGeom prst="line">
             <a:avLst/>
           </a:prstGeom>
-          <a:solidFill>
-            <a:srgbClr val="92D050"/>
-          </a:solidFill>
-          <a:ln>
-            <a:noFill/>
+          <a:ln w="6350">
+            <a:solidFill>
+              <a:schemeClr val="tx1">
+                <a:lumMod val="50000"/>
+                <a:lumOff val="50000"/>
+              </a:schemeClr>
+            </a:solidFill>
           </a:ln>
         </p:spPr>
         <p:style>
-          <a:lnRef idx="2">
-            <a:schemeClr val="accent1">
-              <a:shade val="50000"/>
-            </a:schemeClr>
+          <a:lnRef idx="1">
+            <a:schemeClr val="accent1"/>
           </a:lnRef>
-          <a:fillRef idx="1">
+          <a:fillRef idx="0">
             <a:schemeClr val="accent1"/>
           </a:fillRef>
           <a:effectRef idx="0">
             <a:schemeClr val="accent1"/>
           </a:effectRef>
           <a:fontRef idx="minor">
-            <a:schemeClr val="lt1"/>
+            <a:schemeClr val="tx1"/>
           </a:fontRef>
         </p:style>
-      </p:sp>
-      <p:sp>
-        <p:nvSpPr>
-          <p:cNvPr id="9" name="Rectangle 8"/>
+      </p:cxnSp>
+      <p:sp>
+        <p:nvSpPr>
+          <p:cNvPr id="11" name="Rectangle 10"/>
           <p:cNvSpPr/>
           <p:nvPr userDrawn="1"/>
         </p:nvSpPr>
         <p:spPr>
           <a:xfrm>
-            <a:off x="8959042" y="0"/>
-            <a:ext cx="184958" cy="2895600"/>
+            <a:off x="4487333" y="6334315"/>
+            <a:ext cx="4656667" cy="92382"/>
           </a:xfrm>
           <a:prstGeom prst="rect">
             <a:avLst/>
@@ -3955,71 +4257,44 @@
           </a:fontRef>
         </p:style>
       </p:sp>
-      <p:sp>
-        <p:nvSpPr>
-          <p:cNvPr id="10" name="Rectangle 9"/>
-          <p:cNvSpPr/>
-          <p:nvPr userDrawn="1"/>
-        </p:nvSpPr>
-        <p:spPr>
-          <a:xfrm>
-            <a:off x="8913670" y="-4618"/>
-            <a:ext cx="91440" cy="6862617"/>
-          </a:xfrm>
-          <a:prstGeom prst="rect">
-            <a:avLst/>
-          </a:prstGeom>
-          <a:solidFill>
-            <a:srgbClr val="0070C0"/>
-          </a:solidFill>
-          <a:ln>
-            <a:noFill/>
-          </a:ln>
-        </p:spPr>
-        <p:style>
-          <a:lnRef idx="2">
-            <a:schemeClr val="accent1">
-              <a:shade val="50000"/>
-            </a:schemeClr>
-          </a:lnRef>
-          <a:fillRef idx="1">
-            <a:schemeClr val="accent1"/>
-          </a:fillRef>
-          <a:effectRef idx="0">
-            <a:schemeClr val="accent1"/>
-          </a:effectRef>
-          <a:fontRef idx="minor">
-            <a:schemeClr val="lt1"/>
-          </a:fontRef>
-        </p:style>
-      </p:sp>
     </p:spTree>
+    <p:extLst>
+      <p:ext uri="{BB962C8B-B14F-4D97-AF65-F5344CB8AC3E}">
+        <p14:creationId xmlns:p14="http://schemas.microsoft.com/office/powerpoint/2010/main" val="1405521000"/>
+      </p:ext>
+    </p:extLst>
   </p:cSld>
   <p:clrMap bg1="lt1" tx1="dk1" bg2="lt2" tx2="dk2" accent1="accent1" accent2="accent2" accent3="accent3" accent4="accent4" accent5="accent5" accent6="accent6" hlink="hlink" folHlink="folHlink"/>
   <p:sldLayoutIdLst>
-    <p:sldLayoutId id="2147483715" r:id="rId1"/>
-    <p:sldLayoutId id="2147483716" r:id="rId2"/>
-    <p:sldLayoutId id="2147483717" r:id="rId3"/>
-    <p:sldLayoutId id="2147483718" r:id="rId4"/>
-    <p:sldLayoutId id="2147483719" r:id="rId5"/>
-    <p:sldLayoutId id="2147483720" r:id="rId6"/>
-    <p:sldLayoutId id="2147483721" r:id="rId7"/>
-    <p:sldLayoutId id="2147483722" r:id="rId8"/>
-    <p:sldLayoutId id="2147483723" r:id="rId9"/>
-    <p:sldLayoutId id="2147483724" r:id="rId10"/>
-    <p:sldLayoutId id="2147483725" r:id="rId11"/>
+    <p:sldLayoutId id="2147483727" r:id="rId1"/>
+    <p:sldLayoutId id="2147483728" r:id="rId2"/>
+    <p:sldLayoutId id="2147483729" r:id="rId3"/>
+    <p:sldLayoutId id="2147483730" r:id="rId4"/>
+    <p:sldLayoutId id="2147483731" r:id="rId5"/>
+    <p:sldLayoutId id="2147483732" r:id="rId6"/>
+    <p:sldLayoutId id="2147483733" r:id="rId7"/>
+    <p:sldLayoutId id="2147483734" r:id="rId8"/>
+    <p:sldLayoutId id="2147483735" r:id="rId9"/>
+    <p:sldLayoutId id="2147483736" r:id="rId10"/>
+    <p:sldLayoutId id="2147483737" r:id="rId11"/>
   </p:sldLayoutIdLst>
-  <p:hf sldNum="0" hdr="0" dt="0"/>
+  <p:hf hdr="0" dt="0"/>
   <p:txStyles>
     <p:titleStyle>
       <a:lvl1pPr algn="l" defTabSz="914400" rtl="0" eaLnBrk="1" latinLnBrk="0" hangingPunct="1">
+        <a:lnSpc>
+          <a:spcPct val="85000"/>
+        </a:lnSpc>
         <a:spcBef>
           <a:spcPct val="0"/>
         </a:spcBef>
         <a:buNone/>
-        <a:defRPr sz="3600" kern="1200" cap="all" spc="-60" baseline="0">
+        <a:defRPr sz="4800" kern="1200" spc="-50" baseline="0">
           <a:solidFill>
-            <a:schemeClr val="tx2"/>
+            <a:schemeClr val="tx1">
+              <a:lumMod val="75000"/>
+              <a:lumOff val="25000"/>
+            </a:schemeClr>
           </a:solidFill>
           <a:latin typeface="+mj-lt"/>
           <a:ea typeface="+mj-ea"/>
@@ -4028,162 +4303,244 @@
       </a:lvl1pPr>
     </p:titleStyle>
     <p:bodyStyle>
-      <a:lvl1pPr marL="0" indent="0" algn="l" defTabSz="914400" rtl="0" eaLnBrk="1" latinLnBrk="0" hangingPunct="1">
+      <a:lvl1pPr marL="91440" indent="-91440" algn="l" defTabSz="914400" rtl="0" eaLnBrk="1" latinLnBrk="0" hangingPunct="1">
+        <a:lnSpc>
+          <a:spcPct val="90000"/>
+        </a:lnSpc>
         <a:spcBef>
-          <a:spcPct val="20000"/>
+          <a:spcPts val="1200"/>
         </a:spcBef>
         <a:spcAft>
-          <a:spcPts val="600"/>
+          <a:spcPts val="200"/>
         </a:spcAft>
-        <a:buFont typeface="Arial" pitchFamily="34" charset="0"/>
-        <a:buNone/>
-        <a:defRPr sz="2000" b="1" kern="1200">
+        <a:buClr>
+          <a:schemeClr val="accent1"/>
+        </a:buClr>
+        <a:buSzPct val="100000"/>
+        <a:buFont typeface="Calibri" panose="020F0502020204030204" pitchFamily="34" charset="0"/>
+        <a:buChar char=" "/>
+        <a:defRPr sz="2000" kern="1200">
           <a:solidFill>
-            <a:schemeClr val="tx1"/>
+            <a:schemeClr val="tx1">
+              <a:lumMod val="75000"/>
+              <a:lumOff val="25000"/>
+            </a:schemeClr>
           </a:solidFill>
           <a:latin typeface="+mn-lt"/>
           <a:ea typeface="+mn-ea"/>
           <a:cs typeface="+mn-cs"/>
         </a:defRPr>
       </a:lvl1pPr>
-      <a:lvl2pPr marL="457200" indent="-182880" algn="l" defTabSz="914400" rtl="0" eaLnBrk="1" latinLnBrk="0" hangingPunct="1">
+      <a:lvl2pPr marL="384048" indent="-182880" algn="l" defTabSz="914400" rtl="0" eaLnBrk="1" latinLnBrk="0" hangingPunct="1">
+        <a:lnSpc>
+          <a:spcPct val="90000"/>
+        </a:lnSpc>
         <a:spcBef>
-          <a:spcPct val="20000"/>
+          <a:spcPts val="200"/>
         </a:spcBef>
+        <a:spcAft>
+          <a:spcPts val="400"/>
+        </a:spcAft>
         <a:buClr>
-          <a:schemeClr val="tx2"/>
+          <a:schemeClr val="accent1"/>
         </a:buClr>
-        <a:buFont typeface="Arial" pitchFamily="34" charset="0"/>
-        <a:buChar char="•"/>
-        <a:defRPr sz="2000" kern="1200">
+        <a:buFont typeface="Calibri" pitchFamily="34" charset="0"/>
+        <a:buChar char="◦"/>
+        <a:defRPr sz="1800" kern="1200">
           <a:solidFill>
-            <a:schemeClr val="tx1"/>
+            <a:schemeClr val="tx1">
+              <a:lumMod val="75000"/>
+              <a:lumOff val="25000"/>
+            </a:schemeClr>
           </a:solidFill>
           <a:latin typeface="+mn-lt"/>
           <a:ea typeface="+mn-ea"/>
           <a:cs typeface="+mn-cs"/>
         </a:defRPr>
       </a:lvl2pPr>
-      <a:lvl3pPr marL="1143000" indent="-228600" algn="l" defTabSz="914400" rtl="0" eaLnBrk="1" latinLnBrk="0" hangingPunct="1">
+      <a:lvl3pPr marL="566928" indent="-182880" algn="l" defTabSz="914400" rtl="0" eaLnBrk="1" latinLnBrk="0" hangingPunct="1">
+        <a:lnSpc>
+          <a:spcPct val="90000"/>
+        </a:lnSpc>
         <a:spcBef>
-          <a:spcPct val="20000"/>
+          <a:spcPts val="200"/>
         </a:spcBef>
+        <a:spcAft>
+          <a:spcPts val="400"/>
+        </a:spcAft>
         <a:buClr>
-          <a:schemeClr val="tx2"/>
+          <a:schemeClr val="accent1"/>
         </a:buClr>
-        <a:buFont typeface="Arial" pitchFamily="34" charset="0"/>
-        <a:buChar char="•"/>
-        <a:defRPr sz="1800" kern="1200">
+        <a:buFont typeface="Calibri" pitchFamily="34" charset="0"/>
+        <a:buChar char="◦"/>
+        <a:defRPr sz="1400" kern="1200">
           <a:solidFill>
-            <a:schemeClr val="tx1"/>
+            <a:schemeClr val="tx1">
+              <a:lumMod val="75000"/>
+              <a:lumOff val="25000"/>
+            </a:schemeClr>
           </a:solidFill>
           <a:latin typeface="+mn-lt"/>
           <a:ea typeface="+mn-ea"/>
           <a:cs typeface="+mn-cs"/>
         </a:defRPr>
       </a:lvl3pPr>
-      <a:lvl4pPr marL="1600200" indent="-228600" algn="l" defTabSz="914400" rtl="0" eaLnBrk="1" latinLnBrk="0" hangingPunct="1">
+      <a:lvl4pPr marL="749808" indent="-182880" algn="l" defTabSz="914400" rtl="0" eaLnBrk="1" latinLnBrk="0" hangingPunct="1">
+        <a:lnSpc>
+          <a:spcPct val="90000"/>
+        </a:lnSpc>
         <a:spcBef>
-          <a:spcPct val="20000"/>
+          <a:spcPts val="200"/>
         </a:spcBef>
+        <a:spcAft>
+          <a:spcPts val="400"/>
+        </a:spcAft>
         <a:buClr>
-          <a:schemeClr val="tx2"/>
+          <a:schemeClr val="accent1"/>
         </a:buClr>
-        <a:buFont typeface="Arial" pitchFamily="34" charset="0"/>
-        <a:buChar char="•"/>
-        <a:defRPr sz="1800" kern="1200">
+        <a:buFont typeface="Calibri" pitchFamily="34" charset="0"/>
+        <a:buChar char="◦"/>
+        <a:defRPr sz="1400" kern="1200">
           <a:solidFill>
-            <a:schemeClr val="tx1"/>
+            <a:schemeClr val="tx1">
+              <a:lumMod val="75000"/>
+              <a:lumOff val="25000"/>
+            </a:schemeClr>
           </a:solidFill>
           <a:latin typeface="+mn-lt"/>
           <a:ea typeface="+mn-ea"/>
           <a:cs typeface="+mn-cs"/>
         </a:defRPr>
       </a:lvl4pPr>
-      <a:lvl5pPr marL="2057400" indent="-228600" algn="l" defTabSz="914400" rtl="0" eaLnBrk="1" latinLnBrk="0" hangingPunct="1">
+      <a:lvl5pPr marL="932688" indent="-182880" algn="l" defTabSz="914400" rtl="0" eaLnBrk="1" latinLnBrk="0" hangingPunct="1">
+        <a:lnSpc>
+          <a:spcPct val="90000"/>
+        </a:lnSpc>
         <a:spcBef>
-          <a:spcPct val="20000"/>
+          <a:spcPts val="200"/>
         </a:spcBef>
+        <a:spcAft>
+          <a:spcPts val="400"/>
+        </a:spcAft>
         <a:buClr>
-          <a:schemeClr val="tx2"/>
+          <a:schemeClr val="accent1"/>
         </a:buClr>
-        <a:buFont typeface="Arial" pitchFamily="34" charset="0"/>
-        <a:buChar char="•"/>
-        <a:defRPr sz="1800" kern="1200" baseline="0">
+        <a:buFont typeface="Calibri" pitchFamily="34" charset="0"/>
+        <a:buChar char="◦"/>
+        <a:defRPr sz="1400" kern="1200">
           <a:solidFill>
-            <a:schemeClr val="tx1"/>
+            <a:schemeClr val="tx1">
+              <a:lumMod val="75000"/>
+              <a:lumOff val="25000"/>
+            </a:schemeClr>
           </a:solidFill>
           <a:latin typeface="+mn-lt"/>
           <a:ea typeface="+mn-ea"/>
           <a:cs typeface="+mn-cs"/>
         </a:defRPr>
       </a:lvl5pPr>
-      <a:lvl6pPr marL="2514600" indent="-228600" algn="l" defTabSz="914400" rtl="0" eaLnBrk="1" latinLnBrk="0" hangingPunct="1">
+      <a:lvl6pPr marL="1100000" indent="-228600" algn="l" defTabSz="914400" rtl="0" eaLnBrk="1" latinLnBrk="0" hangingPunct="1">
+        <a:lnSpc>
+          <a:spcPct val="90000"/>
+        </a:lnSpc>
         <a:spcBef>
-          <a:spcPct val="20000"/>
+          <a:spcPts val="200"/>
         </a:spcBef>
+        <a:spcAft>
+          <a:spcPts val="400"/>
+        </a:spcAft>
         <a:buClr>
-          <a:schemeClr val="tx2"/>
+          <a:schemeClr val="accent1"/>
         </a:buClr>
-        <a:buFont typeface="Arial" pitchFamily="34" charset="0"/>
-        <a:buChar char="•"/>
-        <a:defRPr sz="1600" kern="1200">
+        <a:buFont typeface="Calibri" pitchFamily="34" charset="0"/>
+        <a:buChar char="◦"/>
+        <a:defRPr sz="1400" kern="1200">
           <a:solidFill>
-            <a:schemeClr val="tx1"/>
+            <a:schemeClr val="tx1">
+              <a:lumMod val="75000"/>
+              <a:lumOff val="25000"/>
+            </a:schemeClr>
           </a:solidFill>
           <a:latin typeface="+mn-lt"/>
           <a:ea typeface="+mn-ea"/>
           <a:cs typeface="+mn-cs"/>
         </a:defRPr>
       </a:lvl6pPr>
-      <a:lvl7pPr marL="2971800" indent="-228600" algn="l" defTabSz="914400" rtl="0" eaLnBrk="1" latinLnBrk="0" hangingPunct="1">
+      <a:lvl7pPr marL="1300000" indent="-228600" algn="l" defTabSz="914400" rtl="0" eaLnBrk="1" latinLnBrk="0" hangingPunct="1">
+        <a:lnSpc>
+          <a:spcPct val="90000"/>
+        </a:lnSpc>
         <a:spcBef>
-          <a:spcPct val="20000"/>
+          <a:spcPts val="200"/>
         </a:spcBef>
+        <a:spcAft>
+          <a:spcPts val="400"/>
+        </a:spcAft>
         <a:buClr>
-          <a:schemeClr val="tx2"/>
+          <a:schemeClr val="accent1"/>
         </a:buClr>
-        <a:buFont typeface="Arial" pitchFamily="34" charset="0"/>
-        <a:buChar char="•"/>
-        <a:defRPr sz="1600" kern="1200">
+        <a:buFont typeface="Calibri" pitchFamily="34" charset="0"/>
+        <a:buChar char="◦"/>
+        <a:defRPr sz="1400" kern="1200">
           <a:solidFill>
-            <a:schemeClr val="tx1"/>
+            <a:schemeClr val="tx1">
+              <a:lumMod val="75000"/>
+              <a:lumOff val="25000"/>
+            </a:schemeClr>
           </a:solidFill>
           <a:latin typeface="+mn-lt"/>
           <a:ea typeface="+mn-ea"/>
           <a:cs typeface="+mn-cs"/>
         </a:defRPr>
       </a:lvl7pPr>
-      <a:lvl8pPr marL="3429000" indent="-228600" algn="l" defTabSz="914400" rtl="0" eaLnBrk="1" latinLnBrk="0" hangingPunct="1">
+      <a:lvl8pPr marL="1500000" indent="-228600" algn="l" defTabSz="914400" rtl="0" eaLnBrk="1" latinLnBrk="0" hangingPunct="1">
+        <a:lnSpc>
+          <a:spcPct val="90000"/>
+        </a:lnSpc>
         <a:spcBef>
-          <a:spcPct val="20000"/>
+          <a:spcPts val="200"/>
         </a:spcBef>
+        <a:spcAft>
+          <a:spcPts val="400"/>
+        </a:spcAft>
         <a:buClr>
-          <a:schemeClr val="tx2"/>
+          <a:schemeClr val="accent1"/>
         </a:buClr>
-        <a:buFont typeface="Arial" pitchFamily="34" charset="0"/>
-        <a:buChar char="•"/>
-        <a:defRPr sz="1600" kern="1200">
+        <a:buFont typeface="Calibri" pitchFamily="34" charset="0"/>
+        <a:buChar char="◦"/>
+        <a:defRPr sz="1400" kern="1200">
           <a:solidFill>
-            <a:schemeClr val="tx1"/>
+            <a:schemeClr val="tx1">
+              <a:lumMod val="75000"/>
+              <a:lumOff val="25000"/>
+            </a:schemeClr>
           </a:solidFill>
           <a:latin typeface="+mn-lt"/>
           <a:ea typeface="+mn-ea"/>
           <a:cs typeface="+mn-cs"/>
         </a:defRPr>
       </a:lvl8pPr>
-      <a:lvl9pPr marL="3886200" indent="-228600" algn="l" defTabSz="914400" rtl="0" eaLnBrk="1" latinLnBrk="0" hangingPunct="1">
+      <a:lvl9pPr marL="1700000" indent="-228600" algn="l" defTabSz="914400" rtl="0" eaLnBrk="1" latinLnBrk="0" hangingPunct="1">
+        <a:lnSpc>
+          <a:spcPct val="90000"/>
+        </a:lnSpc>
         <a:spcBef>
-          <a:spcPct val="20000"/>
+          <a:spcPts val="200"/>
         </a:spcBef>
+        <a:spcAft>
+          <a:spcPts val="400"/>
+        </a:spcAft>
         <a:buClr>
-          <a:schemeClr val="tx2"/>
+          <a:schemeClr val="accent1"/>
         </a:buClr>
-        <a:buFont typeface="Arial" pitchFamily="34" charset="0"/>
-        <a:buChar char="•"/>
-        <a:defRPr sz="1600" kern="1200">
+        <a:buFont typeface="Calibri" pitchFamily="34" charset="0"/>
+        <a:buChar char="◦"/>
+        <a:defRPr sz="1400" kern="1200">
           <a:solidFill>
-            <a:schemeClr val="tx1"/>
+            <a:schemeClr val="tx1">
+              <a:lumMod val="75000"/>
+              <a:lumOff val="25000"/>
+            </a:schemeClr>
           </a:solidFill>
           <a:latin typeface="+mn-lt"/>
           <a:ea typeface="+mn-ea"/>
@@ -4317,195 +4674,86 @@
             <p:ph type="ctrTitle"/>
           </p:nvPr>
         </p:nvSpPr>
+        <p:spPr/>
+        <p:txBody>
+          <a:bodyPr>
+            <a:normAutofit fontScale="90000"/>
+          </a:bodyPr>
+          <a:lstStyle/>
+          <a:p>
+            <a:r>
+              <a:rPr lang="en-US" dirty="0" smtClean="0"/>
+              <a:t>INTERMEDIATE PROGRAMMING LESSON</a:t>
+            </a:r>
+            <a:endParaRPr lang="en-US" dirty="0"/>
+          </a:p>
+        </p:txBody>
+      </p:sp>
+      <p:sp>
+        <p:nvSpPr>
+          <p:cNvPr id="3" name="Subtitle 2"/>
+          <p:cNvSpPr>
+            <a:spLocks noGrp="1"/>
+          </p:cNvSpPr>
+          <p:nvPr>
+            <p:ph type="subTitle" idx="1"/>
+          </p:nvPr>
+        </p:nvSpPr>
         <p:spPr>
           <a:xfrm>
-            <a:off x="402305" y="311631"/>
-            <a:ext cx="4182799" cy="1923569"/>
+            <a:off x="1145629" y="3258208"/>
+            <a:ext cx="6768662" cy="596098"/>
           </a:xfrm>
         </p:spPr>
         <p:txBody>
+          <a:bodyPr>
+            <a:normAutofit fontScale="92500" lnSpcReduction="20000"/>
+          </a:bodyPr>
+          <a:lstStyle/>
+          <a:p>
+            <a:r>
+              <a:rPr lang="en-US" dirty="0" smtClean="0"/>
+              <a:t>COLOR LINE FOLLOWER MY BLOCK </a:t>
+            </a:r>
+            <a:r>
+              <a:rPr lang="en-US" smtClean="0"/>
+              <a:t>WITH INPUTs: MOVE UNTIL BLACK</a:t>
+            </a:r>
+            <a:endParaRPr lang="en-US"/>
+          </a:p>
+        </p:txBody>
+      </p:sp>
+      <p:sp>
+        <p:nvSpPr>
+          <p:cNvPr id="4" name="Footer Placeholder 3"/>
+          <p:cNvSpPr>
+            <a:spLocks noGrp="1"/>
+          </p:cNvSpPr>
+          <p:nvPr>
+            <p:ph type="ftr" sz="quarter" idx="11"/>
+          </p:nvPr>
+        </p:nvSpPr>
+        <p:spPr/>
+        <p:txBody>
           <a:bodyPr/>
           <a:lstStyle/>
           <a:p>
-            <a:pPr algn="ctr"/>
-            <a:r>
-              <a:rPr lang="en-US" sz="3200" dirty="0" smtClean="0"/>
-              <a:t>INTERMEDIATE PROGRAMMING</a:t>
-            </a:r>
-            <a:r>
-              <a:rPr lang="en-US" sz="4000" dirty="0" smtClean="0"/>
-              <a:t/>
-            </a:r>
-            <a:br>
-              <a:rPr lang="en-US" sz="4000" dirty="0" smtClean="0"/>
-            </a:br>
-            <a:r>
-              <a:rPr lang="en-US" sz="3200" dirty="0" smtClean="0"/>
-              <a:t>Lesson</a:t>
-            </a:r>
-            <a:endParaRPr lang="en-US" sz="3200" dirty="0"/>
-          </a:p>
-        </p:txBody>
-      </p:sp>
-      <p:sp>
-        <p:nvSpPr>
-          <p:cNvPr id="7" name="TextBox 6"/>
-          <p:cNvSpPr txBox="1"/>
-          <p:nvPr/>
-        </p:nvSpPr>
-        <p:spPr>
-          <a:xfrm>
-            <a:off x="1487501" y="6054573"/>
-            <a:ext cx="4750545" cy="461665"/>
-          </a:xfrm>
-          <a:prstGeom prst="rect">
-            <a:avLst/>
-          </a:prstGeom>
-          <a:noFill/>
-        </p:spPr>
-        <p:txBody>
-          <a:bodyPr wrap="square" rtlCol="0">
-            <a:spAutoFit/>
-          </a:bodyPr>
-          <a:lstStyle/>
-          <a:p>
-            <a:r>
-              <a:rPr lang="en-US" sz="2400" dirty="0" smtClean="0"/>
-              <a:t>By: Droids Robotics</a:t>
-            </a:r>
-          </a:p>
-        </p:txBody>
-      </p:sp>
-      <p:sp>
-        <p:nvSpPr>
-          <p:cNvPr id="4" name="TextBox 3"/>
-          <p:cNvSpPr txBox="1"/>
-          <p:nvPr/>
-        </p:nvSpPr>
-        <p:spPr>
-          <a:xfrm>
-            <a:off x="550088" y="2713113"/>
-            <a:ext cx="8187512" cy="1384995"/>
-          </a:xfrm>
-          <a:prstGeom prst="rect">
-            <a:avLst/>
-          </a:prstGeom>
-          <a:noFill/>
-        </p:spPr>
-        <p:txBody>
-          <a:bodyPr wrap="square" rtlCol="0">
-            <a:spAutoFit/>
-          </a:bodyPr>
-          <a:lstStyle/>
-          <a:p>
-            <a:r>
-              <a:rPr lang="en-US" sz="2800" dirty="0" smtClean="0">
-                <a:solidFill>
-                  <a:srgbClr val="FF0000"/>
-                </a:solidFill>
-              </a:rPr>
-              <a:t>Color Line Follower My Blocks with Inputs:</a:t>
-            </a:r>
-          </a:p>
-          <a:p>
-            <a:r>
-              <a:rPr lang="en-US" sz="2800" dirty="0" smtClean="0">
-                <a:solidFill>
-                  <a:srgbClr val="FF0000"/>
-                </a:solidFill>
-              </a:rPr>
-              <a:t>Move Until Black</a:t>
-            </a:r>
-            <a:endParaRPr lang="en-US" sz="2800" dirty="0">
-              <a:solidFill>
-                <a:srgbClr val="FF0000"/>
-              </a:solidFill>
-            </a:endParaRPr>
-          </a:p>
-          <a:p>
-            <a:endParaRPr lang="en-US" sz="2800" dirty="0"/>
-          </a:p>
-        </p:txBody>
-      </p:sp>
-      <p:pic>
-        <p:nvPicPr>
-          <p:cNvPr id="1026" name="Picture 2" descr="EV3Lessons.com"/>
-          <p:cNvPicPr>
-            <a:picLocks noChangeAspect="1" noChangeArrowheads="1"/>
-          </p:cNvPicPr>
-          <p:nvPr/>
-        </p:nvPicPr>
-        <p:blipFill>
-          <a:blip r:embed="rId3">
-            <a:extLst>
-              <a:ext uri="{28A0092B-C50C-407E-A947-70E740481C1C}">
-                <a14:useLocalDpi xmlns:a14="http://schemas.microsoft.com/office/drawing/2010/main" val="0"/>
-              </a:ext>
-            </a:extLst>
-          </a:blip>
-          <a:srcRect/>
-          <a:stretch>
-            <a:fillRect/>
-          </a:stretch>
-        </p:blipFill>
-        <p:spPr bwMode="auto">
-          <a:xfrm>
-            <a:off x="4585105" y="436041"/>
-            <a:ext cx="4231698" cy="1571774"/>
-          </a:xfrm>
-          <a:prstGeom prst="rect">
-            <a:avLst/>
-          </a:prstGeom>
-          <a:noFill/>
-          <a:extLst>
-            <a:ext uri="{909E8E84-426E-40dd-AFC4-6F175D3DCCD1}">
-              <a14:hiddenFill xmlns="" xmlns:a14="http://schemas.microsoft.com/office/drawing/2010/main">
-                <a:solidFill>
-                  <a:srgbClr val="FFFFFF"/>
-                </a:solidFill>
-              </a14:hiddenFill>
-            </a:ext>
-          </a:extLst>
-        </p:spPr>
-      </p:pic>
-      <p:pic>
-        <p:nvPicPr>
-          <p:cNvPr id="8" name="Picture 7"/>
-          <p:cNvPicPr>
-            <a:picLocks noChangeAspect="1"/>
-          </p:cNvPicPr>
-          <p:nvPr/>
-        </p:nvPicPr>
-        <p:blipFill>
-          <a:blip r:embed="rId4">
-            <a:extLst>
-              <a:ext uri="{28A0092B-C50C-407E-A947-70E740481C1C}">
-                <a14:useLocalDpi xmlns:a14="http://schemas.microsoft.com/office/drawing/2010/main" val="0"/>
-              </a:ext>
-            </a:extLst>
-          </a:blip>
-          <a:stretch>
-            <a:fillRect/>
-          </a:stretch>
-        </p:blipFill>
-        <p:spPr>
-          <a:xfrm>
-            <a:off x="170301" y="5212742"/>
-            <a:ext cx="1317200" cy="1260121"/>
-          </a:xfrm>
-          <a:prstGeom prst="rect">
-            <a:avLst/>
-          </a:prstGeom>
-        </p:spPr>
-      </p:pic>
-      <p:sp>
-        <p:nvSpPr>
-          <p:cNvPr id="3" name="Footer Placeholder 2"/>
-          <p:cNvSpPr>
-            <a:spLocks noGrp="1"/>
-          </p:cNvSpPr>
-          <p:nvPr>
-            <p:ph type="ftr" sz="quarter" idx="11"/>
+            <a:r>
+              <a:rPr lang="sk-SK" smtClean="0"/>
+              <a:t>© 2015 EV3Lessons.com, Last edit 11/13/2015</a:t>
+            </a:r>
+            <a:endParaRPr lang="en-US"/>
+          </a:p>
+        </p:txBody>
+      </p:sp>
+      <p:sp>
+        <p:nvSpPr>
+          <p:cNvPr id="5" name="Slide Number Placeholder 4"/>
+          <p:cNvSpPr>
+            <a:spLocks noGrp="1"/>
+          </p:cNvSpPr>
+          <p:nvPr>
+            <p:ph type="sldNum" sz="quarter" idx="12"/>
           </p:nvPr>
         </p:nvSpPr>
         <p:spPr/>
@@ -4513,10 +4761,10 @@
           <a:bodyPr/>
           <a:lstStyle/>
           <a:p>
-            <a:r>
-              <a:rPr lang="en-US" smtClean="0"/>
-              <a:t>© 2015, EV3Lessons.com, Last edit 11/6/2015</a:t>
-            </a:r>
+            <a:fld id="{7F5CE407-6216-4202-80E4-A30DC2F709B2}" type="slidenum">
+              <a:rPr lang="en-US" smtClean="0"/>
+              <a:t>1</a:t>
+            </a:fld>
             <a:endParaRPr lang="en-US"/>
           </a:p>
         </p:txBody>
@@ -4524,20 +4772,13 @@
     </p:spTree>
     <p:extLst>
       <p:ext uri="{BB962C8B-B14F-4D97-AF65-F5344CB8AC3E}">
-        <p14:creationId xmlns:p14="http://schemas.microsoft.com/office/powerpoint/2010/main" val="2565767291"/>
+        <p14:creationId xmlns:p14="http://schemas.microsoft.com/office/powerpoint/2010/main" val="340329257"/>
       </p:ext>
     </p:extLst>
   </p:cSld>
   <p:clrMapOvr>
     <a:masterClrMapping/>
   </p:clrMapOvr>
-  <p:timing>
-    <p:tnLst>
-      <p:par>
-        <p:cTn id="1" dur="indefinite" restart="never" nodeType="tmRoot"/>
-      </p:par>
-    </p:tnLst>
-  </p:timing>
 </p:sld>
 </file>
 
@@ -4575,7 +4816,11 @@
           <a:p>
             <a:r>
               <a:rPr lang="en-US" dirty="0" smtClean="0"/>
-              <a:t>Next steps</a:t>
+              <a:t>Next </a:t>
+            </a:r>
+            <a:r>
+              <a:rPr lang="en-US" dirty="0" smtClean="0"/>
+              <a:t>Steps</a:t>
             </a:r>
             <a:endParaRPr lang="en-US" dirty="0"/>
           </a:p>
@@ -4591,12 +4836,7 @@
             <p:ph idx="1"/>
           </p:nvPr>
         </p:nvSpPr>
-        <p:spPr>
-          <a:xfrm>
-            <a:off x="457200" y="1752600"/>
-            <a:ext cx="8245474" cy="4373563"/>
-          </a:xfrm>
-        </p:spPr>
+        <p:spPr/>
         <p:txBody>
           <a:bodyPr/>
           <a:lstStyle/>
@@ -4724,8 +4964,8 @@
           <a:lstStyle/>
           <a:p>
             <a:r>
-              <a:rPr lang="en-US" smtClean="0"/>
-              <a:t>CREDITS</a:t>
+              <a:rPr lang="en-US" dirty="0" smtClean="0"/>
+              <a:t>Credits</a:t>
             </a:r>
             <a:endParaRPr lang="en-US" dirty="0"/>
           </a:p>
@@ -4827,7 +5067,7 @@
           <a:effectLst/>
           <a:extLst>
             <a:ext uri="{91240B29-F687-4f45-9708-019B960494DF}">
-              <a14:hiddenLine xmlns="" xmlns:a14="http://schemas.microsoft.com/office/drawing/2010/main" w="9525">
+              <a14:hiddenLine xmlns:a14="http://schemas.microsoft.com/office/drawing/2010/main" xmlns="" w="9525">
                 <a:solidFill>
                   <a:schemeClr val="tx1"/>
                 </a:solidFill>
@@ -4837,7 +5077,7 @@
               </a14:hiddenLine>
             </a:ext>
             <a:ext uri="{AF507438-7753-43e0-B8FC-AC1667EBCBE1}">
-              <a14:hiddenEffects xmlns="" xmlns:a14="http://schemas.microsoft.com/office/drawing/2010/main">
+              <a14:hiddenEffects xmlns:a14="http://schemas.microsoft.com/office/drawing/2010/main" xmlns="">
                 <a:effectLst>
                   <a:outerShdw dist="35921" dir="2700000" algn="ctr" rotWithShape="0">
                     <a:schemeClr val="bg2"/>
@@ -5190,7 +5430,7 @@
           <a:noFill/>
           <a:extLst>
             <a:ext uri="{909E8E84-426E-40dd-AFC4-6F175D3DCCD1}">
-              <a14:hiddenFill xmlns="" xmlns:a14="http://schemas.microsoft.com/office/drawing/2010/main">
+              <a14:hiddenFill xmlns:a14="http://schemas.microsoft.com/office/drawing/2010/main" xmlns="">
                 <a:solidFill>
                   <a:srgbClr val="FFFFFF"/>
                 </a:solidFill>
@@ -5252,7 +5492,7 @@
           <a:lstStyle/>
           <a:p>
             <a:r>
-              <a:rPr lang="en-US" dirty="0" smtClean="0"/>
+              <a:rPr lang="en-US" smtClean="0"/>
               <a:t>Lesson Objectives</a:t>
             </a:r>
             <a:endParaRPr lang="en-US" dirty="0"/>
@@ -5271,13 +5511,12 @@
         </p:nvSpPr>
         <p:spPr/>
         <p:txBody>
-          <a:bodyPr>
-            <a:normAutofit/>
-          </a:bodyPr>
+          <a:bodyPr/>
           <a:lstStyle/>
           <a:p>
             <a:pPr marL="457200" indent="-457200">
-              <a:buAutoNum type="arabicParenR"/>
+              <a:buFont typeface="+mj-lt"/>
+              <a:buAutoNum type="arabicPeriod"/>
             </a:pPr>
             <a:r>
               <a:rPr lang="en-US" dirty="0" smtClean="0"/>
@@ -5286,7 +5525,8 @@
           </a:p>
           <a:p>
             <a:pPr marL="457200" indent="-457200">
-              <a:buAutoNum type="arabicParenR"/>
+              <a:buFont typeface="+mj-lt"/>
+              <a:buAutoNum type="arabicPeriod"/>
             </a:pPr>
             <a:r>
               <a:rPr lang="en-US" dirty="0" smtClean="0"/>
@@ -5295,7 +5535,8 @@
           </a:p>
           <a:p>
             <a:pPr marL="457200" indent="-457200">
-              <a:buAutoNum type="arabicParenR"/>
+              <a:buFont typeface="+mj-lt"/>
+              <a:buAutoNum type="arabicPeriod"/>
             </a:pPr>
             <a:r>
               <a:rPr lang="en-US" dirty="0" smtClean="0"/>
@@ -5303,15 +5544,9 @@
             </a:r>
           </a:p>
           <a:p>
-            <a:pPr marL="457200" indent="-457200">
-              <a:buAutoNum type="arabicParenR"/>
-            </a:pPr>
-            <a:endParaRPr lang="en-US" dirty="0"/>
-          </a:p>
-          <a:p>
-            <a:pPr marL="457200" indent="-457200">
-              <a:buAutoNum type="arabicParenR"/>
-            </a:pPr>
+            <a:endParaRPr lang="en-US" dirty="0" smtClean="0"/>
+          </a:p>
+          <a:p>
             <a:endParaRPr lang="en-US" dirty="0" smtClean="0"/>
           </a:p>
           <a:p>
@@ -5321,11 +5556,11 @@
             </a:r>
           </a:p>
           <a:p>
-            <a:endParaRPr lang="en-US" dirty="0"/>
-          </a:p>
-          <a:p>
-            <a:r>
-              <a:rPr lang="en-US" sz="1400" b="0" i="1" dirty="0"/>
+            <a:endParaRPr lang="en-US" dirty="0" smtClean="0"/>
+          </a:p>
+          <a:p>
+            <a:r>
+              <a:rPr lang="en-US" dirty="0" smtClean="0"/>
               <a:t>The code uses Blue Comment Blocks.  Make sure you are running the most recent version of the EV3 Software. EV3Lessons has Quick Guides to help you.</a:t>
             </a:r>
           </a:p>
@@ -5411,7 +5646,7 @@
           <a:p>
             <a:r>
               <a:rPr lang="en-US" dirty="0" smtClean="0"/>
-              <a:t>TIPS TO SUCCEED</a:t>
+              <a:t>Tips to Succeed</a:t>
             </a:r>
             <a:endParaRPr lang="en-US" dirty="0"/>
           </a:p>
@@ -5427,79 +5662,60 @@
             <p:ph idx="1"/>
           </p:nvPr>
         </p:nvSpPr>
-        <p:spPr>
-          <a:xfrm>
-            <a:off x="457199" y="1237272"/>
-            <a:ext cx="8245474" cy="4744211"/>
-          </a:xfrm>
-        </p:spPr>
-        <p:txBody>
-          <a:bodyPr>
-            <a:noAutofit/>
-          </a:bodyPr>
+        <p:spPr/>
+        <p:txBody>
+          <a:bodyPr/>
           <a:lstStyle/>
           <a:p>
             <a:pPr marL="457200" indent="-457200">
-              <a:buAutoNum type="arabicParenR"/>
+              <a:buFont typeface="+mj-lt"/>
+              <a:buAutoNum type="arabicPeriod"/>
             </a:pPr>
             <a:r>
-              <a:rPr lang="en-US" b="0" dirty="0" smtClean="0"/>
+              <a:rPr lang="en-US" dirty="0" smtClean="0"/>
               <a:t>You will need to know how to make a Simple Color Line Follower program and how to make a My Block with inputs</a:t>
             </a:r>
           </a:p>
           <a:p>
             <a:pPr marL="457200" indent="-457200">
-              <a:buAutoNum type="arabicParenR"/>
+              <a:buFont typeface="+mj-lt"/>
+              <a:buAutoNum type="arabicPeriod"/>
             </a:pPr>
             <a:r>
-              <a:rPr lang="en-US" b="0" dirty="0" smtClean="0"/>
-              <a:t>Since you will </a:t>
-            </a:r>
-            <a:r>
-              <a:rPr lang="en-US" b="0" dirty="0"/>
-              <a:t>use your EV3 Color Sensor in Color Mode, </a:t>
-            </a:r>
-            <a:r>
-              <a:rPr lang="en-US" b="0" dirty="0" smtClean="0"/>
-              <a:t>you </a:t>
-            </a:r>
-            <a:r>
-              <a:rPr lang="en-US" b="0" dirty="0"/>
-              <a:t>will not have to Calibrate your color sensor for this </a:t>
-            </a:r>
-            <a:r>
-              <a:rPr lang="en-US" b="0" dirty="0" smtClean="0"/>
-              <a:t>lesson</a:t>
+              <a:rPr lang="en-US" dirty="0" smtClean="0"/>
+              <a:t>Since you will use your EV3 Color Sensor in Color Mode, you will not have to Calibrate your color sensor for this lesson</a:t>
             </a:r>
           </a:p>
           <a:p>
             <a:pPr marL="457200" indent="-457200">
-              <a:buAutoNum type="arabicParenR"/>
+              <a:buFont typeface="+mj-lt"/>
+              <a:buAutoNum type="arabicPeriod"/>
             </a:pPr>
             <a:r>
-              <a:rPr lang="en-US" b="0" dirty="0" smtClean="0"/>
+              <a:rPr lang="en-US" dirty="0" smtClean="0"/>
               <a:t>Check which ports you have your color sensor connected to the EV3 and adjust the code as needed</a:t>
             </a:r>
-            <a:endParaRPr lang="en-US" b="0" dirty="0"/>
           </a:p>
           <a:p>
             <a:pPr marL="457200" indent="-457200">
-              <a:buAutoNum type="arabicParenR"/>
+              <a:buFont typeface="+mj-lt"/>
+              <a:buAutoNum type="arabicPeriod"/>
             </a:pPr>
             <a:r>
-              <a:rPr lang="en-US" b="0" dirty="0" smtClean="0"/>
+              <a:rPr lang="en-US" dirty="0" smtClean="0"/>
               <a:t>You may have to adjust the speed or direction to work for your robot.  Make sure that the the color sensor is in front of the wheels in the direction of travel.</a:t>
             </a:r>
-            <a:endParaRPr lang="en-US" b="0" dirty="0"/>
           </a:p>
           <a:p>
             <a:pPr marL="457200" indent="-457200">
-              <a:buAutoNum type="arabicParenR"/>
+              <a:buFont typeface="+mj-lt"/>
+              <a:buAutoNum type="arabicPeriod"/>
             </a:pPr>
             <a:r>
-              <a:rPr lang="en-US" b="0" dirty="0" smtClean="0"/>
+              <a:rPr lang="en-US" dirty="0" smtClean="0"/>
               <a:t>Make sure you place the robot on the side of the line that you are following.  The most common mistake is placing the robot on the wrong side of the line to begin with.</a:t>
             </a:r>
+            <a:endParaRPr lang="en-US" dirty="0" smtClean="0"/>
           </a:p>
         </p:txBody>
       </p:sp>
@@ -5575,47 +5791,39 @@
         </p:nvSpPr>
         <p:spPr/>
         <p:txBody>
-          <a:bodyPr/>
-          <a:lstStyle/>
-          <a:p>
-            <a:r>
-              <a:rPr lang="en-US" dirty="0" smtClean="0"/>
-              <a:t>Color Follower until color in 3 easy steps</a:t>
-            </a:r>
-            <a:endParaRPr lang="en-US" dirty="0"/>
-          </a:p>
-        </p:txBody>
-      </p:sp>
-      <p:sp>
-        <p:nvSpPr>
-          <p:cNvPr id="3" name="Content Placeholder 2"/>
-          <p:cNvSpPr>
-            <a:spLocks noGrp="1"/>
-          </p:cNvSpPr>
-          <p:nvPr>
-            <p:ph idx="1"/>
-          </p:nvPr>
-        </p:nvSpPr>
-        <p:spPr>
-          <a:xfrm>
-            <a:off x="4776446" y="1562533"/>
-            <a:ext cx="3751624" cy="4373563"/>
-          </a:xfrm>
-        </p:spPr>
-        <p:txBody>
           <a:bodyPr>
             <a:normAutofit/>
           </a:bodyPr>
           <a:lstStyle/>
           <a:p>
             <a:r>
-              <a:rPr lang="en-US" dirty="0" smtClean="0">
-                <a:solidFill>
-                  <a:srgbClr val="FF0000"/>
-                </a:solidFill>
-              </a:rPr>
+              <a:rPr lang="en-US" dirty="0" smtClean="0"/>
+              <a:t>Color Follower Until Color</a:t>
+            </a:r>
+            <a:endParaRPr lang="en-US" dirty="0"/>
+          </a:p>
+        </p:txBody>
+      </p:sp>
+      <p:sp>
+        <p:nvSpPr>
+          <p:cNvPr id="3" name="Content Placeholder 2"/>
+          <p:cNvSpPr>
+            <a:spLocks noGrp="1"/>
+          </p:cNvSpPr>
+          <p:nvPr>
+            <p:ph idx="1"/>
+          </p:nvPr>
+        </p:nvSpPr>
+        <p:spPr/>
+        <p:txBody>
+          <a:bodyPr/>
+          <a:lstStyle/>
+          <a:p>
+            <a:r>
+              <a:rPr lang="en-US" smtClean="0"/>
               <a:t>Challenge: Create a line follower My Block that stops when it sees black</a:t>
             </a:r>
+            <a:endParaRPr lang="en-US" dirty="0" smtClean="0"/>
           </a:p>
         </p:txBody>
       </p:sp>
@@ -5650,7 +5858,7 @@
         </p:nvSpPr>
         <p:spPr>
           <a:xfrm>
-            <a:off x="5948304" y="2938071"/>
+            <a:off x="6105959" y="2370512"/>
             <a:ext cx="1701496" cy="3583384"/>
           </a:xfrm>
           <a:prstGeom prst="rect">
@@ -5691,7 +5899,7 @@
         </p:nvCxnSpPr>
         <p:spPr>
           <a:xfrm flipV="1">
-            <a:off x="6767457" y="3312826"/>
+            <a:off x="6925112" y="2745267"/>
             <a:ext cx="0" cy="2840752"/>
           </a:xfrm>
           <a:prstGeom prst="line">
@@ -5726,7 +5934,7 @@
         </p:nvCxnSpPr>
         <p:spPr>
           <a:xfrm flipH="1">
-            <a:off x="6166935" y="3312826"/>
+            <a:off x="6324590" y="2745267"/>
             <a:ext cx="1340976" cy="0"/>
           </a:xfrm>
           <a:prstGeom prst="line">
@@ -5761,7 +5969,7 @@
         </p:nvGrpSpPr>
         <p:grpSpPr>
           <a:xfrm>
-            <a:off x="6437177" y="5289769"/>
+            <a:off x="6594832" y="4722210"/>
             <a:ext cx="660559" cy="790597"/>
             <a:chOff x="6310708" y="2223671"/>
             <a:chExt cx="809489" cy="898563"/>
@@ -5964,7 +6172,7 @@
         </p:nvSpPr>
         <p:spPr>
           <a:xfrm>
-            <a:off x="470106" y="1599783"/>
+            <a:off x="304763" y="1786581"/>
             <a:ext cx="4306339" cy="4373563"/>
           </a:xfrm>
           <a:prstGeom prst="rect">
@@ -6312,12 +6520,22 @@
         </p:nvSpPr>
         <p:spPr/>
         <p:txBody>
-          <a:bodyPr/>
+          <a:bodyPr>
+            <a:normAutofit/>
+          </a:bodyPr>
           <a:lstStyle/>
           <a:p>
             <a:r>
               <a:rPr lang="en-US" dirty="0" smtClean="0"/>
-              <a:t>STEP 1: MAKE A SIMPLE LINE FOLLOWER</a:t>
+              <a:t>Step </a:t>
+            </a:r>
+            <a:r>
+              <a:rPr lang="en-US" dirty="0" smtClean="0"/>
+              <a:t>1: </a:t>
+            </a:r>
+            <a:r>
+              <a:rPr lang="en-US" dirty="0" smtClean="0"/>
+              <a:t>Simple Line Follower</a:t>
             </a:r>
             <a:endParaRPr lang="en-US" dirty="0"/>
           </a:p>
@@ -6425,12 +6643,22 @@
         </p:nvSpPr>
         <p:spPr/>
         <p:txBody>
-          <a:bodyPr/>
+          <a:bodyPr>
+            <a:normAutofit/>
+          </a:bodyPr>
           <a:lstStyle/>
           <a:p>
             <a:r>
               <a:rPr lang="en-US" dirty="0" smtClean="0"/>
-              <a:t>STEP 2: CHANGE LOOP EXIT CONDITION</a:t>
+              <a:t>Step </a:t>
+            </a:r>
+            <a:r>
+              <a:rPr lang="en-US" dirty="0" smtClean="0"/>
+              <a:t>2: </a:t>
+            </a:r>
+            <a:r>
+              <a:rPr lang="en-US" dirty="0" smtClean="0"/>
+              <a:t>Loop Exit Condition</a:t>
             </a:r>
             <a:endParaRPr lang="en-US" dirty="0"/>
           </a:p>
@@ -6593,7 +6821,7 @@
         </p:blipFill>
         <p:spPr>
           <a:xfrm>
-            <a:off x="3742965" y="1149617"/>
+            <a:off x="3760664" y="1731873"/>
             <a:ext cx="5064022" cy="1971315"/>
           </a:xfrm>
           <a:prstGeom prst="rect">
@@ -6620,7 +6848,7 @@
           <a:p>
             <a:r>
               <a:rPr lang="en-US" dirty="0" smtClean="0"/>
-              <a:t>Step 3a: Create a My Block</a:t>
+              <a:t>Step 3A: Create a My Block</a:t>
             </a:r>
             <a:endParaRPr lang="en-US" dirty="0"/>
           </a:p>
@@ -6657,7 +6885,7 @@
         </p:nvSpPr>
         <p:spPr>
           <a:xfrm>
-            <a:off x="3935393" y="982254"/>
+            <a:off x="3953092" y="1564510"/>
             <a:ext cx="4846572" cy="2138678"/>
           </a:xfrm>
           <a:prstGeom prst="rect">
@@ -6705,8 +6933,8 @@
         </p:nvSpPr>
         <p:spPr>
           <a:xfrm>
-            <a:off x="254896" y="982255"/>
-            <a:ext cx="3589135" cy="5262979"/>
+            <a:off x="227874" y="1409519"/>
+            <a:ext cx="3616157" cy="4524315"/>
           </a:xfrm>
           <a:prstGeom prst="rect">
             <a:avLst/>
@@ -6853,8 +7081,8 @@
         </p:blipFill>
         <p:spPr>
           <a:xfrm>
-            <a:off x="4533847" y="3288295"/>
-            <a:ext cx="3871921" cy="3529506"/>
+            <a:off x="4478785" y="3845139"/>
+            <a:ext cx="2595835" cy="2366271"/>
           </a:xfrm>
           <a:prstGeom prst="rect">
             <a:avLst/>
@@ -6869,7 +7097,7 @@
         </p:nvSpPr>
         <p:spPr>
           <a:xfrm>
-            <a:off x="4265721" y="1291568"/>
+            <a:off x="4283420" y="1873824"/>
             <a:ext cx="426128" cy="523220"/>
           </a:xfrm>
           <a:prstGeom prst="rect">
@@ -6948,7 +7176,7 @@
           <a:p>
             <a:r>
               <a:rPr lang="en-US" dirty="0" smtClean="0"/>
-              <a:t>STEP 3B: WIRE THE MY BLOCK</a:t>
+              <a:t>Step 3B: Wire the My Block</a:t>
             </a:r>
             <a:endParaRPr lang="en-US" dirty="0"/>
           </a:p>
@@ -7247,32 +7475,9 @@
           <a:p>
             <a:r>
               <a:rPr lang="en-US" dirty="0" smtClean="0"/>
-              <a:t>STEP 3b: THE MYBLOCK</a:t>
+              <a:t>Step 3B: The My Block</a:t>
             </a:r>
             <a:endParaRPr lang="en-US" dirty="0"/>
-          </a:p>
-        </p:txBody>
-      </p:sp>
-      <p:sp>
-        <p:nvSpPr>
-          <p:cNvPr id="4" name="Footer Placeholder 3"/>
-          <p:cNvSpPr>
-            <a:spLocks noGrp="1"/>
-          </p:cNvSpPr>
-          <p:nvPr>
-            <p:ph type="ftr" sz="quarter" idx="11"/>
-          </p:nvPr>
-        </p:nvSpPr>
-        <p:spPr/>
-        <p:txBody>
-          <a:bodyPr/>
-          <a:lstStyle/>
-          <a:p>
-            <a:r>
-              <a:rPr lang="en-US" smtClean="0"/>
-              <a:t>© 2015, EV3Lessons.com, Last edit 11/6/2015</a:t>
-            </a:r>
-            <a:endParaRPr lang="en-US"/>
           </a:p>
         </p:txBody>
       </p:sp>
@@ -7341,6 +7546,29 @@
           </a:p>
           <a:p>
             <a:endParaRPr lang="en-US" sz="1800" dirty="0"/>
+          </a:p>
+        </p:txBody>
+      </p:sp>
+      <p:sp>
+        <p:nvSpPr>
+          <p:cNvPr id="4" name="Footer Placeholder 3"/>
+          <p:cNvSpPr>
+            <a:spLocks noGrp="1"/>
+          </p:cNvSpPr>
+          <p:nvPr>
+            <p:ph type="ftr" sz="quarter" idx="11"/>
+          </p:nvPr>
+        </p:nvSpPr>
+        <p:spPr/>
+        <p:txBody>
+          <a:bodyPr/>
+          <a:lstStyle/>
+          <a:p>
+            <a:r>
+              <a:rPr lang="en-US" smtClean="0"/>
+              <a:t>© 2015, EV3Lessons.com, Last edit 11/6/2015</a:t>
+            </a:r>
+            <a:endParaRPr lang="en-US"/>
           </a:p>
         </p:txBody>
       </p:sp>
@@ -7394,58 +7622,58 @@
 </file>
 
 <file path=ppt/theme/theme1.xml><?xml version="1.0" encoding="utf-8"?>
-<a:theme xmlns:a="http://schemas.openxmlformats.org/drawingml/2006/main" name="Essential">
+<a:theme xmlns:a="http://schemas.openxmlformats.org/drawingml/2006/main" name="Retrospect">
   <a:themeElements>
-    <a:clrScheme name="Essential">
+    <a:clrScheme name="Blue II">
       <a:dk1>
-        <a:srgbClr val="000000"/>
+        <a:sysClr val="windowText" lastClr="000000"/>
       </a:dk1>
       <a:lt1>
-        <a:srgbClr val="FFFFFF"/>
+        <a:sysClr val="window" lastClr="FFFFFF"/>
       </a:lt1>
       <a:dk2>
-        <a:srgbClr val="D1282E"/>
+        <a:srgbClr val="335B74"/>
       </a:dk2>
       <a:lt2>
-        <a:srgbClr val="C8C8B1"/>
+        <a:srgbClr val="DFE3E5"/>
       </a:lt2>
       <a:accent1>
-        <a:srgbClr val="7A7A7A"/>
+        <a:srgbClr val="1CADE4"/>
       </a:accent1>
       <a:accent2>
-        <a:srgbClr val="F5C201"/>
+        <a:srgbClr val="2683C6"/>
       </a:accent2>
       <a:accent3>
-        <a:srgbClr val="526DB0"/>
+        <a:srgbClr val="27CED7"/>
       </a:accent3>
       <a:accent4>
-        <a:srgbClr val="989AAC"/>
+        <a:srgbClr val="42BA97"/>
       </a:accent4>
       <a:accent5>
-        <a:srgbClr val="DC5924"/>
+        <a:srgbClr val="3E8853"/>
       </a:accent5>
       <a:accent6>
-        <a:srgbClr val="B4B392"/>
+        <a:srgbClr val="62A39F"/>
       </a:accent6>
       <a:hlink>
-        <a:srgbClr val="CC9900"/>
+        <a:srgbClr val="6EAC1C"/>
       </a:hlink>
       <a:folHlink>
-        <a:srgbClr val="969696"/>
+        <a:srgbClr val="B26B02"/>
       </a:folHlink>
     </a:clrScheme>
-    <a:fontScheme name="Essential">
+    <a:fontScheme name="Retrospect">
       <a:majorFont>
-        <a:latin typeface="Arial Black"/>
+        <a:latin typeface="Calibri Light" panose="020F0302020204030204"/>
         <a:ea typeface=""/>
         <a:cs typeface=""/>
         <a:font script="Jpan" typeface="ＭＳ Ｐゴシック"/>
-        <a:font script="Hang" typeface="HY견고딕"/>
-        <a:font script="Hans" typeface="微软雅黑"/>
-        <a:font script="Hant" typeface="微軟正黑體"/>
-        <a:font script="Arab" typeface="Tahoma"/>
-        <a:font script="Hebr" typeface="Tahoma"/>
-        <a:font script="Thai" typeface="Tahoma"/>
+        <a:font script="Hang" typeface="맑은 고딕"/>
+        <a:font script="Hans" typeface="宋体"/>
+        <a:font script="Hant" typeface="新細明體"/>
+        <a:font script="Arab" typeface="Times New Roman"/>
+        <a:font script="Hebr" typeface="Times New Roman"/>
+        <a:font script="Thai" typeface="Angsana New"/>
         <a:font script="Ethi" typeface="Nyala"/>
         <a:font script="Beng" typeface="Vrinda"/>
         <a:font script="Gujr" typeface="Shruti"/>
@@ -7471,13 +7699,13 @@
         <a:font script="Geor" typeface="Sylfaen"/>
       </a:majorFont>
       <a:minorFont>
-        <a:latin typeface="Arial"/>
+        <a:latin typeface="Calibri" panose="020F0502020204030204"/>
         <a:ea typeface=""/>
         <a:cs typeface=""/>
         <a:font script="Jpan" typeface="ＭＳ Ｐゴシック"/>
-        <a:font script="Hang" typeface="돋움"/>
-        <a:font script="Hans" typeface="黑体"/>
-        <a:font script="Hant" typeface="微軟正黑體"/>
+        <a:font script="Hang" typeface="맑은 고딕"/>
+        <a:font script="Hans" typeface="宋体"/>
+        <a:font script="Hant" typeface="新細明體"/>
         <a:font script="Arab" typeface="Arial"/>
         <a:font script="Hebr" typeface="Arial"/>
         <a:font script="Thai" typeface="Cordia New"/>
@@ -7506,7 +7734,7 @@
         <a:font script="Geor" typeface="Sylfaen"/>
       </a:minorFont>
     </a:fontScheme>
-    <a:fmtScheme name="Essential">
+    <a:fmtScheme name="Retrospect">
       <a:fillStyleLst>
         <a:solidFill>
           <a:schemeClr val="phClr"/>
@@ -7515,48 +7743,77 @@
           <a:gsLst>
             <a:gs pos="0">
               <a:schemeClr val="phClr">
-                <a:tint val="60000"/>
-                <a:satMod val="250000"/>
+                <a:tint val="65000"/>
+                <a:shade val="92000"/>
+                <a:satMod val="130000"/>
               </a:schemeClr>
             </a:gs>
-            <a:gs pos="35000">
+            <a:gs pos="45000">
               <a:schemeClr val="phClr">
-                <a:tint val="47000"/>
-                <a:satMod val="275000"/>
+                <a:tint val="60000"/>
+                <a:shade val="99000"/>
+                <a:satMod val="120000"/>
               </a:schemeClr>
             </a:gs>
             <a:gs pos="100000">
               <a:schemeClr val="phClr">
-                <a:tint val="25000"/>
-                <a:satMod val="300000"/>
+                <a:tint val="55000"/>
+                <a:satMod val="140000"/>
               </a:schemeClr>
             </a:gs>
           </a:gsLst>
-          <a:lin ang="16200000" scaled="1"/>
+          <a:path path="circle">
+            <a:fillToRect l="100000" t="100000" r="100000" b="100000"/>
+          </a:path>
         </a:gradFill>
-        <a:solidFill>
-          <a:schemeClr val="phClr">
-            <a:satMod val="110000"/>
-          </a:schemeClr>
-        </a:solidFill>
+        <a:gradFill rotWithShape="1">
+          <a:gsLst>
+            <a:gs pos="0">
+              <a:schemeClr val="phClr">
+                <a:shade val="85000"/>
+                <a:satMod val="130000"/>
+              </a:schemeClr>
+            </a:gs>
+            <a:gs pos="34000">
+              <a:schemeClr val="phClr">
+                <a:shade val="87000"/>
+                <a:satMod val="125000"/>
+              </a:schemeClr>
+            </a:gs>
+            <a:gs pos="70000">
+              <a:schemeClr val="phClr">
+                <a:tint val="100000"/>
+                <a:shade val="90000"/>
+                <a:satMod val="130000"/>
+              </a:schemeClr>
+            </a:gs>
+            <a:gs pos="100000">
+              <a:schemeClr val="phClr">
+                <a:tint val="100000"/>
+                <a:shade val="100000"/>
+                <a:satMod val="110000"/>
+              </a:schemeClr>
+            </a:gs>
+          </a:gsLst>
+          <a:path path="circle">
+            <a:fillToRect l="100000" t="100000" r="100000" b="100000"/>
+          </a:path>
+        </a:gradFill>
       </a:fillStyleLst>
       <a:lnStyleLst>
         <a:ln w="12700" cap="flat" cmpd="sng" algn="ctr">
-          <a:solidFill>
-            <a:schemeClr val="phClr">
-              <a:shade val="95000"/>
-              <a:satMod val="105000"/>
-            </a:schemeClr>
-          </a:solidFill>
-          <a:prstDash val="solid"/>
-        </a:ln>
-        <a:ln w="28575" cap="flat" cmpd="sng" algn="ctr">
           <a:solidFill>
             <a:schemeClr val="phClr"/>
           </a:solidFill>
           <a:prstDash val="solid"/>
         </a:ln>
-        <a:ln w="41275" cap="flat" cmpd="sng" algn="ctr">
+        <a:ln w="15875" cap="flat" cmpd="sng" algn="ctr">
+          <a:solidFill>
+            <a:schemeClr val="phClr"/>
+          </a:solidFill>
+          <a:prstDash val="solid"/>
+        </a:ln>
+        <a:ln w="25400" cap="flat" cmpd="sng" algn="ctr">
           <a:solidFill>
             <a:schemeClr val="phClr"/>
           </a:solidFill>
@@ -7569,16 +7826,16 @@
         </a:effectStyle>
         <a:effectStyle>
           <a:effectLst>
-            <a:outerShdw blurRad="39999" dist="23000" algn="bl" rotWithShape="0">
+            <a:outerShdw blurRad="38100" dist="25400" dir="2700000" algn="br" rotWithShape="0">
               <a:srgbClr val="000000">
-                <a:alpha val="40000"/>
+                <a:alpha val="60000"/>
               </a:srgbClr>
             </a:outerShdw>
           </a:effectLst>
         </a:effectStyle>
         <a:effectStyle>
           <a:effectLst>
-            <a:outerShdw blurRad="38100" dist="19050" algn="bl" rotWithShape="0">
+            <a:outerShdw blurRad="44450" dist="25400" dir="2700000" algn="br" rotWithShape="0">
               <a:srgbClr val="000000">
                 <a:alpha val="60000"/>
               </a:srgbClr>
@@ -7588,10 +7845,12 @@
             <a:camera prst="orthographicFront">
               <a:rot lat="0" lon="0" rev="0"/>
             </a:camera>
-            <a:lightRig rig="balanced" dir="l"/>
+            <a:lightRig rig="threePt" dir="t">
+              <a:rot lat="0" lon="0" rev="19800000"/>
+            </a:lightRig>
           </a:scene3d>
-          <a:sp3d prstMaterial="plastic">
-            <a:bevelT w="38100" h="31750"/>
+          <a:sp3d prstMaterial="flat">
+            <a:bevelT w="25400" h="31750"/>
           </a:sp3d>
         </a:effectStyle>
       </a:effectStyleLst>
@@ -7599,50 +7858,49 @@
         <a:solidFill>
           <a:schemeClr val="phClr"/>
         </a:solidFill>
-        <a:blipFill rotWithShape="1">
-          <a:blip xmlns:r="http://schemas.openxmlformats.org/officeDocument/2006/relationships" r:embed="rId1">
-            <a:duotone>
-              <a:schemeClr val="phClr">
-                <a:tint val="96000"/>
-              </a:schemeClr>
-              <a:schemeClr val="phClr">
-                <a:shade val="94000"/>
-              </a:schemeClr>
-            </a:duotone>
-          </a:blip>
-          <a:tile tx="0" ty="0" sx="100000" sy="100000" flip="none" algn="tl"/>
-        </a:blipFill>
+        <a:solidFill>
+          <a:schemeClr val="phClr">
+            <a:tint val="90000"/>
+            <a:shade val="97000"/>
+            <a:satMod val="130000"/>
+          </a:schemeClr>
+        </a:solidFill>
         <a:gradFill rotWithShape="1">
           <a:gsLst>
             <a:gs pos="0">
               <a:schemeClr val="phClr">
-                <a:tint val="84000"/>
-                <a:satMod val="110000"/>
+                <a:tint val="96000"/>
+                <a:shade val="99000"/>
+                <a:satMod val="140000"/>
               </a:schemeClr>
             </a:gs>
-            <a:gs pos="44000">
+            <a:gs pos="65000">
               <a:schemeClr val="phClr">
-                <a:tint val="93000"/>
-                <a:satMod val="115000"/>
+                <a:tint val="100000"/>
+                <a:shade val="80000"/>
+                <a:satMod val="130000"/>
               </a:schemeClr>
             </a:gs>
             <a:gs pos="100000">
               <a:schemeClr val="phClr">
                 <a:tint val="100000"/>
-                <a:shade val="59000"/>
+                <a:shade val="48000"/>
                 <a:satMod val="120000"/>
               </a:schemeClr>
             </a:gs>
           </a:gsLst>
-          <a:path path="circle">
-            <a:fillToRect l="40000" t="60000" r="60000" b="40000"/>
-          </a:path>
+          <a:lin ang="16200000" scaled="0"/>
         </a:gradFill>
       </a:bgFillStyleLst>
     </a:fmtScheme>
   </a:themeElements>
   <a:objectDefaults/>
   <a:extraClrSchemeLst/>
+  <a:extLst>
+    <a:ext uri="{05A4C25C-085E-4340-85A3-A5531E510DB2}">
+      <thm15:themeFamily xmlns:thm15="http://schemas.microsoft.com/office/thememl/2012/main" name="Retrospect" id="{5F128B03-DCCA-4EEB-AB3B-CF2899314A46}" vid="{3F1AAB62-24C6-49D2-8E01-B56FAC9A3DCD}"/>
+    </a:ext>
+  </a:extLst>
 </a:theme>
 </file>
 

--- a/translations/en-us/intermediate/ColorFollowerSensor.pptx
+++ b/translations/en-us/intermediate/ColorFollowerSensor.pptx
@@ -3,25 +3,26 @@
 <p:presentation xmlns:a="http://schemas.openxmlformats.org/drawingml/2006/main" xmlns:r="http://schemas.openxmlformats.org/officeDocument/2006/relationships" xmlns:p="http://schemas.openxmlformats.org/presentationml/2006/main" saveSubsetFonts="1" autoCompressPictures="0">
   <p:sldMasterIdLst>
     <p:sldMasterId id="2147483726" r:id="rId1"/>
+    <p:sldMasterId id="2147483738" r:id="rId2"/>
   </p:sldMasterIdLst>
   <p:notesMasterIdLst>
-    <p:notesMasterId r:id="rId13"/>
+    <p:notesMasterId r:id="rId14"/>
   </p:notesMasterIdLst>
   <p:handoutMasterIdLst>
-    <p:handoutMasterId r:id="rId14"/>
+    <p:handoutMasterId r:id="rId15"/>
   </p:handoutMasterIdLst>
   <p:sldIdLst>
-    <p:sldId id="388" r:id="rId2"/>
-    <p:sldId id="383" r:id="rId3"/>
-    <p:sldId id="386" r:id="rId4"/>
-    <p:sldId id="385" r:id="rId5"/>
-    <p:sldId id="373" r:id="rId6"/>
-    <p:sldId id="375" r:id="rId7"/>
-    <p:sldId id="387" r:id="rId8"/>
-    <p:sldId id="378" r:id="rId9"/>
-    <p:sldId id="377" r:id="rId10"/>
-    <p:sldId id="384" r:id="rId11"/>
-    <p:sldId id="382" r:id="rId12"/>
+    <p:sldId id="388" r:id="rId3"/>
+    <p:sldId id="383" r:id="rId4"/>
+    <p:sldId id="386" r:id="rId5"/>
+    <p:sldId id="385" r:id="rId6"/>
+    <p:sldId id="373" r:id="rId7"/>
+    <p:sldId id="375" r:id="rId8"/>
+    <p:sldId id="387" r:id="rId9"/>
+    <p:sldId id="378" r:id="rId10"/>
+    <p:sldId id="377" r:id="rId11"/>
+    <p:sldId id="384" r:id="rId12"/>
+    <p:sldId id="382" r:id="rId13"/>
   </p:sldIdLst>
   <p:sldSz cx="9144000" cy="6858000" type="screen4x3"/>
   <p:notesSz cx="6858000" cy="9144000"/>
@@ -221,7 +222,7 @@
           <a:p>
             <a:fld id="{E00FA3B4-5499-9244-86B5-B0871A9DDD84}" type="datetimeFigureOut">
               <a:rPr lang="en-US" smtClean="0"/>
-              <a:t>11/13/15</a:t>
+              <a:t>7/7/2016</a:t>
             </a:fld>
             <a:endParaRPr lang="en-US"/>
           </a:p>
@@ -387,7 +388,7 @@
           <a:p>
             <a:fld id="{FD3EFF1E-85A1-6640-AFB9-C38833E80A84}" type="datetimeFigureOut">
               <a:rPr lang="en-US" smtClean="0"/>
-              <a:t>11/13/15</a:t>
+              <a:t>7/7/2016</a:t>
             </a:fld>
             <a:endParaRPr lang="en-US"/>
           </a:p>
@@ -451,38 +452,37 @@
           <a:p>
             <a:pPr lvl="0"/>
             <a:r>
-              <a:rPr lang="en-US" smtClean="0"/>
+              <a:rPr lang="en-US"/>
               <a:t>Click to edit Master text styles</a:t>
             </a:r>
           </a:p>
           <a:p>
             <a:pPr lvl="1"/>
             <a:r>
-              <a:rPr lang="en-US" smtClean="0"/>
+              <a:rPr lang="en-US"/>
               <a:t>Second level</a:t>
             </a:r>
           </a:p>
           <a:p>
             <a:pPr lvl="2"/>
             <a:r>
-              <a:rPr lang="en-US" smtClean="0"/>
+              <a:rPr lang="en-US"/>
               <a:t>Third level</a:t>
             </a:r>
           </a:p>
           <a:p>
             <a:pPr lvl="3"/>
             <a:r>
-              <a:rPr lang="en-US" smtClean="0"/>
+              <a:rPr lang="en-US"/>
               <a:t>Fourth level</a:t>
             </a:r>
           </a:p>
           <a:p>
             <a:pPr lvl="4"/>
             <a:r>
-              <a:rPr lang="en-US" smtClean="0"/>
+              <a:rPr lang="en-US"/>
               <a:t>Fifth level</a:t>
             </a:r>
-            <a:endParaRPr lang="en-US"/>
           </a:p>
         </p:txBody>
       </p:sp>
@@ -835,10 +835,9 @@
           </a:lstStyle>
           <a:p>
             <a:r>
-              <a:rPr lang="en-US" dirty="0" smtClean="0"/>
+              <a:rPr lang="en-US" dirty="0"/>
               <a:t>INTERMEDIATE PROGRAMMING LESSON</a:t>
             </a:r>
-            <a:endParaRPr lang="en-US" dirty="0"/>
           </a:p>
         </p:txBody>
       </p:sp>
@@ -907,10 +906,9 @@
           </a:lstStyle>
           <a:p>
             <a:r>
-              <a:rPr lang="en-US" dirty="0" smtClean="0"/>
+              <a:rPr lang="en-US" dirty="0"/>
               <a:t>Click to edit Master subtitle style</a:t>
             </a:r>
-            <a:endParaRPr lang="en-US" dirty="0"/>
           </a:p>
         </p:txBody>
       </p:sp>
@@ -929,9 +927,9 @@
           <a:bodyPr/>
           <a:lstStyle/>
           <a:p>
-            <a:fld id="{6B13CFBD-0392-DF42-9C65-6D1DE0580181}" type="datetime1">
+            <a:fld id="{5EAE23A2-2350-469B-B76D-8147F0A08814}" type="datetime1">
               <a:rPr lang="en-US" smtClean="0"/>
-              <a:t>11/13/15</a:t>
+              <a:t>7/7/2016</a:t>
             </a:fld>
             <a:endParaRPr lang="en-US"/>
           </a:p>
@@ -953,10 +951,9 @@
           <a:lstStyle/>
           <a:p>
             <a:r>
-              <a:rPr lang="sk-SK" smtClean="0"/>
-              <a:t>© 2015 EV3Lessons.com, Last edit 11/13/2015</a:t>
-            </a:r>
-            <a:endParaRPr lang="en-US"/>
+              <a:rPr lang="en-US"/>
+              <a:t>© 2016 EV3Lessons.com, Last edit 7/06/2016</a:t>
+            </a:r>
           </a:p>
         </p:txBody>
       </p:sp>
@@ -1120,14 +1117,13 @@
           <a:lstStyle/>
           <a:p>
             <a:r>
-              <a:rPr lang="en-US" dirty="0" smtClean="0"/>
+              <a:rPr lang="en-US" dirty="0"/>
               <a:t>By </a:t>
             </a:r>
             <a:r>
-              <a:rPr lang="en-US" smtClean="0"/>
+              <a:rPr lang="en-US"/>
               <a:t>Droids Robotics</a:t>
             </a:r>
-            <a:endParaRPr lang="en-US"/>
           </a:p>
         </p:txBody>
       </p:sp>
@@ -1193,7 +1189,7 @@
           <a:noFill/>
           <a:extLst>
             <a:ext uri="{909E8E84-426E-40dd-AFC4-6F175D3DCCD1}">
-              <a14:hiddenFill xmlns="" xmlns:a14="http://schemas.microsoft.com/office/drawing/2010/main">
+              <a14:hiddenFill xmlns:a14="http://schemas.microsoft.com/office/drawing/2010/main" xmlns="">
                 <a:solidFill>
                   <a:srgbClr val="FFFFFF"/>
                 </a:solidFill>
@@ -1248,83 +1244,83 @@
           <a:lstStyle/>
           <a:p>
             <a:r>
+              <a:rPr lang="en-US"/>
+              <a:t>Click to edit Master title style</a:t>
+            </a:r>
+            <a:endParaRPr lang="en-US" dirty="0"/>
+          </a:p>
+        </p:txBody>
+      </p:sp>
+      <p:sp>
+        <p:nvSpPr>
+          <p:cNvPr id="3" name="Vertical Text Placeholder 2"/>
+          <p:cNvSpPr>
+            <a:spLocks noGrp="1"/>
+          </p:cNvSpPr>
+          <p:nvPr>
+            <p:ph type="body" orient="vert" idx="1"/>
+          </p:nvPr>
+        </p:nvSpPr>
+        <p:spPr/>
+        <p:txBody>
+          <a:bodyPr vert="eaVert" lIns="45720" tIns="0" rIns="45720" bIns="0"/>
+          <a:lstStyle/>
+          <a:p>
+            <a:pPr lvl="0"/>
+            <a:r>
+              <a:rPr lang="en-US"/>
+              <a:t>Click to edit Master text styles</a:t>
+            </a:r>
+          </a:p>
+          <a:p>
+            <a:pPr lvl="1"/>
+            <a:r>
+              <a:rPr lang="en-US"/>
+              <a:t>Second level</a:t>
+            </a:r>
+          </a:p>
+          <a:p>
+            <a:pPr lvl="2"/>
+            <a:r>
+              <a:rPr lang="en-US"/>
+              <a:t>Third level</a:t>
+            </a:r>
+          </a:p>
+          <a:p>
+            <a:pPr lvl="3"/>
+            <a:r>
+              <a:rPr lang="en-US"/>
+              <a:t>Fourth level</a:t>
+            </a:r>
+          </a:p>
+          <a:p>
+            <a:pPr lvl="4"/>
+            <a:r>
+              <a:rPr lang="en-US"/>
+              <a:t>Fifth level</a:t>
+            </a:r>
+            <a:endParaRPr lang="en-US" dirty="0"/>
+          </a:p>
+        </p:txBody>
+      </p:sp>
+      <p:sp>
+        <p:nvSpPr>
+          <p:cNvPr id="4" name="Date Placeholder 3"/>
+          <p:cNvSpPr>
+            <a:spLocks noGrp="1"/>
+          </p:cNvSpPr>
+          <p:nvPr>
+            <p:ph type="dt" sz="half" idx="10"/>
+          </p:nvPr>
+        </p:nvSpPr>
+        <p:spPr/>
+        <p:txBody>
+          <a:bodyPr/>
+          <a:lstStyle/>
+          <a:p>
+            <a:fld id="{1FE34218-01B0-44DE-B18F-F7983537BF01}" type="datetime1">
               <a:rPr lang="en-US" smtClean="0"/>
-              <a:t>Click to edit Master title style</a:t>
-            </a:r>
-            <a:endParaRPr lang="en-US" dirty="0"/>
-          </a:p>
-        </p:txBody>
-      </p:sp>
-      <p:sp>
-        <p:nvSpPr>
-          <p:cNvPr id="3" name="Vertical Text Placeholder 2"/>
-          <p:cNvSpPr>
-            <a:spLocks noGrp="1"/>
-          </p:cNvSpPr>
-          <p:nvPr>
-            <p:ph type="body" orient="vert" idx="1"/>
-          </p:nvPr>
-        </p:nvSpPr>
-        <p:spPr/>
-        <p:txBody>
-          <a:bodyPr vert="eaVert" lIns="45720" tIns="0" rIns="45720" bIns="0"/>
-          <a:lstStyle/>
-          <a:p>
-            <a:pPr lvl="0"/>
-            <a:r>
-              <a:rPr lang="en-US" smtClean="0"/>
-              <a:t>Click to edit Master text styles</a:t>
-            </a:r>
-          </a:p>
-          <a:p>
-            <a:pPr lvl="1"/>
-            <a:r>
-              <a:rPr lang="en-US" smtClean="0"/>
-              <a:t>Second level</a:t>
-            </a:r>
-          </a:p>
-          <a:p>
-            <a:pPr lvl="2"/>
-            <a:r>
-              <a:rPr lang="en-US" smtClean="0"/>
-              <a:t>Third level</a:t>
-            </a:r>
-          </a:p>
-          <a:p>
-            <a:pPr lvl="3"/>
-            <a:r>
-              <a:rPr lang="en-US" smtClean="0"/>
-              <a:t>Fourth level</a:t>
-            </a:r>
-          </a:p>
-          <a:p>
-            <a:pPr lvl="4"/>
-            <a:r>
-              <a:rPr lang="en-US" smtClean="0"/>
-              <a:t>Fifth level</a:t>
-            </a:r>
-            <a:endParaRPr lang="en-US" dirty="0"/>
-          </a:p>
-        </p:txBody>
-      </p:sp>
-      <p:sp>
-        <p:nvSpPr>
-          <p:cNvPr id="4" name="Date Placeholder 3"/>
-          <p:cNvSpPr>
-            <a:spLocks noGrp="1"/>
-          </p:cNvSpPr>
-          <p:nvPr>
-            <p:ph type="dt" sz="half" idx="10"/>
-          </p:nvPr>
-        </p:nvSpPr>
-        <p:spPr/>
-        <p:txBody>
-          <a:bodyPr/>
-          <a:lstStyle/>
-          <a:p>
-            <a:fld id="{BF0F175E-9EAC-E14B-B7AC-8C8F25EC1DAA}" type="datetime1">
-              <a:rPr lang="en-US" smtClean="0"/>
-              <a:t>11/13/15</a:t>
+              <a:t>7/7/2016</a:t>
             </a:fld>
             <a:endParaRPr lang="en-US"/>
           </a:p>
@@ -1346,10 +1342,9 @@
           <a:lstStyle/>
           <a:p>
             <a:r>
-              <a:rPr lang="sk-SK" smtClean="0"/>
-              <a:t>© 2015 EV3Lessons.com, Last edit 11/13/2015</a:t>
-            </a:r>
-            <a:endParaRPr lang="en-US"/>
+              <a:rPr lang="en-US"/>
+              <a:t>© 2016 EV3Lessons.com, Last edit 7/06/2016</a:t>
+            </a:r>
           </a:p>
         </p:txBody>
       </p:sp>
@@ -1503,7 +1498,7 @@
           <a:lstStyle/>
           <a:p>
             <a:r>
-              <a:rPr lang="en-US" smtClean="0"/>
+              <a:rPr lang="en-US"/>
               <a:t>Click to edit Master title style</a:t>
             </a:r>
             <a:endParaRPr lang="en-US" dirty="0"/>
@@ -1532,59 +1527,59 @@
           <a:p>
             <a:pPr lvl="0"/>
             <a:r>
+              <a:rPr lang="en-US"/>
+              <a:t>Click to edit Master text styles</a:t>
+            </a:r>
+          </a:p>
+          <a:p>
+            <a:pPr lvl="1"/>
+            <a:r>
+              <a:rPr lang="en-US"/>
+              <a:t>Second level</a:t>
+            </a:r>
+          </a:p>
+          <a:p>
+            <a:pPr lvl="2"/>
+            <a:r>
+              <a:rPr lang="en-US"/>
+              <a:t>Third level</a:t>
+            </a:r>
+          </a:p>
+          <a:p>
+            <a:pPr lvl="3"/>
+            <a:r>
+              <a:rPr lang="en-US"/>
+              <a:t>Fourth level</a:t>
+            </a:r>
+          </a:p>
+          <a:p>
+            <a:pPr lvl="4"/>
+            <a:r>
+              <a:rPr lang="en-US"/>
+              <a:t>Fifth level</a:t>
+            </a:r>
+            <a:endParaRPr lang="en-US" dirty="0"/>
+          </a:p>
+        </p:txBody>
+      </p:sp>
+      <p:sp>
+        <p:nvSpPr>
+          <p:cNvPr id="4" name="Date Placeholder 3"/>
+          <p:cNvSpPr>
+            <a:spLocks noGrp="1"/>
+          </p:cNvSpPr>
+          <p:nvPr>
+            <p:ph type="dt" sz="half" idx="10"/>
+          </p:nvPr>
+        </p:nvSpPr>
+        <p:spPr/>
+        <p:txBody>
+          <a:bodyPr/>
+          <a:lstStyle/>
+          <a:p>
+            <a:fld id="{FE97D7FE-07AF-4868-AF57-9766209FF5B5}" type="datetime1">
               <a:rPr lang="en-US" smtClean="0"/>
-              <a:t>Click to edit Master text styles</a:t>
-            </a:r>
-          </a:p>
-          <a:p>
-            <a:pPr lvl="1"/>
-            <a:r>
-              <a:rPr lang="en-US" smtClean="0"/>
-              <a:t>Second level</a:t>
-            </a:r>
-          </a:p>
-          <a:p>
-            <a:pPr lvl="2"/>
-            <a:r>
-              <a:rPr lang="en-US" smtClean="0"/>
-              <a:t>Third level</a:t>
-            </a:r>
-          </a:p>
-          <a:p>
-            <a:pPr lvl="3"/>
-            <a:r>
-              <a:rPr lang="en-US" smtClean="0"/>
-              <a:t>Fourth level</a:t>
-            </a:r>
-          </a:p>
-          <a:p>
-            <a:pPr lvl="4"/>
-            <a:r>
-              <a:rPr lang="en-US" smtClean="0"/>
-              <a:t>Fifth level</a:t>
-            </a:r>
-            <a:endParaRPr lang="en-US" dirty="0"/>
-          </a:p>
-        </p:txBody>
-      </p:sp>
-      <p:sp>
-        <p:nvSpPr>
-          <p:cNvPr id="4" name="Date Placeholder 3"/>
-          <p:cNvSpPr>
-            <a:spLocks noGrp="1"/>
-          </p:cNvSpPr>
-          <p:nvPr>
-            <p:ph type="dt" sz="half" idx="10"/>
-          </p:nvPr>
-        </p:nvSpPr>
-        <p:spPr/>
-        <p:txBody>
-          <a:bodyPr/>
-          <a:lstStyle/>
-          <a:p>
-            <a:fld id="{ABE2FCFC-C57A-2442-884C-F5C58B3A2465}" type="datetime1">
-              <a:rPr lang="en-US" smtClean="0"/>
-              <a:t>11/13/15</a:t>
+              <a:t>7/7/2016</a:t>
             </a:fld>
             <a:endParaRPr lang="en-US"/>
           </a:p>
@@ -1606,10 +1601,9 @@
           <a:lstStyle/>
           <a:p>
             <a:r>
-              <a:rPr lang="sk-SK" smtClean="0"/>
-              <a:t>© 2015 EV3Lessons.com, Last edit 11/13/2015</a:t>
-            </a:r>
-            <a:endParaRPr lang="en-US"/>
+              <a:rPr lang="en-US"/>
+              <a:t>© 2016 EV3Lessons.com, Last edit 7/06/2016</a:t>
+            </a:r>
           </a:p>
         </p:txBody>
       </p:sp>
@@ -1649,7 +1643,533 @@
 </p:sldLayout>
 </file>
 
-<file path=ppt/slideLayouts/slideLayout2.xml><?xml version="1.0" encoding="utf-8"?>
+<file path=ppt/slideLayouts/slideLayout12.xml><?xml version="1.0" encoding="utf-8"?>
+<p:sldLayout xmlns:a="http://schemas.openxmlformats.org/drawingml/2006/main" xmlns:r="http://schemas.openxmlformats.org/officeDocument/2006/relationships" xmlns:p="http://schemas.openxmlformats.org/presentationml/2006/main" showMasterSp="0" type="title" preserve="1">
+  <p:cSld name="Title Slide">
+    <p:spTree>
+      <p:nvGrpSpPr>
+        <p:cNvPr id="1" name=""/>
+        <p:cNvGrpSpPr/>
+        <p:nvPr/>
+      </p:nvGrpSpPr>
+      <p:grpSpPr>
+        <a:xfrm>
+          <a:off x="0" y="0"/>
+          <a:ext cx="0" cy="0"/>
+          <a:chOff x="0" y="0"/>
+          <a:chExt cx="0" cy="0"/>
+        </a:xfrm>
+      </p:grpSpPr>
+      <p:sp>
+        <p:nvSpPr>
+          <p:cNvPr id="7" name="Rectangle 6"/>
+          <p:cNvSpPr/>
+          <p:nvPr/>
+        </p:nvSpPr>
+        <p:spPr>
+          <a:xfrm>
+            <a:off x="2382" y="6400800"/>
+            <a:ext cx="9141619" cy="457200"/>
+          </a:xfrm>
+          <a:prstGeom prst="rect">
+            <a:avLst/>
+          </a:prstGeom>
+          <a:solidFill>
+            <a:srgbClr val="0070C0"/>
+          </a:solidFill>
+          <a:ln>
+            <a:noFill/>
+          </a:ln>
+        </p:spPr>
+        <p:style>
+          <a:lnRef idx="2">
+            <a:schemeClr val="accent1">
+              <a:shade val="50000"/>
+            </a:schemeClr>
+          </a:lnRef>
+          <a:fillRef idx="1">
+            <a:schemeClr val="accent1"/>
+          </a:fillRef>
+          <a:effectRef idx="0">
+            <a:schemeClr val="accent1"/>
+          </a:effectRef>
+          <a:fontRef idx="minor">
+            <a:schemeClr val="lt1"/>
+          </a:fontRef>
+        </p:style>
+      </p:sp>
+      <p:sp>
+        <p:nvSpPr>
+          <p:cNvPr id="2" name="Title 1"/>
+          <p:cNvSpPr>
+            <a:spLocks noGrp="1"/>
+          </p:cNvSpPr>
+          <p:nvPr>
+            <p:ph type="ctrTitle" hasCustomPrompt="1"/>
+          </p:nvPr>
+        </p:nvSpPr>
+        <p:spPr>
+          <a:xfrm>
+            <a:off x="196279" y="154094"/>
+            <a:ext cx="3853207" cy="1870649"/>
+          </a:xfrm>
+          <a:ln>
+            <a:noFill/>
+          </a:ln>
+        </p:spPr>
+        <p:txBody>
+          <a:bodyPr anchor="ctr">
+            <a:normAutofit/>
+          </a:bodyPr>
+          <a:lstStyle>
+            <a:lvl1pPr algn="l">
+              <a:lnSpc>
+                <a:spcPct val="85000"/>
+              </a:lnSpc>
+              <a:defRPr sz="4000" spc="-50" baseline="0">
+                <a:solidFill>
+                  <a:schemeClr val="tx1">
+                    <a:lumMod val="85000"/>
+                    <a:lumOff val="15000"/>
+                  </a:schemeClr>
+                </a:solidFill>
+              </a:defRPr>
+            </a:lvl1pPr>
+          </a:lstStyle>
+          <a:p>
+            <a:r>
+              <a:rPr lang="en-US" dirty="0"/>
+              <a:t>INTERMEDIATE PROGRAMMING LESSON</a:t>
+            </a:r>
+          </a:p>
+        </p:txBody>
+      </p:sp>
+      <p:sp>
+        <p:nvSpPr>
+          <p:cNvPr id="3" name="Subtitle 2"/>
+          <p:cNvSpPr>
+            <a:spLocks noGrp="1"/>
+          </p:cNvSpPr>
+          <p:nvPr>
+            <p:ph type="subTitle" idx="1"/>
+          </p:nvPr>
+        </p:nvSpPr>
+        <p:spPr>
+          <a:xfrm>
+            <a:off x="1548051" y="3452894"/>
+            <a:ext cx="6004883" cy="401411"/>
+          </a:xfrm>
+        </p:spPr>
+        <p:txBody>
+          <a:bodyPr lIns="91440" rIns="91440">
+            <a:normAutofit/>
+          </a:bodyPr>
+          <a:lstStyle>
+            <a:lvl1pPr marL="0" indent="0" algn="ctr">
+              <a:buNone/>
+              <a:defRPr sz="2400" cap="all" spc="200" baseline="0">
+                <a:solidFill>
+                  <a:schemeClr val="tx2"/>
+                </a:solidFill>
+                <a:latin typeface="+mj-lt"/>
+              </a:defRPr>
+            </a:lvl1pPr>
+            <a:lvl2pPr marL="457200" indent="0" algn="ctr">
+              <a:buNone/>
+              <a:defRPr sz="2400"/>
+            </a:lvl2pPr>
+            <a:lvl3pPr marL="914400" indent="0" algn="ctr">
+              <a:buNone/>
+              <a:defRPr sz="2400"/>
+            </a:lvl3pPr>
+            <a:lvl4pPr marL="1371600" indent="0" algn="ctr">
+              <a:buNone/>
+              <a:defRPr sz="2000"/>
+            </a:lvl4pPr>
+            <a:lvl5pPr marL="1828800" indent="0" algn="ctr">
+              <a:buNone/>
+              <a:defRPr sz="2000"/>
+            </a:lvl5pPr>
+            <a:lvl6pPr marL="2286000" indent="0" algn="ctr">
+              <a:buNone/>
+              <a:defRPr sz="2000"/>
+            </a:lvl6pPr>
+            <a:lvl7pPr marL="2743200" indent="0" algn="ctr">
+              <a:buNone/>
+              <a:defRPr sz="2000"/>
+            </a:lvl7pPr>
+            <a:lvl8pPr marL="3200400" indent="0" algn="ctr">
+              <a:buNone/>
+              <a:defRPr sz="2000"/>
+            </a:lvl8pPr>
+            <a:lvl9pPr marL="3657600" indent="0" algn="ctr">
+              <a:buNone/>
+              <a:defRPr sz="2000"/>
+            </a:lvl9pPr>
+          </a:lstStyle>
+          <a:p>
+            <a:r>
+              <a:rPr lang="en-US"/>
+              <a:t>Click to edit Master subtitle style</a:t>
+            </a:r>
+            <a:endParaRPr lang="en-US" dirty="0"/>
+          </a:p>
+        </p:txBody>
+      </p:sp>
+      <p:sp>
+        <p:nvSpPr>
+          <p:cNvPr id="4" name="Date Placeholder 3"/>
+          <p:cNvSpPr>
+            <a:spLocks noGrp="1"/>
+          </p:cNvSpPr>
+          <p:nvPr>
+            <p:ph type="dt" sz="half" idx="10"/>
+          </p:nvPr>
+        </p:nvSpPr>
+        <p:spPr/>
+        <p:txBody>
+          <a:bodyPr/>
+          <a:lstStyle/>
+          <a:p>
+            <a:fld id="{9B525E8C-9208-4F6A-8AE6-096B6F8FE8F2}" type="datetime1">
+              <a:rPr lang="en-US" smtClean="0"/>
+              <a:t>7/7/2016</a:t>
+            </a:fld>
+            <a:endParaRPr lang="en-US"/>
+          </a:p>
+        </p:txBody>
+      </p:sp>
+      <p:sp>
+        <p:nvSpPr>
+          <p:cNvPr id="5" name="Footer Placeholder 4"/>
+          <p:cNvSpPr>
+            <a:spLocks noGrp="1"/>
+          </p:cNvSpPr>
+          <p:nvPr>
+            <p:ph type="ftr" sz="quarter" idx="11"/>
+          </p:nvPr>
+        </p:nvSpPr>
+        <p:spPr/>
+        <p:txBody>
+          <a:bodyPr/>
+          <a:lstStyle/>
+          <a:p>
+            <a:r>
+              <a:rPr lang="en-US"/>
+              <a:t>© 2016 EV3Lessons.com, Last edit 7/06/2016</a:t>
+            </a:r>
+          </a:p>
+        </p:txBody>
+      </p:sp>
+      <p:sp>
+        <p:nvSpPr>
+          <p:cNvPr id="6" name="Slide Number Placeholder 5"/>
+          <p:cNvSpPr>
+            <a:spLocks noGrp="1"/>
+          </p:cNvSpPr>
+          <p:nvPr>
+            <p:ph type="sldNum" sz="quarter" idx="12"/>
+          </p:nvPr>
+        </p:nvSpPr>
+        <p:spPr/>
+        <p:txBody>
+          <a:bodyPr/>
+          <a:lstStyle/>
+          <a:p>
+            <a:fld id="{7F5CE407-6216-4202-80E4-A30DC2F709B2}" type="slidenum">
+              <a:rPr lang="en-US" smtClean="0"/>
+              <a:t>‹#›</a:t>
+            </a:fld>
+            <a:endParaRPr lang="en-US"/>
+          </a:p>
+        </p:txBody>
+      </p:sp>
+      <p:cxnSp>
+        <p:nvCxnSpPr>
+          <p:cNvPr id="9" name="Straight Connector 8"/>
+          <p:cNvCxnSpPr/>
+          <p:nvPr/>
+        </p:nvCxnSpPr>
+        <p:spPr>
+          <a:xfrm>
+            <a:off x="905744" y="3854305"/>
+            <a:ext cx="7406640" cy="0"/>
+          </a:xfrm>
+          <a:prstGeom prst="line">
+            <a:avLst/>
+          </a:prstGeom>
+          <a:ln w="6350">
+            <a:solidFill>
+              <a:schemeClr val="tx1">
+                <a:lumMod val="50000"/>
+                <a:lumOff val="50000"/>
+              </a:schemeClr>
+            </a:solidFill>
+          </a:ln>
+        </p:spPr>
+        <p:style>
+          <a:lnRef idx="1">
+            <a:schemeClr val="accent1"/>
+          </a:lnRef>
+          <a:fillRef idx="0">
+            <a:schemeClr val="accent1"/>
+          </a:fillRef>
+          <a:effectRef idx="0">
+            <a:schemeClr val="accent1"/>
+          </a:effectRef>
+          <a:fontRef idx="minor">
+            <a:schemeClr val="tx1"/>
+          </a:fontRef>
+        </p:style>
+      </p:cxnSp>
+      <p:sp>
+        <p:nvSpPr>
+          <p:cNvPr id="10" name="Rectangle 9"/>
+          <p:cNvSpPr/>
+          <p:nvPr/>
+        </p:nvSpPr>
+        <p:spPr>
+          <a:xfrm>
+            <a:off x="0" y="6334315"/>
+            <a:ext cx="4487333" cy="92382"/>
+          </a:xfrm>
+          <a:prstGeom prst="rect">
+            <a:avLst/>
+          </a:prstGeom>
+          <a:solidFill>
+            <a:srgbClr val="00B050"/>
+          </a:solidFill>
+          <a:ln>
+            <a:noFill/>
+          </a:ln>
+        </p:spPr>
+        <p:style>
+          <a:lnRef idx="2">
+            <a:schemeClr val="accent1">
+              <a:shade val="50000"/>
+            </a:schemeClr>
+          </a:lnRef>
+          <a:fillRef idx="1">
+            <a:schemeClr val="accent1"/>
+          </a:fillRef>
+          <a:effectRef idx="0">
+            <a:schemeClr val="accent1"/>
+          </a:effectRef>
+          <a:fontRef idx="minor">
+            <a:schemeClr val="lt1"/>
+          </a:fontRef>
+        </p:style>
+      </p:sp>
+      <p:sp>
+        <p:nvSpPr>
+          <p:cNvPr id="11" name="Rectangle 10"/>
+          <p:cNvSpPr/>
+          <p:nvPr/>
+        </p:nvSpPr>
+        <p:spPr>
+          <a:xfrm>
+            <a:off x="4487333" y="6334315"/>
+            <a:ext cx="4656667" cy="92382"/>
+          </a:xfrm>
+          <a:prstGeom prst="rect">
+            <a:avLst/>
+          </a:prstGeom>
+          <a:solidFill>
+            <a:srgbClr val="7030A0"/>
+          </a:solidFill>
+          <a:ln>
+            <a:noFill/>
+          </a:ln>
+        </p:spPr>
+        <p:style>
+          <a:lnRef idx="2">
+            <a:schemeClr val="accent1">
+              <a:shade val="50000"/>
+            </a:schemeClr>
+          </a:lnRef>
+          <a:fillRef idx="1">
+            <a:schemeClr val="accent1"/>
+          </a:fillRef>
+          <a:effectRef idx="0">
+            <a:schemeClr val="accent1"/>
+          </a:effectRef>
+          <a:fontRef idx="minor">
+            <a:schemeClr val="lt1"/>
+          </a:fontRef>
+        </p:style>
+      </p:sp>
+      <p:sp>
+        <p:nvSpPr>
+          <p:cNvPr id="8" name="TextBox 7"/>
+          <p:cNvSpPr txBox="1"/>
+          <p:nvPr/>
+        </p:nvSpPr>
+        <p:spPr>
+          <a:xfrm>
+            <a:off x="2363695" y="3959525"/>
+            <a:ext cx="4373593" cy="369332"/>
+          </a:xfrm>
+          <a:prstGeom prst="rect">
+            <a:avLst/>
+          </a:prstGeom>
+          <a:noFill/>
+        </p:spPr>
+        <p:txBody>
+          <a:bodyPr wrap="square" rtlCol="0">
+            <a:spAutoFit/>
+          </a:bodyPr>
+          <a:lstStyle/>
+          <a:p>
+            <a:pPr algn="ctr"/>
+            <a:r>
+              <a:rPr lang="en-US" dirty="0">
+                <a:latin typeface="+mj-lt"/>
+              </a:rPr>
+              <a:t>By</a:t>
+            </a:r>
+            <a:r>
+              <a:rPr lang="en-US" baseline="0" dirty="0">
+                <a:latin typeface="+mj-lt"/>
+              </a:rPr>
+              <a:t> Sanjay and Arvind Seshan</a:t>
+            </a:r>
+            <a:endParaRPr lang="en-US" dirty="0">
+              <a:latin typeface="+mj-lt"/>
+            </a:endParaRPr>
+          </a:p>
+        </p:txBody>
+      </p:sp>
+      <p:pic>
+        <p:nvPicPr>
+          <p:cNvPr id="1026" name="Picture 2" descr="EV3Lessons.com"/>
+          <p:cNvPicPr>
+            <a:picLocks noChangeAspect="1" noChangeArrowheads="1"/>
+          </p:cNvPicPr>
+          <p:nvPr/>
+        </p:nvPicPr>
+        <p:blipFill>
+          <a:blip r:embed="rId2">
+            <a:extLst>
+              <a:ext uri="{28A0092B-C50C-407E-A947-70E740481C1C}">
+                <a14:useLocalDpi xmlns:a14="http://schemas.microsoft.com/office/drawing/2010/main" val="0"/>
+              </a:ext>
+            </a:extLst>
+          </a:blip>
+          <a:srcRect/>
+          <a:stretch>
+            <a:fillRect/>
+          </a:stretch>
+        </p:blipFill>
+        <p:spPr bwMode="auto">
+          <a:xfrm>
+            <a:off x="3955687" y="139554"/>
+            <a:ext cx="5075507" cy="1885189"/>
+          </a:xfrm>
+          <a:prstGeom prst="rect">
+            <a:avLst/>
+          </a:prstGeom>
+          <a:noFill/>
+          <a:extLst>
+            <a:ext uri="{909E8E84-426E-40DD-AFC4-6F175D3DCCD1}">
+              <a14:hiddenFill xmlns:a14="http://schemas.microsoft.com/office/drawing/2010/main">
+                <a:solidFill>
+                  <a:srgbClr val="FFFFFF"/>
+                </a:solidFill>
+              </a14:hiddenFill>
+            </a:ext>
+          </a:extLst>
+        </p:spPr>
+      </p:pic>
+      <p:sp>
+        <p:nvSpPr>
+          <p:cNvPr id="13" name="Rectangle 12"/>
+          <p:cNvSpPr/>
+          <p:nvPr userDrawn="1"/>
+        </p:nvSpPr>
+        <p:spPr>
+          <a:xfrm>
+            <a:off x="0" y="6334315"/>
+            <a:ext cx="4487333" cy="92382"/>
+          </a:xfrm>
+          <a:prstGeom prst="rect">
+            <a:avLst/>
+          </a:prstGeom>
+          <a:solidFill>
+            <a:srgbClr val="00B050"/>
+          </a:solidFill>
+          <a:ln>
+            <a:noFill/>
+          </a:ln>
+        </p:spPr>
+        <p:style>
+          <a:lnRef idx="2">
+            <a:schemeClr val="accent1">
+              <a:shade val="50000"/>
+            </a:schemeClr>
+          </a:lnRef>
+          <a:fillRef idx="1">
+            <a:schemeClr val="accent1"/>
+          </a:fillRef>
+          <a:effectRef idx="0">
+            <a:schemeClr val="accent1"/>
+          </a:effectRef>
+          <a:fontRef idx="minor">
+            <a:schemeClr val="lt1"/>
+          </a:fontRef>
+        </p:style>
+      </p:sp>
+      <p:sp>
+        <p:nvSpPr>
+          <p:cNvPr id="14" name="Rectangle 13"/>
+          <p:cNvSpPr/>
+          <p:nvPr userDrawn="1"/>
+        </p:nvSpPr>
+        <p:spPr>
+          <a:xfrm>
+            <a:off x="4487333" y="6334315"/>
+            <a:ext cx="4656667" cy="92382"/>
+          </a:xfrm>
+          <a:prstGeom prst="rect">
+            <a:avLst/>
+          </a:prstGeom>
+          <a:solidFill>
+            <a:srgbClr val="7030A0"/>
+          </a:solidFill>
+          <a:ln>
+            <a:noFill/>
+          </a:ln>
+        </p:spPr>
+        <p:style>
+          <a:lnRef idx="2">
+            <a:schemeClr val="accent1">
+              <a:shade val="50000"/>
+            </a:schemeClr>
+          </a:lnRef>
+          <a:fillRef idx="1">
+            <a:schemeClr val="accent1"/>
+          </a:fillRef>
+          <a:effectRef idx="0">
+            <a:schemeClr val="accent1"/>
+          </a:effectRef>
+          <a:fontRef idx="minor">
+            <a:schemeClr val="lt1"/>
+          </a:fontRef>
+        </p:style>
+      </p:sp>
+    </p:spTree>
+    <p:extLst>
+      <p:ext uri="{BB962C8B-B14F-4D97-AF65-F5344CB8AC3E}">
+        <p14:creationId xmlns:p14="http://schemas.microsoft.com/office/powerpoint/2010/main" val="432001272"/>
+      </p:ext>
+    </p:extLst>
+  </p:cSld>
+  <p:clrMapOvr>
+    <a:masterClrMapping/>
+  </p:clrMapOvr>
+</p:sldLayout>
+</file>
+
+<file path=ppt/slideLayouts/slideLayout13.xml><?xml version="1.0" encoding="utf-8"?>
 <p:sldLayout xmlns:a="http://schemas.openxmlformats.org/drawingml/2006/main" xmlns:r="http://schemas.openxmlformats.org/officeDocument/2006/relationships" xmlns:p="http://schemas.openxmlformats.org/presentationml/2006/main" type="obj" preserve="1">
   <p:cSld name="Title and Content">
     <p:spTree>
@@ -1682,83 +2202,83 @@
           <a:lstStyle/>
           <a:p>
             <a:r>
+              <a:rPr lang="en-US"/>
+              <a:t>Click to edit Master title style</a:t>
+            </a:r>
+            <a:endParaRPr lang="en-US" dirty="0"/>
+          </a:p>
+        </p:txBody>
+      </p:sp>
+      <p:sp>
+        <p:nvSpPr>
+          <p:cNvPr id="3" name="Content Placeholder 2"/>
+          <p:cNvSpPr>
+            <a:spLocks noGrp="1"/>
+          </p:cNvSpPr>
+          <p:nvPr>
+            <p:ph idx="1"/>
+          </p:nvPr>
+        </p:nvSpPr>
+        <p:spPr/>
+        <p:txBody>
+          <a:bodyPr/>
+          <a:lstStyle/>
+          <a:p>
+            <a:pPr lvl="0"/>
+            <a:r>
+              <a:rPr lang="en-US"/>
+              <a:t>Edit Master text styles</a:t>
+            </a:r>
+          </a:p>
+          <a:p>
+            <a:pPr lvl="1"/>
+            <a:r>
+              <a:rPr lang="en-US"/>
+              <a:t>Second level</a:t>
+            </a:r>
+          </a:p>
+          <a:p>
+            <a:pPr lvl="2"/>
+            <a:r>
+              <a:rPr lang="en-US"/>
+              <a:t>Third level</a:t>
+            </a:r>
+          </a:p>
+          <a:p>
+            <a:pPr lvl="3"/>
+            <a:r>
+              <a:rPr lang="en-US"/>
+              <a:t>Fourth level</a:t>
+            </a:r>
+          </a:p>
+          <a:p>
+            <a:pPr lvl="4"/>
+            <a:r>
+              <a:rPr lang="en-US"/>
+              <a:t>Fifth level</a:t>
+            </a:r>
+            <a:endParaRPr lang="en-US" dirty="0"/>
+          </a:p>
+        </p:txBody>
+      </p:sp>
+      <p:sp>
+        <p:nvSpPr>
+          <p:cNvPr id="4" name="Date Placeholder 3"/>
+          <p:cNvSpPr>
+            <a:spLocks noGrp="1"/>
+          </p:cNvSpPr>
+          <p:nvPr>
+            <p:ph type="dt" sz="half" idx="10"/>
+          </p:nvPr>
+        </p:nvSpPr>
+        <p:spPr/>
+        <p:txBody>
+          <a:bodyPr/>
+          <a:lstStyle/>
+          <a:p>
+            <a:fld id="{CF59E484-A88E-44B4-94F0-7E6BCE57814B}" type="datetime1">
               <a:rPr lang="en-US" smtClean="0"/>
-              <a:t>Click to edit Master title style</a:t>
-            </a:r>
-            <a:endParaRPr lang="en-US" dirty="0"/>
-          </a:p>
-        </p:txBody>
-      </p:sp>
-      <p:sp>
-        <p:nvSpPr>
-          <p:cNvPr id="3" name="Content Placeholder 2"/>
-          <p:cNvSpPr>
-            <a:spLocks noGrp="1"/>
-          </p:cNvSpPr>
-          <p:nvPr>
-            <p:ph idx="1"/>
-          </p:nvPr>
-        </p:nvSpPr>
-        <p:spPr/>
-        <p:txBody>
-          <a:bodyPr/>
-          <a:lstStyle/>
-          <a:p>
-            <a:pPr lvl="0"/>
-            <a:r>
-              <a:rPr lang="en-US" smtClean="0"/>
-              <a:t>Click to edit Master text styles</a:t>
-            </a:r>
-          </a:p>
-          <a:p>
-            <a:pPr lvl="1"/>
-            <a:r>
-              <a:rPr lang="en-US" smtClean="0"/>
-              <a:t>Second level</a:t>
-            </a:r>
-          </a:p>
-          <a:p>
-            <a:pPr lvl="2"/>
-            <a:r>
-              <a:rPr lang="en-US" smtClean="0"/>
-              <a:t>Third level</a:t>
-            </a:r>
-          </a:p>
-          <a:p>
-            <a:pPr lvl="3"/>
-            <a:r>
-              <a:rPr lang="en-US" smtClean="0"/>
-              <a:t>Fourth level</a:t>
-            </a:r>
-          </a:p>
-          <a:p>
-            <a:pPr lvl="4"/>
-            <a:r>
-              <a:rPr lang="en-US" smtClean="0"/>
-              <a:t>Fifth level</a:t>
-            </a:r>
-            <a:endParaRPr lang="en-US" dirty="0"/>
-          </a:p>
-        </p:txBody>
-      </p:sp>
-      <p:sp>
-        <p:nvSpPr>
-          <p:cNvPr id="4" name="Date Placeholder 3"/>
-          <p:cNvSpPr>
-            <a:spLocks noGrp="1"/>
-          </p:cNvSpPr>
-          <p:nvPr>
-            <p:ph type="dt" sz="half" idx="10"/>
-          </p:nvPr>
-        </p:nvSpPr>
-        <p:spPr/>
-        <p:txBody>
-          <a:bodyPr/>
-          <a:lstStyle/>
-          <a:p>
-            <a:fld id="{6964D4EB-A2A3-5D46-A2E3-B082D53C11C5}" type="datetime1">
-              <a:rPr lang="en-US" smtClean="0"/>
-              <a:t>11/13/15</a:t>
+              <a:t>7/7/2016</a:t>
             </a:fld>
             <a:endParaRPr lang="en-US"/>
           </a:p>
@@ -1780,10 +2300,9 @@
           <a:lstStyle/>
           <a:p>
             <a:r>
-              <a:rPr lang="sk-SK" smtClean="0"/>
-              <a:t>© 2015 EV3Lessons.com, Last edit 11/13/2015</a:t>
-            </a:r>
-            <a:endParaRPr lang="en-US"/>
+              <a:rPr lang="en-US"/>
+              <a:t>© 2016 EV3Lessons.com, Last edit 7/06/2016</a:t>
+            </a:r>
           </a:p>
         </p:txBody>
       </p:sp>
@@ -1813,7 +2332,7 @@
     </p:spTree>
     <p:extLst>
       <p:ext uri="{BB962C8B-B14F-4D97-AF65-F5344CB8AC3E}">
-        <p14:creationId xmlns:p14="http://schemas.microsoft.com/office/powerpoint/2010/main" val="152854376"/>
+        <p14:creationId xmlns:p14="http://schemas.microsoft.com/office/powerpoint/2010/main" val="568065197"/>
       </p:ext>
     </p:extLst>
   </p:cSld>
@@ -1823,7 +2342,7 @@
 </p:sldLayout>
 </file>
 
-<file path=ppt/slideLayouts/slideLayout3.xml><?xml version="1.0" encoding="utf-8"?>
+<file path=ppt/slideLayouts/slideLayout14.xml><?xml version="1.0" encoding="utf-8"?>
 <p:sldLayout xmlns:a="http://schemas.openxmlformats.org/drawingml/2006/main" xmlns:r="http://schemas.openxmlformats.org/officeDocument/2006/relationships" xmlns:p="http://schemas.openxmlformats.org/presentationml/2006/main" showMasterSp="0" type="secHead" preserve="1">
   <p:cSld name="Section Header">
     <p:bg>
@@ -1961,7 +2480,7 @@
           </a:lstStyle>
           <a:p>
             <a:r>
-              <a:rPr lang="en-US" smtClean="0"/>
+              <a:rPr lang="en-US"/>
               <a:t>Click to edit Master title style</a:t>
             </a:r>
             <a:endParaRPr lang="en-US" dirty="0"/>
@@ -2082,30 +2601,30 @@
           <a:p>
             <a:pPr lvl="0"/>
             <a:r>
+              <a:rPr lang="en-US"/>
+              <a:t>Edit Master text styles</a:t>
+            </a:r>
+          </a:p>
+        </p:txBody>
+      </p:sp>
+      <p:sp>
+        <p:nvSpPr>
+          <p:cNvPr id="4" name="Date Placeholder 3"/>
+          <p:cNvSpPr>
+            <a:spLocks noGrp="1"/>
+          </p:cNvSpPr>
+          <p:nvPr>
+            <p:ph type="dt" sz="half" idx="10"/>
+          </p:nvPr>
+        </p:nvSpPr>
+        <p:spPr/>
+        <p:txBody>
+          <a:bodyPr/>
+          <a:lstStyle/>
+          <a:p>
+            <a:fld id="{83351E67-C65B-4107-AC61-537E14D137AB}" type="datetime1">
               <a:rPr lang="en-US" smtClean="0"/>
-              <a:t>Click to edit Master text styles</a:t>
-            </a:r>
-          </a:p>
-        </p:txBody>
-      </p:sp>
-      <p:sp>
-        <p:nvSpPr>
-          <p:cNvPr id="4" name="Date Placeholder 3"/>
-          <p:cNvSpPr>
-            <a:spLocks noGrp="1"/>
-          </p:cNvSpPr>
-          <p:nvPr>
-            <p:ph type="dt" sz="half" idx="10"/>
-          </p:nvPr>
-        </p:nvSpPr>
-        <p:spPr/>
-        <p:txBody>
-          <a:bodyPr/>
-          <a:lstStyle/>
-          <a:p>
-            <a:fld id="{719062A6-538C-914A-A4D7-9D77EAAE33AB}" type="datetime1">
-              <a:rPr lang="en-US" smtClean="0"/>
-              <a:t>11/13/15</a:t>
+              <a:t>7/7/2016</a:t>
             </a:fld>
             <a:endParaRPr lang="en-US"/>
           </a:p>
@@ -2127,10 +2646,9 @@
           <a:lstStyle/>
           <a:p>
             <a:r>
-              <a:rPr lang="sk-SK" smtClean="0"/>
-              <a:t>© 2015 EV3Lessons.com, Last edit 11/13/2015</a:t>
-            </a:r>
-            <a:endParaRPr lang="en-US"/>
+              <a:rPr lang="en-US"/>
+              <a:t>© 2016 EV3Lessons.com, Last edit 7/06/2016</a:t>
+            </a:r>
           </a:p>
         </p:txBody>
       </p:sp>
@@ -2198,7 +2716,7 @@
     </p:spTree>
     <p:extLst>
       <p:ext uri="{BB962C8B-B14F-4D97-AF65-F5344CB8AC3E}">
-        <p14:creationId xmlns:p14="http://schemas.microsoft.com/office/powerpoint/2010/main" val="1131818102"/>
+        <p14:creationId xmlns:p14="http://schemas.microsoft.com/office/powerpoint/2010/main" val="3061732875"/>
       </p:ext>
     </p:extLst>
   </p:cSld>
@@ -2208,7 +2726,7 @@
 </p:sldLayout>
 </file>
 
-<file path=ppt/slideLayouts/slideLayout4.xml><?xml version="1.0" encoding="utf-8"?>
+<file path=ppt/slideLayouts/slideLayout15.xml><?xml version="1.0" encoding="utf-8"?>
 <p:sldLayout xmlns:a="http://schemas.openxmlformats.org/drawingml/2006/main" xmlns:r="http://schemas.openxmlformats.org/officeDocument/2006/relationships" xmlns:p="http://schemas.openxmlformats.org/presentationml/2006/main" type="twoObj" preserve="1">
   <p:cSld name="Two Content">
     <p:spTree>
@@ -2246,7 +2764,7 @@
           <a:lstStyle/>
           <a:p>
             <a:r>
-              <a:rPr lang="en-US" smtClean="0"/>
+              <a:rPr lang="en-US"/>
               <a:t>Click to edit Master title style</a:t>
             </a:r>
             <a:endParaRPr lang="en-US" dirty="0"/>
@@ -2275,35 +2793,35 @@
           <a:p>
             <a:pPr lvl="0"/>
             <a:r>
-              <a:rPr lang="en-US" smtClean="0"/>
-              <a:t>Click to edit Master text styles</a:t>
+              <a:rPr lang="en-US"/>
+              <a:t>Edit Master text styles</a:t>
             </a:r>
           </a:p>
           <a:p>
             <a:pPr lvl="1"/>
             <a:r>
-              <a:rPr lang="en-US" smtClean="0"/>
+              <a:rPr lang="en-US"/>
               <a:t>Second level</a:t>
             </a:r>
           </a:p>
           <a:p>
             <a:pPr lvl="2"/>
             <a:r>
-              <a:rPr lang="en-US" smtClean="0"/>
+              <a:rPr lang="en-US"/>
               <a:t>Third level</a:t>
             </a:r>
           </a:p>
           <a:p>
             <a:pPr lvl="3"/>
             <a:r>
-              <a:rPr lang="en-US" smtClean="0"/>
+              <a:rPr lang="en-US"/>
               <a:t>Fourth level</a:t>
             </a:r>
           </a:p>
           <a:p>
             <a:pPr lvl="4"/>
             <a:r>
-              <a:rPr lang="en-US" smtClean="0"/>
+              <a:rPr lang="en-US"/>
               <a:t>Fifth level</a:t>
             </a:r>
             <a:endParaRPr lang="en-US" dirty="0"/>
@@ -2332,59 +2850,59 @@
           <a:p>
             <a:pPr lvl="0"/>
             <a:r>
+              <a:rPr lang="en-US"/>
+              <a:t>Edit Master text styles</a:t>
+            </a:r>
+          </a:p>
+          <a:p>
+            <a:pPr lvl="1"/>
+            <a:r>
+              <a:rPr lang="en-US"/>
+              <a:t>Second level</a:t>
+            </a:r>
+          </a:p>
+          <a:p>
+            <a:pPr lvl="2"/>
+            <a:r>
+              <a:rPr lang="en-US"/>
+              <a:t>Third level</a:t>
+            </a:r>
+          </a:p>
+          <a:p>
+            <a:pPr lvl="3"/>
+            <a:r>
+              <a:rPr lang="en-US"/>
+              <a:t>Fourth level</a:t>
+            </a:r>
+          </a:p>
+          <a:p>
+            <a:pPr lvl="4"/>
+            <a:r>
+              <a:rPr lang="en-US"/>
+              <a:t>Fifth level</a:t>
+            </a:r>
+            <a:endParaRPr lang="en-US" dirty="0"/>
+          </a:p>
+        </p:txBody>
+      </p:sp>
+      <p:sp>
+        <p:nvSpPr>
+          <p:cNvPr id="5" name="Date Placeholder 4"/>
+          <p:cNvSpPr>
+            <a:spLocks noGrp="1"/>
+          </p:cNvSpPr>
+          <p:nvPr>
+            <p:ph type="dt" sz="half" idx="10"/>
+          </p:nvPr>
+        </p:nvSpPr>
+        <p:spPr/>
+        <p:txBody>
+          <a:bodyPr/>
+          <a:lstStyle/>
+          <a:p>
+            <a:fld id="{4DA8A5C7-EA95-4796-BFB9-65B5AAA4DAFB}" type="datetime1">
               <a:rPr lang="en-US" smtClean="0"/>
-              <a:t>Click to edit Master text styles</a:t>
-            </a:r>
-          </a:p>
-          <a:p>
-            <a:pPr lvl="1"/>
-            <a:r>
-              <a:rPr lang="en-US" smtClean="0"/>
-              <a:t>Second level</a:t>
-            </a:r>
-          </a:p>
-          <a:p>
-            <a:pPr lvl="2"/>
-            <a:r>
-              <a:rPr lang="en-US" smtClean="0"/>
-              <a:t>Third level</a:t>
-            </a:r>
-          </a:p>
-          <a:p>
-            <a:pPr lvl="3"/>
-            <a:r>
-              <a:rPr lang="en-US" smtClean="0"/>
-              <a:t>Fourth level</a:t>
-            </a:r>
-          </a:p>
-          <a:p>
-            <a:pPr lvl="4"/>
-            <a:r>
-              <a:rPr lang="en-US" smtClean="0"/>
-              <a:t>Fifth level</a:t>
-            </a:r>
-            <a:endParaRPr lang="en-US" dirty="0"/>
-          </a:p>
-        </p:txBody>
-      </p:sp>
-      <p:sp>
-        <p:nvSpPr>
-          <p:cNvPr id="5" name="Date Placeholder 4"/>
-          <p:cNvSpPr>
-            <a:spLocks noGrp="1"/>
-          </p:cNvSpPr>
-          <p:nvPr>
-            <p:ph type="dt" sz="half" idx="10"/>
-          </p:nvPr>
-        </p:nvSpPr>
-        <p:spPr/>
-        <p:txBody>
-          <a:bodyPr/>
-          <a:lstStyle/>
-          <a:p>
-            <a:fld id="{FBA86DE5-4727-3C44-A125-458AC819E1C1}" type="datetime1">
-              <a:rPr lang="en-US" smtClean="0"/>
-              <a:t>11/13/15</a:t>
+              <a:t>7/7/2016</a:t>
             </a:fld>
             <a:endParaRPr lang="en-US"/>
           </a:p>
@@ -2405,6 +2923,10 @@
           <a:bodyPr/>
           <a:lstStyle/>
           <a:p>
+            <a:r>
+              <a:rPr lang="en-US"/>
+              <a:t>© 2016 EV3Lessons.com, Last edit 7/06/2016</a:t>
+            </a:r>
             <a:endParaRPr lang="en-US" dirty="0"/>
           </a:p>
         </p:txBody>
@@ -2435,7 +2957,7 @@
     </p:spTree>
     <p:extLst>
       <p:ext uri="{BB962C8B-B14F-4D97-AF65-F5344CB8AC3E}">
-        <p14:creationId xmlns:p14="http://schemas.microsoft.com/office/powerpoint/2010/main" val="1540769095"/>
+        <p14:creationId xmlns:p14="http://schemas.microsoft.com/office/powerpoint/2010/main" val="3291966145"/>
       </p:ext>
     </p:extLst>
   </p:cSld>
@@ -2445,7 +2967,7 @@
 </p:sldLayout>
 </file>
 
-<file path=ppt/slideLayouts/slideLayout5.xml><?xml version="1.0" encoding="utf-8"?>
+<file path=ppt/slideLayouts/slideLayout16.xml><?xml version="1.0" encoding="utf-8"?>
 <p:sldLayout xmlns:a="http://schemas.openxmlformats.org/drawingml/2006/main" xmlns:r="http://schemas.openxmlformats.org/officeDocument/2006/relationships" xmlns:p="http://schemas.openxmlformats.org/presentationml/2006/main" type="twoTxTwoObj" preserve="1">
   <p:cSld name="Comparison">
     <p:spTree>
@@ -2483,7 +3005,7 @@
           <a:lstStyle/>
           <a:p>
             <a:r>
-              <a:rPr lang="en-US" smtClean="0"/>
+              <a:rPr lang="en-US"/>
               <a:t>Click to edit Master title style</a:t>
             </a:r>
             <a:endParaRPr lang="en-US" dirty="0"/>
@@ -2555,8 +3077,8 @@
           <a:p>
             <a:pPr lvl="0"/>
             <a:r>
-              <a:rPr lang="en-US" smtClean="0"/>
-              <a:t>Click to edit Master text styles</a:t>
+              <a:rPr lang="en-US"/>
+              <a:t>Edit Master text styles</a:t>
             </a:r>
           </a:p>
         </p:txBody>
@@ -2583,35 +3105,35 @@
           <a:p>
             <a:pPr lvl="0"/>
             <a:r>
-              <a:rPr lang="en-US" smtClean="0"/>
-              <a:t>Click to edit Master text styles</a:t>
+              <a:rPr lang="en-US"/>
+              <a:t>Edit Master text styles</a:t>
             </a:r>
           </a:p>
           <a:p>
             <a:pPr lvl="1"/>
             <a:r>
-              <a:rPr lang="en-US" smtClean="0"/>
+              <a:rPr lang="en-US"/>
               <a:t>Second level</a:t>
             </a:r>
           </a:p>
           <a:p>
             <a:pPr lvl="2"/>
             <a:r>
-              <a:rPr lang="en-US" smtClean="0"/>
+              <a:rPr lang="en-US"/>
               <a:t>Third level</a:t>
             </a:r>
           </a:p>
           <a:p>
             <a:pPr lvl="3"/>
             <a:r>
-              <a:rPr lang="en-US" smtClean="0"/>
+              <a:rPr lang="en-US"/>
               <a:t>Fourth level</a:t>
             </a:r>
           </a:p>
           <a:p>
             <a:pPr lvl="4"/>
             <a:r>
-              <a:rPr lang="en-US" smtClean="0"/>
+              <a:rPr lang="en-US"/>
               <a:t>Fifth level</a:t>
             </a:r>
             <a:endParaRPr lang="en-US" dirty="0"/>
@@ -2683,8 +3205,8 @@
           <a:p>
             <a:pPr lvl="0"/>
             <a:r>
-              <a:rPr lang="en-US" smtClean="0"/>
-              <a:t>Click to edit Master text styles</a:t>
+              <a:rPr lang="en-US"/>
+              <a:t>Edit Master text styles</a:t>
             </a:r>
           </a:p>
         </p:txBody>
@@ -2711,59 +3233,59 @@
           <a:p>
             <a:pPr lvl="0"/>
             <a:r>
+              <a:rPr lang="en-US"/>
+              <a:t>Edit Master text styles</a:t>
+            </a:r>
+          </a:p>
+          <a:p>
+            <a:pPr lvl="1"/>
+            <a:r>
+              <a:rPr lang="en-US"/>
+              <a:t>Second level</a:t>
+            </a:r>
+          </a:p>
+          <a:p>
+            <a:pPr lvl="2"/>
+            <a:r>
+              <a:rPr lang="en-US"/>
+              <a:t>Third level</a:t>
+            </a:r>
+          </a:p>
+          <a:p>
+            <a:pPr lvl="3"/>
+            <a:r>
+              <a:rPr lang="en-US"/>
+              <a:t>Fourth level</a:t>
+            </a:r>
+          </a:p>
+          <a:p>
+            <a:pPr lvl="4"/>
+            <a:r>
+              <a:rPr lang="en-US"/>
+              <a:t>Fifth level</a:t>
+            </a:r>
+            <a:endParaRPr lang="en-US" dirty="0"/>
+          </a:p>
+        </p:txBody>
+      </p:sp>
+      <p:sp>
+        <p:nvSpPr>
+          <p:cNvPr id="7" name="Date Placeholder 6"/>
+          <p:cNvSpPr>
+            <a:spLocks noGrp="1"/>
+          </p:cNvSpPr>
+          <p:nvPr>
+            <p:ph type="dt" sz="half" idx="10"/>
+          </p:nvPr>
+        </p:nvSpPr>
+        <p:spPr/>
+        <p:txBody>
+          <a:bodyPr/>
+          <a:lstStyle/>
+          <a:p>
+            <a:fld id="{0E3A5712-406C-4BAE-8538-82392F20E930}" type="datetime1">
               <a:rPr lang="en-US" smtClean="0"/>
-              <a:t>Click to edit Master text styles</a:t>
-            </a:r>
-          </a:p>
-          <a:p>
-            <a:pPr lvl="1"/>
-            <a:r>
-              <a:rPr lang="en-US" smtClean="0"/>
-              <a:t>Second level</a:t>
-            </a:r>
-          </a:p>
-          <a:p>
-            <a:pPr lvl="2"/>
-            <a:r>
-              <a:rPr lang="en-US" smtClean="0"/>
-              <a:t>Third level</a:t>
-            </a:r>
-          </a:p>
-          <a:p>
-            <a:pPr lvl="3"/>
-            <a:r>
-              <a:rPr lang="en-US" smtClean="0"/>
-              <a:t>Fourth level</a:t>
-            </a:r>
-          </a:p>
-          <a:p>
-            <a:pPr lvl="4"/>
-            <a:r>
-              <a:rPr lang="en-US" smtClean="0"/>
-              <a:t>Fifth level</a:t>
-            </a:r>
-            <a:endParaRPr lang="en-US" dirty="0"/>
-          </a:p>
-        </p:txBody>
-      </p:sp>
-      <p:sp>
-        <p:nvSpPr>
-          <p:cNvPr id="7" name="Date Placeholder 6"/>
-          <p:cNvSpPr>
-            <a:spLocks noGrp="1"/>
-          </p:cNvSpPr>
-          <p:nvPr>
-            <p:ph type="dt" sz="half" idx="10"/>
-          </p:nvPr>
-        </p:nvSpPr>
-        <p:spPr/>
-        <p:txBody>
-          <a:bodyPr/>
-          <a:lstStyle/>
-          <a:p>
-            <a:fld id="{18F252B0-687D-184F-B682-0021640A5D63}" type="datetime1">
-              <a:rPr lang="en-US" smtClean="0"/>
-              <a:t>11/13/15</a:t>
+              <a:t>7/7/2016</a:t>
             </a:fld>
             <a:endParaRPr lang="en-US"/>
           </a:p>
@@ -2785,10 +3307,9 @@
           <a:lstStyle/>
           <a:p>
             <a:r>
-              <a:rPr lang="sk-SK" smtClean="0"/>
-              <a:t>© 2015 EV3Lessons.com, Last edit 11/13/2015</a:t>
-            </a:r>
-            <a:endParaRPr lang="en-US"/>
+              <a:rPr lang="en-US"/>
+              <a:t>© 2016 EV3Lessons.com, Last edit 7/06/2016</a:t>
+            </a:r>
           </a:p>
         </p:txBody>
       </p:sp>
@@ -2818,7 +3339,7 @@
     </p:spTree>
     <p:extLst>
       <p:ext uri="{BB962C8B-B14F-4D97-AF65-F5344CB8AC3E}">
-        <p14:creationId xmlns:p14="http://schemas.microsoft.com/office/powerpoint/2010/main" val="1708641029"/>
+        <p14:creationId xmlns:p14="http://schemas.microsoft.com/office/powerpoint/2010/main" val="3720107505"/>
       </p:ext>
     </p:extLst>
   </p:cSld>
@@ -2828,7 +3349,7 @@
 </p:sldLayout>
 </file>
 
-<file path=ppt/slideLayouts/slideLayout6.xml><?xml version="1.0" encoding="utf-8"?>
+<file path=ppt/slideLayouts/slideLayout17.xml><?xml version="1.0" encoding="utf-8"?>
 <p:sldLayout xmlns:a="http://schemas.openxmlformats.org/drawingml/2006/main" xmlns:r="http://schemas.openxmlformats.org/officeDocument/2006/relationships" xmlns:p="http://schemas.openxmlformats.org/presentationml/2006/main" type="titleOnly" preserve="1">
   <p:cSld name="Title Only">
     <p:spTree>
@@ -2861,31 +3382,31 @@
           <a:lstStyle/>
           <a:p>
             <a:r>
+              <a:rPr lang="en-US"/>
+              <a:t>Click to edit Master title style</a:t>
+            </a:r>
+            <a:endParaRPr lang="en-US" dirty="0"/>
+          </a:p>
+        </p:txBody>
+      </p:sp>
+      <p:sp>
+        <p:nvSpPr>
+          <p:cNvPr id="3" name="Date Placeholder 2"/>
+          <p:cNvSpPr>
+            <a:spLocks noGrp="1"/>
+          </p:cNvSpPr>
+          <p:nvPr>
+            <p:ph type="dt" sz="half" idx="10"/>
+          </p:nvPr>
+        </p:nvSpPr>
+        <p:spPr/>
+        <p:txBody>
+          <a:bodyPr/>
+          <a:lstStyle/>
+          <a:p>
+            <a:fld id="{CB6B8041-C458-4CB2-83D0-F2CB2562E046}" type="datetime1">
               <a:rPr lang="en-US" smtClean="0"/>
-              <a:t>Click to edit Master title style</a:t>
-            </a:r>
-            <a:endParaRPr lang="en-US" dirty="0"/>
-          </a:p>
-        </p:txBody>
-      </p:sp>
-      <p:sp>
-        <p:nvSpPr>
-          <p:cNvPr id="3" name="Date Placeholder 2"/>
-          <p:cNvSpPr>
-            <a:spLocks noGrp="1"/>
-          </p:cNvSpPr>
-          <p:nvPr>
-            <p:ph type="dt" sz="half" idx="10"/>
-          </p:nvPr>
-        </p:nvSpPr>
-        <p:spPr/>
-        <p:txBody>
-          <a:bodyPr/>
-          <a:lstStyle/>
-          <a:p>
-            <a:fld id="{3457AD7A-12C8-EA48-9011-B2F46261DD98}" type="datetime1">
-              <a:rPr lang="en-US" smtClean="0"/>
-              <a:t>11/13/15</a:t>
+              <a:t>7/7/2016</a:t>
             </a:fld>
             <a:endParaRPr lang="en-US"/>
           </a:p>
@@ -2907,10 +3428,9 @@
           <a:lstStyle/>
           <a:p>
             <a:r>
-              <a:rPr lang="sk-SK" smtClean="0"/>
-              <a:t>© 2015 EV3Lessons.com, Last edit 11/13/2015</a:t>
-            </a:r>
-            <a:endParaRPr lang="en-US"/>
+              <a:rPr lang="en-US"/>
+              <a:t>© 2016 EV3Lessons.com, Last edit 7/06/2016</a:t>
+            </a:r>
           </a:p>
         </p:txBody>
       </p:sp>
@@ -2940,7 +3460,7 @@
     </p:spTree>
     <p:extLst>
       <p:ext uri="{BB962C8B-B14F-4D97-AF65-F5344CB8AC3E}">
-        <p14:creationId xmlns:p14="http://schemas.microsoft.com/office/powerpoint/2010/main" val="1471721154"/>
+        <p14:creationId xmlns:p14="http://schemas.microsoft.com/office/powerpoint/2010/main" val="2133179720"/>
       </p:ext>
     </p:extLst>
   </p:cSld>
@@ -2950,7 +3470,7 @@
 </p:sldLayout>
 </file>
 
-<file path=ppt/slideLayouts/slideLayout7.xml><?xml version="1.0" encoding="utf-8"?>
+<file path=ppt/slideLayouts/slideLayout18.xml><?xml version="1.0" encoding="utf-8"?>
 <p:sldLayout xmlns:a="http://schemas.openxmlformats.org/drawingml/2006/main" xmlns:r="http://schemas.openxmlformats.org/officeDocument/2006/relationships" xmlns:p="http://schemas.openxmlformats.org/presentationml/2006/main" showMasterSp="0" type="blank" preserve="1">
   <p:cSld name="Blank">
     <p:spTree>
@@ -3058,9 +3578,9 @@
           <a:bodyPr/>
           <a:lstStyle/>
           <a:p>
-            <a:fld id="{77D3C5C7-2346-9A49-8660-921460E2744B}" type="datetime1">
+            <a:fld id="{3DF5CDC5-09E2-4CC7-B3D6-6A1769347042}" type="datetime1">
               <a:rPr lang="en-US" smtClean="0"/>
-              <a:t>11/13/15</a:t>
+              <a:t>7/7/2016</a:t>
             </a:fld>
             <a:endParaRPr lang="en-US"/>
           </a:p>
@@ -3090,10 +3610,9 @@
           </a:lstStyle>
           <a:p>
             <a:r>
-              <a:rPr lang="sk-SK" smtClean="0"/>
-              <a:t>© 2015 EV3Lessons.com, Last edit 11/13/2015</a:t>
-            </a:r>
-            <a:endParaRPr lang="en-US"/>
+              <a:rPr lang="en-US"/>
+              <a:t>© 2016 EV3Lessons.com, Last edit 7/06/2016</a:t>
+            </a:r>
           </a:p>
         </p:txBody>
       </p:sp>
@@ -3123,7 +3642,7 @@
     </p:spTree>
     <p:extLst>
       <p:ext uri="{BB962C8B-B14F-4D97-AF65-F5344CB8AC3E}">
-        <p14:creationId xmlns:p14="http://schemas.microsoft.com/office/powerpoint/2010/main" val="774528931"/>
+        <p14:creationId xmlns:p14="http://schemas.microsoft.com/office/powerpoint/2010/main" val="2579831845"/>
       </p:ext>
     </p:extLst>
   </p:cSld>
@@ -3133,7 +3652,7 @@
 </p:sldLayout>
 </file>
 
-<file path=ppt/slideLayouts/slideLayout8.xml><?xml version="1.0" encoding="utf-8"?>
+<file path=ppt/slideLayouts/slideLayout19.xml><?xml version="1.0" encoding="utf-8"?>
 <p:sldLayout xmlns:a="http://schemas.openxmlformats.org/drawingml/2006/main" xmlns:r="http://schemas.openxmlformats.org/officeDocument/2006/relationships" xmlns:p="http://schemas.openxmlformats.org/presentationml/2006/main" showMasterSp="0" type="objTx" preserve="1">
   <p:cSld name="Content with Caption">
     <p:spTree>
@@ -3257,7 +3776,7 @@
           </a:lstStyle>
           <a:p>
             <a:r>
-              <a:rPr lang="en-US" smtClean="0"/>
+              <a:rPr lang="en-US"/>
               <a:t>Click to edit Master title style</a:t>
             </a:r>
             <a:endParaRPr lang="en-US" dirty="0"/>
@@ -3286,35 +3805,35 @@
           <a:p>
             <a:pPr lvl="0"/>
             <a:r>
-              <a:rPr lang="en-US" smtClean="0"/>
-              <a:t>Click to edit Master text styles</a:t>
+              <a:rPr lang="en-US"/>
+              <a:t>Edit Master text styles</a:t>
             </a:r>
           </a:p>
           <a:p>
             <a:pPr lvl="1"/>
             <a:r>
-              <a:rPr lang="en-US" smtClean="0"/>
+              <a:rPr lang="en-US"/>
               <a:t>Second level</a:t>
             </a:r>
           </a:p>
           <a:p>
             <a:pPr lvl="2"/>
             <a:r>
-              <a:rPr lang="en-US" smtClean="0"/>
+              <a:rPr lang="en-US"/>
               <a:t>Third level</a:t>
             </a:r>
           </a:p>
           <a:p>
             <a:pPr lvl="3"/>
             <a:r>
-              <a:rPr lang="en-US" smtClean="0"/>
+              <a:rPr lang="en-US"/>
               <a:t>Fourth level</a:t>
             </a:r>
           </a:p>
           <a:p>
             <a:pPr lvl="4"/>
             <a:r>
-              <a:rPr lang="en-US" smtClean="0"/>
+              <a:rPr lang="en-US"/>
               <a:t>Fifth level</a:t>
             </a:r>
             <a:endParaRPr lang="en-US" dirty="0"/>
@@ -3386,8 +3905,8 @@
           <a:p>
             <a:pPr lvl="0"/>
             <a:r>
-              <a:rPr lang="en-US" smtClean="0"/>
-              <a:t>Click to edit Master text styles</a:t>
+              <a:rPr lang="en-US"/>
+              <a:t>Edit Master text styles</a:t>
             </a:r>
           </a:p>
         </p:txBody>
@@ -3416,9 +3935,9 @@
             </a:lvl1pPr>
           </a:lstStyle>
           <a:p>
-            <a:fld id="{E5A27797-1683-ED47-A74A-6DEBEDA39DC8}" type="datetime1">
+            <a:fld id="{F0B2888E-05ED-4E68-B290-C5CF14801755}" type="datetime1">
               <a:rPr lang="en-US" smtClean="0"/>
-              <a:t>11/13/15</a:t>
+              <a:t>7/7/2016</a:t>
             </a:fld>
             <a:endParaRPr lang="en-US"/>
           </a:p>
@@ -3453,10 +3972,9 @@
           </a:lstStyle>
           <a:p>
             <a:r>
-              <a:rPr lang="sk-SK" smtClean="0"/>
-              <a:t>© 2015 EV3Lessons.com, Last edit 11/13/2015</a:t>
-            </a:r>
-            <a:endParaRPr lang="en-US"/>
+              <a:rPr lang="en-US"/>
+              <a:t>© 2016 EV3Lessons.com, Last edit 7/06/2016</a:t>
+            </a:r>
           </a:p>
         </p:txBody>
       </p:sp>
@@ -3494,7 +4012,7 @@
     </p:spTree>
     <p:extLst>
       <p:ext uri="{BB962C8B-B14F-4D97-AF65-F5344CB8AC3E}">
-        <p14:creationId xmlns:p14="http://schemas.microsoft.com/office/powerpoint/2010/main" val="937657985"/>
+        <p14:creationId xmlns:p14="http://schemas.microsoft.com/office/powerpoint/2010/main" val="12456457"/>
       </p:ext>
     </p:extLst>
   </p:cSld>
@@ -3504,7 +4022,180 @@
 </p:sldLayout>
 </file>
 
-<file path=ppt/slideLayouts/slideLayout9.xml><?xml version="1.0" encoding="utf-8"?>
+<file path=ppt/slideLayouts/slideLayout2.xml><?xml version="1.0" encoding="utf-8"?>
+<p:sldLayout xmlns:a="http://schemas.openxmlformats.org/drawingml/2006/main" xmlns:r="http://schemas.openxmlformats.org/officeDocument/2006/relationships" xmlns:p="http://schemas.openxmlformats.org/presentationml/2006/main" type="obj" preserve="1">
+  <p:cSld name="Title and Content">
+    <p:spTree>
+      <p:nvGrpSpPr>
+        <p:cNvPr id="1" name=""/>
+        <p:cNvGrpSpPr/>
+        <p:nvPr/>
+      </p:nvGrpSpPr>
+      <p:grpSpPr>
+        <a:xfrm>
+          <a:off x="0" y="0"/>
+          <a:ext cx="0" cy="0"/>
+          <a:chOff x="0" y="0"/>
+          <a:chExt cx="0" cy="0"/>
+        </a:xfrm>
+      </p:grpSpPr>
+      <p:sp>
+        <p:nvSpPr>
+          <p:cNvPr id="2" name="Title 1"/>
+          <p:cNvSpPr>
+            <a:spLocks noGrp="1"/>
+          </p:cNvSpPr>
+          <p:nvPr>
+            <p:ph type="title"/>
+          </p:nvPr>
+        </p:nvSpPr>
+        <p:spPr/>
+        <p:txBody>
+          <a:bodyPr/>
+          <a:lstStyle/>
+          <a:p>
+            <a:r>
+              <a:rPr lang="en-US"/>
+              <a:t>Click to edit Master title style</a:t>
+            </a:r>
+            <a:endParaRPr lang="en-US" dirty="0"/>
+          </a:p>
+        </p:txBody>
+      </p:sp>
+      <p:sp>
+        <p:nvSpPr>
+          <p:cNvPr id="3" name="Content Placeholder 2"/>
+          <p:cNvSpPr>
+            <a:spLocks noGrp="1"/>
+          </p:cNvSpPr>
+          <p:nvPr>
+            <p:ph idx="1"/>
+          </p:nvPr>
+        </p:nvSpPr>
+        <p:spPr/>
+        <p:txBody>
+          <a:bodyPr/>
+          <a:lstStyle/>
+          <a:p>
+            <a:pPr lvl="0"/>
+            <a:r>
+              <a:rPr lang="en-US"/>
+              <a:t>Click to edit Master text styles</a:t>
+            </a:r>
+          </a:p>
+          <a:p>
+            <a:pPr lvl="1"/>
+            <a:r>
+              <a:rPr lang="en-US"/>
+              <a:t>Second level</a:t>
+            </a:r>
+          </a:p>
+          <a:p>
+            <a:pPr lvl="2"/>
+            <a:r>
+              <a:rPr lang="en-US"/>
+              <a:t>Third level</a:t>
+            </a:r>
+          </a:p>
+          <a:p>
+            <a:pPr lvl="3"/>
+            <a:r>
+              <a:rPr lang="en-US"/>
+              <a:t>Fourth level</a:t>
+            </a:r>
+          </a:p>
+          <a:p>
+            <a:pPr lvl="4"/>
+            <a:r>
+              <a:rPr lang="en-US"/>
+              <a:t>Fifth level</a:t>
+            </a:r>
+            <a:endParaRPr lang="en-US" dirty="0"/>
+          </a:p>
+        </p:txBody>
+      </p:sp>
+      <p:sp>
+        <p:nvSpPr>
+          <p:cNvPr id="4" name="Date Placeholder 3"/>
+          <p:cNvSpPr>
+            <a:spLocks noGrp="1"/>
+          </p:cNvSpPr>
+          <p:nvPr>
+            <p:ph type="dt" sz="half" idx="10"/>
+          </p:nvPr>
+        </p:nvSpPr>
+        <p:spPr/>
+        <p:txBody>
+          <a:bodyPr/>
+          <a:lstStyle/>
+          <a:p>
+            <a:fld id="{8645E241-0BAD-4B17-9C39-5249F16D638B}" type="datetime1">
+              <a:rPr lang="en-US" smtClean="0"/>
+              <a:t>7/7/2016</a:t>
+            </a:fld>
+            <a:endParaRPr lang="en-US"/>
+          </a:p>
+        </p:txBody>
+      </p:sp>
+      <p:sp>
+        <p:nvSpPr>
+          <p:cNvPr id="5" name="Footer Placeholder 4"/>
+          <p:cNvSpPr>
+            <a:spLocks noGrp="1"/>
+          </p:cNvSpPr>
+          <p:nvPr>
+            <p:ph type="ftr" sz="quarter" idx="11"/>
+          </p:nvPr>
+        </p:nvSpPr>
+        <p:spPr/>
+        <p:txBody>
+          <a:bodyPr/>
+          <a:lstStyle/>
+          <a:p>
+            <a:r>
+              <a:rPr lang="en-US"/>
+              <a:t>© 2016 EV3Lessons.com, Last edit 7/06/2016</a:t>
+            </a:r>
+          </a:p>
+        </p:txBody>
+      </p:sp>
+      <p:sp>
+        <p:nvSpPr>
+          <p:cNvPr id="6" name="Slide Number Placeholder 5"/>
+          <p:cNvSpPr>
+            <a:spLocks noGrp="1"/>
+          </p:cNvSpPr>
+          <p:nvPr>
+            <p:ph type="sldNum" sz="quarter" idx="12"/>
+          </p:nvPr>
+        </p:nvSpPr>
+        <p:spPr/>
+        <p:txBody>
+          <a:bodyPr/>
+          <a:lstStyle/>
+          <a:p>
+            <a:fld id="{4382A7F7-08BF-4252-8141-63FB96055BBB}" type="slidenum">
+              <a:rPr lang="en-US" smtClean="0"/>
+              <a:t>‹#›</a:t>
+            </a:fld>
+            <a:endParaRPr lang="en-US"/>
+          </a:p>
+        </p:txBody>
+      </p:sp>
+    </p:spTree>
+    <p:extLst>
+      <p:ext uri="{BB962C8B-B14F-4D97-AF65-F5344CB8AC3E}">
+        <p14:creationId xmlns:p14="http://schemas.microsoft.com/office/powerpoint/2010/main" val="152854376"/>
+      </p:ext>
+    </p:extLst>
+  </p:cSld>
+  <p:clrMapOvr>
+    <a:masterClrMapping/>
+  </p:clrMapOvr>
+</p:sldLayout>
+</file>
+
+<file path=ppt/slideLayouts/slideLayout20.xml><?xml version="1.0" encoding="utf-8"?>
 <p:sldLayout xmlns:a="http://schemas.openxmlformats.org/drawingml/2006/main" xmlns:r="http://schemas.openxmlformats.org/officeDocument/2006/relationships" xmlns:p="http://schemas.openxmlformats.org/presentationml/2006/main" showMasterSp="0" type="picTx" preserve="1">
   <p:cSld name="Picture with Caption">
     <p:spTree>
@@ -3628,7 +4319,7 @@
           </a:lstStyle>
           <a:p>
             <a:r>
-              <a:rPr lang="en-US" smtClean="0"/>
+              <a:rPr lang="en-US"/>
               <a:t>Click to edit Master title style</a:t>
             </a:r>
             <a:endParaRPr lang="en-US" dirty="0"/>
@@ -3703,8 +4394,8 @@
           </a:lstStyle>
           <a:p>
             <a:r>
-              <a:rPr lang="en-US" smtClean="0"/>
-              <a:t>Drag picture to placeholder or click icon to add</a:t>
+              <a:rPr lang="en-US"/>
+              <a:t>Click icon to add picture</a:t>
             </a:r>
             <a:endParaRPr lang="en-US" dirty="0"/>
           </a:p>
@@ -3781,30 +4472,30 @@
           <a:p>
             <a:pPr lvl="0"/>
             <a:r>
+              <a:rPr lang="en-US"/>
+              <a:t>Edit Master text styles</a:t>
+            </a:r>
+          </a:p>
+        </p:txBody>
+      </p:sp>
+      <p:sp>
+        <p:nvSpPr>
+          <p:cNvPr id="5" name="Date Placeholder 4"/>
+          <p:cNvSpPr>
+            <a:spLocks noGrp="1"/>
+          </p:cNvSpPr>
+          <p:nvPr>
+            <p:ph type="dt" sz="half" idx="10"/>
+          </p:nvPr>
+        </p:nvSpPr>
+        <p:spPr/>
+        <p:txBody>
+          <a:bodyPr/>
+          <a:lstStyle/>
+          <a:p>
+            <a:fld id="{1A0D0840-4ABF-4536-B26D-EC146CF82B36}" type="datetime1">
               <a:rPr lang="en-US" smtClean="0"/>
-              <a:t>Click to edit Master text styles</a:t>
-            </a:r>
-          </a:p>
-        </p:txBody>
-      </p:sp>
-      <p:sp>
-        <p:nvSpPr>
-          <p:cNvPr id="5" name="Date Placeholder 4"/>
-          <p:cNvSpPr>
-            <a:spLocks noGrp="1"/>
-          </p:cNvSpPr>
-          <p:nvPr>
-            <p:ph type="dt" sz="half" idx="10"/>
-          </p:nvPr>
-        </p:nvSpPr>
-        <p:spPr/>
-        <p:txBody>
-          <a:bodyPr/>
-          <a:lstStyle/>
-          <a:p>
-            <a:fld id="{9F9CFCDA-76FF-C942-8304-6FF0EF7EF019}" type="datetime1">
-              <a:rPr lang="en-US" smtClean="0"/>
-              <a:t>11/13/15</a:t>
+              <a:t>7/7/2016</a:t>
             </a:fld>
             <a:endParaRPr lang="en-US"/>
           </a:p>
@@ -3826,10 +4517,2485 @@
           <a:lstStyle/>
           <a:p>
             <a:r>
-              <a:rPr lang="sk-SK" smtClean="0"/>
-              <a:t>© 2015 EV3Lessons.com, Last edit 11/13/2015</a:t>
-            </a:r>
+              <a:rPr lang="en-US"/>
+              <a:t>© 2016 EV3Lessons.com, Last edit 7/06/2016</a:t>
+            </a:r>
+          </a:p>
+        </p:txBody>
+      </p:sp>
+      <p:sp>
+        <p:nvSpPr>
+          <p:cNvPr id="7" name="Slide Number Placeholder 6"/>
+          <p:cNvSpPr>
+            <a:spLocks noGrp="1"/>
+          </p:cNvSpPr>
+          <p:nvPr>
+            <p:ph type="sldNum" sz="quarter" idx="12"/>
+          </p:nvPr>
+        </p:nvSpPr>
+        <p:spPr/>
+        <p:txBody>
+          <a:bodyPr/>
+          <a:lstStyle/>
+          <a:p>
+            <a:fld id="{4382A7F7-08BF-4252-8141-63FB96055BBB}" type="slidenum">
+              <a:rPr lang="en-US" smtClean="0"/>
+              <a:t>‹#›</a:t>
+            </a:fld>
             <a:endParaRPr lang="en-US"/>
+          </a:p>
+        </p:txBody>
+      </p:sp>
+    </p:spTree>
+    <p:extLst>
+      <p:ext uri="{BB962C8B-B14F-4D97-AF65-F5344CB8AC3E}">
+        <p14:creationId xmlns:p14="http://schemas.microsoft.com/office/powerpoint/2010/main" val="3789882590"/>
+      </p:ext>
+    </p:extLst>
+  </p:cSld>
+  <p:clrMapOvr>
+    <a:masterClrMapping/>
+  </p:clrMapOvr>
+</p:sldLayout>
+</file>
+
+<file path=ppt/slideLayouts/slideLayout21.xml><?xml version="1.0" encoding="utf-8"?>
+<p:sldLayout xmlns:a="http://schemas.openxmlformats.org/drawingml/2006/main" xmlns:r="http://schemas.openxmlformats.org/officeDocument/2006/relationships" xmlns:p="http://schemas.openxmlformats.org/presentationml/2006/main" type="vertTx" preserve="1">
+  <p:cSld name="Title and Vertical Text">
+    <p:spTree>
+      <p:nvGrpSpPr>
+        <p:cNvPr id="1" name=""/>
+        <p:cNvGrpSpPr/>
+        <p:nvPr/>
+      </p:nvGrpSpPr>
+      <p:grpSpPr>
+        <a:xfrm>
+          <a:off x="0" y="0"/>
+          <a:ext cx="0" cy="0"/>
+          <a:chOff x="0" y="0"/>
+          <a:chExt cx="0" cy="0"/>
+        </a:xfrm>
+      </p:grpSpPr>
+      <p:sp>
+        <p:nvSpPr>
+          <p:cNvPr id="2" name="Title 1"/>
+          <p:cNvSpPr>
+            <a:spLocks noGrp="1"/>
+          </p:cNvSpPr>
+          <p:nvPr>
+            <p:ph type="title"/>
+          </p:nvPr>
+        </p:nvSpPr>
+        <p:spPr/>
+        <p:txBody>
+          <a:bodyPr/>
+          <a:lstStyle/>
+          <a:p>
+            <a:r>
+              <a:rPr lang="en-US"/>
+              <a:t>Click to edit Master title style</a:t>
+            </a:r>
+            <a:endParaRPr lang="en-US" dirty="0"/>
+          </a:p>
+        </p:txBody>
+      </p:sp>
+      <p:sp>
+        <p:nvSpPr>
+          <p:cNvPr id="3" name="Vertical Text Placeholder 2"/>
+          <p:cNvSpPr>
+            <a:spLocks noGrp="1"/>
+          </p:cNvSpPr>
+          <p:nvPr>
+            <p:ph type="body" orient="vert" idx="1"/>
+          </p:nvPr>
+        </p:nvSpPr>
+        <p:spPr/>
+        <p:txBody>
+          <a:bodyPr vert="eaVert" lIns="45720" tIns="0" rIns="45720" bIns="0"/>
+          <a:lstStyle/>
+          <a:p>
+            <a:pPr lvl="0"/>
+            <a:r>
+              <a:rPr lang="en-US"/>
+              <a:t>Edit Master text styles</a:t>
+            </a:r>
+          </a:p>
+          <a:p>
+            <a:pPr lvl="1"/>
+            <a:r>
+              <a:rPr lang="en-US"/>
+              <a:t>Second level</a:t>
+            </a:r>
+          </a:p>
+          <a:p>
+            <a:pPr lvl="2"/>
+            <a:r>
+              <a:rPr lang="en-US"/>
+              <a:t>Third level</a:t>
+            </a:r>
+          </a:p>
+          <a:p>
+            <a:pPr lvl="3"/>
+            <a:r>
+              <a:rPr lang="en-US"/>
+              <a:t>Fourth level</a:t>
+            </a:r>
+          </a:p>
+          <a:p>
+            <a:pPr lvl="4"/>
+            <a:r>
+              <a:rPr lang="en-US"/>
+              <a:t>Fifth level</a:t>
+            </a:r>
+            <a:endParaRPr lang="en-US" dirty="0"/>
+          </a:p>
+        </p:txBody>
+      </p:sp>
+      <p:sp>
+        <p:nvSpPr>
+          <p:cNvPr id="4" name="Date Placeholder 3"/>
+          <p:cNvSpPr>
+            <a:spLocks noGrp="1"/>
+          </p:cNvSpPr>
+          <p:nvPr>
+            <p:ph type="dt" sz="half" idx="10"/>
+          </p:nvPr>
+        </p:nvSpPr>
+        <p:spPr/>
+        <p:txBody>
+          <a:bodyPr/>
+          <a:lstStyle/>
+          <a:p>
+            <a:fld id="{93040268-3F6E-427A-8E58-A05C3F424212}" type="datetime1">
+              <a:rPr lang="en-US" smtClean="0"/>
+              <a:t>7/7/2016</a:t>
+            </a:fld>
+            <a:endParaRPr lang="en-US"/>
+          </a:p>
+        </p:txBody>
+      </p:sp>
+      <p:sp>
+        <p:nvSpPr>
+          <p:cNvPr id="5" name="Footer Placeholder 4"/>
+          <p:cNvSpPr>
+            <a:spLocks noGrp="1"/>
+          </p:cNvSpPr>
+          <p:nvPr>
+            <p:ph type="ftr" sz="quarter" idx="11"/>
+          </p:nvPr>
+        </p:nvSpPr>
+        <p:spPr/>
+        <p:txBody>
+          <a:bodyPr/>
+          <a:lstStyle/>
+          <a:p>
+            <a:r>
+              <a:rPr lang="en-US"/>
+              <a:t>© 2016 EV3Lessons.com, Last edit 7/06/2016</a:t>
+            </a:r>
+          </a:p>
+        </p:txBody>
+      </p:sp>
+      <p:sp>
+        <p:nvSpPr>
+          <p:cNvPr id="6" name="Slide Number Placeholder 5"/>
+          <p:cNvSpPr>
+            <a:spLocks noGrp="1"/>
+          </p:cNvSpPr>
+          <p:nvPr>
+            <p:ph type="sldNum" sz="quarter" idx="12"/>
+          </p:nvPr>
+        </p:nvSpPr>
+        <p:spPr/>
+        <p:txBody>
+          <a:bodyPr/>
+          <a:lstStyle/>
+          <a:p>
+            <a:fld id="{4382A7F7-08BF-4252-8141-63FB96055BBB}" type="slidenum">
+              <a:rPr lang="en-US" smtClean="0"/>
+              <a:t>‹#›</a:t>
+            </a:fld>
+            <a:endParaRPr lang="en-US"/>
+          </a:p>
+        </p:txBody>
+      </p:sp>
+    </p:spTree>
+    <p:extLst>
+      <p:ext uri="{BB962C8B-B14F-4D97-AF65-F5344CB8AC3E}">
+        <p14:creationId xmlns:p14="http://schemas.microsoft.com/office/powerpoint/2010/main" val="2750746398"/>
+      </p:ext>
+    </p:extLst>
+  </p:cSld>
+  <p:clrMapOvr>
+    <a:masterClrMapping/>
+  </p:clrMapOvr>
+</p:sldLayout>
+</file>
+
+<file path=ppt/slideLayouts/slideLayout22.xml><?xml version="1.0" encoding="utf-8"?>
+<p:sldLayout xmlns:a="http://schemas.openxmlformats.org/drawingml/2006/main" xmlns:r="http://schemas.openxmlformats.org/officeDocument/2006/relationships" xmlns:p="http://schemas.openxmlformats.org/presentationml/2006/main" showMasterSp="0" type="vertTitleAndTx" preserve="1">
+  <p:cSld name="Vertical Title and Text">
+    <p:spTree>
+      <p:nvGrpSpPr>
+        <p:cNvPr id="1" name=""/>
+        <p:cNvGrpSpPr/>
+        <p:nvPr/>
+      </p:nvGrpSpPr>
+      <p:grpSpPr>
+        <a:xfrm>
+          <a:off x="0" y="0"/>
+          <a:ext cx="0" cy="0"/>
+          <a:chOff x="0" y="0"/>
+          <a:chExt cx="0" cy="0"/>
+        </a:xfrm>
+      </p:grpSpPr>
+      <p:sp>
+        <p:nvSpPr>
+          <p:cNvPr id="7" name="Rectangle 6"/>
+          <p:cNvSpPr/>
+          <p:nvPr/>
+        </p:nvSpPr>
+        <p:spPr>
+          <a:xfrm>
+            <a:off x="2382" y="6400800"/>
+            <a:ext cx="9141619" cy="457200"/>
+          </a:xfrm>
+          <a:prstGeom prst="rect">
+            <a:avLst/>
+          </a:prstGeom>
+          <a:solidFill>
+            <a:schemeClr val="accent2"/>
+          </a:solidFill>
+          <a:ln>
+            <a:noFill/>
+          </a:ln>
+        </p:spPr>
+        <p:style>
+          <a:lnRef idx="2">
+            <a:schemeClr val="accent1">
+              <a:shade val="50000"/>
+            </a:schemeClr>
+          </a:lnRef>
+          <a:fillRef idx="1">
+            <a:schemeClr val="accent1"/>
+          </a:fillRef>
+          <a:effectRef idx="0">
+            <a:schemeClr val="accent1"/>
+          </a:effectRef>
+          <a:fontRef idx="minor">
+            <a:schemeClr val="lt1"/>
+          </a:fontRef>
+        </p:style>
+      </p:sp>
+      <p:sp>
+        <p:nvSpPr>
+          <p:cNvPr id="8" name="Rectangle 7"/>
+          <p:cNvSpPr/>
+          <p:nvPr/>
+        </p:nvSpPr>
+        <p:spPr>
+          <a:xfrm>
+            <a:off x="12" y="6334316"/>
+            <a:ext cx="9141619" cy="64008"/>
+          </a:xfrm>
+          <a:prstGeom prst="rect">
+            <a:avLst/>
+          </a:prstGeom>
+          <a:solidFill>
+            <a:schemeClr val="accent1"/>
+          </a:solidFill>
+          <a:ln>
+            <a:noFill/>
+          </a:ln>
+        </p:spPr>
+        <p:style>
+          <a:lnRef idx="2">
+            <a:schemeClr val="accent1">
+              <a:shade val="50000"/>
+            </a:schemeClr>
+          </a:lnRef>
+          <a:fillRef idx="1">
+            <a:schemeClr val="accent1"/>
+          </a:fillRef>
+          <a:effectRef idx="0">
+            <a:schemeClr val="accent1"/>
+          </a:effectRef>
+          <a:fontRef idx="minor">
+            <a:schemeClr val="lt1"/>
+          </a:fontRef>
+        </p:style>
+      </p:sp>
+      <p:sp>
+        <p:nvSpPr>
+          <p:cNvPr id="2" name="Vertical Title 1"/>
+          <p:cNvSpPr>
+            <a:spLocks noGrp="1"/>
+          </p:cNvSpPr>
+          <p:nvPr>
+            <p:ph type="title" orient="vert"/>
+          </p:nvPr>
+        </p:nvSpPr>
+        <p:spPr>
+          <a:xfrm>
+            <a:off x="6543675" y="414779"/>
+            <a:ext cx="1971675" cy="5757421"/>
+          </a:xfrm>
+        </p:spPr>
+        <p:txBody>
+          <a:bodyPr vert="eaVert"/>
+          <a:lstStyle/>
+          <a:p>
+            <a:r>
+              <a:rPr lang="en-US"/>
+              <a:t>Click to edit Master title style</a:t>
+            </a:r>
+            <a:endParaRPr lang="en-US" dirty="0"/>
+          </a:p>
+        </p:txBody>
+      </p:sp>
+      <p:sp>
+        <p:nvSpPr>
+          <p:cNvPr id="3" name="Vertical Text Placeholder 2"/>
+          <p:cNvSpPr>
+            <a:spLocks noGrp="1"/>
+          </p:cNvSpPr>
+          <p:nvPr>
+            <p:ph type="body" orient="vert" idx="1"/>
+          </p:nvPr>
+        </p:nvSpPr>
+        <p:spPr>
+          <a:xfrm>
+            <a:off x="628650" y="414779"/>
+            <a:ext cx="5800725" cy="5757420"/>
+          </a:xfrm>
+        </p:spPr>
+        <p:txBody>
+          <a:bodyPr vert="eaVert" lIns="45720" tIns="0" rIns="45720" bIns="0"/>
+          <a:lstStyle/>
+          <a:p>
+            <a:pPr lvl="0"/>
+            <a:r>
+              <a:rPr lang="en-US"/>
+              <a:t>Edit Master text styles</a:t>
+            </a:r>
+          </a:p>
+          <a:p>
+            <a:pPr lvl="1"/>
+            <a:r>
+              <a:rPr lang="en-US"/>
+              <a:t>Second level</a:t>
+            </a:r>
+          </a:p>
+          <a:p>
+            <a:pPr lvl="2"/>
+            <a:r>
+              <a:rPr lang="en-US"/>
+              <a:t>Third level</a:t>
+            </a:r>
+          </a:p>
+          <a:p>
+            <a:pPr lvl="3"/>
+            <a:r>
+              <a:rPr lang="en-US"/>
+              <a:t>Fourth level</a:t>
+            </a:r>
+          </a:p>
+          <a:p>
+            <a:pPr lvl="4"/>
+            <a:r>
+              <a:rPr lang="en-US"/>
+              <a:t>Fifth level</a:t>
+            </a:r>
+            <a:endParaRPr lang="en-US" dirty="0"/>
+          </a:p>
+        </p:txBody>
+      </p:sp>
+      <p:sp>
+        <p:nvSpPr>
+          <p:cNvPr id="4" name="Date Placeholder 3"/>
+          <p:cNvSpPr>
+            <a:spLocks noGrp="1"/>
+          </p:cNvSpPr>
+          <p:nvPr>
+            <p:ph type="dt" sz="half" idx="10"/>
+          </p:nvPr>
+        </p:nvSpPr>
+        <p:spPr/>
+        <p:txBody>
+          <a:bodyPr/>
+          <a:lstStyle/>
+          <a:p>
+            <a:fld id="{C3D28108-F4FF-4074-8265-2419E00EF610}" type="datetime1">
+              <a:rPr lang="en-US" smtClean="0"/>
+              <a:t>7/7/2016</a:t>
+            </a:fld>
+            <a:endParaRPr lang="en-US"/>
+          </a:p>
+        </p:txBody>
+      </p:sp>
+      <p:sp>
+        <p:nvSpPr>
+          <p:cNvPr id="5" name="Footer Placeholder 4"/>
+          <p:cNvSpPr>
+            <a:spLocks noGrp="1"/>
+          </p:cNvSpPr>
+          <p:nvPr>
+            <p:ph type="ftr" sz="quarter" idx="11"/>
+          </p:nvPr>
+        </p:nvSpPr>
+        <p:spPr/>
+        <p:txBody>
+          <a:bodyPr/>
+          <a:lstStyle/>
+          <a:p>
+            <a:r>
+              <a:rPr lang="en-US"/>
+              <a:t>© 2016 EV3Lessons.com, Last edit 7/06/2016</a:t>
+            </a:r>
+          </a:p>
+        </p:txBody>
+      </p:sp>
+      <p:sp>
+        <p:nvSpPr>
+          <p:cNvPr id="6" name="Slide Number Placeholder 5"/>
+          <p:cNvSpPr>
+            <a:spLocks noGrp="1"/>
+          </p:cNvSpPr>
+          <p:nvPr>
+            <p:ph type="sldNum" sz="quarter" idx="12"/>
+          </p:nvPr>
+        </p:nvSpPr>
+        <p:spPr/>
+        <p:txBody>
+          <a:bodyPr/>
+          <a:lstStyle/>
+          <a:p>
+            <a:fld id="{4382A7F7-08BF-4252-8141-63FB96055BBB}" type="slidenum">
+              <a:rPr lang="en-US" smtClean="0"/>
+              <a:t>‹#›</a:t>
+            </a:fld>
+            <a:endParaRPr lang="en-US"/>
+          </a:p>
+        </p:txBody>
+      </p:sp>
+    </p:spTree>
+    <p:extLst>
+      <p:ext uri="{BB962C8B-B14F-4D97-AF65-F5344CB8AC3E}">
+        <p14:creationId xmlns:p14="http://schemas.microsoft.com/office/powerpoint/2010/main" val="2699473118"/>
+      </p:ext>
+    </p:extLst>
+  </p:cSld>
+  <p:clrMapOvr>
+    <a:masterClrMapping/>
+  </p:clrMapOvr>
+</p:sldLayout>
+</file>
+
+<file path=ppt/slideLayouts/slideLayout3.xml><?xml version="1.0" encoding="utf-8"?>
+<p:sldLayout xmlns:a="http://schemas.openxmlformats.org/drawingml/2006/main" xmlns:r="http://schemas.openxmlformats.org/officeDocument/2006/relationships" xmlns:p="http://schemas.openxmlformats.org/presentationml/2006/main" showMasterSp="0" type="secHead" preserve="1">
+  <p:cSld name="Section Header">
+    <p:bg>
+      <p:bgPr>
+        <a:solidFill>
+          <a:schemeClr val="bg1"/>
+        </a:solidFill>
+        <a:effectLst/>
+      </p:bgPr>
+    </p:bg>
+    <p:spTree>
+      <p:nvGrpSpPr>
+        <p:cNvPr id="1" name=""/>
+        <p:cNvGrpSpPr/>
+        <p:nvPr/>
+      </p:nvGrpSpPr>
+      <p:grpSpPr>
+        <a:xfrm>
+          <a:off x="0" y="0"/>
+          <a:ext cx="0" cy="0"/>
+          <a:chOff x="0" y="0"/>
+          <a:chExt cx="0" cy="0"/>
+        </a:xfrm>
+      </p:grpSpPr>
+      <p:sp>
+        <p:nvSpPr>
+          <p:cNvPr id="7" name="Rectangle 6"/>
+          <p:cNvSpPr/>
+          <p:nvPr/>
+        </p:nvSpPr>
+        <p:spPr>
+          <a:xfrm>
+            <a:off x="2382" y="6400800"/>
+            <a:ext cx="9141619" cy="457200"/>
+          </a:xfrm>
+          <a:prstGeom prst="rect">
+            <a:avLst/>
+          </a:prstGeom>
+          <a:solidFill>
+            <a:schemeClr val="accent2"/>
+          </a:solidFill>
+          <a:ln>
+            <a:noFill/>
+          </a:ln>
+        </p:spPr>
+        <p:style>
+          <a:lnRef idx="2">
+            <a:schemeClr val="accent1">
+              <a:shade val="50000"/>
+            </a:schemeClr>
+          </a:lnRef>
+          <a:fillRef idx="1">
+            <a:schemeClr val="accent1"/>
+          </a:fillRef>
+          <a:effectRef idx="0">
+            <a:schemeClr val="accent1"/>
+          </a:effectRef>
+          <a:fontRef idx="minor">
+            <a:schemeClr val="lt1"/>
+          </a:fontRef>
+        </p:style>
+      </p:sp>
+      <p:sp>
+        <p:nvSpPr>
+          <p:cNvPr id="8" name="Rectangle 7"/>
+          <p:cNvSpPr/>
+          <p:nvPr/>
+        </p:nvSpPr>
+        <p:spPr>
+          <a:xfrm>
+            <a:off x="12" y="6334316"/>
+            <a:ext cx="9141619" cy="64008"/>
+          </a:xfrm>
+          <a:prstGeom prst="rect">
+            <a:avLst/>
+          </a:prstGeom>
+          <a:solidFill>
+            <a:schemeClr val="accent1"/>
+          </a:solidFill>
+          <a:ln>
+            <a:noFill/>
+          </a:ln>
+        </p:spPr>
+        <p:style>
+          <a:lnRef idx="2">
+            <a:schemeClr val="accent1">
+              <a:shade val="50000"/>
+            </a:schemeClr>
+          </a:lnRef>
+          <a:fillRef idx="1">
+            <a:schemeClr val="accent1"/>
+          </a:fillRef>
+          <a:effectRef idx="0">
+            <a:schemeClr val="accent1"/>
+          </a:effectRef>
+          <a:fontRef idx="minor">
+            <a:schemeClr val="lt1"/>
+          </a:fontRef>
+        </p:style>
+      </p:sp>
+      <p:sp>
+        <p:nvSpPr>
+          <p:cNvPr id="2" name="Title 1"/>
+          <p:cNvSpPr>
+            <a:spLocks noGrp="1"/>
+          </p:cNvSpPr>
+          <p:nvPr>
+            <p:ph type="title"/>
+          </p:nvPr>
+        </p:nvSpPr>
+        <p:spPr>
+          <a:xfrm>
+            <a:off x="822960" y="758952"/>
+            <a:ext cx="7543800" cy="3566160"/>
+          </a:xfrm>
+        </p:spPr>
+        <p:txBody>
+          <a:bodyPr anchor="b" anchorCtr="0">
+            <a:normAutofit/>
+          </a:bodyPr>
+          <a:lstStyle>
+            <a:lvl1pPr>
+              <a:lnSpc>
+                <a:spcPct val="85000"/>
+              </a:lnSpc>
+              <a:defRPr sz="8000" b="0">
+                <a:solidFill>
+                  <a:schemeClr val="tx1">
+                    <a:lumMod val="85000"/>
+                    <a:lumOff val="15000"/>
+                  </a:schemeClr>
+                </a:solidFill>
+              </a:defRPr>
+            </a:lvl1pPr>
+          </a:lstStyle>
+          <a:p>
+            <a:r>
+              <a:rPr lang="en-US"/>
+              <a:t>Click to edit Master title style</a:t>
+            </a:r>
+            <a:endParaRPr lang="en-US" dirty="0"/>
+          </a:p>
+        </p:txBody>
+      </p:sp>
+      <p:sp>
+        <p:nvSpPr>
+          <p:cNvPr id="3" name="Text Placeholder 2"/>
+          <p:cNvSpPr>
+            <a:spLocks noGrp="1"/>
+          </p:cNvSpPr>
+          <p:nvPr>
+            <p:ph type="body" idx="1"/>
+          </p:nvPr>
+        </p:nvSpPr>
+        <p:spPr>
+          <a:xfrm>
+            <a:off x="822960" y="4453128"/>
+            <a:ext cx="7543800" cy="1143000"/>
+          </a:xfrm>
+        </p:spPr>
+        <p:txBody>
+          <a:bodyPr lIns="91440" rIns="91440" anchor="t" anchorCtr="0">
+            <a:normAutofit/>
+          </a:bodyPr>
+          <a:lstStyle>
+            <a:lvl1pPr marL="0" indent="0">
+              <a:buNone/>
+              <a:defRPr sz="2400" cap="all" spc="200" baseline="0">
+                <a:solidFill>
+                  <a:schemeClr val="tx2"/>
+                </a:solidFill>
+                <a:latin typeface="+mj-lt"/>
+              </a:defRPr>
+            </a:lvl1pPr>
+            <a:lvl2pPr marL="457200" indent="0">
+              <a:buNone/>
+              <a:defRPr sz="1800">
+                <a:solidFill>
+                  <a:schemeClr val="tx1">
+                    <a:tint val="75000"/>
+                  </a:schemeClr>
+                </a:solidFill>
+              </a:defRPr>
+            </a:lvl2pPr>
+            <a:lvl3pPr marL="914400" indent="0">
+              <a:buNone/>
+              <a:defRPr sz="1600">
+                <a:solidFill>
+                  <a:schemeClr val="tx1">
+                    <a:tint val="75000"/>
+                  </a:schemeClr>
+                </a:solidFill>
+              </a:defRPr>
+            </a:lvl3pPr>
+            <a:lvl4pPr marL="1371600" indent="0">
+              <a:buNone/>
+              <a:defRPr sz="1400">
+                <a:solidFill>
+                  <a:schemeClr val="tx1">
+                    <a:tint val="75000"/>
+                  </a:schemeClr>
+                </a:solidFill>
+              </a:defRPr>
+            </a:lvl4pPr>
+            <a:lvl5pPr marL="1828800" indent="0">
+              <a:buNone/>
+              <a:defRPr sz="1400">
+                <a:solidFill>
+                  <a:schemeClr val="tx1">
+                    <a:tint val="75000"/>
+                  </a:schemeClr>
+                </a:solidFill>
+              </a:defRPr>
+            </a:lvl5pPr>
+            <a:lvl6pPr marL="2286000" indent="0">
+              <a:buNone/>
+              <a:defRPr sz="1400">
+                <a:solidFill>
+                  <a:schemeClr val="tx1">
+                    <a:tint val="75000"/>
+                  </a:schemeClr>
+                </a:solidFill>
+              </a:defRPr>
+            </a:lvl6pPr>
+            <a:lvl7pPr marL="2743200" indent="0">
+              <a:buNone/>
+              <a:defRPr sz="1400">
+                <a:solidFill>
+                  <a:schemeClr val="tx1">
+                    <a:tint val="75000"/>
+                  </a:schemeClr>
+                </a:solidFill>
+              </a:defRPr>
+            </a:lvl7pPr>
+            <a:lvl8pPr marL="3200400" indent="0">
+              <a:buNone/>
+              <a:defRPr sz="1400">
+                <a:solidFill>
+                  <a:schemeClr val="tx1">
+                    <a:tint val="75000"/>
+                  </a:schemeClr>
+                </a:solidFill>
+              </a:defRPr>
+            </a:lvl8pPr>
+            <a:lvl9pPr marL="3657600" indent="0">
+              <a:buNone/>
+              <a:defRPr sz="1400">
+                <a:solidFill>
+                  <a:schemeClr val="tx1">
+                    <a:tint val="75000"/>
+                  </a:schemeClr>
+                </a:solidFill>
+              </a:defRPr>
+            </a:lvl9pPr>
+          </a:lstStyle>
+          <a:p>
+            <a:pPr lvl="0"/>
+            <a:r>
+              <a:rPr lang="en-US"/>
+              <a:t>Click to edit Master text styles</a:t>
+            </a:r>
+          </a:p>
+        </p:txBody>
+      </p:sp>
+      <p:sp>
+        <p:nvSpPr>
+          <p:cNvPr id="4" name="Date Placeholder 3"/>
+          <p:cNvSpPr>
+            <a:spLocks noGrp="1"/>
+          </p:cNvSpPr>
+          <p:nvPr>
+            <p:ph type="dt" sz="half" idx="10"/>
+          </p:nvPr>
+        </p:nvSpPr>
+        <p:spPr/>
+        <p:txBody>
+          <a:bodyPr/>
+          <a:lstStyle/>
+          <a:p>
+            <a:fld id="{C4CAE893-0A61-4ED6-A987-C332DCE8D7EC}" type="datetime1">
+              <a:rPr lang="en-US" smtClean="0"/>
+              <a:t>7/7/2016</a:t>
+            </a:fld>
+            <a:endParaRPr lang="en-US"/>
+          </a:p>
+        </p:txBody>
+      </p:sp>
+      <p:sp>
+        <p:nvSpPr>
+          <p:cNvPr id="5" name="Footer Placeholder 4"/>
+          <p:cNvSpPr>
+            <a:spLocks noGrp="1"/>
+          </p:cNvSpPr>
+          <p:nvPr>
+            <p:ph type="ftr" sz="quarter" idx="11"/>
+          </p:nvPr>
+        </p:nvSpPr>
+        <p:spPr/>
+        <p:txBody>
+          <a:bodyPr/>
+          <a:lstStyle/>
+          <a:p>
+            <a:r>
+              <a:rPr lang="en-US"/>
+              <a:t>© 2016 EV3Lessons.com, Last edit 7/06/2016</a:t>
+            </a:r>
+          </a:p>
+        </p:txBody>
+      </p:sp>
+      <p:sp>
+        <p:nvSpPr>
+          <p:cNvPr id="6" name="Slide Number Placeholder 5"/>
+          <p:cNvSpPr>
+            <a:spLocks noGrp="1"/>
+          </p:cNvSpPr>
+          <p:nvPr>
+            <p:ph type="sldNum" sz="quarter" idx="12"/>
+          </p:nvPr>
+        </p:nvSpPr>
+        <p:spPr/>
+        <p:txBody>
+          <a:bodyPr/>
+          <a:lstStyle/>
+          <a:p>
+            <a:fld id="{162F1D00-BD13-4404-86B0-79703945A0A7}" type="slidenum">
+              <a:rPr lang="en-US" smtClean="0"/>
+              <a:t>‹#›</a:t>
+            </a:fld>
+            <a:endParaRPr lang="en-US"/>
+          </a:p>
+        </p:txBody>
+      </p:sp>
+      <p:cxnSp>
+        <p:nvCxnSpPr>
+          <p:cNvPr id="9" name="Straight Connector 8"/>
+          <p:cNvCxnSpPr/>
+          <p:nvPr/>
+        </p:nvCxnSpPr>
+        <p:spPr>
+          <a:xfrm>
+            <a:off x="905744" y="4343400"/>
+            <a:ext cx="7406640" cy="0"/>
+          </a:xfrm>
+          <a:prstGeom prst="line">
+            <a:avLst/>
+          </a:prstGeom>
+          <a:ln w="6350">
+            <a:solidFill>
+              <a:schemeClr val="tx1">
+                <a:lumMod val="50000"/>
+                <a:lumOff val="50000"/>
+              </a:schemeClr>
+            </a:solidFill>
+          </a:ln>
+        </p:spPr>
+        <p:style>
+          <a:lnRef idx="1">
+            <a:schemeClr val="accent1"/>
+          </a:lnRef>
+          <a:fillRef idx="0">
+            <a:schemeClr val="accent1"/>
+          </a:fillRef>
+          <a:effectRef idx="0">
+            <a:schemeClr val="accent1"/>
+          </a:effectRef>
+          <a:fontRef idx="minor">
+            <a:schemeClr val="tx1"/>
+          </a:fontRef>
+        </p:style>
+      </p:cxnSp>
+    </p:spTree>
+    <p:extLst>
+      <p:ext uri="{BB962C8B-B14F-4D97-AF65-F5344CB8AC3E}">
+        <p14:creationId xmlns:p14="http://schemas.microsoft.com/office/powerpoint/2010/main" val="1131818102"/>
+      </p:ext>
+    </p:extLst>
+  </p:cSld>
+  <p:clrMapOvr>
+    <a:masterClrMapping/>
+  </p:clrMapOvr>
+</p:sldLayout>
+</file>
+
+<file path=ppt/slideLayouts/slideLayout4.xml><?xml version="1.0" encoding="utf-8"?>
+<p:sldLayout xmlns:a="http://schemas.openxmlformats.org/drawingml/2006/main" xmlns:r="http://schemas.openxmlformats.org/officeDocument/2006/relationships" xmlns:p="http://schemas.openxmlformats.org/presentationml/2006/main" type="twoObj" preserve="1">
+  <p:cSld name="Two Content">
+    <p:spTree>
+      <p:nvGrpSpPr>
+        <p:cNvPr id="1" name=""/>
+        <p:cNvGrpSpPr/>
+        <p:nvPr/>
+      </p:nvGrpSpPr>
+      <p:grpSpPr>
+        <a:xfrm>
+          <a:off x="0" y="0"/>
+          <a:ext cx="0" cy="0"/>
+          <a:chOff x="0" y="0"/>
+          <a:chExt cx="0" cy="0"/>
+        </a:xfrm>
+      </p:grpSpPr>
+      <p:sp>
+        <p:nvSpPr>
+          <p:cNvPr id="8" name="Title 7"/>
+          <p:cNvSpPr>
+            <a:spLocks noGrp="1"/>
+          </p:cNvSpPr>
+          <p:nvPr>
+            <p:ph type="title"/>
+          </p:nvPr>
+        </p:nvSpPr>
+        <p:spPr>
+          <a:xfrm>
+            <a:off x="822960" y="286604"/>
+            <a:ext cx="7543800" cy="1450757"/>
+          </a:xfrm>
+        </p:spPr>
+        <p:txBody>
+          <a:bodyPr/>
+          <a:lstStyle/>
+          <a:p>
+            <a:r>
+              <a:rPr lang="en-US"/>
+              <a:t>Click to edit Master title style</a:t>
+            </a:r>
+            <a:endParaRPr lang="en-US" dirty="0"/>
+          </a:p>
+        </p:txBody>
+      </p:sp>
+      <p:sp>
+        <p:nvSpPr>
+          <p:cNvPr id="3" name="Content Placeholder 2"/>
+          <p:cNvSpPr>
+            <a:spLocks noGrp="1"/>
+          </p:cNvSpPr>
+          <p:nvPr>
+            <p:ph sz="half" idx="1"/>
+          </p:nvPr>
+        </p:nvSpPr>
+        <p:spPr>
+          <a:xfrm>
+            <a:off x="822960" y="1845734"/>
+            <a:ext cx="3703320" cy="4023360"/>
+          </a:xfrm>
+        </p:spPr>
+        <p:txBody>
+          <a:bodyPr/>
+          <a:lstStyle/>
+          <a:p>
+            <a:pPr lvl="0"/>
+            <a:r>
+              <a:rPr lang="en-US"/>
+              <a:t>Click to edit Master text styles</a:t>
+            </a:r>
+          </a:p>
+          <a:p>
+            <a:pPr lvl="1"/>
+            <a:r>
+              <a:rPr lang="en-US"/>
+              <a:t>Second level</a:t>
+            </a:r>
+          </a:p>
+          <a:p>
+            <a:pPr lvl="2"/>
+            <a:r>
+              <a:rPr lang="en-US"/>
+              <a:t>Third level</a:t>
+            </a:r>
+          </a:p>
+          <a:p>
+            <a:pPr lvl="3"/>
+            <a:r>
+              <a:rPr lang="en-US"/>
+              <a:t>Fourth level</a:t>
+            </a:r>
+          </a:p>
+          <a:p>
+            <a:pPr lvl="4"/>
+            <a:r>
+              <a:rPr lang="en-US"/>
+              <a:t>Fifth level</a:t>
+            </a:r>
+            <a:endParaRPr lang="en-US" dirty="0"/>
+          </a:p>
+        </p:txBody>
+      </p:sp>
+      <p:sp>
+        <p:nvSpPr>
+          <p:cNvPr id="4" name="Content Placeholder 3"/>
+          <p:cNvSpPr>
+            <a:spLocks noGrp="1"/>
+          </p:cNvSpPr>
+          <p:nvPr>
+            <p:ph sz="half" idx="2"/>
+          </p:nvPr>
+        </p:nvSpPr>
+        <p:spPr>
+          <a:xfrm>
+            <a:off x="4663440" y="1845736"/>
+            <a:ext cx="3703320" cy="4023359"/>
+          </a:xfrm>
+        </p:spPr>
+        <p:txBody>
+          <a:bodyPr/>
+          <a:lstStyle/>
+          <a:p>
+            <a:pPr lvl="0"/>
+            <a:r>
+              <a:rPr lang="en-US"/>
+              <a:t>Click to edit Master text styles</a:t>
+            </a:r>
+          </a:p>
+          <a:p>
+            <a:pPr lvl="1"/>
+            <a:r>
+              <a:rPr lang="en-US"/>
+              <a:t>Second level</a:t>
+            </a:r>
+          </a:p>
+          <a:p>
+            <a:pPr lvl="2"/>
+            <a:r>
+              <a:rPr lang="en-US"/>
+              <a:t>Third level</a:t>
+            </a:r>
+          </a:p>
+          <a:p>
+            <a:pPr lvl="3"/>
+            <a:r>
+              <a:rPr lang="en-US"/>
+              <a:t>Fourth level</a:t>
+            </a:r>
+          </a:p>
+          <a:p>
+            <a:pPr lvl="4"/>
+            <a:r>
+              <a:rPr lang="en-US"/>
+              <a:t>Fifth level</a:t>
+            </a:r>
+            <a:endParaRPr lang="en-US" dirty="0"/>
+          </a:p>
+        </p:txBody>
+      </p:sp>
+      <p:sp>
+        <p:nvSpPr>
+          <p:cNvPr id="5" name="Date Placeholder 4"/>
+          <p:cNvSpPr>
+            <a:spLocks noGrp="1"/>
+          </p:cNvSpPr>
+          <p:nvPr>
+            <p:ph type="dt" sz="half" idx="10"/>
+          </p:nvPr>
+        </p:nvSpPr>
+        <p:spPr/>
+        <p:txBody>
+          <a:bodyPr/>
+          <a:lstStyle/>
+          <a:p>
+            <a:fld id="{9FD0C5E7-D03F-4EB2-954B-89D83E72D6C4}" type="datetime1">
+              <a:rPr lang="en-US" smtClean="0"/>
+              <a:t>7/7/2016</a:t>
+            </a:fld>
+            <a:endParaRPr lang="en-US"/>
+          </a:p>
+        </p:txBody>
+      </p:sp>
+      <p:sp>
+        <p:nvSpPr>
+          <p:cNvPr id="6" name="Footer Placeholder 5"/>
+          <p:cNvSpPr>
+            <a:spLocks noGrp="1"/>
+          </p:cNvSpPr>
+          <p:nvPr>
+            <p:ph type="ftr" sz="quarter" idx="11"/>
+          </p:nvPr>
+        </p:nvSpPr>
+        <p:spPr/>
+        <p:txBody>
+          <a:bodyPr/>
+          <a:lstStyle/>
+          <a:p>
+            <a:r>
+              <a:rPr lang="en-US"/>
+              <a:t>© 2016 EV3Lessons.com, Last edit 7/06/2016</a:t>
+            </a:r>
+            <a:endParaRPr lang="en-US" dirty="0"/>
+          </a:p>
+        </p:txBody>
+      </p:sp>
+      <p:sp>
+        <p:nvSpPr>
+          <p:cNvPr id="7" name="Slide Number Placeholder 6"/>
+          <p:cNvSpPr>
+            <a:spLocks noGrp="1"/>
+          </p:cNvSpPr>
+          <p:nvPr>
+            <p:ph type="sldNum" sz="quarter" idx="12"/>
+          </p:nvPr>
+        </p:nvSpPr>
+        <p:spPr/>
+        <p:txBody>
+          <a:bodyPr/>
+          <a:lstStyle/>
+          <a:p>
+            <a:fld id="{4382A7F7-08BF-4252-8141-63FB96055BBB}" type="slidenum">
+              <a:rPr lang="en-US" smtClean="0"/>
+              <a:t>‹#›</a:t>
+            </a:fld>
+            <a:endParaRPr lang="en-US"/>
+          </a:p>
+        </p:txBody>
+      </p:sp>
+    </p:spTree>
+    <p:extLst>
+      <p:ext uri="{BB962C8B-B14F-4D97-AF65-F5344CB8AC3E}">
+        <p14:creationId xmlns:p14="http://schemas.microsoft.com/office/powerpoint/2010/main" val="1540769095"/>
+      </p:ext>
+    </p:extLst>
+  </p:cSld>
+  <p:clrMapOvr>
+    <a:masterClrMapping/>
+  </p:clrMapOvr>
+</p:sldLayout>
+</file>
+
+<file path=ppt/slideLayouts/slideLayout5.xml><?xml version="1.0" encoding="utf-8"?>
+<p:sldLayout xmlns:a="http://schemas.openxmlformats.org/drawingml/2006/main" xmlns:r="http://schemas.openxmlformats.org/officeDocument/2006/relationships" xmlns:p="http://schemas.openxmlformats.org/presentationml/2006/main" type="twoTxTwoObj" preserve="1">
+  <p:cSld name="Comparison">
+    <p:spTree>
+      <p:nvGrpSpPr>
+        <p:cNvPr id="1" name=""/>
+        <p:cNvGrpSpPr/>
+        <p:nvPr/>
+      </p:nvGrpSpPr>
+      <p:grpSpPr>
+        <a:xfrm>
+          <a:off x="0" y="0"/>
+          <a:ext cx="0" cy="0"/>
+          <a:chOff x="0" y="0"/>
+          <a:chExt cx="0" cy="0"/>
+        </a:xfrm>
+      </p:grpSpPr>
+      <p:sp>
+        <p:nvSpPr>
+          <p:cNvPr id="10" name="Title 9"/>
+          <p:cNvSpPr>
+            <a:spLocks noGrp="1"/>
+          </p:cNvSpPr>
+          <p:nvPr>
+            <p:ph type="title"/>
+          </p:nvPr>
+        </p:nvSpPr>
+        <p:spPr>
+          <a:xfrm>
+            <a:off x="822960" y="286604"/>
+            <a:ext cx="7543800" cy="1450757"/>
+          </a:xfrm>
+        </p:spPr>
+        <p:txBody>
+          <a:bodyPr/>
+          <a:lstStyle/>
+          <a:p>
+            <a:r>
+              <a:rPr lang="en-US"/>
+              <a:t>Click to edit Master title style</a:t>
+            </a:r>
+            <a:endParaRPr lang="en-US" dirty="0"/>
+          </a:p>
+        </p:txBody>
+      </p:sp>
+      <p:sp>
+        <p:nvSpPr>
+          <p:cNvPr id="3" name="Text Placeholder 2"/>
+          <p:cNvSpPr>
+            <a:spLocks noGrp="1"/>
+          </p:cNvSpPr>
+          <p:nvPr>
+            <p:ph type="body" idx="1"/>
+          </p:nvPr>
+        </p:nvSpPr>
+        <p:spPr>
+          <a:xfrm>
+            <a:off x="822960" y="1846052"/>
+            <a:ext cx="3703320" cy="736282"/>
+          </a:xfrm>
+        </p:spPr>
+        <p:txBody>
+          <a:bodyPr lIns="91440" rIns="91440" anchor="ctr">
+            <a:normAutofit/>
+          </a:bodyPr>
+          <a:lstStyle>
+            <a:lvl1pPr marL="0" indent="0">
+              <a:buNone/>
+              <a:defRPr sz="2000" b="0" cap="all" baseline="0">
+                <a:solidFill>
+                  <a:schemeClr val="tx2"/>
+                </a:solidFill>
+              </a:defRPr>
+            </a:lvl1pPr>
+            <a:lvl2pPr marL="457200" indent="0">
+              <a:buNone/>
+              <a:defRPr sz="2000" b="1"/>
+            </a:lvl2pPr>
+            <a:lvl3pPr marL="914400" indent="0">
+              <a:buNone/>
+              <a:defRPr sz="1800" b="1"/>
+            </a:lvl3pPr>
+            <a:lvl4pPr marL="1371600" indent="0">
+              <a:buNone/>
+              <a:defRPr sz="1600" b="1"/>
+            </a:lvl4pPr>
+            <a:lvl5pPr marL="1828800" indent="0">
+              <a:buNone/>
+              <a:defRPr sz="1600" b="1"/>
+            </a:lvl5pPr>
+            <a:lvl6pPr marL="2286000" indent="0">
+              <a:buNone/>
+              <a:defRPr sz="1600" b="1"/>
+            </a:lvl6pPr>
+            <a:lvl7pPr marL="2743200" indent="0">
+              <a:buNone/>
+              <a:defRPr sz="1600" b="1"/>
+            </a:lvl7pPr>
+            <a:lvl8pPr marL="3200400" indent="0">
+              <a:buNone/>
+              <a:defRPr sz="1600" b="1"/>
+            </a:lvl8pPr>
+            <a:lvl9pPr marL="3657600" indent="0">
+              <a:buNone/>
+              <a:defRPr sz="1600" b="1"/>
+            </a:lvl9pPr>
+          </a:lstStyle>
+          <a:p>
+            <a:pPr lvl="0"/>
+            <a:r>
+              <a:rPr lang="en-US"/>
+              <a:t>Click to edit Master text styles</a:t>
+            </a:r>
+          </a:p>
+        </p:txBody>
+      </p:sp>
+      <p:sp>
+        <p:nvSpPr>
+          <p:cNvPr id="4" name="Content Placeholder 3"/>
+          <p:cNvSpPr>
+            <a:spLocks noGrp="1"/>
+          </p:cNvSpPr>
+          <p:nvPr>
+            <p:ph sz="half" idx="2"/>
+          </p:nvPr>
+        </p:nvSpPr>
+        <p:spPr>
+          <a:xfrm>
+            <a:off x="822960" y="2582334"/>
+            <a:ext cx="3703320" cy="3286760"/>
+          </a:xfrm>
+        </p:spPr>
+        <p:txBody>
+          <a:bodyPr/>
+          <a:lstStyle/>
+          <a:p>
+            <a:pPr lvl="0"/>
+            <a:r>
+              <a:rPr lang="en-US"/>
+              <a:t>Click to edit Master text styles</a:t>
+            </a:r>
+          </a:p>
+          <a:p>
+            <a:pPr lvl="1"/>
+            <a:r>
+              <a:rPr lang="en-US"/>
+              <a:t>Second level</a:t>
+            </a:r>
+          </a:p>
+          <a:p>
+            <a:pPr lvl="2"/>
+            <a:r>
+              <a:rPr lang="en-US"/>
+              <a:t>Third level</a:t>
+            </a:r>
+          </a:p>
+          <a:p>
+            <a:pPr lvl="3"/>
+            <a:r>
+              <a:rPr lang="en-US"/>
+              <a:t>Fourth level</a:t>
+            </a:r>
+          </a:p>
+          <a:p>
+            <a:pPr lvl="4"/>
+            <a:r>
+              <a:rPr lang="en-US"/>
+              <a:t>Fifth level</a:t>
+            </a:r>
+            <a:endParaRPr lang="en-US" dirty="0"/>
+          </a:p>
+        </p:txBody>
+      </p:sp>
+      <p:sp>
+        <p:nvSpPr>
+          <p:cNvPr id="5" name="Text Placeholder 4"/>
+          <p:cNvSpPr>
+            <a:spLocks noGrp="1"/>
+          </p:cNvSpPr>
+          <p:nvPr>
+            <p:ph type="body" sz="quarter" idx="3"/>
+          </p:nvPr>
+        </p:nvSpPr>
+        <p:spPr>
+          <a:xfrm>
+            <a:off x="4663440" y="1846052"/>
+            <a:ext cx="3703320" cy="736282"/>
+          </a:xfrm>
+        </p:spPr>
+        <p:txBody>
+          <a:bodyPr lIns="91440" rIns="91440" anchor="ctr">
+            <a:normAutofit/>
+          </a:bodyPr>
+          <a:lstStyle>
+            <a:lvl1pPr marL="0" indent="0">
+              <a:buNone/>
+              <a:defRPr sz="2000" b="0" cap="all" baseline="0">
+                <a:solidFill>
+                  <a:schemeClr val="tx2"/>
+                </a:solidFill>
+              </a:defRPr>
+            </a:lvl1pPr>
+            <a:lvl2pPr marL="457200" indent="0">
+              <a:buNone/>
+              <a:defRPr sz="2000" b="1"/>
+            </a:lvl2pPr>
+            <a:lvl3pPr marL="914400" indent="0">
+              <a:buNone/>
+              <a:defRPr sz="1800" b="1"/>
+            </a:lvl3pPr>
+            <a:lvl4pPr marL="1371600" indent="0">
+              <a:buNone/>
+              <a:defRPr sz="1600" b="1"/>
+            </a:lvl4pPr>
+            <a:lvl5pPr marL="1828800" indent="0">
+              <a:buNone/>
+              <a:defRPr sz="1600" b="1"/>
+            </a:lvl5pPr>
+            <a:lvl6pPr marL="2286000" indent="0">
+              <a:buNone/>
+              <a:defRPr sz="1600" b="1"/>
+            </a:lvl6pPr>
+            <a:lvl7pPr marL="2743200" indent="0">
+              <a:buNone/>
+              <a:defRPr sz="1600" b="1"/>
+            </a:lvl7pPr>
+            <a:lvl8pPr marL="3200400" indent="0">
+              <a:buNone/>
+              <a:defRPr sz="1600" b="1"/>
+            </a:lvl8pPr>
+            <a:lvl9pPr marL="3657600" indent="0">
+              <a:buNone/>
+              <a:defRPr sz="1600" b="1"/>
+            </a:lvl9pPr>
+          </a:lstStyle>
+          <a:p>
+            <a:pPr lvl="0"/>
+            <a:r>
+              <a:rPr lang="en-US"/>
+              <a:t>Click to edit Master text styles</a:t>
+            </a:r>
+          </a:p>
+        </p:txBody>
+      </p:sp>
+      <p:sp>
+        <p:nvSpPr>
+          <p:cNvPr id="6" name="Content Placeholder 5"/>
+          <p:cNvSpPr>
+            <a:spLocks noGrp="1"/>
+          </p:cNvSpPr>
+          <p:nvPr>
+            <p:ph sz="quarter" idx="4"/>
+          </p:nvPr>
+        </p:nvSpPr>
+        <p:spPr>
+          <a:xfrm>
+            <a:off x="4663440" y="2582334"/>
+            <a:ext cx="3703320" cy="3286760"/>
+          </a:xfrm>
+        </p:spPr>
+        <p:txBody>
+          <a:bodyPr/>
+          <a:lstStyle/>
+          <a:p>
+            <a:pPr lvl="0"/>
+            <a:r>
+              <a:rPr lang="en-US"/>
+              <a:t>Click to edit Master text styles</a:t>
+            </a:r>
+          </a:p>
+          <a:p>
+            <a:pPr lvl="1"/>
+            <a:r>
+              <a:rPr lang="en-US"/>
+              <a:t>Second level</a:t>
+            </a:r>
+          </a:p>
+          <a:p>
+            <a:pPr lvl="2"/>
+            <a:r>
+              <a:rPr lang="en-US"/>
+              <a:t>Third level</a:t>
+            </a:r>
+          </a:p>
+          <a:p>
+            <a:pPr lvl="3"/>
+            <a:r>
+              <a:rPr lang="en-US"/>
+              <a:t>Fourth level</a:t>
+            </a:r>
+          </a:p>
+          <a:p>
+            <a:pPr lvl="4"/>
+            <a:r>
+              <a:rPr lang="en-US"/>
+              <a:t>Fifth level</a:t>
+            </a:r>
+            <a:endParaRPr lang="en-US" dirty="0"/>
+          </a:p>
+        </p:txBody>
+      </p:sp>
+      <p:sp>
+        <p:nvSpPr>
+          <p:cNvPr id="7" name="Date Placeholder 6"/>
+          <p:cNvSpPr>
+            <a:spLocks noGrp="1"/>
+          </p:cNvSpPr>
+          <p:nvPr>
+            <p:ph type="dt" sz="half" idx="10"/>
+          </p:nvPr>
+        </p:nvSpPr>
+        <p:spPr/>
+        <p:txBody>
+          <a:bodyPr/>
+          <a:lstStyle/>
+          <a:p>
+            <a:fld id="{ACC5F691-BF69-4442-91EA-D0ED45CE8446}" type="datetime1">
+              <a:rPr lang="en-US" smtClean="0"/>
+              <a:t>7/7/2016</a:t>
+            </a:fld>
+            <a:endParaRPr lang="en-US"/>
+          </a:p>
+        </p:txBody>
+      </p:sp>
+      <p:sp>
+        <p:nvSpPr>
+          <p:cNvPr id="8" name="Footer Placeholder 7"/>
+          <p:cNvSpPr>
+            <a:spLocks noGrp="1"/>
+          </p:cNvSpPr>
+          <p:nvPr>
+            <p:ph type="ftr" sz="quarter" idx="11"/>
+          </p:nvPr>
+        </p:nvSpPr>
+        <p:spPr/>
+        <p:txBody>
+          <a:bodyPr/>
+          <a:lstStyle/>
+          <a:p>
+            <a:r>
+              <a:rPr lang="en-US"/>
+              <a:t>© 2016 EV3Lessons.com, Last edit 7/06/2016</a:t>
+            </a:r>
+          </a:p>
+        </p:txBody>
+      </p:sp>
+      <p:sp>
+        <p:nvSpPr>
+          <p:cNvPr id="9" name="Slide Number Placeholder 8"/>
+          <p:cNvSpPr>
+            <a:spLocks noGrp="1"/>
+          </p:cNvSpPr>
+          <p:nvPr>
+            <p:ph type="sldNum" sz="quarter" idx="12"/>
+          </p:nvPr>
+        </p:nvSpPr>
+        <p:spPr/>
+        <p:txBody>
+          <a:bodyPr/>
+          <a:lstStyle/>
+          <a:p>
+            <a:fld id="{4382A7F7-08BF-4252-8141-63FB96055BBB}" type="slidenum">
+              <a:rPr lang="en-US" smtClean="0"/>
+              <a:t>‹#›</a:t>
+            </a:fld>
+            <a:endParaRPr lang="en-US"/>
+          </a:p>
+        </p:txBody>
+      </p:sp>
+    </p:spTree>
+    <p:extLst>
+      <p:ext uri="{BB962C8B-B14F-4D97-AF65-F5344CB8AC3E}">
+        <p14:creationId xmlns:p14="http://schemas.microsoft.com/office/powerpoint/2010/main" val="1708641029"/>
+      </p:ext>
+    </p:extLst>
+  </p:cSld>
+  <p:clrMapOvr>
+    <a:masterClrMapping/>
+  </p:clrMapOvr>
+</p:sldLayout>
+</file>
+
+<file path=ppt/slideLayouts/slideLayout6.xml><?xml version="1.0" encoding="utf-8"?>
+<p:sldLayout xmlns:a="http://schemas.openxmlformats.org/drawingml/2006/main" xmlns:r="http://schemas.openxmlformats.org/officeDocument/2006/relationships" xmlns:p="http://schemas.openxmlformats.org/presentationml/2006/main" type="titleOnly" preserve="1">
+  <p:cSld name="Title Only">
+    <p:spTree>
+      <p:nvGrpSpPr>
+        <p:cNvPr id="1" name=""/>
+        <p:cNvGrpSpPr/>
+        <p:nvPr/>
+      </p:nvGrpSpPr>
+      <p:grpSpPr>
+        <a:xfrm>
+          <a:off x="0" y="0"/>
+          <a:ext cx="0" cy="0"/>
+          <a:chOff x="0" y="0"/>
+          <a:chExt cx="0" cy="0"/>
+        </a:xfrm>
+      </p:grpSpPr>
+      <p:sp>
+        <p:nvSpPr>
+          <p:cNvPr id="2" name="Title 1"/>
+          <p:cNvSpPr>
+            <a:spLocks noGrp="1"/>
+          </p:cNvSpPr>
+          <p:nvPr>
+            <p:ph type="title"/>
+          </p:nvPr>
+        </p:nvSpPr>
+        <p:spPr/>
+        <p:txBody>
+          <a:bodyPr/>
+          <a:lstStyle/>
+          <a:p>
+            <a:r>
+              <a:rPr lang="en-US"/>
+              <a:t>Click to edit Master title style</a:t>
+            </a:r>
+            <a:endParaRPr lang="en-US" dirty="0"/>
+          </a:p>
+        </p:txBody>
+      </p:sp>
+      <p:sp>
+        <p:nvSpPr>
+          <p:cNvPr id="3" name="Date Placeholder 2"/>
+          <p:cNvSpPr>
+            <a:spLocks noGrp="1"/>
+          </p:cNvSpPr>
+          <p:nvPr>
+            <p:ph type="dt" sz="half" idx="10"/>
+          </p:nvPr>
+        </p:nvSpPr>
+        <p:spPr/>
+        <p:txBody>
+          <a:bodyPr/>
+          <a:lstStyle/>
+          <a:p>
+            <a:fld id="{6B2CFE12-00FB-4627-B54E-234ACF416087}" type="datetime1">
+              <a:rPr lang="en-US" smtClean="0"/>
+              <a:t>7/7/2016</a:t>
+            </a:fld>
+            <a:endParaRPr lang="en-US"/>
+          </a:p>
+        </p:txBody>
+      </p:sp>
+      <p:sp>
+        <p:nvSpPr>
+          <p:cNvPr id="4" name="Footer Placeholder 3"/>
+          <p:cNvSpPr>
+            <a:spLocks noGrp="1"/>
+          </p:cNvSpPr>
+          <p:nvPr>
+            <p:ph type="ftr" sz="quarter" idx="11"/>
+          </p:nvPr>
+        </p:nvSpPr>
+        <p:spPr/>
+        <p:txBody>
+          <a:bodyPr/>
+          <a:lstStyle/>
+          <a:p>
+            <a:r>
+              <a:rPr lang="en-US"/>
+              <a:t>© 2016 EV3Lessons.com, Last edit 7/06/2016</a:t>
+            </a:r>
+          </a:p>
+        </p:txBody>
+      </p:sp>
+      <p:sp>
+        <p:nvSpPr>
+          <p:cNvPr id="5" name="Slide Number Placeholder 4"/>
+          <p:cNvSpPr>
+            <a:spLocks noGrp="1"/>
+          </p:cNvSpPr>
+          <p:nvPr>
+            <p:ph type="sldNum" sz="quarter" idx="12"/>
+          </p:nvPr>
+        </p:nvSpPr>
+        <p:spPr/>
+        <p:txBody>
+          <a:bodyPr/>
+          <a:lstStyle/>
+          <a:p>
+            <a:fld id="{4382A7F7-08BF-4252-8141-63FB96055BBB}" type="slidenum">
+              <a:rPr lang="en-US" smtClean="0"/>
+              <a:t>‹#›</a:t>
+            </a:fld>
+            <a:endParaRPr lang="en-US"/>
+          </a:p>
+        </p:txBody>
+      </p:sp>
+    </p:spTree>
+    <p:extLst>
+      <p:ext uri="{BB962C8B-B14F-4D97-AF65-F5344CB8AC3E}">
+        <p14:creationId xmlns:p14="http://schemas.microsoft.com/office/powerpoint/2010/main" val="1471721154"/>
+      </p:ext>
+    </p:extLst>
+  </p:cSld>
+  <p:clrMapOvr>
+    <a:masterClrMapping/>
+  </p:clrMapOvr>
+</p:sldLayout>
+</file>
+
+<file path=ppt/slideLayouts/slideLayout7.xml><?xml version="1.0" encoding="utf-8"?>
+<p:sldLayout xmlns:a="http://schemas.openxmlformats.org/drawingml/2006/main" xmlns:r="http://schemas.openxmlformats.org/officeDocument/2006/relationships" xmlns:p="http://schemas.openxmlformats.org/presentationml/2006/main" showMasterSp="0" type="blank" preserve="1">
+  <p:cSld name="Blank">
+    <p:spTree>
+      <p:nvGrpSpPr>
+        <p:cNvPr id="1" name=""/>
+        <p:cNvGrpSpPr/>
+        <p:nvPr/>
+      </p:nvGrpSpPr>
+      <p:grpSpPr>
+        <a:xfrm>
+          <a:off x="0" y="0"/>
+          <a:ext cx="0" cy="0"/>
+          <a:chOff x="0" y="0"/>
+          <a:chExt cx="0" cy="0"/>
+        </a:xfrm>
+      </p:grpSpPr>
+      <p:sp>
+        <p:nvSpPr>
+          <p:cNvPr id="5" name="Rectangle 4"/>
+          <p:cNvSpPr/>
+          <p:nvPr/>
+        </p:nvSpPr>
+        <p:spPr>
+          <a:xfrm>
+            <a:off x="2382" y="6400800"/>
+            <a:ext cx="9141619" cy="457200"/>
+          </a:xfrm>
+          <a:prstGeom prst="rect">
+            <a:avLst/>
+          </a:prstGeom>
+          <a:solidFill>
+            <a:schemeClr val="accent2"/>
+          </a:solidFill>
+          <a:ln>
+            <a:noFill/>
+          </a:ln>
+        </p:spPr>
+        <p:style>
+          <a:lnRef idx="2">
+            <a:schemeClr val="accent1">
+              <a:shade val="50000"/>
+            </a:schemeClr>
+          </a:lnRef>
+          <a:fillRef idx="1">
+            <a:schemeClr val="accent1"/>
+          </a:fillRef>
+          <a:effectRef idx="0">
+            <a:schemeClr val="accent1"/>
+          </a:effectRef>
+          <a:fontRef idx="minor">
+            <a:schemeClr val="lt1"/>
+          </a:fontRef>
+        </p:style>
+      </p:sp>
+      <p:sp>
+        <p:nvSpPr>
+          <p:cNvPr id="6" name="Rectangle 5"/>
+          <p:cNvSpPr/>
+          <p:nvPr/>
+        </p:nvSpPr>
+        <p:spPr>
+          <a:xfrm>
+            <a:off x="12" y="6334316"/>
+            <a:ext cx="9141619" cy="64008"/>
+          </a:xfrm>
+          <a:prstGeom prst="rect">
+            <a:avLst/>
+          </a:prstGeom>
+          <a:solidFill>
+            <a:schemeClr val="accent1"/>
+          </a:solidFill>
+          <a:ln>
+            <a:noFill/>
+          </a:ln>
+        </p:spPr>
+        <p:style>
+          <a:lnRef idx="2">
+            <a:schemeClr val="accent1">
+              <a:shade val="50000"/>
+            </a:schemeClr>
+          </a:lnRef>
+          <a:fillRef idx="1">
+            <a:schemeClr val="accent1"/>
+          </a:fillRef>
+          <a:effectRef idx="0">
+            <a:schemeClr val="accent1"/>
+          </a:effectRef>
+          <a:fontRef idx="minor">
+            <a:schemeClr val="lt1"/>
+          </a:fontRef>
+        </p:style>
+      </p:sp>
+      <p:sp>
+        <p:nvSpPr>
+          <p:cNvPr id="7" name="Date Placeholder 6"/>
+          <p:cNvSpPr>
+            <a:spLocks noGrp="1"/>
+          </p:cNvSpPr>
+          <p:nvPr>
+            <p:ph type="dt" sz="half" idx="10"/>
+          </p:nvPr>
+        </p:nvSpPr>
+        <p:spPr/>
+        <p:txBody>
+          <a:bodyPr/>
+          <a:lstStyle/>
+          <a:p>
+            <a:fld id="{D6C08EDD-3ACF-4DF1-A9C7-C9F7C89F4F81}" type="datetime1">
+              <a:rPr lang="en-US" smtClean="0"/>
+              <a:t>7/7/2016</a:t>
+            </a:fld>
+            <a:endParaRPr lang="en-US"/>
+          </a:p>
+        </p:txBody>
+      </p:sp>
+      <p:sp>
+        <p:nvSpPr>
+          <p:cNvPr id="8" name="Footer Placeholder 7"/>
+          <p:cNvSpPr>
+            <a:spLocks noGrp="1"/>
+          </p:cNvSpPr>
+          <p:nvPr>
+            <p:ph type="ftr" sz="quarter" idx="11"/>
+          </p:nvPr>
+        </p:nvSpPr>
+        <p:spPr/>
+        <p:txBody>
+          <a:bodyPr/>
+          <a:lstStyle>
+            <a:lvl1pPr>
+              <a:defRPr>
+                <a:solidFill>
+                  <a:srgbClr val="FFFFFF"/>
+                </a:solidFill>
+              </a:defRPr>
+            </a:lvl1pPr>
+          </a:lstStyle>
+          <a:p>
+            <a:r>
+              <a:rPr lang="en-US"/>
+              <a:t>© 2016 EV3Lessons.com, Last edit 7/06/2016</a:t>
+            </a:r>
+          </a:p>
+        </p:txBody>
+      </p:sp>
+      <p:sp>
+        <p:nvSpPr>
+          <p:cNvPr id="9" name="Slide Number Placeholder 8"/>
+          <p:cNvSpPr>
+            <a:spLocks noGrp="1"/>
+          </p:cNvSpPr>
+          <p:nvPr>
+            <p:ph type="sldNum" sz="quarter" idx="12"/>
+          </p:nvPr>
+        </p:nvSpPr>
+        <p:spPr/>
+        <p:txBody>
+          <a:bodyPr/>
+          <a:lstStyle/>
+          <a:p>
+            <a:fld id="{4382A7F7-08BF-4252-8141-63FB96055BBB}" type="slidenum">
+              <a:rPr lang="en-US" smtClean="0"/>
+              <a:t>‹#›</a:t>
+            </a:fld>
+            <a:endParaRPr lang="en-US"/>
+          </a:p>
+        </p:txBody>
+      </p:sp>
+    </p:spTree>
+    <p:extLst>
+      <p:ext uri="{BB962C8B-B14F-4D97-AF65-F5344CB8AC3E}">
+        <p14:creationId xmlns:p14="http://schemas.microsoft.com/office/powerpoint/2010/main" val="774528931"/>
+      </p:ext>
+    </p:extLst>
+  </p:cSld>
+  <p:clrMapOvr>
+    <a:masterClrMapping/>
+  </p:clrMapOvr>
+</p:sldLayout>
+</file>
+
+<file path=ppt/slideLayouts/slideLayout8.xml><?xml version="1.0" encoding="utf-8"?>
+<p:sldLayout xmlns:a="http://schemas.openxmlformats.org/drawingml/2006/main" xmlns:r="http://schemas.openxmlformats.org/officeDocument/2006/relationships" xmlns:p="http://schemas.openxmlformats.org/presentationml/2006/main" showMasterSp="0" type="objTx" preserve="1">
+  <p:cSld name="Content with Caption">
+    <p:spTree>
+      <p:nvGrpSpPr>
+        <p:cNvPr id="1" name=""/>
+        <p:cNvGrpSpPr/>
+        <p:nvPr/>
+      </p:nvGrpSpPr>
+      <p:grpSpPr>
+        <a:xfrm>
+          <a:off x="0" y="0"/>
+          <a:ext cx="0" cy="0"/>
+          <a:chOff x="0" y="0"/>
+          <a:chExt cx="0" cy="0"/>
+        </a:xfrm>
+      </p:grpSpPr>
+      <p:sp>
+        <p:nvSpPr>
+          <p:cNvPr id="8" name="Rectangle 7"/>
+          <p:cNvSpPr/>
+          <p:nvPr/>
+        </p:nvSpPr>
+        <p:spPr>
+          <a:xfrm>
+            <a:off x="13" y="0"/>
+            <a:ext cx="3038093" cy="6858000"/>
+          </a:xfrm>
+          <a:prstGeom prst="rect">
+            <a:avLst/>
+          </a:prstGeom>
+          <a:solidFill>
+            <a:schemeClr val="accent2"/>
+          </a:solidFill>
+          <a:ln>
+            <a:noFill/>
+          </a:ln>
+        </p:spPr>
+        <p:style>
+          <a:lnRef idx="2">
+            <a:schemeClr val="accent1">
+              <a:shade val="50000"/>
+            </a:schemeClr>
+          </a:lnRef>
+          <a:fillRef idx="1">
+            <a:schemeClr val="accent1"/>
+          </a:fillRef>
+          <a:effectRef idx="0">
+            <a:schemeClr val="accent1"/>
+          </a:effectRef>
+          <a:fontRef idx="minor">
+            <a:schemeClr val="lt1"/>
+          </a:fontRef>
+        </p:style>
+      </p:sp>
+      <p:sp>
+        <p:nvSpPr>
+          <p:cNvPr id="9" name="Rectangle 8"/>
+          <p:cNvSpPr/>
+          <p:nvPr/>
+        </p:nvSpPr>
+        <p:spPr>
+          <a:xfrm>
+            <a:off x="3030053" y="0"/>
+            <a:ext cx="48006" cy="6858000"/>
+          </a:xfrm>
+          <a:prstGeom prst="rect">
+            <a:avLst/>
+          </a:prstGeom>
+          <a:solidFill>
+            <a:schemeClr val="accent1"/>
+          </a:solidFill>
+          <a:ln>
+            <a:noFill/>
+          </a:ln>
+        </p:spPr>
+        <p:style>
+          <a:lnRef idx="2">
+            <a:schemeClr val="accent1">
+              <a:shade val="50000"/>
+            </a:schemeClr>
+          </a:lnRef>
+          <a:fillRef idx="1">
+            <a:schemeClr val="accent1"/>
+          </a:fillRef>
+          <a:effectRef idx="0">
+            <a:schemeClr val="accent1"/>
+          </a:effectRef>
+          <a:fontRef idx="minor">
+            <a:schemeClr val="lt1"/>
+          </a:fontRef>
+        </p:style>
+      </p:sp>
+      <p:sp>
+        <p:nvSpPr>
+          <p:cNvPr id="2" name="Title 1"/>
+          <p:cNvSpPr>
+            <a:spLocks noGrp="1"/>
+          </p:cNvSpPr>
+          <p:nvPr>
+            <p:ph type="title"/>
+          </p:nvPr>
+        </p:nvSpPr>
+        <p:spPr>
+          <a:xfrm>
+            <a:off x="342900" y="594359"/>
+            <a:ext cx="2400300" cy="2286000"/>
+          </a:xfrm>
+        </p:spPr>
+        <p:txBody>
+          <a:bodyPr anchor="b">
+            <a:normAutofit/>
+          </a:bodyPr>
+          <a:lstStyle>
+            <a:lvl1pPr>
+              <a:defRPr sz="3600" b="0">
+                <a:solidFill>
+                  <a:srgbClr val="FFFFFF"/>
+                </a:solidFill>
+              </a:defRPr>
+            </a:lvl1pPr>
+          </a:lstStyle>
+          <a:p>
+            <a:r>
+              <a:rPr lang="en-US"/>
+              <a:t>Click to edit Master title style</a:t>
+            </a:r>
+            <a:endParaRPr lang="en-US" dirty="0"/>
+          </a:p>
+        </p:txBody>
+      </p:sp>
+      <p:sp>
+        <p:nvSpPr>
+          <p:cNvPr id="3" name="Content Placeholder 2"/>
+          <p:cNvSpPr>
+            <a:spLocks noGrp="1"/>
+          </p:cNvSpPr>
+          <p:nvPr>
+            <p:ph idx="1"/>
+          </p:nvPr>
+        </p:nvSpPr>
+        <p:spPr>
+          <a:xfrm>
+            <a:off x="3460237" y="731520"/>
+            <a:ext cx="5009393" cy="5257800"/>
+          </a:xfrm>
+        </p:spPr>
+        <p:txBody>
+          <a:bodyPr/>
+          <a:lstStyle/>
+          <a:p>
+            <a:pPr lvl="0"/>
+            <a:r>
+              <a:rPr lang="en-US"/>
+              <a:t>Click to edit Master text styles</a:t>
+            </a:r>
+          </a:p>
+          <a:p>
+            <a:pPr lvl="1"/>
+            <a:r>
+              <a:rPr lang="en-US"/>
+              <a:t>Second level</a:t>
+            </a:r>
+          </a:p>
+          <a:p>
+            <a:pPr lvl="2"/>
+            <a:r>
+              <a:rPr lang="en-US"/>
+              <a:t>Third level</a:t>
+            </a:r>
+          </a:p>
+          <a:p>
+            <a:pPr lvl="3"/>
+            <a:r>
+              <a:rPr lang="en-US"/>
+              <a:t>Fourth level</a:t>
+            </a:r>
+          </a:p>
+          <a:p>
+            <a:pPr lvl="4"/>
+            <a:r>
+              <a:rPr lang="en-US"/>
+              <a:t>Fifth level</a:t>
+            </a:r>
+            <a:endParaRPr lang="en-US" dirty="0"/>
+          </a:p>
+        </p:txBody>
+      </p:sp>
+      <p:sp>
+        <p:nvSpPr>
+          <p:cNvPr id="4" name="Text Placeholder 3"/>
+          <p:cNvSpPr>
+            <a:spLocks noGrp="1"/>
+          </p:cNvSpPr>
+          <p:nvPr>
+            <p:ph type="body" sz="half" idx="2"/>
+          </p:nvPr>
+        </p:nvSpPr>
+        <p:spPr>
+          <a:xfrm>
+            <a:off x="342900" y="2926080"/>
+            <a:ext cx="2400300" cy="3379124"/>
+          </a:xfrm>
+        </p:spPr>
+        <p:txBody>
+          <a:bodyPr lIns="91440" rIns="91440">
+            <a:normAutofit/>
+          </a:bodyPr>
+          <a:lstStyle>
+            <a:lvl1pPr marL="0" indent="0">
+              <a:buNone/>
+              <a:defRPr sz="1500">
+                <a:solidFill>
+                  <a:srgbClr val="FFFFFF"/>
+                </a:solidFill>
+              </a:defRPr>
+            </a:lvl1pPr>
+            <a:lvl2pPr marL="457200" indent="0">
+              <a:buNone/>
+              <a:defRPr sz="1200"/>
+            </a:lvl2pPr>
+            <a:lvl3pPr marL="914400" indent="0">
+              <a:buNone/>
+              <a:defRPr sz="1000"/>
+            </a:lvl3pPr>
+            <a:lvl4pPr marL="1371600" indent="0">
+              <a:buNone/>
+              <a:defRPr sz="900"/>
+            </a:lvl4pPr>
+            <a:lvl5pPr marL="1828800" indent="0">
+              <a:buNone/>
+              <a:defRPr sz="900"/>
+            </a:lvl5pPr>
+            <a:lvl6pPr marL="2286000" indent="0">
+              <a:buNone/>
+              <a:defRPr sz="900"/>
+            </a:lvl6pPr>
+            <a:lvl7pPr marL="2743200" indent="0">
+              <a:buNone/>
+              <a:defRPr sz="900"/>
+            </a:lvl7pPr>
+            <a:lvl8pPr marL="3200400" indent="0">
+              <a:buNone/>
+              <a:defRPr sz="900"/>
+            </a:lvl8pPr>
+            <a:lvl9pPr marL="3657600" indent="0">
+              <a:buNone/>
+              <a:defRPr sz="900"/>
+            </a:lvl9pPr>
+          </a:lstStyle>
+          <a:p>
+            <a:pPr lvl="0"/>
+            <a:r>
+              <a:rPr lang="en-US"/>
+              <a:t>Click to edit Master text styles</a:t>
+            </a:r>
+          </a:p>
+        </p:txBody>
+      </p:sp>
+      <p:sp>
+        <p:nvSpPr>
+          <p:cNvPr id="5" name="Date Placeholder 4"/>
+          <p:cNvSpPr>
+            <a:spLocks noGrp="1"/>
+          </p:cNvSpPr>
+          <p:nvPr>
+            <p:ph type="dt" sz="half" idx="10"/>
+          </p:nvPr>
+        </p:nvSpPr>
+        <p:spPr>
+          <a:xfrm>
+            <a:off x="349134" y="6459786"/>
+            <a:ext cx="1963883" cy="365125"/>
+          </a:xfrm>
+        </p:spPr>
+        <p:txBody>
+          <a:bodyPr/>
+          <a:lstStyle>
+            <a:lvl1pPr algn="l">
+              <a:defRPr/>
+            </a:lvl1pPr>
+          </a:lstStyle>
+          <a:p>
+            <a:fld id="{AB98011D-2756-4858-9CC9-FE3106CAC974}" type="datetime1">
+              <a:rPr lang="en-US" smtClean="0"/>
+              <a:t>7/7/2016</a:t>
+            </a:fld>
+            <a:endParaRPr lang="en-US"/>
+          </a:p>
+        </p:txBody>
+      </p:sp>
+      <p:sp>
+        <p:nvSpPr>
+          <p:cNvPr id="6" name="Footer Placeholder 5"/>
+          <p:cNvSpPr>
+            <a:spLocks noGrp="1"/>
+          </p:cNvSpPr>
+          <p:nvPr>
+            <p:ph type="ftr" sz="quarter" idx="11"/>
+          </p:nvPr>
+        </p:nvSpPr>
+        <p:spPr>
+          <a:xfrm>
+            <a:off x="3600450" y="6459786"/>
+            <a:ext cx="3486150" cy="365125"/>
+          </a:xfrm>
+        </p:spPr>
+        <p:txBody>
+          <a:bodyPr/>
+          <a:lstStyle>
+            <a:lvl1pPr algn="l">
+              <a:defRPr>
+                <a:solidFill>
+                  <a:schemeClr val="tx2"/>
+                </a:solidFill>
+              </a:defRPr>
+            </a:lvl1pPr>
+          </a:lstStyle>
+          <a:p>
+            <a:r>
+              <a:rPr lang="en-US"/>
+              <a:t>© 2016 EV3Lessons.com, Last edit 7/06/2016</a:t>
+            </a:r>
+          </a:p>
+        </p:txBody>
+      </p:sp>
+      <p:sp>
+        <p:nvSpPr>
+          <p:cNvPr id="7" name="Slide Number Placeholder 6"/>
+          <p:cNvSpPr>
+            <a:spLocks noGrp="1"/>
+          </p:cNvSpPr>
+          <p:nvPr>
+            <p:ph type="sldNum" sz="quarter" idx="12"/>
+          </p:nvPr>
+        </p:nvSpPr>
+        <p:spPr/>
+        <p:txBody>
+          <a:bodyPr/>
+          <a:lstStyle>
+            <a:lvl1pPr>
+              <a:defRPr>
+                <a:solidFill>
+                  <a:schemeClr val="tx2"/>
+                </a:solidFill>
+              </a:defRPr>
+            </a:lvl1pPr>
+          </a:lstStyle>
+          <a:p>
+            <a:fld id="{7F5CE407-6216-4202-80E4-A30DC2F709B2}" type="slidenum">
+              <a:rPr lang="en-US" smtClean="0"/>
+              <a:t>‹#›</a:t>
+            </a:fld>
+            <a:endParaRPr lang="en-US"/>
+          </a:p>
+        </p:txBody>
+      </p:sp>
+    </p:spTree>
+    <p:extLst>
+      <p:ext uri="{BB962C8B-B14F-4D97-AF65-F5344CB8AC3E}">
+        <p14:creationId xmlns:p14="http://schemas.microsoft.com/office/powerpoint/2010/main" val="937657985"/>
+      </p:ext>
+    </p:extLst>
+  </p:cSld>
+  <p:clrMapOvr>
+    <a:masterClrMapping/>
+  </p:clrMapOvr>
+</p:sldLayout>
+</file>
+
+<file path=ppt/slideLayouts/slideLayout9.xml><?xml version="1.0" encoding="utf-8"?>
+<p:sldLayout xmlns:a="http://schemas.openxmlformats.org/drawingml/2006/main" xmlns:r="http://schemas.openxmlformats.org/officeDocument/2006/relationships" xmlns:p="http://schemas.openxmlformats.org/presentationml/2006/main" showMasterSp="0" type="picTx" preserve="1">
+  <p:cSld name="Picture with Caption">
+    <p:spTree>
+      <p:nvGrpSpPr>
+        <p:cNvPr id="1" name=""/>
+        <p:cNvGrpSpPr/>
+        <p:nvPr/>
+      </p:nvGrpSpPr>
+      <p:grpSpPr>
+        <a:xfrm>
+          <a:off x="0" y="0"/>
+          <a:ext cx="0" cy="0"/>
+          <a:chOff x="0" y="0"/>
+          <a:chExt cx="0" cy="0"/>
+        </a:xfrm>
+      </p:grpSpPr>
+      <p:sp>
+        <p:nvSpPr>
+          <p:cNvPr id="8" name="Rectangle 7"/>
+          <p:cNvSpPr/>
+          <p:nvPr/>
+        </p:nvSpPr>
+        <p:spPr>
+          <a:xfrm>
+            <a:off x="0" y="4953000"/>
+            <a:ext cx="9141619" cy="1905000"/>
+          </a:xfrm>
+          <a:prstGeom prst="rect">
+            <a:avLst/>
+          </a:prstGeom>
+          <a:solidFill>
+            <a:schemeClr val="accent2"/>
+          </a:solidFill>
+          <a:ln>
+            <a:noFill/>
+          </a:ln>
+        </p:spPr>
+        <p:style>
+          <a:lnRef idx="2">
+            <a:schemeClr val="accent1">
+              <a:shade val="50000"/>
+            </a:schemeClr>
+          </a:lnRef>
+          <a:fillRef idx="1">
+            <a:schemeClr val="accent1"/>
+          </a:fillRef>
+          <a:effectRef idx="0">
+            <a:schemeClr val="accent1"/>
+          </a:effectRef>
+          <a:fontRef idx="minor">
+            <a:schemeClr val="lt1"/>
+          </a:fontRef>
+        </p:style>
+      </p:sp>
+      <p:sp>
+        <p:nvSpPr>
+          <p:cNvPr id="9" name="Rectangle 8"/>
+          <p:cNvSpPr/>
+          <p:nvPr/>
+        </p:nvSpPr>
+        <p:spPr>
+          <a:xfrm>
+            <a:off x="12" y="4915076"/>
+            <a:ext cx="9141619" cy="64008"/>
+          </a:xfrm>
+          <a:prstGeom prst="rect">
+            <a:avLst/>
+          </a:prstGeom>
+          <a:solidFill>
+            <a:schemeClr val="accent1"/>
+          </a:solidFill>
+          <a:ln>
+            <a:noFill/>
+          </a:ln>
+        </p:spPr>
+        <p:style>
+          <a:lnRef idx="2">
+            <a:schemeClr val="accent1">
+              <a:shade val="50000"/>
+            </a:schemeClr>
+          </a:lnRef>
+          <a:fillRef idx="1">
+            <a:schemeClr val="accent1"/>
+          </a:fillRef>
+          <a:effectRef idx="0">
+            <a:schemeClr val="accent1"/>
+          </a:effectRef>
+          <a:fontRef idx="minor">
+            <a:schemeClr val="lt1"/>
+          </a:fontRef>
+        </p:style>
+      </p:sp>
+      <p:sp>
+        <p:nvSpPr>
+          <p:cNvPr id="2" name="Title 1"/>
+          <p:cNvSpPr>
+            <a:spLocks noGrp="1"/>
+          </p:cNvSpPr>
+          <p:nvPr>
+            <p:ph type="title"/>
+          </p:nvPr>
+        </p:nvSpPr>
+        <p:spPr>
+          <a:xfrm>
+            <a:off x="822960" y="5074920"/>
+            <a:ext cx="7589520" cy="822960"/>
+          </a:xfrm>
+        </p:spPr>
+        <p:txBody>
+          <a:bodyPr tIns="0" bIns="0" anchor="b">
+            <a:noAutofit/>
+          </a:bodyPr>
+          <a:lstStyle>
+            <a:lvl1pPr>
+              <a:defRPr sz="3600" b="0">
+                <a:solidFill>
+                  <a:srgbClr val="FFFFFF"/>
+                </a:solidFill>
+              </a:defRPr>
+            </a:lvl1pPr>
+          </a:lstStyle>
+          <a:p>
+            <a:r>
+              <a:rPr lang="en-US"/>
+              <a:t>Click to edit Master title style</a:t>
+            </a:r>
+            <a:endParaRPr lang="en-US" dirty="0"/>
+          </a:p>
+        </p:txBody>
+      </p:sp>
+      <p:sp>
+        <p:nvSpPr>
+          <p:cNvPr id="3" name="Picture Placeholder 2"/>
+          <p:cNvSpPr>
+            <a:spLocks noGrp="1" noChangeAspect="1"/>
+          </p:cNvSpPr>
+          <p:nvPr>
+            <p:ph type="pic" idx="1"/>
+          </p:nvPr>
+        </p:nvSpPr>
+        <p:spPr>
+          <a:xfrm>
+            <a:off x="12" y="0"/>
+            <a:ext cx="9143989" cy="4915076"/>
+          </a:xfrm>
+          <a:blipFill>
+            <a:blip r:embed="rId2"/>
+            <a:stretch>
+              <a:fillRect/>
+            </a:stretch>
+          </a:blipFill>
+        </p:spPr>
+        <p:txBody>
+          <a:bodyPr lIns="457200" tIns="457200" anchor="t"/>
+          <a:lstStyle>
+            <a:lvl1pPr marL="0" indent="0">
+              <a:buNone/>
+              <a:defRPr sz="3200">
+                <a:solidFill>
+                  <a:schemeClr val="bg1"/>
+                </a:solidFill>
+              </a:defRPr>
+            </a:lvl1pPr>
+            <a:lvl2pPr marL="457200" indent="0">
+              <a:buNone/>
+              <a:defRPr sz="2800"/>
+            </a:lvl2pPr>
+            <a:lvl3pPr marL="914400" indent="0">
+              <a:buNone/>
+              <a:defRPr sz="2400"/>
+            </a:lvl3pPr>
+            <a:lvl4pPr marL="1371600" indent="0">
+              <a:buNone/>
+              <a:defRPr sz="2000"/>
+            </a:lvl4pPr>
+            <a:lvl5pPr marL="1828800" indent="0">
+              <a:buNone/>
+              <a:defRPr sz="2000"/>
+            </a:lvl5pPr>
+            <a:lvl6pPr marL="2286000" indent="0">
+              <a:buNone/>
+              <a:defRPr sz="2000"/>
+            </a:lvl6pPr>
+            <a:lvl7pPr marL="2743200" indent="0">
+              <a:buNone/>
+              <a:defRPr sz="2000"/>
+            </a:lvl7pPr>
+            <a:lvl8pPr marL="3200400" indent="0">
+              <a:buNone/>
+              <a:defRPr sz="2000"/>
+            </a:lvl8pPr>
+            <a:lvl9pPr marL="3657600" indent="0">
+              <a:buNone/>
+              <a:defRPr sz="2000"/>
+            </a:lvl9pPr>
+          </a:lstStyle>
+          <a:p>
+            <a:r>
+              <a:rPr lang="en-US"/>
+              <a:t>Drag picture to placeholder or click icon to add</a:t>
+            </a:r>
+            <a:endParaRPr lang="en-US" dirty="0"/>
+          </a:p>
+        </p:txBody>
+      </p:sp>
+      <p:sp>
+        <p:nvSpPr>
+          <p:cNvPr id="4" name="Text Placeholder 3"/>
+          <p:cNvSpPr>
+            <a:spLocks noGrp="1"/>
+          </p:cNvSpPr>
+          <p:nvPr>
+            <p:ph type="body" sz="half" idx="2"/>
+          </p:nvPr>
+        </p:nvSpPr>
+        <p:spPr>
+          <a:xfrm>
+            <a:off x="822959" y="5907024"/>
+            <a:ext cx="7589520" cy="594360"/>
+          </a:xfrm>
+        </p:spPr>
+        <p:txBody>
+          <a:bodyPr lIns="91440" tIns="0" rIns="91440" bIns="0">
+            <a:normAutofit/>
+          </a:bodyPr>
+          <a:lstStyle>
+            <a:lvl1pPr marL="0" indent="0">
+              <a:spcBef>
+                <a:spcPts val="0"/>
+              </a:spcBef>
+              <a:spcAft>
+                <a:spcPts val="600"/>
+              </a:spcAft>
+              <a:buNone/>
+              <a:defRPr sz="1500">
+                <a:solidFill>
+                  <a:srgbClr val="FFFFFF"/>
+                </a:solidFill>
+              </a:defRPr>
+            </a:lvl1pPr>
+            <a:lvl2pPr marL="457200" indent="0">
+              <a:buNone/>
+              <a:defRPr sz="1200"/>
+            </a:lvl2pPr>
+            <a:lvl3pPr marL="914400" indent="0">
+              <a:buNone/>
+              <a:defRPr sz="1000"/>
+            </a:lvl3pPr>
+            <a:lvl4pPr marL="1371600" indent="0">
+              <a:buNone/>
+              <a:defRPr sz="900"/>
+            </a:lvl4pPr>
+            <a:lvl5pPr marL="1828800" indent="0">
+              <a:buNone/>
+              <a:defRPr sz="900"/>
+            </a:lvl5pPr>
+            <a:lvl6pPr marL="2286000" indent="0">
+              <a:buNone/>
+              <a:defRPr sz="900"/>
+            </a:lvl6pPr>
+            <a:lvl7pPr marL="2743200" indent="0">
+              <a:buNone/>
+              <a:defRPr sz="900"/>
+            </a:lvl7pPr>
+            <a:lvl8pPr marL="3200400" indent="0">
+              <a:buNone/>
+              <a:defRPr sz="900"/>
+            </a:lvl8pPr>
+            <a:lvl9pPr marL="3657600" indent="0">
+              <a:buNone/>
+              <a:defRPr sz="900"/>
+            </a:lvl9pPr>
+          </a:lstStyle>
+          <a:p>
+            <a:pPr lvl="0"/>
+            <a:r>
+              <a:rPr lang="en-US"/>
+              <a:t>Click to edit Master text styles</a:t>
+            </a:r>
+          </a:p>
+        </p:txBody>
+      </p:sp>
+      <p:sp>
+        <p:nvSpPr>
+          <p:cNvPr id="5" name="Date Placeholder 4"/>
+          <p:cNvSpPr>
+            <a:spLocks noGrp="1"/>
+          </p:cNvSpPr>
+          <p:nvPr>
+            <p:ph type="dt" sz="half" idx="10"/>
+          </p:nvPr>
+        </p:nvSpPr>
+        <p:spPr/>
+        <p:txBody>
+          <a:bodyPr/>
+          <a:lstStyle/>
+          <a:p>
+            <a:fld id="{8CE404CD-E311-400A-B0E1-17AAF48C62D8}" type="datetime1">
+              <a:rPr lang="en-US" smtClean="0"/>
+              <a:t>7/7/2016</a:t>
+            </a:fld>
+            <a:endParaRPr lang="en-US"/>
+          </a:p>
+        </p:txBody>
+      </p:sp>
+      <p:sp>
+        <p:nvSpPr>
+          <p:cNvPr id="6" name="Footer Placeholder 5"/>
+          <p:cNvSpPr>
+            <a:spLocks noGrp="1"/>
+          </p:cNvSpPr>
+          <p:nvPr>
+            <p:ph type="ftr" sz="quarter" idx="11"/>
+          </p:nvPr>
+        </p:nvSpPr>
+        <p:spPr/>
+        <p:txBody>
+          <a:bodyPr/>
+          <a:lstStyle/>
+          <a:p>
+            <a:r>
+              <a:rPr lang="en-US"/>
+              <a:t>© 2016 EV3Lessons.com, Last edit 7/06/2016</a:t>
+            </a:r>
           </a:p>
         </p:txBody>
       </p:sp>
@@ -3995,7 +7161,7 @@
           <a:lstStyle/>
           <a:p>
             <a:r>
-              <a:rPr lang="en-US" smtClean="0"/>
+              <a:rPr lang="en-US"/>
               <a:t>Click to edit Master title style</a:t>
             </a:r>
             <a:endParaRPr lang="en-US" dirty="0"/>
@@ -4029,35 +7195,35 @@
           <a:p>
             <a:pPr lvl="0"/>
             <a:r>
-              <a:rPr lang="en-US" smtClean="0"/>
+              <a:rPr lang="en-US"/>
               <a:t>Click to edit Master text styles</a:t>
             </a:r>
           </a:p>
           <a:p>
             <a:pPr lvl="1"/>
             <a:r>
-              <a:rPr lang="en-US" smtClean="0"/>
+              <a:rPr lang="en-US"/>
               <a:t>Second level</a:t>
             </a:r>
           </a:p>
           <a:p>
             <a:pPr lvl="2"/>
             <a:r>
-              <a:rPr lang="en-US" smtClean="0"/>
+              <a:rPr lang="en-US"/>
               <a:t>Third level</a:t>
             </a:r>
           </a:p>
           <a:p>
             <a:pPr lvl="3"/>
             <a:r>
-              <a:rPr lang="en-US" smtClean="0"/>
+              <a:rPr lang="en-US"/>
               <a:t>Fourth level</a:t>
             </a:r>
           </a:p>
           <a:p>
             <a:pPr lvl="4"/>
             <a:r>
-              <a:rPr lang="en-US" smtClean="0"/>
+              <a:rPr lang="en-US"/>
               <a:t>Fifth level</a:t>
             </a:r>
             <a:endParaRPr lang="en-US" dirty="0"/>
@@ -4095,9 +7261,9 @@
             </a:lvl1pPr>
           </a:lstStyle>
           <a:p>
-            <a:fld id="{0604F77D-FCB8-A946-86A9-D14BD65D0D3D}" type="datetime1">
+            <a:fld id="{83108968-BCF6-473F-A853-2B1DED09885F}" type="datetime1">
               <a:rPr lang="en-US" smtClean="0"/>
-              <a:t>11/13/15</a:t>
+              <a:t>7/7/2016</a:t>
             </a:fld>
             <a:endParaRPr lang="en-US" dirty="0"/>
           </a:p>
@@ -4135,8 +7301,8 @@
           </a:lstStyle>
           <a:p>
             <a:r>
-              <a:rPr lang="sk-SK" smtClean="0"/>
-              <a:t>© 2015 EV3Lessons.com, Last edit 11/13/2015</a:t>
+              <a:rPr lang="en-US"/>
+              <a:t>© 2016 EV3Lessons.com, Last edit 7/06/2016</a:t>
             </a:r>
             <a:endParaRPr lang="en-US" dirty="0"/>
           </a:p>
@@ -4647,6 +7813,822 @@
 </p:sldMaster>
 </file>
 
+<file path=ppt/slideMasters/slideMaster2.xml><?xml version="1.0" encoding="utf-8"?>
+<p:sldMaster xmlns:a="http://schemas.openxmlformats.org/drawingml/2006/main" xmlns:r="http://schemas.openxmlformats.org/officeDocument/2006/relationships" xmlns:p="http://schemas.openxmlformats.org/presentationml/2006/main" preserve="1">
+  <p:cSld>
+    <p:bg>
+      <p:bgRef idx="1001">
+        <a:schemeClr val="bg1"/>
+      </p:bgRef>
+    </p:bg>
+    <p:spTree>
+      <p:nvGrpSpPr>
+        <p:cNvPr id="1" name=""/>
+        <p:cNvGrpSpPr/>
+        <p:nvPr/>
+      </p:nvGrpSpPr>
+      <p:grpSpPr>
+        <a:xfrm>
+          <a:off x="0" y="0"/>
+          <a:ext cx="0" cy="0"/>
+          <a:chOff x="0" y="0"/>
+          <a:chExt cx="0" cy="0"/>
+        </a:xfrm>
+      </p:grpSpPr>
+      <p:sp>
+        <p:nvSpPr>
+          <p:cNvPr id="7" name="Rectangle 6"/>
+          <p:cNvSpPr/>
+          <p:nvPr/>
+        </p:nvSpPr>
+        <p:spPr>
+          <a:xfrm>
+            <a:off x="0" y="6400800"/>
+            <a:ext cx="9144001" cy="457200"/>
+          </a:xfrm>
+          <a:prstGeom prst="rect">
+            <a:avLst/>
+          </a:prstGeom>
+          <a:solidFill>
+            <a:srgbClr val="0070C0"/>
+          </a:solidFill>
+          <a:ln>
+            <a:solidFill>
+              <a:srgbClr val="0070C0"/>
+            </a:solidFill>
+          </a:ln>
+        </p:spPr>
+        <p:style>
+          <a:lnRef idx="2">
+            <a:schemeClr val="accent1">
+              <a:shade val="50000"/>
+            </a:schemeClr>
+          </a:lnRef>
+          <a:fillRef idx="1">
+            <a:schemeClr val="accent1"/>
+          </a:fillRef>
+          <a:effectRef idx="0">
+            <a:schemeClr val="accent1"/>
+          </a:effectRef>
+          <a:fontRef idx="minor">
+            <a:schemeClr val="lt1"/>
+          </a:fontRef>
+        </p:style>
+      </p:sp>
+      <p:sp>
+        <p:nvSpPr>
+          <p:cNvPr id="9" name="Rectangle 8"/>
+          <p:cNvSpPr/>
+          <p:nvPr/>
+        </p:nvSpPr>
+        <p:spPr>
+          <a:xfrm>
+            <a:off x="0" y="6334315"/>
+            <a:ext cx="4487333" cy="92382"/>
+          </a:xfrm>
+          <a:prstGeom prst="rect">
+            <a:avLst/>
+          </a:prstGeom>
+          <a:solidFill>
+            <a:srgbClr val="00B050"/>
+          </a:solidFill>
+          <a:ln>
+            <a:noFill/>
+          </a:ln>
+        </p:spPr>
+        <p:style>
+          <a:lnRef idx="2">
+            <a:schemeClr val="accent1">
+              <a:shade val="50000"/>
+            </a:schemeClr>
+          </a:lnRef>
+          <a:fillRef idx="1">
+            <a:schemeClr val="accent1"/>
+          </a:fillRef>
+          <a:effectRef idx="0">
+            <a:schemeClr val="accent1"/>
+          </a:effectRef>
+          <a:fontRef idx="minor">
+            <a:schemeClr val="lt1"/>
+          </a:fontRef>
+        </p:style>
+      </p:sp>
+      <p:sp>
+        <p:nvSpPr>
+          <p:cNvPr id="2" name="Title Placeholder 1"/>
+          <p:cNvSpPr>
+            <a:spLocks noGrp="1"/>
+          </p:cNvSpPr>
+          <p:nvPr>
+            <p:ph type="title"/>
+          </p:nvPr>
+        </p:nvSpPr>
+        <p:spPr>
+          <a:xfrm>
+            <a:off x="227874" y="287088"/>
+            <a:ext cx="8596812" cy="874055"/>
+          </a:xfrm>
+          <a:prstGeom prst="rect">
+            <a:avLst/>
+          </a:prstGeom>
+        </p:spPr>
+        <p:txBody>
+          <a:bodyPr vert="horz" lIns="91440" tIns="45720" rIns="91440" bIns="45720" rtlCol="0" anchor="b">
+            <a:normAutofit/>
+          </a:bodyPr>
+          <a:lstStyle/>
+          <a:p>
+            <a:r>
+              <a:rPr lang="en-US"/>
+              <a:t>Click to edit Master title style</a:t>
+            </a:r>
+            <a:endParaRPr lang="en-US" dirty="0"/>
+          </a:p>
+        </p:txBody>
+      </p:sp>
+      <p:sp>
+        <p:nvSpPr>
+          <p:cNvPr id="3" name="Text Placeholder 2"/>
+          <p:cNvSpPr>
+            <a:spLocks noGrp="1"/>
+          </p:cNvSpPr>
+          <p:nvPr>
+            <p:ph type="body" idx="1"/>
+          </p:nvPr>
+        </p:nvSpPr>
+        <p:spPr>
+          <a:xfrm>
+            <a:off x="227874" y="1505616"/>
+            <a:ext cx="8596811" cy="4654528"/>
+          </a:xfrm>
+          <a:prstGeom prst="rect">
+            <a:avLst/>
+          </a:prstGeom>
+        </p:spPr>
+        <p:txBody>
+          <a:bodyPr vert="horz" lIns="0" tIns="45720" rIns="0" bIns="45720" rtlCol="0">
+            <a:normAutofit/>
+          </a:bodyPr>
+          <a:lstStyle/>
+          <a:p>
+            <a:pPr lvl="0"/>
+            <a:r>
+              <a:rPr lang="en-US"/>
+              <a:t>Edit Master text styles</a:t>
+            </a:r>
+          </a:p>
+          <a:p>
+            <a:pPr lvl="1"/>
+            <a:r>
+              <a:rPr lang="en-US"/>
+              <a:t>Second level</a:t>
+            </a:r>
+          </a:p>
+          <a:p>
+            <a:pPr lvl="2"/>
+            <a:r>
+              <a:rPr lang="en-US"/>
+              <a:t>Third level</a:t>
+            </a:r>
+          </a:p>
+          <a:p>
+            <a:pPr lvl="3"/>
+            <a:r>
+              <a:rPr lang="en-US"/>
+              <a:t>Fourth level</a:t>
+            </a:r>
+          </a:p>
+          <a:p>
+            <a:pPr lvl="4"/>
+            <a:r>
+              <a:rPr lang="en-US"/>
+              <a:t>Fifth level</a:t>
+            </a:r>
+            <a:endParaRPr lang="en-US" dirty="0"/>
+          </a:p>
+        </p:txBody>
+      </p:sp>
+      <p:sp>
+        <p:nvSpPr>
+          <p:cNvPr id="4" name="Date Placeholder 3"/>
+          <p:cNvSpPr>
+            <a:spLocks noGrp="1"/>
+          </p:cNvSpPr>
+          <p:nvPr>
+            <p:ph type="dt" sz="half" idx="2"/>
+          </p:nvPr>
+        </p:nvSpPr>
+        <p:spPr>
+          <a:xfrm>
+            <a:off x="822961" y="6459786"/>
+            <a:ext cx="1854203" cy="365125"/>
+          </a:xfrm>
+          <a:prstGeom prst="rect">
+            <a:avLst/>
+          </a:prstGeom>
+        </p:spPr>
+        <p:txBody>
+          <a:bodyPr vert="horz" lIns="91440" tIns="45720" rIns="91440" bIns="45720" rtlCol="0" anchor="ctr"/>
+          <a:lstStyle>
+            <a:lvl1pPr algn="l">
+              <a:defRPr sz="900">
+                <a:solidFill>
+                  <a:srgbClr val="FFFFFF"/>
+                </a:solidFill>
+              </a:defRPr>
+            </a:lvl1pPr>
+          </a:lstStyle>
+          <a:p>
+            <a:fld id="{A11950D5-8A3C-411C-A9CD-476FEEA4041B}" type="datetime1">
+              <a:rPr lang="en-US" smtClean="0"/>
+              <a:t>7/7/2016</a:t>
+            </a:fld>
+            <a:endParaRPr lang="en-US" dirty="0"/>
+          </a:p>
+        </p:txBody>
+      </p:sp>
+      <p:sp>
+        <p:nvSpPr>
+          <p:cNvPr id="5" name="Footer Placeholder 4"/>
+          <p:cNvSpPr>
+            <a:spLocks noGrp="1"/>
+          </p:cNvSpPr>
+          <p:nvPr>
+            <p:ph type="ftr" sz="quarter" idx="3"/>
+          </p:nvPr>
+        </p:nvSpPr>
+        <p:spPr>
+          <a:xfrm>
+            <a:off x="2764639" y="6459786"/>
+            <a:ext cx="3617103" cy="365125"/>
+          </a:xfrm>
+          <a:prstGeom prst="rect">
+            <a:avLst/>
+          </a:prstGeom>
+        </p:spPr>
+        <p:txBody>
+          <a:bodyPr vert="horz" lIns="91440" tIns="45720" rIns="91440" bIns="45720" rtlCol="0" anchor="ctr"/>
+          <a:lstStyle>
+            <a:lvl1pPr algn="ctr">
+              <a:defRPr sz="900" cap="all" baseline="0">
+                <a:solidFill>
+                  <a:srgbClr val="FFFFFF"/>
+                </a:solidFill>
+              </a:defRPr>
+            </a:lvl1pPr>
+          </a:lstStyle>
+          <a:p>
+            <a:r>
+              <a:rPr lang="en-US"/>
+              <a:t>© 2016 EV3Lessons.com, Last edit 7/06/2016</a:t>
+            </a:r>
+            <a:endParaRPr lang="en-US" dirty="0"/>
+          </a:p>
+        </p:txBody>
+      </p:sp>
+      <p:sp>
+        <p:nvSpPr>
+          <p:cNvPr id="6" name="Slide Number Placeholder 5"/>
+          <p:cNvSpPr>
+            <a:spLocks noGrp="1"/>
+          </p:cNvSpPr>
+          <p:nvPr>
+            <p:ph type="sldNum" sz="quarter" idx="4"/>
+          </p:nvPr>
+        </p:nvSpPr>
+        <p:spPr>
+          <a:xfrm>
+            <a:off x="7425344" y="6459786"/>
+            <a:ext cx="984019" cy="365125"/>
+          </a:xfrm>
+          <a:prstGeom prst="rect">
+            <a:avLst/>
+          </a:prstGeom>
+        </p:spPr>
+        <p:txBody>
+          <a:bodyPr vert="horz" lIns="91440" tIns="45720" rIns="91440" bIns="45720" rtlCol="0" anchor="ctr"/>
+          <a:lstStyle>
+            <a:lvl1pPr algn="r">
+              <a:defRPr sz="1050">
+                <a:solidFill>
+                  <a:srgbClr val="FFFFFF"/>
+                </a:solidFill>
+              </a:defRPr>
+            </a:lvl1pPr>
+          </a:lstStyle>
+          <a:p>
+            <a:fld id="{4382A7F7-08BF-4252-8141-63FB96055BBB}" type="slidenum">
+              <a:rPr lang="en-US" smtClean="0"/>
+              <a:t>‹#›</a:t>
+            </a:fld>
+            <a:endParaRPr lang="en-US"/>
+          </a:p>
+        </p:txBody>
+      </p:sp>
+      <p:cxnSp>
+        <p:nvCxnSpPr>
+          <p:cNvPr id="10" name="Straight Connector 9"/>
+          <p:cNvCxnSpPr/>
+          <p:nvPr/>
+        </p:nvCxnSpPr>
+        <p:spPr>
+          <a:xfrm flipV="1">
+            <a:off x="227874" y="1335314"/>
+            <a:ext cx="8596811" cy="1"/>
+          </a:xfrm>
+          <a:prstGeom prst="line">
+            <a:avLst/>
+          </a:prstGeom>
+          <a:ln w="6350">
+            <a:solidFill>
+              <a:schemeClr val="tx1">
+                <a:lumMod val="50000"/>
+                <a:lumOff val="50000"/>
+              </a:schemeClr>
+            </a:solidFill>
+          </a:ln>
+        </p:spPr>
+        <p:style>
+          <a:lnRef idx="1">
+            <a:schemeClr val="accent1"/>
+          </a:lnRef>
+          <a:fillRef idx="0">
+            <a:schemeClr val="accent1"/>
+          </a:fillRef>
+          <a:effectRef idx="0">
+            <a:schemeClr val="accent1"/>
+          </a:effectRef>
+          <a:fontRef idx="minor">
+            <a:schemeClr val="tx1"/>
+          </a:fontRef>
+        </p:style>
+      </p:cxnSp>
+      <p:sp>
+        <p:nvSpPr>
+          <p:cNvPr id="11" name="Rectangle 10"/>
+          <p:cNvSpPr/>
+          <p:nvPr/>
+        </p:nvSpPr>
+        <p:spPr>
+          <a:xfrm>
+            <a:off x="4487333" y="6334315"/>
+            <a:ext cx="4656667" cy="92382"/>
+          </a:xfrm>
+          <a:prstGeom prst="rect">
+            <a:avLst/>
+          </a:prstGeom>
+          <a:solidFill>
+            <a:srgbClr val="7030A0"/>
+          </a:solidFill>
+          <a:ln>
+            <a:noFill/>
+          </a:ln>
+        </p:spPr>
+        <p:style>
+          <a:lnRef idx="2">
+            <a:schemeClr val="accent1">
+              <a:shade val="50000"/>
+            </a:schemeClr>
+          </a:lnRef>
+          <a:fillRef idx="1">
+            <a:schemeClr val="accent1"/>
+          </a:fillRef>
+          <a:effectRef idx="0">
+            <a:schemeClr val="accent1"/>
+          </a:effectRef>
+          <a:fontRef idx="minor">
+            <a:schemeClr val="lt1"/>
+          </a:fontRef>
+        </p:style>
+      </p:sp>
+      <p:sp>
+        <p:nvSpPr>
+          <p:cNvPr id="12" name="Rectangle 11"/>
+          <p:cNvSpPr/>
+          <p:nvPr userDrawn="1"/>
+        </p:nvSpPr>
+        <p:spPr>
+          <a:xfrm>
+            <a:off x="4487333" y="6334315"/>
+            <a:ext cx="4656667" cy="92382"/>
+          </a:xfrm>
+          <a:prstGeom prst="rect">
+            <a:avLst/>
+          </a:prstGeom>
+          <a:solidFill>
+            <a:srgbClr val="7030A0"/>
+          </a:solidFill>
+          <a:ln>
+            <a:noFill/>
+          </a:ln>
+        </p:spPr>
+        <p:style>
+          <a:lnRef idx="2">
+            <a:schemeClr val="accent1">
+              <a:shade val="50000"/>
+            </a:schemeClr>
+          </a:lnRef>
+          <a:fillRef idx="1">
+            <a:schemeClr val="accent1"/>
+          </a:fillRef>
+          <a:effectRef idx="0">
+            <a:schemeClr val="accent1"/>
+          </a:effectRef>
+          <a:fontRef idx="minor">
+            <a:schemeClr val="lt1"/>
+          </a:fontRef>
+        </p:style>
+      </p:sp>
+    </p:spTree>
+    <p:extLst>
+      <p:ext uri="{BB962C8B-B14F-4D97-AF65-F5344CB8AC3E}">
+        <p14:creationId xmlns:p14="http://schemas.microsoft.com/office/powerpoint/2010/main" val="2627862539"/>
+      </p:ext>
+    </p:extLst>
+  </p:cSld>
+  <p:clrMap bg1="lt1" tx1="dk1" bg2="lt2" tx2="dk2" accent1="accent1" accent2="accent2" accent3="accent3" accent4="accent4" accent5="accent5" accent6="accent6" hlink="hlink" folHlink="folHlink"/>
+  <p:sldLayoutIdLst>
+    <p:sldLayoutId id="2147483739" r:id="rId1"/>
+    <p:sldLayoutId id="2147483740" r:id="rId2"/>
+    <p:sldLayoutId id="2147483741" r:id="rId3"/>
+    <p:sldLayoutId id="2147483742" r:id="rId4"/>
+    <p:sldLayoutId id="2147483743" r:id="rId5"/>
+    <p:sldLayoutId id="2147483744" r:id="rId6"/>
+    <p:sldLayoutId id="2147483745" r:id="rId7"/>
+    <p:sldLayoutId id="2147483746" r:id="rId8"/>
+    <p:sldLayoutId id="2147483747" r:id="rId9"/>
+    <p:sldLayoutId id="2147483748" r:id="rId10"/>
+    <p:sldLayoutId id="2147483749" r:id="rId11"/>
+  </p:sldLayoutIdLst>
+  <p:hf hdr="0" dt="0"/>
+  <p:txStyles>
+    <p:titleStyle>
+      <a:lvl1pPr algn="l" defTabSz="914400" rtl="0" eaLnBrk="1" latinLnBrk="0" hangingPunct="1">
+        <a:lnSpc>
+          <a:spcPct val="85000"/>
+        </a:lnSpc>
+        <a:spcBef>
+          <a:spcPct val="0"/>
+        </a:spcBef>
+        <a:buNone/>
+        <a:defRPr sz="4800" kern="1200" spc="-50" baseline="0">
+          <a:solidFill>
+            <a:schemeClr val="tx1">
+              <a:lumMod val="75000"/>
+              <a:lumOff val="25000"/>
+            </a:schemeClr>
+          </a:solidFill>
+          <a:latin typeface="+mj-lt"/>
+          <a:ea typeface="+mj-ea"/>
+          <a:cs typeface="+mj-cs"/>
+        </a:defRPr>
+      </a:lvl1pPr>
+    </p:titleStyle>
+    <p:bodyStyle>
+      <a:lvl1pPr marL="91440" indent="-91440" algn="l" defTabSz="914400" rtl="0" eaLnBrk="1" latinLnBrk="0" hangingPunct="1">
+        <a:lnSpc>
+          <a:spcPct val="90000"/>
+        </a:lnSpc>
+        <a:spcBef>
+          <a:spcPts val="1200"/>
+        </a:spcBef>
+        <a:spcAft>
+          <a:spcPts val="200"/>
+        </a:spcAft>
+        <a:buClr>
+          <a:schemeClr val="accent1"/>
+        </a:buClr>
+        <a:buSzPct val="100000"/>
+        <a:buFont typeface="Calibri" panose="020F0502020204030204" pitchFamily="34" charset="0"/>
+        <a:buChar char=" "/>
+        <a:defRPr sz="2000" kern="1200">
+          <a:solidFill>
+            <a:schemeClr val="tx1">
+              <a:lumMod val="75000"/>
+              <a:lumOff val="25000"/>
+            </a:schemeClr>
+          </a:solidFill>
+          <a:latin typeface="+mn-lt"/>
+          <a:ea typeface="+mn-ea"/>
+          <a:cs typeface="+mn-cs"/>
+        </a:defRPr>
+      </a:lvl1pPr>
+      <a:lvl2pPr marL="384048" indent="-182880" algn="l" defTabSz="914400" rtl="0" eaLnBrk="1" latinLnBrk="0" hangingPunct="1">
+        <a:lnSpc>
+          <a:spcPct val="90000"/>
+        </a:lnSpc>
+        <a:spcBef>
+          <a:spcPts val="200"/>
+        </a:spcBef>
+        <a:spcAft>
+          <a:spcPts val="400"/>
+        </a:spcAft>
+        <a:buClr>
+          <a:schemeClr val="accent1"/>
+        </a:buClr>
+        <a:buFont typeface="Calibri" pitchFamily="34" charset="0"/>
+        <a:buChar char="◦"/>
+        <a:defRPr sz="1800" kern="1200">
+          <a:solidFill>
+            <a:schemeClr val="tx1">
+              <a:lumMod val="75000"/>
+              <a:lumOff val="25000"/>
+            </a:schemeClr>
+          </a:solidFill>
+          <a:latin typeface="+mn-lt"/>
+          <a:ea typeface="+mn-ea"/>
+          <a:cs typeface="+mn-cs"/>
+        </a:defRPr>
+      </a:lvl2pPr>
+      <a:lvl3pPr marL="566928" indent="-182880" algn="l" defTabSz="914400" rtl="0" eaLnBrk="1" latinLnBrk="0" hangingPunct="1">
+        <a:lnSpc>
+          <a:spcPct val="90000"/>
+        </a:lnSpc>
+        <a:spcBef>
+          <a:spcPts val="200"/>
+        </a:spcBef>
+        <a:spcAft>
+          <a:spcPts val="400"/>
+        </a:spcAft>
+        <a:buClr>
+          <a:schemeClr val="accent1"/>
+        </a:buClr>
+        <a:buFont typeface="Calibri" pitchFamily="34" charset="0"/>
+        <a:buChar char="◦"/>
+        <a:defRPr sz="1400" kern="1200">
+          <a:solidFill>
+            <a:schemeClr val="tx1">
+              <a:lumMod val="75000"/>
+              <a:lumOff val="25000"/>
+            </a:schemeClr>
+          </a:solidFill>
+          <a:latin typeface="+mn-lt"/>
+          <a:ea typeface="+mn-ea"/>
+          <a:cs typeface="+mn-cs"/>
+        </a:defRPr>
+      </a:lvl3pPr>
+      <a:lvl4pPr marL="749808" indent="-182880" algn="l" defTabSz="914400" rtl="0" eaLnBrk="1" latinLnBrk="0" hangingPunct="1">
+        <a:lnSpc>
+          <a:spcPct val="90000"/>
+        </a:lnSpc>
+        <a:spcBef>
+          <a:spcPts val="200"/>
+        </a:spcBef>
+        <a:spcAft>
+          <a:spcPts val="400"/>
+        </a:spcAft>
+        <a:buClr>
+          <a:schemeClr val="accent1"/>
+        </a:buClr>
+        <a:buFont typeface="Calibri" pitchFamily="34" charset="0"/>
+        <a:buChar char="◦"/>
+        <a:defRPr sz="1400" kern="1200">
+          <a:solidFill>
+            <a:schemeClr val="tx1">
+              <a:lumMod val="75000"/>
+              <a:lumOff val="25000"/>
+            </a:schemeClr>
+          </a:solidFill>
+          <a:latin typeface="+mn-lt"/>
+          <a:ea typeface="+mn-ea"/>
+          <a:cs typeface="+mn-cs"/>
+        </a:defRPr>
+      </a:lvl4pPr>
+      <a:lvl5pPr marL="932688" indent="-182880" algn="l" defTabSz="914400" rtl="0" eaLnBrk="1" latinLnBrk="0" hangingPunct="1">
+        <a:lnSpc>
+          <a:spcPct val="90000"/>
+        </a:lnSpc>
+        <a:spcBef>
+          <a:spcPts val="200"/>
+        </a:spcBef>
+        <a:spcAft>
+          <a:spcPts val="400"/>
+        </a:spcAft>
+        <a:buClr>
+          <a:schemeClr val="accent1"/>
+        </a:buClr>
+        <a:buFont typeface="Calibri" pitchFamily="34" charset="0"/>
+        <a:buChar char="◦"/>
+        <a:defRPr sz="1400" kern="1200">
+          <a:solidFill>
+            <a:schemeClr val="tx1">
+              <a:lumMod val="75000"/>
+              <a:lumOff val="25000"/>
+            </a:schemeClr>
+          </a:solidFill>
+          <a:latin typeface="+mn-lt"/>
+          <a:ea typeface="+mn-ea"/>
+          <a:cs typeface="+mn-cs"/>
+        </a:defRPr>
+      </a:lvl5pPr>
+      <a:lvl6pPr marL="1100000" indent="-228600" algn="l" defTabSz="914400" rtl="0" eaLnBrk="1" latinLnBrk="0" hangingPunct="1">
+        <a:lnSpc>
+          <a:spcPct val="90000"/>
+        </a:lnSpc>
+        <a:spcBef>
+          <a:spcPts val="200"/>
+        </a:spcBef>
+        <a:spcAft>
+          <a:spcPts val="400"/>
+        </a:spcAft>
+        <a:buClr>
+          <a:schemeClr val="accent1"/>
+        </a:buClr>
+        <a:buFont typeface="Calibri" pitchFamily="34" charset="0"/>
+        <a:buChar char="◦"/>
+        <a:defRPr sz="1400" kern="1200">
+          <a:solidFill>
+            <a:schemeClr val="tx1">
+              <a:lumMod val="75000"/>
+              <a:lumOff val="25000"/>
+            </a:schemeClr>
+          </a:solidFill>
+          <a:latin typeface="+mn-lt"/>
+          <a:ea typeface="+mn-ea"/>
+          <a:cs typeface="+mn-cs"/>
+        </a:defRPr>
+      </a:lvl6pPr>
+      <a:lvl7pPr marL="1300000" indent="-228600" algn="l" defTabSz="914400" rtl="0" eaLnBrk="1" latinLnBrk="0" hangingPunct="1">
+        <a:lnSpc>
+          <a:spcPct val="90000"/>
+        </a:lnSpc>
+        <a:spcBef>
+          <a:spcPts val="200"/>
+        </a:spcBef>
+        <a:spcAft>
+          <a:spcPts val="400"/>
+        </a:spcAft>
+        <a:buClr>
+          <a:schemeClr val="accent1"/>
+        </a:buClr>
+        <a:buFont typeface="Calibri" pitchFamily="34" charset="0"/>
+        <a:buChar char="◦"/>
+        <a:defRPr sz="1400" kern="1200">
+          <a:solidFill>
+            <a:schemeClr val="tx1">
+              <a:lumMod val="75000"/>
+              <a:lumOff val="25000"/>
+            </a:schemeClr>
+          </a:solidFill>
+          <a:latin typeface="+mn-lt"/>
+          <a:ea typeface="+mn-ea"/>
+          <a:cs typeface="+mn-cs"/>
+        </a:defRPr>
+      </a:lvl7pPr>
+      <a:lvl8pPr marL="1500000" indent="-228600" algn="l" defTabSz="914400" rtl="0" eaLnBrk="1" latinLnBrk="0" hangingPunct="1">
+        <a:lnSpc>
+          <a:spcPct val="90000"/>
+        </a:lnSpc>
+        <a:spcBef>
+          <a:spcPts val="200"/>
+        </a:spcBef>
+        <a:spcAft>
+          <a:spcPts val="400"/>
+        </a:spcAft>
+        <a:buClr>
+          <a:schemeClr val="accent1"/>
+        </a:buClr>
+        <a:buFont typeface="Calibri" pitchFamily="34" charset="0"/>
+        <a:buChar char="◦"/>
+        <a:defRPr sz="1400" kern="1200">
+          <a:solidFill>
+            <a:schemeClr val="tx1">
+              <a:lumMod val="75000"/>
+              <a:lumOff val="25000"/>
+            </a:schemeClr>
+          </a:solidFill>
+          <a:latin typeface="+mn-lt"/>
+          <a:ea typeface="+mn-ea"/>
+          <a:cs typeface="+mn-cs"/>
+        </a:defRPr>
+      </a:lvl8pPr>
+      <a:lvl9pPr marL="1700000" indent="-228600" algn="l" defTabSz="914400" rtl="0" eaLnBrk="1" latinLnBrk="0" hangingPunct="1">
+        <a:lnSpc>
+          <a:spcPct val="90000"/>
+        </a:lnSpc>
+        <a:spcBef>
+          <a:spcPts val="200"/>
+        </a:spcBef>
+        <a:spcAft>
+          <a:spcPts val="400"/>
+        </a:spcAft>
+        <a:buClr>
+          <a:schemeClr val="accent1"/>
+        </a:buClr>
+        <a:buFont typeface="Calibri" pitchFamily="34" charset="0"/>
+        <a:buChar char="◦"/>
+        <a:defRPr sz="1400" kern="1200">
+          <a:solidFill>
+            <a:schemeClr val="tx1">
+              <a:lumMod val="75000"/>
+              <a:lumOff val="25000"/>
+            </a:schemeClr>
+          </a:solidFill>
+          <a:latin typeface="+mn-lt"/>
+          <a:ea typeface="+mn-ea"/>
+          <a:cs typeface="+mn-cs"/>
+        </a:defRPr>
+      </a:lvl9pPr>
+    </p:bodyStyle>
+    <p:otherStyle>
+      <a:defPPr>
+        <a:defRPr lang="en-US"/>
+      </a:defPPr>
+      <a:lvl1pPr marL="0" algn="l" defTabSz="914400" rtl="0" eaLnBrk="1" latinLnBrk="0" hangingPunct="1">
+        <a:defRPr sz="1800" kern="1200">
+          <a:solidFill>
+            <a:schemeClr val="tx1"/>
+          </a:solidFill>
+          <a:latin typeface="+mn-lt"/>
+          <a:ea typeface="+mn-ea"/>
+          <a:cs typeface="+mn-cs"/>
+        </a:defRPr>
+      </a:lvl1pPr>
+      <a:lvl2pPr marL="457200" algn="l" defTabSz="914400" rtl="0" eaLnBrk="1" latinLnBrk="0" hangingPunct="1">
+        <a:defRPr sz="1800" kern="1200">
+          <a:solidFill>
+            <a:schemeClr val="tx1"/>
+          </a:solidFill>
+          <a:latin typeface="+mn-lt"/>
+          <a:ea typeface="+mn-ea"/>
+          <a:cs typeface="+mn-cs"/>
+        </a:defRPr>
+      </a:lvl2pPr>
+      <a:lvl3pPr marL="914400" algn="l" defTabSz="914400" rtl="0" eaLnBrk="1" latinLnBrk="0" hangingPunct="1">
+        <a:defRPr sz="1800" kern="1200">
+          <a:solidFill>
+            <a:schemeClr val="tx1"/>
+          </a:solidFill>
+          <a:latin typeface="+mn-lt"/>
+          <a:ea typeface="+mn-ea"/>
+          <a:cs typeface="+mn-cs"/>
+        </a:defRPr>
+      </a:lvl3pPr>
+      <a:lvl4pPr marL="1371600" algn="l" defTabSz="914400" rtl="0" eaLnBrk="1" latinLnBrk="0" hangingPunct="1">
+        <a:defRPr sz="1800" kern="1200">
+          <a:solidFill>
+            <a:schemeClr val="tx1"/>
+          </a:solidFill>
+          <a:latin typeface="+mn-lt"/>
+          <a:ea typeface="+mn-ea"/>
+          <a:cs typeface="+mn-cs"/>
+        </a:defRPr>
+      </a:lvl4pPr>
+      <a:lvl5pPr marL="1828800" algn="l" defTabSz="914400" rtl="0" eaLnBrk="1" latinLnBrk="0" hangingPunct="1">
+        <a:defRPr sz="1800" kern="1200">
+          <a:solidFill>
+            <a:schemeClr val="tx1"/>
+          </a:solidFill>
+          <a:latin typeface="+mn-lt"/>
+          <a:ea typeface="+mn-ea"/>
+          <a:cs typeface="+mn-cs"/>
+        </a:defRPr>
+      </a:lvl5pPr>
+      <a:lvl6pPr marL="2286000" algn="l" defTabSz="914400" rtl="0" eaLnBrk="1" latinLnBrk="0" hangingPunct="1">
+        <a:defRPr sz="1800" kern="1200">
+          <a:solidFill>
+            <a:schemeClr val="tx1"/>
+          </a:solidFill>
+          <a:latin typeface="+mn-lt"/>
+          <a:ea typeface="+mn-ea"/>
+          <a:cs typeface="+mn-cs"/>
+        </a:defRPr>
+      </a:lvl6pPr>
+      <a:lvl7pPr marL="2743200" algn="l" defTabSz="914400" rtl="0" eaLnBrk="1" latinLnBrk="0" hangingPunct="1">
+        <a:defRPr sz="1800" kern="1200">
+          <a:solidFill>
+            <a:schemeClr val="tx1"/>
+          </a:solidFill>
+          <a:latin typeface="+mn-lt"/>
+          <a:ea typeface="+mn-ea"/>
+          <a:cs typeface="+mn-cs"/>
+        </a:defRPr>
+      </a:lvl7pPr>
+      <a:lvl8pPr marL="3200400" algn="l" defTabSz="914400" rtl="0" eaLnBrk="1" latinLnBrk="0" hangingPunct="1">
+        <a:defRPr sz="1800" kern="1200">
+          <a:solidFill>
+            <a:schemeClr val="tx1"/>
+          </a:solidFill>
+          <a:latin typeface="+mn-lt"/>
+          <a:ea typeface="+mn-ea"/>
+          <a:cs typeface="+mn-cs"/>
+        </a:defRPr>
+      </a:lvl8pPr>
+      <a:lvl9pPr marL="3657600" algn="l" defTabSz="914400" rtl="0" eaLnBrk="1" latinLnBrk="0" hangingPunct="1">
+        <a:defRPr sz="1800" kern="1200">
+          <a:solidFill>
+            <a:schemeClr val="tx1"/>
+          </a:solidFill>
+          <a:latin typeface="+mn-lt"/>
+          <a:ea typeface="+mn-ea"/>
+          <a:cs typeface="+mn-cs"/>
+        </a:defRPr>
+      </a:lvl9pPr>
+    </p:otherStyle>
+  </p:txStyles>
+</p:sldMaster>
+</file>
+
 <file path=ppt/slides/slide1.xml><?xml version="1.0" encoding="utf-8"?>
 <p:sld xmlns:a="http://schemas.openxmlformats.org/drawingml/2006/main" xmlns:r="http://schemas.openxmlformats.org/officeDocument/2006/relationships" xmlns:p="http://schemas.openxmlformats.org/presentationml/2006/main">
   <p:cSld>
@@ -4677,15 +8659,14 @@
         <p:spPr/>
         <p:txBody>
           <a:bodyPr>
-            <a:normAutofit fontScale="90000"/>
+            <a:normAutofit/>
           </a:bodyPr>
           <a:lstStyle/>
           <a:p>
             <a:r>
-              <a:rPr lang="en-US" dirty="0" smtClean="0"/>
+              <a:rPr lang="en-US" dirty="0"/>
               <a:t>INTERMEDIATE PROGRAMMING LESSON</a:t>
             </a:r>
-            <a:endParaRPr lang="en-US" dirty="0"/>
           </a:p>
         </p:txBody>
       </p:sp>
@@ -4712,14 +8693,13 @@
           <a:lstStyle/>
           <a:p>
             <a:r>
-              <a:rPr lang="en-US" dirty="0" smtClean="0"/>
+              <a:rPr lang="en-US" dirty="0"/>
               <a:t>COLOR LINE FOLLOWER MY BLOCK </a:t>
             </a:r>
             <a:r>
-              <a:rPr lang="en-US" smtClean="0"/>
+              <a:rPr lang="en-US"/>
               <a:t>WITH INPUTs: MOVE UNTIL BLACK</a:t>
             </a:r>
-            <a:endParaRPr lang="en-US"/>
           </a:p>
         </p:txBody>
       </p:sp>
@@ -4739,10 +8719,9 @@
           <a:lstStyle/>
           <a:p>
             <a:r>
-              <a:rPr lang="sk-SK" smtClean="0"/>
-              <a:t>© 2015 EV3Lessons.com, Last edit 11/13/2015</a:t>
-            </a:r>
-            <a:endParaRPr lang="en-US"/>
+              <a:rPr lang="en-US"/>
+              <a:t>© 2016 EV3Lessons.com, Last edit 7/06/2016</a:t>
+            </a:r>
           </a:p>
         </p:txBody>
       </p:sp>
@@ -4815,14 +8794,9 @@
           <a:lstStyle/>
           <a:p>
             <a:r>
-              <a:rPr lang="en-US" dirty="0" smtClean="0"/>
-              <a:t>Next </a:t>
-            </a:r>
-            <a:r>
-              <a:rPr lang="en-US" dirty="0" smtClean="0"/>
-              <a:t>Steps</a:t>
-            </a:r>
-            <a:endParaRPr lang="en-US" dirty="0"/>
+              <a:rPr lang="en-US" dirty="0"/>
+              <a:t>Next Steps</a:t>
+            </a:r>
           </a:p>
         </p:txBody>
       </p:sp>
@@ -4846,12 +8820,8 @@
               <a:buChar char="•"/>
             </a:pPr>
             <a:r>
-              <a:rPr lang="en-US" b="0" dirty="0" smtClean="0"/>
-              <a:t>We </a:t>
-            </a:r>
-            <a:r>
               <a:rPr lang="en-US" b="0" dirty="0"/>
-              <a:t>use a simple line follower in this lesson. You can combine these techniques with any line follower. </a:t>
+              <a:t>We use a simple line follower in this lesson. You can combine these techniques with any line follower. </a:t>
             </a:r>
           </a:p>
           <a:p>
@@ -4860,12 +8830,8 @@
               <a:buChar char="•"/>
             </a:pPr>
             <a:r>
-              <a:rPr lang="en-US" b="0" dirty="0" smtClean="0"/>
-              <a:t>Learn how </a:t>
-            </a:r>
-            <a:r>
               <a:rPr lang="en-US" b="0" dirty="0"/>
-              <a:t>to create a proportional line follower for light or a smooth line follower for color </a:t>
+              <a:t>Learn how to create a proportional line follower for light or a smooth line follower for color </a:t>
             </a:r>
             <a:r>
               <a:rPr lang="en-US" b="0" dirty="0">
@@ -4875,13 +8841,8 @@
             </a:r>
             <a:r>
               <a:rPr lang="en-US" b="0" dirty="0"/>
-              <a:t>check out our </a:t>
-            </a:r>
-            <a:r>
-              <a:rPr lang="en-US" b="0" dirty="0" smtClean="0"/>
-              <a:t>Advanced: Proportional Line Follower lesson.</a:t>
-            </a:r>
-            <a:endParaRPr lang="en-US" b="0" dirty="0"/>
+              <a:t>check out our Advanced: Proportional Line Follower lesson.</a:t>
+            </a:r>
           </a:p>
           <a:p>
             <a:endParaRPr lang="en-US" dirty="0"/>
@@ -4904,9 +8865,31 @@
           <a:lstStyle/>
           <a:p>
             <a:r>
+              <a:rPr lang="en-US"/>
+              <a:t>© 2016 EV3Lessons.com, Last edit 7/06/2016</a:t>
+            </a:r>
+          </a:p>
+        </p:txBody>
+      </p:sp>
+      <p:sp>
+        <p:nvSpPr>
+          <p:cNvPr id="5" name="Slide Number Placeholder 4"/>
+          <p:cNvSpPr>
+            <a:spLocks noGrp="1"/>
+          </p:cNvSpPr>
+          <p:nvPr>
+            <p:ph type="sldNum" sz="quarter" idx="12"/>
+          </p:nvPr>
+        </p:nvSpPr>
+        <p:spPr/>
+        <p:txBody>
+          <a:bodyPr/>
+          <a:lstStyle/>
+          <a:p>
+            <a:fld id="{4382A7F7-08BF-4252-8141-63FB96055BBB}" type="slidenum">
               <a:rPr lang="en-US" smtClean="0"/>
-              <a:t>© 2015, EV3Lessons.com, Last edit 11/6/2015</a:t>
-            </a:r>
+              <a:t>10</a:t>
+            </a:fld>
             <a:endParaRPr lang="en-US"/>
           </a:p>
         </p:txBody>
@@ -4921,13 +8904,6 @@
   <p:clrMapOvr>
     <a:masterClrMapping/>
   </p:clrMapOvr>
-  <p:timing>
-    <p:tnLst>
-      <p:par>
-        <p:cTn id="1" dur="indefinite" restart="never" nodeType="tmRoot"/>
-      </p:par>
-    </p:tnLst>
-  </p:timing>
 </p:sld>
 </file>
 
@@ -4964,10 +8940,9 @@
           <a:lstStyle/>
           <a:p>
             <a:r>
-              <a:rPr lang="en-US" dirty="0" smtClean="0"/>
+              <a:rPr lang="en-US" dirty="0"/>
               <a:t>Credits</a:t>
             </a:r>
-            <a:endParaRPr lang="en-US" dirty="0"/>
           </a:p>
         </p:txBody>
       </p:sp>
@@ -4987,36 +8962,16 @@
           <a:lstStyle/>
           <a:p>
             <a:r>
-              <a:rPr lang="en-US" smtClean="0"/>
-              <a:t>This tutorial was created by Sanjay Seshan and Arvind Seshan from Droids Robotics.</a:t>
-            </a:r>
-          </a:p>
-          <a:p>
-            <a:r>
-              <a:rPr lang="en-US" smtClean="0"/>
+              <a:rPr lang="en-US" dirty="0"/>
+              <a:t>This tutorial was created by Sanjay Seshan and Arvind Seshan </a:t>
+            </a:r>
+          </a:p>
+          <a:p>
+            <a:r>
+              <a:rPr lang="en-US" dirty="0"/>
               <a:t>More lessons are available at www.ev3lessons.com</a:t>
             </a:r>
           </a:p>
-          <a:p>
-            <a:r>
-              <a:rPr lang="en-US" smtClean="0"/>
-              <a:t>Author’s Email: </a:t>
-            </a:r>
-            <a:r>
-              <a:rPr lang="en-US" smtClean="0">
-                <a:hlinkClick r:id="rId3"/>
-              </a:rPr>
-              <a:t>team@droidsrobotics.org</a:t>
-            </a:r>
-            <a:r>
-              <a:rPr lang="en-US" smtClean="0"/>
-              <a:t/>
-            </a:r>
-            <a:br>
-              <a:rPr lang="en-US" smtClean="0"/>
-            </a:br>
-            <a:endParaRPr lang="en-US" dirty="0" smtClean="0"/>
-          </a:p>
         </p:txBody>
       </p:sp>
       <p:sp>
@@ -5035,8 +8990,8 @@
           <a:lstStyle/>
           <a:p>
             <a:r>
-              <a:rPr lang="en-US" smtClean="0"/>
-              <a:t>© 2015, EV3Lessons.com, Last edit 11/6/2015</a:t>
+              <a:rPr lang="en-US"/>
+              <a:t>© 2016 EV3Lessons.com, Last edit 7/06/2016</a:t>
             </a:r>
             <a:endParaRPr lang="en-US" dirty="0"/>
           </a:p>
@@ -5067,7 +9022,7 @@
           <a:effectLst/>
           <a:extLst>
             <a:ext uri="{91240B29-F687-4f45-9708-019B960494DF}">
-              <a14:hiddenLine xmlns:a14="http://schemas.microsoft.com/office/drawing/2010/main" xmlns="" w="9525">
+              <a14:hiddenLine xmlns="" xmlns:a14="http://schemas.microsoft.com/office/drawing/2010/main" w="9525">
                 <a:solidFill>
                   <a:schemeClr val="tx1"/>
                 </a:solidFill>
@@ -5077,7 +9032,7 @@
               </a14:hiddenLine>
             </a:ext>
             <a:ext uri="{AF507438-7753-43e0-B8FC-AC1667EBCBE1}">
-              <a14:hiddenEffects xmlns:a14="http://schemas.microsoft.com/office/drawing/2010/main" xmlns="">
+              <a14:hiddenEffects xmlns="" xmlns:a14="http://schemas.microsoft.com/office/drawing/2010/main">
                 <a:effectLst>
                   <a:outerShdw dist="35921" dir="2700000" algn="ctr" rotWithShape="0">
                     <a:schemeClr val="bg2"/>
@@ -5240,7 +9195,7 @@
               <a:tabLst/>
             </a:pPr>
             <a:r>
-              <a:rPr kumimoji="0" lang="en-US" altLang="en-US" sz="2000" b="0" i="0" u="none" strike="noStrike" cap="none" normalizeH="0" baseline="0" dirty="0" smtClean="0">
+              <a:rPr kumimoji="0" lang="en-US" altLang="en-US" sz="2000" b="0" i="0" u="none" strike="noStrike" cap="none" normalizeH="0" baseline="0" dirty="0">
                 <a:ln>
                   <a:noFill/>
                 </a:ln>
@@ -5252,20 +9207,8 @@
               </a:rPr>
               <a:t>                         </a:t>
             </a:r>
-            <a:r>
-              <a:rPr kumimoji="0" lang="en-US" altLang="en-US" sz="1600" b="0" i="0" u="none" strike="noStrike" cap="none" normalizeH="0" baseline="0" dirty="0" smtClean="0">
-                <a:ln>
-                  <a:noFill/>
-                </a:ln>
-                <a:solidFill>
-                  <a:schemeClr val="tx1"/>
-                </a:solidFill>
-                <a:effectLst/>
-              </a:rPr>
-              <a:t/>
-            </a:r>
             <a:br>
-              <a:rPr kumimoji="0" lang="en-US" altLang="en-US" sz="1600" b="0" i="0" u="none" strike="noStrike" cap="none" normalizeH="0" baseline="0" dirty="0" smtClean="0">
+              <a:rPr kumimoji="0" lang="en-US" altLang="en-US" sz="1600" b="0" i="0" u="none" strike="noStrike" cap="none" normalizeH="0" baseline="0" dirty="0">
                 <a:ln>
                   <a:noFill/>
                 </a:ln>
@@ -5276,7 +9219,7 @@
               </a:rPr>
             </a:br>
             <a:r>
-              <a:rPr kumimoji="0" lang="en-US" altLang="en-US" sz="2000" b="0" i="0" u="none" strike="noStrike" cap="none" normalizeH="0" baseline="0" dirty="0" smtClean="0">
+              <a:rPr kumimoji="0" lang="en-US" altLang="en-US" sz="2000" b="0" i="0" u="none" strike="noStrike" cap="none" normalizeH="0" baseline="0" dirty="0">
                 <a:ln>
                   <a:noFill/>
                 </a:ln>
@@ -5289,7 +9232,7 @@
               <a:t>This work is licensed under a </a:t>
             </a:r>
             <a:r>
-              <a:rPr kumimoji="0" lang="en-US" altLang="en-US" sz="2000" b="0" i="0" u="none" strike="noStrike" cap="none" normalizeH="0" baseline="0" dirty="0" smtClean="0">
+              <a:rPr kumimoji="0" lang="en-US" altLang="en-US" sz="2000" b="0" i="0" u="none" strike="noStrike" cap="none" normalizeH="0" baseline="0" dirty="0">
                 <a:ln>
                   <a:noFill/>
                 </a:ln>
@@ -5298,12 +9241,12 @@
                 </a:solidFill>
                 <a:effectLst/>
                 <a:latin typeface="Helvetica Neue"/>
-                <a:hlinkClick r:id="rId4"/>
+                <a:hlinkClick r:id="rId3"/>
               </a:rPr>
               <a:t>Creative Commons Attribution-</a:t>
             </a:r>
             <a:r>
-              <a:rPr kumimoji="0" lang="en-US" altLang="en-US" sz="2000" b="0" i="0" u="none" strike="noStrike" cap="none" normalizeH="0" baseline="0" dirty="0" err="1" smtClean="0">
+              <a:rPr kumimoji="0" lang="en-US" altLang="en-US" sz="2000" b="0" i="0" u="none" strike="noStrike" cap="none" normalizeH="0" baseline="0" dirty="0" err="1">
                 <a:ln>
                   <a:noFill/>
                 </a:ln>
@@ -5312,12 +9255,12 @@
                 </a:solidFill>
                 <a:effectLst/>
                 <a:latin typeface="Helvetica Neue"/>
-                <a:hlinkClick r:id="rId4"/>
+                <a:hlinkClick r:id="rId3"/>
               </a:rPr>
               <a:t>NonCommercial</a:t>
             </a:r>
             <a:r>
-              <a:rPr kumimoji="0" lang="en-US" altLang="en-US" sz="2000" b="0" i="0" u="none" strike="noStrike" cap="none" normalizeH="0" baseline="0" dirty="0" smtClean="0">
+              <a:rPr kumimoji="0" lang="en-US" altLang="en-US" sz="2000" b="0" i="0" u="none" strike="noStrike" cap="none" normalizeH="0" baseline="0" dirty="0">
                 <a:ln>
                   <a:noFill/>
                 </a:ln>
@@ -5326,12 +9269,12 @@
                 </a:solidFill>
                 <a:effectLst/>
                 <a:latin typeface="Helvetica Neue"/>
-                <a:hlinkClick r:id="rId4"/>
+                <a:hlinkClick r:id="rId3"/>
               </a:rPr>
               <a:t>-</a:t>
             </a:r>
             <a:r>
-              <a:rPr kumimoji="0" lang="en-US" altLang="en-US" sz="2000" b="0" i="0" u="none" strike="noStrike" cap="none" normalizeH="0" baseline="0" dirty="0" err="1" smtClean="0">
+              <a:rPr kumimoji="0" lang="en-US" altLang="en-US" sz="2000" b="0" i="0" u="none" strike="noStrike" cap="none" normalizeH="0" baseline="0" dirty="0" err="1">
                 <a:ln>
                   <a:noFill/>
                 </a:ln>
@@ -5340,12 +9283,12 @@
                 </a:solidFill>
                 <a:effectLst/>
                 <a:latin typeface="Helvetica Neue"/>
-                <a:hlinkClick r:id="rId4"/>
+                <a:hlinkClick r:id="rId3"/>
               </a:rPr>
               <a:t>ShareAlike</a:t>
             </a:r>
             <a:r>
-              <a:rPr kumimoji="0" lang="en-US" altLang="en-US" sz="2000" b="0" i="0" u="none" strike="noStrike" cap="none" normalizeH="0" baseline="0" dirty="0" smtClean="0">
+              <a:rPr kumimoji="0" lang="en-US" altLang="en-US" sz="2000" b="0" i="0" u="none" strike="noStrike" cap="none" normalizeH="0" baseline="0" dirty="0">
                 <a:ln>
                   <a:noFill/>
                 </a:ln>
@@ -5354,12 +9297,12 @@
                 </a:solidFill>
                 <a:effectLst/>
                 <a:latin typeface="Helvetica Neue"/>
-                <a:hlinkClick r:id="rId4"/>
+                <a:hlinkClick r:id="rId3"/>
               </a:rPr>
               <a:t> 4.0 International License</a:t>
             </a:r>
             <a:r>
-              <a:rPr kumimoji="0" lang="en-US" altLang="en-US" sz="2000" b="0" i="0" u="none" strike="noStrike" cap="none" normalizeH="0" baseline="0" dirty="0" smtClean="0">
+              <a:rPr kumimoji="0" lang="en-US" altLang="en-US" sz="2000" b="0" i="0" u="none" strike="noStrike" cap="none" normalizeH="0" baseline="0" dirty="0">
                 <a:ln>
                   <a:noFill/>
                 </a:ln>
@@ -5372,7 +9315,7 @@
               <a:t>.</a:t>
             </a:r>
             <a:r>
-              <a:rPr kumimoji="0" lang="en-US" altLang="en-US" sz="1600" b="0" i="0" u="none" strike="noStrike" cap="none" normalizeH="0" baseline="0" dirty="0" smtClean="0">
+              <a:rPr kumimoji="0" lang="en-US" altLang="en-US" sz="1600" b="0" i="0" u="none" strike="noStrike" cap="none" normalizeH="0" baseline="0" dirty="0">
                 <a:ln>
                   <a:noFill/>
                 </a:ln>
@@ -5383,7 +9326,7 @@
               </a:rPr>
               <a:t> </a:t>
             </a:r>
-            <a:endParaRPr kumimoji="0" lang="en-US" altLang="en-US" sz="2000" b="0" i="0" u="none" strike="noStrike" cap="none" normalizeH="0" baseline="0" dirty="0" smtClean="0">
+            <a:endParaRPr kumimoji="0" lang="en-US" altLang="en-US" sz="2000" b="0" i="0" u="none" strike="noStrike" cap="none" normalizeH="0" baseline="0" dirty="0">
               <a:ln>
                 <a:noFill/>
               </a:ln>
@@ -5399,7 +9342,7 @@
       <p:pic>
         <p:nvPicPr>
           <p:cNvPr id="2050" name="Picture 2" descr="Creative Commons License">
-            <a:hlinkClick r:id="rId4"/>
+            <a:hlinkClick r:id="rId3"/>
           </p:cNvPr>
           <p:cNvPicPr>
             <a:picLocks noChangeAspect="1" noChangeArrowheads="1"/>
@@ -5407,7 +9350,7 @@
           <p:nvPr/>
         </p:nvPicPr>
         <p:blipFill>
-          <a:blip r:embed="rId5">
+          <a:blip r:embed="rId4">
             <a:extLst>
               <a:ext uri="{28A0092B-C50C-407E-A947-70E740481C1C}">
                 <a14:useLocalDpi xmlns:a14="http://schemas.microsoft.com/office/drawing/2010/main" val="0"/>
@@ -5430,7 +9373,7 @@
           <a:noFill/>
           <a:extLst>
             <a:ext uri="{909E8E84-426E-40dd-AFC4-6F175D3DCCD1}">
-              <a14:hiddenFill xmlns:a14="http://schemas.microsoft.com/office/drawing/2010/main" xmlns="">
+              <a14:hiddenFill xmlns="" xmlns:a14="http://schemas.microsoft.com/office/drawing/2010/main">
                 <a:solidFill>
                   <a:srgbClr val="FFFFFF"/>
                 </a:solidFill>
@@ -5439,6 +9382,29 @@
           </a:extLst>
         </p:spPr>
       </p:pic>
+      <p:sp>
+        <p:nvSpPr>
+          <p:cNvPr id="5" name="Slide Number Placeholder 4"/>
+          <p:cNvSpPr>
+            <a:spLocks noGrp="1"/>
+          </p:cNvSpPr>
+          <p:nvPr>
+            <p:ph type="sldNum" sz="quarter" idx="12"/>
+          </p:nvPr>
+        </p:nvSpPr>
+        <p:spPr/>
+        <p:txBody>
+          <a:bodyPr/>
+          <a:lstStyle/>
+          <a:p>
+            <a:fld id="{4382A7F7-08BF-4252-8141-63FB96055BBB}" type="slidenum">
+              <a:rPr lang="en-US" smtClean="0"/>
+              <a:t>11</a:t>
+            </a:fld>
+            <a:endParaRPr lang="en-US"/>
+          </a:p>
+        </p:txBody>
+      </p:sp>
     </p:spTree>
     <p:extLst>
       <p:ext uri="{BB962C8B-B14F-4D97-AF65-F5344CB8AC3E}">
@@ -5449,13 +9415,6 @@
   <p:clrMapOvr>
     <a:masterClrMapping/>
   </p:clrMapOvr>
-  <p:timing>
-    <p:tnLst>
-      <p:par>
-        <p:cTn id="1" dur="indefinite" restart="never" nodeType="tmRoot"/>
-      </p:par>
-    </p:tnLst>
-  </p:timing>
 </p:sld>
 </file>
 
@@ -5492,7 +9451,7 @@
           <a:lstStyle/>
           <a:p>
             <a:r>
-              <a:rPr lang="en-US" smtClean="0"/>
+              <a:rPr lang="en-US"/>
               <a:t>Lesson Objectives</a:t>
             </a:r>
             <a:endParaRPr lang="en-US" dirty="0"/>
@@ -5519,7 +9478,7 @@
               <a:buAutoNum type="arabicPeriod"/>
             </a:pPr>
             <a:r>
-              <a:rPr lang="en-US" dirty="0" smtClean="0"/>
+              <a:rPr lang="en-US" dirty="0"/>
               <a:t>Learn how to write a line follower that takes multiple inputs</a:t>
             </a:r>
           </a:p>
@@ -5529,7 +9488,7 @@
               <a:buAutoNum type="arabicPeriod"/>
             </a:pPr>
             <a:r>
-              <a:rPr lang="en-US" dirty="0" smtClean="0"/>
+              <a:rPr lang="en-US" dirty="0"/>
               <a:t>Learn how to write a line follower that stops when it sees a another line</a:t>
             </a:r>
           </a:p>
@@ -5539,28 +9498,28 @@
               <a:buAutoNum type="arabicPeriod"/>
             </a:pPr>
             <a:r>
-              <a:rPr lang="en-US" dirty="0" smtClean="0"/>
+              <a:rPr lang="en-US" dirty="0"/>
               <a:t>Practice making useful My Blocks</a:t>
             </a:r>
           </a:p>
           <a:p>
-            <a:endParaRPr lang="en-US" dirty="0" smtClean="0"/>
-          </a:p>
-          <a:p>
-            <a:endParaRPr lang="en-US" dirty="0" smtClean="0"/>
-          </a:p>
-          <a:p>
-            <a:r>
-              <a:rPr lang="en-US" dirty="0" smtClean="0"/>
+            <a:endParaRPr lang="en-US" dirty="0"/>
+          </a:p>
+          <a:p>
+            <a:endParaRPr lang="en-US" dirty="0"/>
+          </a:p>
+          <a:p>
+            <a:r>
+              <a:rPr lang="en-US" dirty="0"/>
               <a:t>Prerequisites: My Blocks with Inputs &amp; Outputs, Data Wires</a:t>
             </a:r>
           </a:p>
           <a:p>
-            <a:endParaRPr lang="en-US" dirty="0" smtClean="0"/>
-          </a:p>
-          <a:p>
-            <a:r>
-              <a:rPr lang="en-US" dirty="0" smtClean="0"/>
+            <a:endParaRPr lang="en-US" dirty="0"/>
+          </a:p>
+          <a:p>
+            <a:r>
+              <a:rPr lang="en-US" dirty="0"/>
               <a:t>The code uses Blue Comment Blocks.  Make sure you are running the most recent version of the EV3 Software. EV3Lessons has Quick Guides to help you.</a:t>
             </a:r>
           </a:p>
@@ -5585,9 +9544,31 @@
           <a:lstStyle/>
           <a:p>
             <a:r>
+              <a:rPr lang="en-US"/>
+              <a:t>© 2016 EV3Lessons.com, Last edit 7/06/2016</a:t>
+            </a:r>
+          </a:p>
+        </p:txBody>
+      </p:sp>
+      <p:sp>
+        <p:nvSpPr>
+          <p:cNvPr id="5" name="Slide Number Placeholder 4"/>
+          <p:cNvSpPr>
+            <a:spLocks noGrp="1"/>
+          </p:cNvSpPr>
+          <p:nvPr>
+            <p:ph type="sldNum" sz="quarter" idx="12"/>
+          </p:nvPr>
+        </p:nvSpPr>
+        <p:spPr/>
+        <p:txBody>
+          <a:bodyPr/>
+          <a:lstStyle/>
+          <a:p>
+            <a:fld id="{4382A7F7-08BF-4252-8141-63FB96055BBB}" type="slidenum">
               <a:rPr lang="en-US" smtClean="0"/>
-              <a:t>© 2015, EV3Lessons.com, Last edit 11/6/2015</a:t>
-            </a:r>
+              <a:t>2</a:t>
+            </a:fld>
             <a:endParaRPr lang="en-US"/>
           </a:p>
         </p:txBody>
@@ -5602,13 +9583,6 @@
   <p:clrMapOvr>
     <a:masterClrMapping/>
   </p:clrMapOvr>
-  <p:timing>
-    <p:tnLst>
-      <p:par>
-        <p:cTn id="1" dur="indefinite" restart="never" nodeType="tmRoot"/>
-      </p:par>
-    </p:tnLst>
-  </p:timing>
 </p:sld>
 </file>
 
@@ -5645,10 +9619,9 @@
           <a:lstStyle/>
           <a:p>
             <a:r>
-              <a:rPr lang="en-US" dirty="0" smtClean="0"/>
+              <a:rPr lang="en-US" dirty="0"/>
               <a:t>Tips to Succeed</a:t>
             </a:r>
-            <a:endParaRPr lang="en-US" dirty="0"/>
           </a:p>
         </p:txBody>
       </p:sp>
@@ -5672,7 +9645,7 @@
               <a:buAutoNum type="arabicPeriod"/>
             </a:pPr>
             <a:r>
-              <a:rPr lang="en-US" dirty="0" smtClean="0"/>
+              <a:rPr lang="en-US" dirty="0"/>
               <a:t>You will need to know how to make a Simple Color Line Follower program and how to make a My Block with inputs</a:t>
             </a:r>
           </a:p>
@@ -5682,7 +9655,7 @@
               <a:buAutoNum type="arabicPeriod"/>
             </a:pPr>
             <a:r>
-              <a:rPr lang="en-US" dirty="0" smtClean="0"/>
+              <a:rPr lang="en-US" dirty="0"/>
               <a:t>Since you will use your EV3 Color Sensor in Color Mode, you will not have to Calibrate your color sensor for this lesson</a:t>
             </a:r>
           </a:p>
@@ -5692,7 +9665,7 @@
               <a:buAutoNum type="arabicPeriod"/>
             </a:pPr>
             <a:r>
-              <a:rPr lang="en-US" dirty="0" smtClean="0"/>
+              <a:rPr lang="en-US" dirty="0"/>
               <a:t>Check which ports you have your color sensor connected to the EV3 and adjust the code as needed</a:t>
             </a:r>
           </a:p>
@@ -5702,7 +9675,7 @@
               <a:buAutoNum type="arabicPeriod"/>
             </a:pPr>
             <a:r>
-              <a:rPr lang="en-US" dirty="0" smtClean="0"/>
+              <a:rPr lang="en-US" dirty="0"/>
               <a:t>You may have to adjust the speed or direction to work for your robot.  Make sure that the the color sensor is in front of the wheels in the direction of travel.</a:t>
             </a:r>
           </a:p>
@@ -5712,10 +9685,9 @@
               <a:buAutoNum type="arabicPeriod"/>
             </a:pPr>
             <a:r>
-              <a:rPr lang="en-US" dirty="0" smtClean="0"/>
+              <a:rPr lang="en-US" dirty="0"/>
               <a:t>Make sure you place the robot on the side of the line that you are following.  The most common mistake is placing the robot on the wrong side of the line to begin with.</a:t>
             </a:r>
-            <a:endParaRPr lang="en-US" dirty="0" smtClean="0"/>
           </a:p>
         </p:txBody>
       </p:sp>
@@ -5735,9 +9707,31 @@
           <a:lstStyle/>
           <a:p>
             <a:r>
+              <a:rPr lang="en-US"/>
+              <a:t>© 2016 EV3Lessons.com, Last edit 7/06/2016</a:t>
+            </a:r>
+          </a:p>
+        </p:txBody>
+      </p:sp>
+      <p:sp>
+        <p:nvSpPr>
+          <p:cNvPr id="5" name="Slide Number Placeholder 4"/>
+          <p:cNvSpPr>
+            <a:spLocks noGrp="1"/>
+          </p:cNvSpPr>
+          <p:nvPr>
+            <p:ph type="sldNum" sz="quarter" idx="12"/>
+          </p:nvPr>
+        </p:nvSpPr>
+        <p:spPr/>
+        <p:txBody>
+          <a:bodyPr/>
+          <a:lstStyle/>
+          <a:p>
+            <a:fld id="{4382A7F7-08BF-4252-8141-63FB96055BBB}" type="slidenum">
               <a:rPr lang="en-US" smtClean="0"/>
-              <a:t>© 2015, EV3Lessons.com, Last edit 11/6/2015</a:t>
-            </a:r>
+              <a:t>3</a:t>
+            </a:fld>
             <a:endParaRPr lang="en-US"/>
           </a:p>
         </p:txBody>
@@ -5752,13 +9746,6 @@
   <p:clrMapOvr>
     <a:masterClrMapping/>
   </p:clrMapOvr>
-  <p:timing>
-    <p:tnLst>
-      <p:par>
-        <p:cTn id="1" dur="indefinite" restart="never" nodeType="tmRoot"/>
-      </p:par>
-    </p:tnLst>
-  </p:timing>
 </p:sld>
 </file>
 
@@ -5797,21 +9784,43 @@
           <a:lstStyle/>
           <a:p>
             <a:r>
-              <a:rPr lang="en-US" dirty="0" smtClean="0"/>
+              <a:rPr lang="en-US" dirty="0"/>
               <a:t>Color Follower Until Color</a:t>
             </a:r>
+          </a:p>
+        </p:txBody>
+      </p:sp>
+      <p:sp>
+        <p:nvSpPr>
+          <p:cNvPr id="3" name="Content Placeholder 2"/>
+          <p:cNvSpPr>
+            <a:spLocks noGrp="1"/>
+          </p:cNvSpPr>
+          <p:nvPr>
+            <p:ph idx="1"/>
+          </p:nvPr>
+        </p:nvSpPr>
+        <p:spPr/>
+        <p:txBody>
+          <a:bodyPr/>
+          <a:lstStyle/>
+          <a:p>
+            <a:r>
+              <a:rPr lang="en-US"/>
+              <a:t>Challenge: Create a line follower My Block that stops when it sees black</a:t>
+            </a:r>
             <a:endParaRPr lang="en-US" dirty="0"/>
           </a:p>
         </p:txBody>
       </p:sp>
       <p:sp>
         <p:nvSpPr>
-          <p:cNvPr id="3" name="Content Placeholder 2"/>
-          <p:cNvSpPr>
-            <a:spLocks noGrp="1"/>
-          </p:cNvSpPr>
-          <p:nvPr>
-            <p:ph idx="1"/>
+          <p:cNvPr id="4" name="Footer Placeholder 3"/>
+          <p:cNvSpPr>
+            <a:spLocks noGrp="1"/>
+          </p:cNvSpPr>
+          <p:nvPr>
+            <p:ph type="ftr" sz="quarter" idx="11"/>
           </p:nvPr>
         </p:nvSpPr>
         <p:spPr/>
@@ -5820,31 +9829,8 @@
           <a:lstStyle/>
           <a:p>
             <a:r>
-              <a:rPr lang="en-US" smtClean="0"/>
-              <a:t>Challenge: Create a line follower My Block that stops when it sees black</a:t>
-            </a:r>
-            <a:endParaRPr lang="en-US" dirty="0" smtClean="0"/>
-          </a:p>
-        </p:txBody>
-      </p:sp>
-      <p:sp>
-        <p:nvSpPr>
-          <p:cNvPr id="4" name="Footer Placeholder 3"/>
-          <p:cNvSpPr>
-            <a:spLocks noGrp="1"/>
-          </p:cNvSpPr>
-          <p:nvPr>
-            <p:ph type="ftr" sz="quarter" idx="11"/>
-          </p:nvPr>
-        </p:nvSpPr>
-        <p:spPr/>
-        <p:txBody>
-          <a:bodyPr/>
-          <a:lstStyle/>
-          <a:p>
-            <a:r>
-              <a:rPr lang="en-US" smtClean="0"/>
-              <a:t>© 2015, EV3Lessons.com, Last edit 11/6/2015</a:t>
+              <a:rPr lang="en-US"/>
+              <a:t>© 2016 EV3Lessons.com, Last edit 7/06/2016</a:t>
             </a:r>
             <a:endParaRPr lang="en-US" dirty="0"/>
           </a:p>
@@ -6349,62 +10335,77 @@
           </a:lstStyle>
           <a:p>
             <a:r>
-              <a:rPr lang="en-US" dirty="0" smtClean="0"/>
+              <a:rPr lang="en-US" dirty="0"/>
               <a:t>STEP 1:</a:t>
             </a:r>
           </a:p>
           <a:p>
             <a:pPr lvl="1"/>
             <a:r>
-              <a:rPr lang="en-US" b="0" dirty="0" smtClean="0"/>
+              <a:rPr lang="en-US" b="0" dirty="0"/>
               <a:t>Create a simple line follower</a:t>
             </a:r>
           </a:p>
           <a:p>
             <a:r>
-              <a:rPr lang="en-US" dirty="0" smtClean="0"/>
+              <a:rPr lang="en-US" dirty="0"/>
               <a:t>STEP 2:</a:t>
             </a:r>
           </a:p>
           <a:p>
             <a:pPr lvl="1"/>
             <a:r>
-              <a:rPr lang="en-US" b="0" dirty="0" smtClean="0"/>
+              <a:rPr lang="en-US" b="0" dirty="0"/>
               <a:t>Change the loop exit condition to “until black”</a:t>
             </a:r>
           </a:p>
           <a:p>
             <a:r>
-              <a:rPr lang="en-US" dirty="0" smtClean="0"/>
+              <a:rPr lang="en-US" dirty="0"/>
               <a:t>STEP 3:</a:t>
             </a:r>
           </a:p>
           <a:p>
             <a:pPr lvl="1"/>
             <a:r>
-              <a:rPr lang="en-US" dirty="0" smtClean="0"/>
+              <a:rPr lang="en-US" dirty="0"/>
               <a:t>A. </a:t>
             </a:r>
             <a:r>
-              <a:rPr lang="en-US" b="0" dirty="0" smtClean="0"/>
-              <a:t>Make a My </a:t>
-            </a:r>
-            <a:r>
               <a:rPr lang="en-US" b="0" dirty="0"/>
-              <a:t>B</a:t>
-            </a:r>
-            <a:r>
-              <a:rPr lang="en-US" b="0" dirty="0" smtClean="0"/>
-              <a:t>lock with 3 inputs: Power, Color to line follow on, and Color to stop at</a:t>
+              <a:t>Make a My Block with 3 inputs: Power, Color to line follow on, and Color to stop at</a:t>
             </a:r>
             <a:endParaRPr lang="en-US" dirty="0"/>
           </a:p>
           <a:p>
             <a:pPr lvl="1"/>
             <a:r>
-              <a:rPr lang="en-US" b="0" dirty="0" smtClean="0"/>
+              <a:rPr lang="en-US" b="0" dirty="0"/>
               <a:t>B. Wire the My Block</a:t>
             </a:r>
+          </a:p>
+        </p:txBody>
+      </p:sp>
+      <p:sp>
+        <p:nvSpPr>
+          <p:cNvPr id="14" name="Slide Number Placeholder 13"/>
+          <p:cNvSpPr>
+            <a:spLocks noGrp="1"/>
+          </p:cNvSpPr>
+          <p:nvPr>
+            <p:ph type="sldNum" sz="quarter" idx="12"/>
+          </p:nvPr>
+        </p:nvSpPr>
+        <p:spPr/>
+        <p:txBody>
+          <a:bodyPr/>
+          <a:lstStyle/>
+          <a:p>
+            <a:fld id="{4382A7F7-08BF-4252-8141-63FB96055BBB}" type="slidenum">
+              <a:rPr lang="en-US" smtClean="0"/>
+              <a:t>4</a:t>
+            </a:fld>
+            <a:endParaRPr lang="en-US"/>
           </a:p>
         </p:txBody>
       </p:sp>
@@ -6526,18 +10527,9 @@
           <a:lstStyle/>
           <a:p>
             <a:r>
-              <a:rPr lang="en-US" dirty="0" smtClean="0"/>
-              <a:t>Step </a:t>
-            </a:r>
-            <a:r>
-              <a:rPr lang="en-US" dirty="0" smtClean="0"/>
-              <a:t>1: </a:t>
-            </a:r>
-            <a:r>
-              <a:rPr lang="en-US" dirty="0" smtClean="0"/>
-              <a:t>Simple Line Follower</a:t>
-            </a:r>
-            <a:endParaRPr lang="en-US" dirty="0"/>
+              <a:rPr lang="en-US" dirty="0"/>
+              <a:t>Step 1: Simple Line Follower</a:t>
+            </a:r>
           </a:p>
         </p:txBody>
       </p:sp>
@@ -6557,10 +10549,9 @@
           <a:lstStyle/>
           <a:p>
             <a:r>
-              <a:rPr lang="en-US" smtClean="0"/>
-              <a:t>© 2015, EV3Lessons.com, Last edit 11/6/2015</a:t>
-            </a:r>
-            <a:endParaRPr lang="en-US"/>
+              <a:rPr lang="en-US"/>
+              <a:t>© 2016 EV3Lessons.com, Last edit 7/06/2016</a:t>
+            </a:r>
           </a:p>
         </p:txBody>
       </p:sp>
@@ -6594,6 +10585,29 @@
           </a:prstGeom>
         </p:spPr>
       </p:pic>
+      <p:sp>
+        <p:nvSpPr>
+          <p:cNvPr id="3" name="Slide Number Placeholder 2"/>
+          <p:cNvSpPr>
+            <a:spLocks noGrp="1"/>
+          </p:cNvSpPr>
+          <p:nvPr>
+            <p:ph type="sldNum" sz="quarter" idx="12"/>
+          </p:nvPr>
+        </p:nvSpPr>
+        <p:spPr/>
+        <p:txBody>
+          <a:bodyPr/>
+          <a:lstStyle/>
+          <a:p>
+            <a:fld id="{4382A7F7-08BF-4252-8141-63FB96055BBB}" type="slidenum">
+              <a:rPr lang="en-US" smtClean="0"/>
+              <a:t>5</a:t>
+            </a:fld>
+            <a:endParaRPr lang="en-US"/>
+          </a:p>
+        </p:txBody>
+      </p:sp>
     </p:spTree>
     <p:extLst>
       <p:ext uri="{BB962C8B-B14F-4D97-AF65-F5344CB8AC3E}">
@@ -6604,13 +10618,6 @@
   <p:clrMapOvr>
     <a:masterClrMapping/>
   </p:clrMapOvr>
-  <p:timing>
-    <p:tnLst>
-      <p:par>
-        <p:cTn id="1" dur="indefinite" restart="never" nodeType="tmRoot"/>
-      </p:par>
-    </p:tnLst>
-  </p:timing>
 </p:sld>
 </file>
 
@@ -6649,18 +10656,9 @@
           <a:lstStyle/>
           <a:p>
             <a:r>
-              <a:rPr lang="en-US" dirty="0" smtClean="0"/>
-              <a:t>Step </a:t>
-            </a:r>
-            <a:r>
-              <a:rPr lang="en-US" dirty="0" smtClean="0"/>
-              <a:t>2: </a:t>
-            </a:r>
-            <a:r>
-              <a:rPr lang="en-US" dirty="0" smtClean="0"/>
-              <a:t>Loop Exit Condition</a:t>
-            </a:r>
-            <a:endParaRPr lang="en-US" dirty="0"/>
+              <a:rPr lang="en-US" dirty="0"/>
+              <a:t>Step 2: Loop Exit Condition</a:t>
+            </a:r>
           </a:p>
         </p:txBody>
       </p:sp>
@@ -6680,10 +10678,9 @@
           <a:lstStyle/>
           <a:p>
             <a:r>
-              <a:rPr lang="en-US" smtClean="0"/>
-              <a:t>© 2015, EV3Lessons.com, Last edit 11/6/2015</a:t>
-            </a:r>
-            <a:endParaRPr lang="en-US"/>
+              <a:rPr lang="en-US"/>
+              <a:t>© 2016 EV3Lessons.com, Last edit 7/06/2016</a:t>
+            </a:r>
           </a:p>
         </p:txBody>
       </p:sp>
@@ -6763,6 +10760,29 @@
           </a:p>
         </p:txBody>
       </p:sp>
+      <p:sp>
+        <p:nvSpPr>
+          <p:cNvPr id="6" name="Slide Number Placeholder 5"/>
+          <p:cNvSpPr>
+            <a:spLocks noGrp="1"/>
+          </p:cNvSpPr>
+          <p:nvPr>
+            <p:ph type="sldNum" sz="quarter" idx="12"/>
+          </p:nvPr>
+        </p:nvSpPr>
+        <p:spPr/>
+        <p:txBody>
+          <a:bodyPr/>
+          <a:lstStyle/>
+          <a:p>
+            <a:fld id="{4382A7F7-08BF-4252-8141-63FB96055BBB}" type="slidenum">
+              <a:rPr lang="en-US" smtClean="0"/>
+              <a:t>6</a:t>
+            </a:fld>
+            <a:endParaRPr lang="en-US"/>
+          </a:p>
+        </p:txBody>
+      </p:sp>
     </p:spTree>
     <p:extLst>
       <p:ext uri="{BB962C8B-B14F-4D97-AF65-F5344CB8AC3E}">
@@ -6773,13 +10793,6 @@
   <p:clrMapOvr>
     <a:masterClrMapping/>
   </p:clrMapOvr>
-  <p:timing>
-    <p:tnLst>
-      <p:par>
-        <p:cTn id="1" dur="indefinite" restart="never" nodeType="tmRoot"/>
-      </p:par>
-    </p:tnLst>
-  </p:timing>
 </p:sld>
 </file>
 
@@ -6847,10 +10860,9 @@
           <a:lstStyle/>
           <a:p>
             <a:r>
-              <a:rPr lang="en-US" dirty="0" smtClean="0"/>
+              <a:rPr lang="en-US" dirty="0"/>
               <a:t>Step 3A: Create a My Block</a:t>
             </a:r>
-            <a:endParaRPr lang="en-US" dirty="0"/>
           </a:p>
         </p:txBody>
       </p:sp>
@@ -6870,10 +10882,9 @@
           <a:lstStyle/>
           <a:p>
             <a:r>
-              <a:rPr lang="en-US" smtClean="0"/>
-              <a:t>© 2015, EV3Lessons.com, Last edit 11/6/2015</a:t>
-            </a:r>
-            <a:endParaRPr lang="en-US"/>
+              <a:rPr lang="en-US"/>
+              <a:t>© 2016 EV3Lessons.com, Last edit 7/06/2016</a:t>
+            </a:r>
           </a:p>
         </p:txBody>
       </p:sp>
@@ -6952,7 +10963,7 @@
               <a:buAutoNum type="alphaUcPeriod"/>
             </a:pPr>
             <a:r>
-              <a:rPr lang="en-US" sz="2400" dirty="0" smtClean="0">
+              <a:rPr lang="en-US" sz="2400" dirty="0">
                 <a:solidFill>
                   <a:srgbClr val="00B0F0"/>
                 </a:solidFill>
@@ -6965,7 +10976,7 @@
               <a:buFont typeface="+mj-lt"/>
               <a:buAutoNum type="alphaUcPeriod"/>
             </a:pPr>
-            <a:endParaRPr lang="en-US" sz="2400" dirty="0" smtClean="0">
+            <a:endParaRPr lang="en-US" sz="2400" dirty="0">
               <a:solidFill>
                 <a:srgbClr val="00B050"/>
               </a:solidFill>
@@ -6977,7 +10988,7 @@
               <a:buAutoNum type="alphaUcPeriod"/>
             </a:pPr>
             <a:r>
-              <a:rPr lang="en-US" sz="2400" dirty="0" smtClean="0">
+              <a:rPr lang="en-US" sz="2400" dirty="0">
                 <a:solidFill>
                   <a:srgbClr val="FF0000"/>
                 </a:solidFill>
@@ -6985,7 +10996,7 @@
               <a:t>Add 3 inputs: one for power and one for color, and one for degrees</a:t>
             </a:r>
             <a:r>
-              <a:rPr lang="en-US" sz="2400" dirty="0" smtClean="0">
+              <a:rPr lang="en-US" sz="2400" dirty="0">
                 <a:solidFill>
                   <a:srgbClr val="00B050"/>
                 </a:solidFill>
@@ -6998,27 +11009,27 @@
               <a:buFont typeface="+mj-lt"/>
               <a:buAutoNum type="alphaUcPeriod"/>
             </a:pPr>
-            <a:endParaRPr lang="en-US" sz="2400" dirty="0" smtClean="0">
-              <a:solidFill>
-                <a:srgbClr val="00B050"/>
-              </a:solidFill>
-            </a:endParaRPr>
-          </a:p>
-          <a:p>
-            <a:pPr marL="342900" indent="-342900">
-              <a:buFont typeface="Arial" panose="020B0604020202020204" pitchFamily="34" charset="0"/>
-              <a:buChar char="•"/>
-            </a:pPr>
-            <a:r>
-              <a:rPr lang="en-US" sz="2400" dirty="0"/>
-              <a:t>Refer to the My Blocks with Inputs &amp; Outputs lesson if you need help setting up the My Block</a:t>
-            </a:r>
             <a:endParaRPr lang="en-US" sz="2400" dirty="0">
               <a:solidFill>
                 <a:srgbClr val="00B050"/>
               </a:solidFill>
             </a:endParaRPr>
           </a:p>
+          <a:p>
+            <a:pPr marL="342900" indent="-342900">
+              <a:buFont typeface="Arial" panose="020B0604020202020204" pitchFamily="34" charset="0"/>
+              <a:buChar char="•"/>
+            </a:pPr>
+            <a:r>
+              <a:rPr lang="en-US" sz="2400" dirty="0"/>
+              <a:t>Refer to the My Blocks with Inputs &amp; Outputs lesson if you need help setting up the My Block</a:t>
+            </a:r>
+            <a:endParaRPr lang="en-US" sz="2400" dirty="0">
+              <a:solidFill>
+                <a:srgbClr val="00B050"/>
+              </a:solidFill>
+            </a:endParaRPr>
+          </a:p>
         </p:txBody>
       </p:sp>
       <p:sp>
@@ -7044,18 +11055,13 @@
           <a:lstStyle/>
           <a:p>
             <a:r>
-              <a:rPr lang="en-US" sz="2800" b="1" dirty="0" smtClean="0">
+              <a:rPr lang="en-US" sz="2800" b="1" dirty="0">
                 <a:solidFill>
                   <a:srgbClr val="FF0000"/>
                 </a:solidFill>
               </a:rPr>
               <a:t>B</a:t>
             </a:r>
-            <a:endParaRPr lang="en-US" sz="2800" b="1" dirty="0">
-              <a:solidFill>
-                <a:srgbClr val="FF0000"/>
-              </a:solidFill>
-            </a:endParaRPr>
           </a:p>
         </p:txBody>
       </p:sp>
@@ -7122,6 +11128,29 @@
           </a:p>
         </p:txBody>
       </p:sp>
+      <p:sp>
+        <p:nvSpPr>
+          <p:cNvPr id="3" name="Slide Number Placeholder 2"/>
+          <p:cNvSpPr>
+            <a:spLocks noGrp="1"/>
+          </p:cNvSpPr>
+          <p:nvPr>
+            <p:ph type="sldNum" sz="quarter" idx="12"/>
+          </p:nvPr>
+        </p:nvSpPr>
+        <p:spPr/>
+        <p:txBody>
+          <a:bodyPr/>
+          <a:lstStyle/>
+          <a:p>
+            <a:fld id="{4382A7F7-08BF-4252-8141-63FB96055BBB}" type="slidenum">
+              <a:rPr lang="en-US" smtClean="0"/>
+              <a:t>7</a:t>
+            </a:fld>
+            <a:endParaRPr lang="en-US"/>
+          </a:p>
+        </p:txBody>
+      </p:sp>
     </p:spTree>
     <p:extLst>
       <p:ext uri="{BB962C8B-B14F-4D97-AF65-F5344CB8AC3E}">
@@ -7132,13 +11161,6 @@
   <p:clrMapOvr>
     <a:masterClrMapping/>
   </p:clrMapOvr>
-  <p:timing>
-    <p:tnLst>
-      <p:par>
-        <p:cTn id="1" dur="indefinite" restart="never" nodeType="tmRoot"/>
-      </p:par>
-    </p:tnLst>
-  </p:timing>
 </p:sld>
 </file>
 
@@ -7175,10 +11197,9 @@
           <a:lstStyle/>
           <a:p>
             <a:r>
-              <a:rPr lang="en-US" dirty="0" smtClean="0"/>
+              <a:rPr lang="en-US" dirty="0"/>
               <a:t>Step 3B: Wire the My Block</a:t>
             </a:r>
-            <a:endParaRPr lang="en-US" dirty="0"/>
           </a:p>
         </p:txBody>
       </p:sp>
@@ -7198,10 +11219,9 @@
           <a:lstStyle/>
           <a:p>
             <a:r>
-              <a:rPr lang="en-US" smtClean="0"/>
-              <a:t>© 2015, EV3Lessons.com, Last edit 11/6/2015</a:t>
-            </a:r>
-            <a:endParaRPr lang="en-US"/>
+              <a:rPr lang="en-US"/>
+              <a:t>© 2016 EV3Lessons.com, Last edit 7/06/2016</a:t>
+            </a:r>
           </a:p>
         </p:txBody>
       </p:sp>
@@ -7262,7 +11282,7 @@
               <a:buChar char="•"/>
             </a:pPr>
             <a:r>
-              <a:rPr lang="en-US" dirty="0" smtClean="0">
+              <a:rPr lang="en-US" dirty="0">
                 <a:solidFill>
                   <a:srgbClr val="7030A0"/>
                 </a:solidFill>
@@ -7276,7 +11296,7 @@
               <a:buChar char="•"/>
             </a:pPr>
             <a:r>
-              <a:rPr lang="en-US" dirty="0" smtClean="0">
+              <a:rPr lang="en-US" dirty="0">
                 <a:solidFill>
                   <a:srgbClr val="7030A0"/>
                 </a:solidFill>
@@ -7290,18 +11310,13 @@
               <a:buChar char="•"/>
             </a:pPr>
             <a:r>
-              <a:rPr lang="en-US" dirty="0" smtClean="0">
+              <a:rPr lang="en-US" dirty="0">
                 <a:solidFill>
                   <a:srgbClr val="7030A0"/>
                 </a:solidFill>
               </a:rPr>
               <a:t>The color input goes into color input for the switch</a:t>
             </a:r>
-            <a:endParaRPr lang="en-US" dirty="0">
-              <a:solidFill>
-                <a:srgbClr val="7030A0"/>
-              </a:solidFill>
-            </a:endParaRPr>
           </a:p>
         </p:txBody>
       </p:sp>
@@ -7361,10 +11376,9 @@
           <a:lstStyle/>
           <a:p>
             <a:r>
-              <a:rPr lang="en-US" sz="1100" dirty="0" smtClean="0"/>
+              <a:rPr lang="en-US" sz="1100" dirty="0"/>
               <a:t>Color to line follow</a:t>
             </a:r>
-            <a:endParaRPr lang="en-US" sz="1100" dirty="0"/>
           </a:p>
         </p:txBody>
       </p:sp>
@@ -7391,10 +11405,9 @@
           <a:lstStyle/>
           <a:p>
             <a:r>
-              <a:rPr lang="en-US" sz="1100" dirty="0" smtClean="0"/>
+              <a:rPr lang="en-US" sz="1100" dirty="0"/>
               <a:t>Power</a:t>
             </a:r>
-            <a:endParaRPr lang="en-US" sz="1100" dirty="0"/>
           </a:p>
         </p:txBody>
       </p:sp>
@@ -7421,10 +11434,32 @@
           <a:lstStyle/>
           <a:p>
             <a:r>
-              <a:rPr lang="en-US" sz="1100" dirty="0" smtClean="0"/>
+              <a:rPr lang="en-US" sz="1100" dirty="0"/>
               <a:t>Color to stop at</a:t>
             </a:r>
-            <a:endParaRPr lang="en-US" sz="1100" dirty="0"/>
+          </a:p>
+        </p:txBody>
+      </p:sp>
+      <p:sp>
+        <p:nvSpPr>
+          <p:cNvPr id="3" name="Slide Number Placeholder 2"/>
+          <p:cNvSpPr>
+            <a:spLocks noGrp="1"/>
+          </p:cNvSpPr>
+          <p:nvPr>
+            <p:ph type="sldNum" sz="quarter" idx="12"/>
+          </p:nvPr>
+        </p:nvSpPr>
+        <p:spPr/>
+        <p:txBody>
+          <a:bodyPr/>
+          <a:lstStyle/>
+          <a:p>
+            <a:fld id="{4382A7F7-08BF-4252-8141-63FB96055BBB}" type="slidenum">
+              <a:rPr lang="en-US" smtClean="0"/>
+              <a:t>8</a:t>
+            </a:fld>
+            <a:endParaRPr lang="en-US"/>
           </a:p>
         </p:txBody>
       </p:sp>
@@ -7474,10 +11509,9 @@
           <a:lstStyle/>
           <a:p>
             <a:r>
-              <a:rPr lang="en-US" dirty="0" smtClean="0"/>
+              <a:rPr lang="en-US" dirty="0"/>
               <a:t>Step 3B: The My Block</a:t>
             </a:r>
-            <a:endParaRPr lang="en-US" dirty="0"/>
           </a:p>
         </p:txBody>
       </p:sp>
@@ -7508,7 +11542,7 @@
               <a:buChar char="•"/>
             </a:pPr>
             <a:r>
-              <a:rPr lang="en-US" sz="1800" b="0" dirty="0" smtClean="0"/>
+              <a:rPr lang="en-US" sz="1800" b="0" dirty="0"/>
               <a:t>Now the My Block appears in the turquoise tab and the same My Block can be used again and again with new inputs (see left)</a:t>
             </a:r>
           </a:p>
@@ -7518,7 +11552,7 @@
               <a:buChar char="•"/>
             </a:pPr>
             <a:r>
-              <a:rPr lang="en-US" sz="1800" b="0" dirty="0" smtClean="0"/>
+              <a:rPr lang="en-US" sz="1800" b="0" dirty="0"/>
               <a:t>The first block solves the challenge and follows a red line until it sees the robot sees black</a:t>
             </a:r>
           </a:p>
@@ -7528,10 +11562,9 @@
               <a:buChar char="•"/>
             </a:pPr>
             <a:r>
-              <a:rPr lang="en-US" sz="1800" b="0" dirty="0" smtClean="0"/>
+              <a:rPr lang="en-US" sz="1800" b="0" dirty="0"/>
               <a:t>The second block in this code is to show that the same block can be used with different inputs</a:t>
             </a:r>
-            <a:endParaRPr lang="en-US" sz="1800" b="0" dirty="0"/>
           </a:p>
           <a:p>
             <a:pPr marL="346075" indent="-346075">
@@ -7539,10 +11572,9 @@
               <a:buChar char="•"/>
             </a:pPr>
             <a:r>
-              <a:rPr lang="en-US" sz="1800" b="0" dirty="0" smtClean="0"/>
+              <a:rPr lang="en-US" sz="1800" b="0" dirty="0"/>
               <a:t>If you want to learn smoother line followers, proceed to the proportional control lesson in Advanced.</a:t>
             </a:r>
-            <a:endParaRPr lang="en-US" sz="1800" b="0" dirty="0"/>
           </a:p>
           <a:p>
             <a:endParaRPr lang="en-US" sz="1800" dirty="0"/>
@@ -7565,10 +11597,9 @@
           <a:lstStyle/>
           <a:p>
             <a:r>
-              <a:rPr lang="en-US" smtClean="0"/>
-              <a:t>© 2015, EV3Lessons.com, Last edit 11/6/2015</a:t>
-            </a:r>
-            <a:endParaRPr lang="en-US"/>
+              <a:rPr lang="en-US"/>
+              <a:t>© 2016 EV3Lessons.com, Last edit 7/06/2016</a:t>
+            </a:r>
           </a:p>
         </p:txBody>
       </p:sp>
@@ -7601,6 +11632,29 @@
           </a:prstGeom>
         </p:spPr>
       </p:pic>
+      <p:sp>
+        <p:nvSpPr>
+          <p:cNvPr id="3" name="Slide Number Placeholder 2"/>
+          <p:cNvSpPr>
+            <a:spLocks noGrp="1"/>
+          </p:cNvSpPr>
+          <p:nvPr>
+            <p:ph type="sldNum" sz="quarter" idx="12"/>
+          </p:nvPr>
+        </p:nvSpPr>
+        <p:spPr/>
+        <p:txBody>
+          <a:bodyPr/>
+          <a:lstStyle/>
+          <a:p>
+            <a:fld id="{4382A7F7-08BF-4252-8141-63FB96055BBB}" type="slidenum">
+              <a:rPr lang="en-US" smtClean="0"/>
+              <a:t>9</a:t>
+            </a:fld>
+            <a:endParaRPr lang="en-US"/>
+          </a:p>
+        </p:txBody>
+      </p:sp>
     </p:spTree>
     <p:extLst>
       <p:ext uri="{BB962C8B-B14F-4D97-AF65-F5344CB8AC3E}">
@@ -7611,13 +11665,6 @@
   <p:clrMapOvr>
     <a:masterClrMapping/>
   </p:clrMapOvr>
-  <p:timing>
-    <p:tnLst>
-      <p:par>
-        <p:cTn id="1" dur="indefinite" restart="never" nodeType="tmRoot"/>
-      </p:par>
-    </p:tnLst>
-  </p:timing>
 </p:sld>
 </file>
 
@@ -7905,9 +11952,9 @@
 </file>
 
 <file path=ppt/theme/theme2.xml><?xml version="1.0" encoding="utf-8"?>
-<a:theme xmlns:a="http://schemas.openxmlformats.org/drawingml/2006/main" name="Office Theme">
+<a:theme xmlns:a="http://schemas.openxmlformats.org/drawingml/2006/main" name="intermediatev2">
   <a:themeElements>
-    <a:clrScheme name="Office">
+    <a:clrScheme name="Blue II">
       <a:dk1>
         <a:sysClr val="windowText" lastClr="000000"/>
       </a:dk1>
@@ -7915,39 +11962,39 @@
         <a:sysClr val="window" lastClr="FFFFFF"/>
       </a:lt1>
       <a:dk2>
-        <a:srgbClr val="1F497D"/>
+        <a:srgbClr val="335B74"/>
       </a:dk2>
       <a:lt2>
-        <a:srgbClr val="EEECE1"/>
+        <a:srgbClr val="DFE3E5"/>
       </a:lt2>
       <a:accent1>
-        <a:srgbClr val="4F81BD"/>
+        <a:srgbClr val="1CADE4"/>
       </a:accent1>
       <a:accent2>
-        <a:srgbClr val="C0504D"/>
+        <a:srgbClr val="2683C6"/>
       </a:accent2>
       <a:accent3>
-        <a:srgbClr val="9BBB59"/>
+        <a:srgbClr val="27CED7"/>
       </a:accent3>
       <a:accent4>
-        <a:srgbClr val="8064A2"/>
+        <a:srgbClr val="42BA97"/>
       </a:accent4>
       <a:accent5>
-        <a:srgbClr val="4BACC6"/>
+        <a:srgbClr val="3E8853"/>
       </a:accent5>
       <a:accent6>
-        <a:srgbClr val="F79646"/>
+        <a:srgbClr val="62A39F"/>
       </a:accent6>
       <a:hlink>
-        <a:srgbClr val="0000FF"/>
+        <a:srgbClr val="6EAC1C"/>
       </a:hlink>
       <a:folHlink>
-        <a:srgbClr val="800080"/>
+        <a:srgbClr val="B26B02"/>
       </a:folHlink>
     </a:clrScheme>
-    <a:fontScheme name="Office">
+    <a:fontScheme name="Retrospect">
       <a:majorFont>
-        <a:latin typeface="Calibri"/>
+        <a:latin typeface="Calibri Light" panose="020F0302020204030204"/>
         <a:ea typeface=""/>
         <a:cs typeface=""/>
         <a:font script="Jpan" typeface="ＭＳ Ｐゴシック"/>
@@ -7982,7 +12029,7 @@
         <a:font script="Geor" typeface="Sylfaen"/>
       </a:majorFont>
       <a:minorFont>
-        <a:latin typeface="Calibri"/>
+        <a:latin typeface="Calibri" panose="020F0502020204030204"/>
         <a:ea typeface=""/>
         <a:cs typeface=""/>
         <a:font script="Jpan" typeface="ＭＳ Ｐゴシック"/>
@@ -8017,7 +12064,7 @@
         <a:font script="Geor" typeface="Sylfaen"/>
       </a:minorFont>
     </a:fontScheme>
-    <a:fmtScheme name="Office">
+    <a:fmtScheme name="Retrospect">
       <a:fillStyleLst>
         <a:solidFill>
           <a:schemeClr val="phClr"/>
@@ -8026,52 +12073,73 @@
           <a:gsLst>
             <a:gs pos="0">
               <a:schemeClr val="phClr">
-                <a:tint val="50000"/>
-                <a:satMod val="300000"/>
+                <a:tint val="65000"/>
+                <a:shade val="92000"/>
+                <a:satMod val="130000"/>
               </a:schemeClr>
             </a:gs>
-            <a:gs pos="35000">
+            <a:gs pos="45000">
               <a:schemeClr val="phClr">
-                <a:tint val="37000"/>
-                <a:satMod val="300000"/>
+                <a:tint val="60000"/>
+                <a:shade val="99000"/>
+                <a:satMod val="120000"/>
               </a:schemeClr>
             </a:gs>
             <a:gs pos="100000">
               <a:schemeClr val="phClr">
-                <a:tint val="15000"/>
-                <a:satMod val="350000"/>
+                <a:tint val="55000"/>
+                <a:satMod val="140000"/>
               </a:schemeClr>
             </a:gs>
           </a:gsLst>
-          <a:lin ang="16200000" scaled="1"/>
+          <a:path path="circle">
+            <a:fillToRect l="100000" t="100000" r="100000" b="100000"/>
+          </a:path>
         </a:gradFill>
         <a:gradFill rotWithShape="1">
           <a:gsLst>
             <a:gs pos="0">
               <a:schemeClr val="phClr">
+                <a:shade val="85000"/>
+                <a:satMod val="130000"/>
+              </a:schemeClr>
+            </a:gs>
+            <a:gs pos="34000">
+              <a:schemeClr val="phClr">
+                <a:shade val="87000"/>
+                <a:satMod val="125000"/>
+              </a:schemeClr>
+            </a:gs>
+            <a:gs pos="70000">
+              <a:schemeClr val="phClr">
                 <a:tint val="100000"/>
-                <a:shade val="100000"/>
+                <a:shade val="90000"/>
                 <a:satMod val="130000"/>
               </a:schemeClr>
             </a:gs>
             <a:gs pos="100000">
               <a:schemeClr val="phClr">
-                <a:tint val="50000"/>
+                <a:tint val="100000"/>
                 <a:shade val="100000"/>
-                <a:satMod val="350000"/>
+                <a:satMod val="110000"/>
               </a:schemeClr>
             </a:gs>
           </a:gsLst>
-          <a:lin ang="16200000" scaled="0"/>
+          <a:path path="circle">
+            <a:fillToRect l="100000" t="100000" r="100000" b="100000"/>
+          </a:path>
         </a:gradFill>
       </a:fillStyleLst>
       <a:lnStyleLst>
-        <a:ln w="9525" cap="flat" cmpd="sng" algn="ctr">
+        <a:ln w="12700" cap="flat" cmpd="sng" algn="ctr">
           <a:solidFill>
-            <a:schemeClr val="phClr">
-              <a:shade val="95000"/>
-              <a:satMod val="105000"/>
-            </a:schemeClr>
+            <a:schemeClr val="phClr"/>
+          </a:solidFill>
+          <a:prstDash val="solid"/>
+        </a:ln>
+        <a:ln w="15875" cap="flat" cmpd="sng" algn="ctr">
+          <a:solidFill>
+            <a:schemeClr val="phClr"/>
           </a:solidFill>
           <a:prstDash val="solid"/>
         </a:ln>
@@ -8081,37 +12149,25 @@
           </a:solidFill>
           <a:prstDash val="solid"/>
         </a:ln>
-        <a:ln w="38100" cap="flat" cmpd="sng" algn="ctr">
-          <a:solidFill>
-            <a:schemeClr val="phClr"/>
-          </a:solidFill>
-          <a:prstDash val="solid"/>
-        </a:ln>
       </a:lnStyleLst>
       <a:effectStyleLst>
         <a:effectStyle>
+          <a:effectLst/>
+        </a:effectStyle>
+        <a:effectStyle>
           <a:effectLst>
-            <a:outerShdw blurRad="40000" dist="20000" dir="5400000" rotWithShape="0">
+            <a:outerShdw blurRad="38100" dist="25400" dir="2700000" algn="br" rotWithShape="0">
               <a:srgbClr val="000000">
-                <a:alpha val="38000"/>
+                <a:alpha val="60000"/>
               </a:srgbClr>
             </a:outerShdw>
           </a:effectLst>
         </a:effectStyle>
         <a:effectStyle>
           <a:effectLst>
-            <a:outerShdw blurRad="40000" dist="23000" dir="5400000" rotWithShape="0">
+            <a:outerShdw blurRad="44450" dist="25400" dir="2700000" algn="br" rotWithShape="0">
               <a:srgbClr val="000000">
-                <a:alpha val="35000"/>
-              </a:srgbClr>
-            </a:outerShdw>
-          </a:effectLst>
-        </a:effectStyle>
-        <a:effectStyle>
-          <a:effectLst>
-            <a:outerShdw blurRad="40000" dist="23000" dir="5400000" rotWithShape="0">
-              <a:srgbClr val="000000">
-                <a:alpha val="35000"/>
+                <a:alpha val="60000"/>
               </a:srgbClr>
             </a:outerShdw>
           </a:effectLst>
@@ -8120,11 +12176,11 @@
               <a:rot lat="0" lon="0" rev="0"/>
             </a:camera>
             <a:lightRig rig="threePt" dir="t">
-              <a:rot lat="0" lon="0" rev="1200000"/>
+              <a:rot lat="0" lon="0" rev="19800000"/>
             </a:lightRig>
           </a:scene3d>
-          <a:sp3d>
-            <a:bevelT w="63500" h="25400"/>
+          <a:sp3d prstMaterial="flat">
+            <a:bevelT w="25400" h="31750"/>
           </a:sp3d>
         </a:effectStyle>
       </a:effectStyleLst>
@@ -8132,95 +12188,49 @@
         <a:solidFill>
           <a:schemeClr val="phClr"/>
         </a:solidFill>
+        <a:solidFill>
+          <a:schemeClr val="phClr">
+            <a:tint val="90000"/>
+            <a:shade val="97000"/>
+            <a:satMod val="130000"/>
+          </a:schemeClr>
+        </a:solidFill>
         <a:gradFill rotWithShape="1">
           <a:gsLst>
             <a:gs pos="0">
               <a:schemeClr val="phClr">
-                <a:tint val="40000"/>
-                <a:satMod val="350000"/>
+                <a:tint val="96000"/>
+                <a:shade val="99000"/>
+                <a:satMod val="140000"/>
               </a:schemeClr>
             </a:gs>
-            <a:gs pos="40000">
+            <a:gs pos="65000">
               <a:schemeClr val="phClr">
-                <a:tint val="45000"/>
-                <a:shade val="99000"/>
-                <a:satMod val="350000"/>
+                <a:tint val="100000"/>
+                <a:shade val="80000"/>
+                <a:satMod val="130000"/>
               </a:schemeClr>
             </a:gs>
             <a:gs pos="100000">
               <a:schemeClr val="phClr">
-                <a:shade val="20000"/>
-                <a:satMod val="255000"/>
+                <a:tint val="100000"/>
+                <a:shade val="48000"/>
+                <a:satMod val="120000"/>
               </a:schemeClr>
             </a:gs>
           </a:gsLst>
-          <a:path path="circle">
-            <a:fillToRect l="50000" t="-80000" r="50000" b="180000"/>
-          </a:path>
-        </a:gradFill>
-        <a:gradFill rotWithShape="1">
-          <a:gsLst>
-            <a:gs pos="0">
-              <a:schemeClr val="phClr">
-                <a:tint val="80000"/>
-                <a:satMod val="300000"/>
-              </a:schemeClr>
-            </a:gs>
-            <a:gs pos="100000">
-              <a:schemeClr val="phClr">
-                <a:shade val="30000"/>
-                <a:satMod val="200000"/>
-              </a:schemeClr>
-            </a:gs>
-          </a:gsLst>
-          <a:path path="circle">
-            <a:fillToRect l="50000" t="50000" r="50000" b="50000"/>
-          </a:path>
+          <a:lin ang="16200000" scaled="0"/>
         </a:gradFill>
       </a:bgFillStyleLst>
     </a:fmtScheme>
   </a:themeElements>
-  <a:objectDefaults>
-    <a:spDef>
-      <a:spPr/>
-      <a:bodyPr/>
-      <a:lstStyle/>
-      <a:style>
-        <a:lnRef idx="1">
-          <a:schemeClr val="accent1"/>
-        </a:lnRef>
-        <a:fillRef idx="3">
-          <a:schemeClr val="accent1"/>
-        </a:fillRef>
-        <a:effectRef idx="2">
-          <a:schemeClr val="accent1"/>
-        </a:effectRef>
-        <a:fontRef idx="minor">
-          <a:schemeClr val="lt1"/>
-        </a:fontRef>
-      </a:style>
-    </a:spDef>
-    <a:lnDef>
-      <a:spPr/>
-      <a:bodyPr/>
-      <a:lstStyle/>
-      <a:style>
-        <a:lnRef idx="2">
-          <a:schemeClr val="accent1"/>
-        </a:lnRef>
-        <a:fillRef idx="0">
-          <a:schemeClr val="accent1"/>
-        </a:fillRef>
-        <a:effectRef idx="1">
-          <a:schemeClr val="accent1"/>
-        </a:effectRef>
-        <a:fontRef idx="minor">
-          <a:schemeClr val="tx1"/>
-        </a:fontRef>
-      </a:style>
-    </a:lnDef>
-  </a:objectDefaults>
+  <a:objectDefaults/>
   <a:extraClrSchemeLst/>
+  <a:extLst>
+    <a:ext uri="{05A4C25C-085E-4340-85A3-A5531E510DB2}">
+      <thm15:themeFamily xmlns:thm15="http://schemas.microsoft.com/office/thememl/2012/main" name="intermediatev2" id="{63F5E447-E8B5-4335-8726-12777BA731C5}" vid="{7C754D33-5435-4000-AB94-F54A58B2A981}"/>
+    </a:ext>
+  </a:extLst>
 </a:theme>
 </file>
 
@@ -8542,4 +12552,324 @@
   </a:objectDefaults>
   <a:extraClrSchemeLst/>
 </a:theme>
+</file>
+
+<file path=ppt/theme/theme4.xml><?xml version="1.0" encoding="utf-8"?>
+<a:theme xmlns:a="http://schemas.openxmlformats.org/drawingml/2006/main" name="Office Theme">
+  <a:themeElements>
+    <a:clrScheme name="Office">
+      <a:dk1>
+        <a:sysClr val="windowText" lastClr="000000"/>
+      </a:dk1>
+      <a:lt1>
+        <a:sysClr val="window" lastClr="FFFFFF"/>
+      </a:lt1>
+      <a:dk2>
+        <a:srgbClr val="1F497D"/>
+      </a:dk2>
+      <a:lt2>
+        <a:srgbClr val="EEECE1"/>
+      </a:lt2>
+      <a:accent1>
+        <a:srgbClr val="4F81BD"/>
+      </a:accent1>
+      <a:accent2>
+        <a:srgbClr val="C0504D"/>
+      </a:accent2>
+      <a:accent3>
+        <a:srgbClr val="9BBB59"/>
+      </a:accent3>
+      <a:accent4>
+        <a:srgbClr val="8064A2"/>
+      </a:accent4>
+      <a:accent5>
+        <a:srgbClr val="4BACC6"/>
+      </a:accent5>
+      <a:accent6>
+        <a:srgbClr val="F79646"/>
+      </a:accent6>
+      <a:hlink>
+        <a:srgbClr val="0000FF"/>
+      </a:hlink>
+      <a:folHlink>
+        <a:srgbClr val="800080"/>
+      </a:folHlink>
+    </a:clrScheme>
+    <a:fontScheme name="Office">
+      <a:majorFont>
+        <a:latin typeface="Calibri"/>
+        <a:ea typeface=""/>
+        <a:cs typeface=""/>
+        <a:font script="Jpan" typeface="ＭＳ Ｐゴシック"/>
+        <a:font script="Hang" typeface="맑은 고딕"/>
+        <a:font script="Hans" typeface="宋体"/>
+        <a:font script="Hant" typeface="新細明體"/>
+        <a:font script="Arab" typeface="Times New Roman"/>
+        <a:font script="Hebr" typeface="Times New Roman"/>
+        <a:font script="Thai" typeface="Angsana New"/>
+        <a:font script="Ethi" typeface="Nyala"/>
+        <a:font script="Beng" typeface="Vrinda"/>
+        <a:font script="Gujr" typeface="Shruti"/>
+        <a:font script="Khmr" typeface="MoolBoran"/>
+        <a:font script="Knda" typeface="Tunga"/>
+        <a:font script="Guru" typeface="Raavi"/>
+        <a:font script="Cans" typeface="Euphemia"/>
+        <a:font script="Cher" typeface="Plantagenet Cherokee"/>
+        <a:font script="Yiii" typeface="Microsoft Yi Baiti"/>
+        <a:font script="Tibt" typeface="Microsoft Himalaya"/>
+        <a:font script="Thaa" typeface="MV Boli"/>
+        <a:font script="Deva" typeface="Mangal"/>
+        <a:font script="Telu" typeface="Gautami"/>
+        <a:font script="Taml" typeface="Latha"/>
+        <a:font script="Syrc" typeface="Estrangelo Edessa"/>
+        <a:font script="Orya" typeface="Kalinga"/>
+        <a:font script="Mlym" typeface="Kartika"/>
+        <a:font script="Laoo" typeface="DokChampa"/>
+        <a:font script="Sinh" typeface="Iskoola Pota"/>
+        <a:font script="Mong" typeface="Mongolian Baiti"/>
+        <a:font script="Viet" typeface="Times New Roman"/>
+        <a:font script="Uigh" typeface="Microsoft Uighur"/>
+        <a:font script="Geor" typeface="Sylfaen"/>
+      </a:majorFont>
+      <a:minorFont>
+        <a:latin typeface="Calibri"/>
+        <a:ea typeface=""/>
+        <a:cs typeface=""/>
+        <a:font script="Jpan" typeface="ＭＳ Ｐゴシック"/>
+        <a:font script="Hang" typeface="맑은 고딕"/>
+        <a:font script="Hans" typeface="宋体"/>
+        <a:font script="Hant" typeface="新細明體"/>
+        <a:font script="Arab" typeface="Arial"/>
+        <a:font script="Hebr" typeface="Arial"/>
+        <a:font script="Thai" typeface="Cordia New"/>
+        <a:font script="Ethi" typeface="Nyala"/>
+        <a:font script="Beng" typeface="Vrinda"/>
+        <a:font script="Gujr" typeface="Shruti"/>
+        <a:font script="Khmr" typeface="DaunPenh"/>
+        <a:font script="Knda" typeface="Tunga"/>
+        <a:font script="Guru" typeface="Raavi"/>
+        <a:font script="Cans" typeface="Euphemia"/>
+        <a:font script="Cher" typeface="Plantagenet Cherokee"/>
+        <a:font script="Yiii" typeface="Microsoft Yi Baiti"/>
+        <a:font script="Tibt" typeface="Microsoft Himalaya"/>
+        <a:font script="Thaa" typeface="MV Boli"/>
+        <a:font script="Deva" typeface="Mangal"/>
+        <a:font script="Telu" typeface="Gautami"/>
+        <a:font script="Taml" typeface="Latha"/>
+        <a:font script="Syrc" typeface="Estrangelo Edessa"/>
+        <a:font script="Orya" typeface="Kalinga"/>
+        <a:font script="Mlym" typeface="Kartika"/>
+        <a:font script="Laoo" typeface="DokChampa"/>
+        <a:font script="Sinh" typeface="Iskoola Pota"/>
+        <a:font script="Mong" typeface="Mongolian Baiti"/>
+        <a:font script="Viet" typeface="Arial"/>
+        <a:font script="Uigh" typeface="Microsoft Uighur"/>
+        <a:font script="Geor" typeface="Sylfaen"/>
+      </a:minorFont>
+    </a:fontScheme>
+    <a:fmtScheme name="Office">
+      <a:fillStyleLst>
+        <a:solidFill>
+          <a:schemeClr val="phClr"/>
+        </a:solidFill>
+        <a:gradFill rotWithShape="1">
+          <a:gsLst>
+            <a:gs pos="0">
+              <a:schemeClr val="phClr">
+                <a:tint val="50000"/>
+                <a:satMod val="300000"/>
+              </a:schemeClr>
+            </a:gs>
+            <a:gs pos="35000">
+              <a:schemeClr val="phClr">
+                <a:tint val="37000"/>
+                <a:satMod val="300000"/>
+              </a:schemeClr>
+            </a:gs>
+            <a:gs pos="100000">
+              <a:schemeClr val="phClr">
+                <a:tint val="15000"/>
+                <a:satMod val="350000"/>
+              </a:schemeClr>
+            </a:gs>
+          </a:gsLst>
+          <a:lin ang="16200000" scaled="1"/>
+        </a:gradFill>
+        <a:gradFill rotWithShape="1">
+          <a:gsLst>
+            <a:gs pos="0">
+              <a:schemeClr val="phClr">
+                <a:tint val="100000"/>
+                <a:shade val="100000"/>
+                <a:satMod val="130000"/>
+              </a:schemeClr>
+            </a:gs>
+            <a:gs pos="100000">
+              <a:schemeClr val="phClr">
+                <a:tint val="50000"/>
+                <a:shade val="100000"/>
+                <a:satMod val="350000"/>
+              </a:schemeClr>
+            </a:gs>
+          </a:gsLst>
+          <a:lin ang="16200000" scaled="0"/>
+        </a:gradFill>
+      </a:fillStyleLst>
+      <a:lnStyleLst>
+        <a:ln w="9525" cap="flat" cmpd="sng" algn="ctr">
+          <a:solidFill>
+            <a:schemeClr val="phClr">
+              <a:shade val="95000"/>
+              <a:satMod val="105000"/>
+            </a:schemeClr>
+          </a:solidFill>
+          <a:prstDash val="solid"/>
+        </a:ln>
+        <a:ln w="25400" cap="flat" cmpd="sng" algn="ctr">
+          <a:solidFill>
+            <a:schemeClr val="phClr"/>
+          </a:solidFill>
+          <a:prstDash val="solid"/>
+        </a:ln>
+        <a:ln w="38100" cap="flat" cmpd="sng" algn="ctr">
+          <a:solidFill>
+            <a:schemeClr val="phClr"/>
+          </a:solidFill>
+          <a:prstDash val="solid"/>
+        </a:ln>
+      </a:lnStyleLst>
+      <a:effectStyleLst>
+        <a:effectStyle>
+          <a:effectLst>
+            <a:outerShdw blurRad="40000" dist="20000" dir="5400000" rotWithShape="0">
+              <a:srgbClr val="000000">
+                <a:alpha val="38000"/>
+              </a:srgbClr>
+            </a:outerShdw>
+          </a:effectLst>
+        </a:effectStyle>
+        <a:effectStyle>
+          <a:effectLst>
+            <a:outerShdw blurRad="40000" dist="23000" dir="5400000" rotWithShape="0">
+              <a:srgbClr val="000000">
+                <a:alpha val="35000"/>
+              </a:srgbClr>
+            </a:outerShdw>
+          </a:effectLst>
+        </a:effectStyle>
+        <a:effectStyle>
+          <a:effectLst>
+            <a:outerShdw blurRad="40000" dist="23000" dir="5400000" rotWithShape="0">
+              <a:srgbClr val="000000">
+                <a:alpha val="35000"/>
+              </a:srgbClr>
+            </a:outerShdw>
+          </a:effectLst>
+          <a:scene3d>
+            <a:camera prst="orthographicFront">
+              <a:rot lat="0" lon="0" rev="0"/>
+            </a:camera>
+            <a:lightRig rig="threePt" dir="t">
+              <a:rot lat="0" lon="0" rev="1200000"/>
+            </a:lightRig>
+          </a:scene3d>
+          <a:sp3d>
+            <a:bevelT w="63500" h="25400"/>
+          </a:sp3d>
+        </a:effectStyle>
+      </a:effectStyleLst>
+      <a:bgFillStyleLst>
+        <a:solidFill>
+          <a:schemeClr val="phClr"/>
+        </a:solidFill>
+        <a:gradFill rotWithShape="1">
+          <a:gsLst>
+            <a:gs pos="0">
+              <a:schemeClr val="phClr">
+                <a:tint val="40000"/>
+                <a:satMod val="350000"/>
+              </a:schemeClr>
+            </a:gs>
+            <a:gs pos="40000">
+              <a:schemeClr val="phClr">
+                <a:tint val="45000"/>
+                <a:shade val="99000"/>
+                <a:satMod val="350000"/>
+              </a:schemeClr>
+            </a:gs>
+            <a:gs pos="100000">
+              <a:schemeClr val="phClr">
+                <a:shade val="20000"/>
+                <a:satMod val="255000"/>
+              </a:schemeClr>
+            </a:gs>
+          </a:gsLst>
+          <a:path path="circle">
+            <a:fillToRect l="50000" t="-80000" r="50000" b="180000"/>
+          </a:path>
+        </a:gradFill>
+        <a:gradFill rotWithShape="1">
+          <a:gsLst>
+            <a:gs pos="0">
+              <a:schemeClr val="phClr">
+                <a:tint val="80000"/>
+                <a:satMod val="300000"/>
+              </a:schemeClr>
+            </a:gs>
+            <a:gs pos="100000">
+              <a:schemeClr val="phClr">
+                <a:shade val="30000"/>
+                <a:satMod val="200000"/>
+              </a:schemeClr>
+            </a:gs>
+          </a:gsLst>
+          <a:path path="circle">
+            <a:fillToRect l="50000" t="50000" r="50000" b="50000"/>
+          </a:path>
+        </a:gradFill>
+      </a:bgFillStyleLst>
+    </a:fmtScheme>
+  </a:themeElements>
+  <a:objectDefaults>
+    <a:spDef>
+      <a:spPr/>
+      <a:bodyPr/>
+      <a:lstStyle/>
+      <a:style>
+        <a:lnRef idx="1">
+          <a:schemeClr val="accent1"/>
+        </a:lnRef>
+        <a:fillRef idx="3">
+          <a:schemeClr val="accent1"/>
+        </a:fillRef>
+        <a:effectRef idx="2">
+          <a:schemeClr val="accent1"/>
+        </a:effectRef>
+        <a:fontRef idx="minor">
+          <a:schemeClr val="lt1"/>
+        </a:fontRef>
+      </a:style>
+    </a:spDef>
+    <a:lnDef>
+      <a:spPr/>
+      <a:bodyPr/>
+      <a:lstStyle/>
+      <a:style>
+        <a:lnRef idx="2">
+          <a:schemeClr val="accent1"/>
+        </a:lnRef>
+        <a:fillRef idx="0">
+          <a:schemeClr val="accent1"/>
+        </a:fillRef>
+        <a:effectRef idx="1">
+          <a:schemeClr val="accent1"/>
+        </a:effectRef>
+        <a:fontRef idx="minor">
+          <a:schemeClr val="tx1"/>
+        </a:fontRef>
+      </a:style>
+    </a:lnDef>
+  </a:objectDefaults>
+  <a:extraClrSchemeLst/>
+</a:theme>
 </file>
--- a/translations/en-us/intermediate/ColorFollowerSensor.pptx
+++ b/translations/en-us/intermediate/ColorFollowerSensor.pptx
@@ -222,7 +222,7 @@
           <a:p>
             <a:fld id="{E00FA3B4-5499-9244-86B5-B0871A9DDD84}" type="datetimeFigureOut">
               <a:rPr lang="en-US" smtClean="0"/>
-              <a:t>7/7/2016</a:t>
+              <a:t>7/19/16</a:t>
             </a:fld>
             <a:endParaRPr lang="en-US"/>
           </a:p>
@@ -388,7 +388,7 @@
           <a:p>
             <a:fld id="{FD3EFF1E-85A1-6640-AFB9-C38833E80A84}" type="datetimeFigureOut">
               <a:rPr lang="en-US" smtClean="0"/>
-              <a:t>7/7/2016</a:t>
+              <a:t>7/19/16</a:t>
             </a:fld>
             <a:endParaRPr lang="en-US"/>
           </a:p>
@@ -929,7 +929,7 @@
           <a:p>
             <a:fld id="{5EAE23A2-2350-469B-B76D-8147F0A08814}" type="datetime1">
               <a:rPr lang="en-US" smtClean="0"/>
-              <a:t>7/7/2016</a:t>
+              <a:t>7/19/16</a:t>
             </a:fld>
             <a:endParaRPr lang="en-US"/>
           </a:p>
@@ -1189,7 +1189,7 @@
           <a:noFill/>
           <a:extLst>
             <a:ext uri="{909E8E84-426E-40dd-AFC4-6F175D3DCCD1}">
-              <a14:hiddenFill xmlns:a14="http://schemas.microsoft.com/office/drawing/2010/main" xmlns="">
+              <a14:hiddenFill xmlns="" xmlns:a14="http://schemas.microsoft.com/office/drawing/2010/main">
                 <a:solidFill>
                   <a:srgbClr val="FFFFFF"/>
                 </a:solidFill>
@@ -1320,7 +1320,7 @@
           <a:p>
             <a:fld id="{1FE34218-01B0-44DE-B18F-F7983537BF01}" type="datetime1">
               <a:rPr lang="en-US" smtClean="0"/>
-              <a:t>7/7/2016</a:t>
+              <a:t>7/19/16</a:t>
             </a:fld>
             <a:endParaRPr lang="en-US"/>
           </a:p>
@@ -1579,7 +1579,7 @@
           <a:p>
             <a:fld id="{FE97D7FE-07AF-4868-AF57-9766209FF5B5}" type="datetime1">
               <a:rPr lang="en-US" smtClean="0"/>
-              <a:t>7/7/2016</a:t>
+              <a:t>7/19/16</a:t>
             </a:fld>
             <a:endParaRPr lang="en-US"/>
           </a:p>
@@ -1833,7 +1833,7 @@
           <a:p>
             <a:fld id="{9B525E8C-9208-4F6A-8AE6-096B6F8FE8F2}" type="datetime1">
               <a:rPr lang="en-US" smtClean="0"/>
-              <a:t>7/7/2016</a:t>
+              <a:t>7/19/16</a:t>
             </a:fld>
             <a:endParaRPr lang="en-US"/>
           </a:p>
@@ -2278,7 +2278,7 @@
           <a:p>
             <a:fld id="{CF59E484-A88E-44B4-94F0-7E6BCE57814B}" type="datetime1">
               <a:rPr lang="en-US" smtClean="0"/>
-              <a:t>7/7/2016</a:t>
+              <a:t>7/19/16</a:t>
             </a:fld>
             <a:endParaRPr lang="en-US"/>
           </a:p>
@@ -2624,7 +2624,7 @@
           <a:p>
             <a:fld id="{83351E67-C65B-4107-AC61-537E14D137AB}" type="datetime1">
               <a:rPr lang="en-US" smtClean="0"/>
-              <a:t>7/7/2016</a:t>
+              <a:t>7/19/16</a:t>
             </a:fld>
             <a:endParaRPr lang="en-US"/>
           </a:p>
@@ -2902,7 +2902,7 @@
           <a:p>
             <a:fld id="{4DA8A5C7-EA95-4796-BFB9-65B5AAA4DAFB}" type="datetime1">
               <a:rPr lang="en-US" smtClean="0"/>
-              <a:t>7/7/2016</a:t>
+              <a:t>7/19/16</a:t>
             </a:fld>
             <a:endParaRPr lang="en-US"/>
           </a:p>
@@ -3285,7 +3285,7 @@
           <a:p>
             <a:fld id="{0E3A5712-406C-4BAE-8538-82392F20E930}" type="datetime1">
               <a:rPr lang="en-US" smtClean="0"/>
-              <a:t>7/7/2016</a:t>
+              <a:t>7/19/16</a:t>
             </a:fld>
             <a:endParaRPr lang="en-US"/>
           </a:p>
@@ -3406,7 +3406,7 @@
           <a:p>
             <a:fld id="{CB6B8041-C458-4CB2-83D0-F2CB2562E046}" type="datetime1">
               <a:rPr lang="en-US" smtClean="0"/>
-              <a:t>7/7/2016</a:t>
+              <a:t>7/19/16</a:t>
             </a:fld>
             <a:endParaRPr lang="en-US"/>
           </a:p>
@@ -3580,7 +3580,7 @@
           <a:p>
             <a:fld id="{3DF5CDC5-09E2-4CC7-B3D6-6A1769347042}" type="datetime1">
               <a:rPr lang="en-US" smtClean="0"/>
-              <a:t>7/7/2016</a:t>
+              <a:t>7/19/16</a:t>
             </a:fld>
             <a:endParaRPr lang="en-US"/>
           </a:p>
@@ -3937,7 +3937,7 @@
           <a:p>
             <a:fld id="{F0B2888E-05ED-4E68-B290-C5CF14801755}" type="datetime1">
               <a:rPr lang="en-US" smtClean="0"/>
-              <a:t>7/7/2016</a:t>
+              <a:t>7/19/16</a:t>
             </a:fld>
             <a:endParaRPr lang="en-US"/>
           </a:p>
@@ -4131,7 +4131,7 @@
           <a:p>
             <a:fld id="{8645E241-0BAD-4B17-9C39-5249F16D638B}" type="datetime1">
               <a:rPr lang="en-US" smtClean="0"/>
-              <a:t>7/7/2016</a:t>
+              <a:t>7/19/16</a:t>
             </a:fld>
             <a:endParaRPr lang="en-US"/>
           </a:p>
@@ -4495,7 +4495,7 @@
           <a:p>
             <a:fld id="{1A0D0840-4ABF-4536-B26D-EC146CF82B36}" type="datetime1">
               <a:rPr lang="en-US" smtClean="0"/>
-              <a:t>7/7/2016</a:t>
+              <a:t>7/19/16</a:t>
             </a:fld>
             <a:endParaRPr lang="en-US"/>
           </a:p>
@@ -4668,7 +4668,7 @@
           <a:p>
             <a:fld id="{93040268-3F6E-427A-8E58-A05C3F424212}" type="datetime1">
               <a:rPr lang="en-US" smtClean="0"/>
-              <a:t>7/7/2016</a:t>
+              <a:t>7/19/16</a:t>
             </a:fld>
             <a:endParaRPr lang="en-US"/>
           </a:p>
@@ -4927,7 +4927,7 @@
           <a:p>
             <a:fld id="{C3D28108-F4FF-4074-8265-2419E00EF610}" type="datetime1">
               <a:rPr lang="en-US" smtClean="0"/>
-              <a:t>7/7/2016</a:t>
+              <a:t>7/19/16</a:t>
             </a:fld>
             <a:endParaRPr lang="en-US"/>
           </a:p>
@@ -5273,7 +5273,7 @@
           <a:p>
             <a:fld id="{C4CAE893-0A61-4ED6-A987-C332DCE8D7EC}" type="datetime1">
               <a:rPr lang="en-US" smtClean="0"/>
-              <a:t>7/7/2016</a:t>
+              <a:t>7/19/16</a:t>
             </a:fld>
             <a:endParaRPr lang="en-US"/>
           </a:p>
@@ -5551,7 +5551,7 @@
           <a:p>
             <a:fld id="{9FD0C5E7-D03F-4EB2-954B-89D83E72D6C4}" type="datetime1">
               <a:rPr lang="en-US" smtClean="0"/>
-              <a:t>7/7/2016</a:t>
+              <a:t>7/19/16</a:t>
             </a:fld>
             <a:endParaRPr lang="en-US"/>
           </a:p>
@@ -5934,7 +5934,7 @@
           <a:p>
             <a:fld id="{ACC5F691-BF69-4442-91EA-D0ED45CE8446}" type="datetime1">
               <a:rPr lang="en-US" smtClean="0"/>
-              <a:t>7/7/2016</a:t>
+              <a:t>7/19/16</a:t>
             </a:fld>
             <a:endParaRPr lang="en-US"/>
           </a:p>
@@ -6055,7 +6055,7 @@
           <a:p>
             <a:fld id="{6B2CFE12-00FB-4627-B54E-234ACF416087}" type="datetime1">
               <a:rPr lang="en-US" smtClean="0"/>
-              <a:t>7/7/2016</a:t>
+              <a:t>7/19/16</a:t>
             </a:fld>
             <a:endParaRPr lang="en-US"/>
           </a:p>
@@ -6229,7 +6229,7 @@
           <a:p>
             <a:fld id="{D6C08EDD-3ACF-4DF1-A9C7-C9F7C89F4F81}" type="datetime1">
               <a:rPr lang="en-US" smtClean="0"/>
-              <a:t>7/7/2016</a:t>
+              <a:t>7/19/16</a:t>
             </a:fld>
             <a:endParaRPr lang="en-US"/>
           </a:p>
@@ -6586,7 +6586,7 @@
           <a:p>
             <a:fld id="{AB98011D-2756-4858-9CC9-FE3106CAC974}" type="datetime1">
               <a:rPr lang="en-US" smtClean="0"/>
-              <a:t>7/7/2016</a:t>
+              <a:t>7/19/16</a:t>
             </a:fld>
             <a:endParaRPr lang="en-US"/>
           </a:p>
@@ -6971,7 +6971,7 @@
           <a:p>
             <a:fld id="{8CE404CD-E311-400A-B0E1-17AAF48C62D8}" type="datetime1">
               <a:rPr lang="en-US" smtClean="0"/>
-              <a:t>7/7/2016</a:t>
+              <a:t>7/19/16</a:t>
             </a:fld>
             <a:endParaRPr lang="en-US"/>
           </a:p>
@@ -7263,7 +7263,7 @@
           <a:p>
             <a:fld id="{83108968-BCF6-473F-A853-2B1DED09885F}" type="datetime1">
               <a:rPr lang="en-US" smtClean="0"/>
-              <a:t>7/7/2016</a:t>
+              <a:t>7/19/16</a:t>
             </a:fld>
             <a:endParaRPr lang="en-US" dirty="0"/>
           </a:p>
@@ -8041,7 +8041,7 @@
           <a:p>
             <a:fld id="{A11950D5-8A3C-411C-A9CD-476FEEA4041B}" type="datetime1">
               <a:rPr lang="en-US" smtClean="0"/>
-              <a:t>7/7/2016</a:t>
+              <a:t>7/19/16</a:t>
             </a:fld>
             <a:endParaRPr lang="en-US" dirty="0"/>
           </a:p>
@@ -8748,6 +8748,35 @@
           </a:p>
         </p:txBody>
       </p:sp>
+      <p:pic>
+        <p:nvPicPr>
+          <p:cNvPr id="6" name="Picture 5"/>
+          <p:cNvPicPr>
+            <a:picLocks noChangeAspect="1"/>
+          </p:cNvPicPr>
+          <p:nvPr/>
+        </p:nvPicPr>
+        <p:blipFill rotWithShape="1">
+          <a:blip r:embed="rId2">
+            <a:extLst>
+              <a:ext uri="{28A0092B-C50C-407E-A947-70E740481C1C}">
+                <a14:useLocalDpi xmlns:a14="http://schemas.microsoft.com/office/drawing/2010/main" val="0"/>
+              </a:ext>
+            </a:extLst>
+          </a:blip>
+          <a:srcRect l="4523" t="17619" r="3095" b="25000"/>
+          <a:stretch/>
+        </p:blipFill>
+        <p:spPr>
+          <a:xfrm>
+            <a:off x="3711108" y="4592409"/>
+            <a:ext cx="1700816" cy="1056435"/>
+          </a:xfrm>
+          <a:prstGeom prst="rect">
+            <a:avLst/>
+          </a:prstGeom>
+        </p:spPr>
+      </p:pic>
     </p:spTree>
     <p:extLst>
       <p:ext uri="{BB962C8B-B14F-4D97-AF65-F5344CB8AC3E}">
@@ -9022,7 +9051,7 @@
           <a:effectLst/>
           <a:extLst>
             <a:ext uri="{91240B29-F687-4f45-9708-019B960494DF}">
-              <a14:hiddenLine xmlns="" xmlns:a14="http://schemas.microsoft.com/office/drawing/2010/main" w="9525">
+              <a14:hiddenLine xmlns:a14="http://schemas.microsoft.com/office/drawing/2010/main" xmlns="" w="9525">
                 <a:solidFill>
                   <a:schemeClr val="tx1"/>
                 </a:solidFill>
@@ -9032,7 +9061,7 @@
               </a14:hiddenLine>
             </a:ext>
             <a:ext uri="{AF507438-7753-43e0-B8FC-AC1667EBCBE1}">
-              <a14:hiddenEffects xmlns="" xmlns:a14="http://schemas.microsoft.com/office/drawing/2010/main">
+              <a14:hiddenEffects xmlns:a14="http://schemas.microsoft.com/office/drawing/2010/main" xmlns="">
                 <a:effectLst>
                   <a:outerShdw dist="35921" dir="2700000" algn="ctr" rotWithShape="0">
                     <a:schemeClr val="bg2"/>
@@ -9207,6 +9236,18 @@
               </a:rPr>
               <a:t>                         </a:t>
             </a:r>
+            <a:r>
+              <a:rPr kumimoji="0" lang="en-US" altLang="en-US" sz="1600" b="0" i="0" u="none" strike="noStrike" cap="none" normalizeH="0" baseline="0" dirty="0">
+                <a:ln>
+                  <a:noFill/>
+                </a:ln>
+                <a:solidFill>
+                  <a:schemeClr val="tx1"/>
+                </a:solidFill>
+                <a:effectLst/>
+              </a:rPr>
+              <a:t/>
+            </a:r>
             <a:br>
               <a:rPr kumimoji="0" lang="en-US" altLang="en-US" sz="1600" b="0" i="0" u="none" strike="noStrike" cap="none" normalizeH="0" baseline="0" dirty="0">
                 <a:ln>
@@ -9373,7 +9414,7 @@
           <a:noFill/>
           <a:extLst>
             <a:ext uri="{909E8E84-426E-40dd-AFC4-6F175D3DCCD1}">
-              <a14:hiddenFill xmlns="" xmlns:a14="http://schemas.microsoft.com/office/drawing/2010/main">
+              <a14:hiddenFill xmlns:a14="http://schemas.microsoft.com/office/drawing/2010/main" xmlns="">
                 <a:solidFill>
                   <a:srgbClr val="FFFFFF"/>
                 </a:solidFill>
